--- a/Steelhead Annual Loss Prediction.pptx
+++ b/Steelhead Annual Loss Prediction.pptx
@@ -13,9 +13,9 @@
     <p:sldId id="261" r:id="rId7"/>
     <p:sldId id="265" r:id="rId8"/>
     <p:sldId id="266" r:id="rId9"/>
-    <p:sldId id="267" r:id="rId10"/>
-    <p:sldId id="268" r:id="rId11"/>
-    <p:sldId id="262" r:id="rId12"/>
+    <p:sldId id="268" r:id="rId10"/>
+    <p:sldId id="262" r:id="rId11"/>
+    <p:sldId id="269" r:id="rId12"/>
     <p:sldId id="264" r:id="rId13"/>
   </p:sldIdLst>
   <p:sldSz cx="12192000" cy="6858000"/>
@@ -126,8 +126,7 @@
 <file path=ppt/revisionInfo.xml><?xml version="1.0" encoding="utf-8"?>
 <p1510:revInfo xmlns:a="http://schemas.openxmlformats.org/drawingml/2006/main" xmlns:r="http://schemas.openxmlformats.org/officeDocument/2006/relationships" xmlns:p1510="http://schemas.microsoft.com/office/powerpoint/2015/10/main">
   <p1510:revLst>
-    <p1510:client id="{3DDD3F4C-2C7B-420A-BC55-273AAF875607}" v="1307" dt="2025-06-02T19:47:50.434"/>
-    <p1510:client id="{4FAD0E5E-E71C-D417-715F-46EBA2ABBC6A}" v="1" dt="2025-06-02T22:08:20.235"/>
+    <p1510:client id="{3DDD3F4C-2C7B-420A-BC55-273AAF875607}" v="1339" dt="2025-06-04T17:03:21.691"/>
   </p1510:revLst>
 </p1510:revInfo>
 </file>
@@ -229,10 +228,17 @@
   <pc:docChgLst>
     <pc:chgData name="Ehlo, Chase A" userId="a6660707-78aa-482c-b647-234fbd25e654" providerId="ADAL" clId="{3DDD3F4C-2C7B-420A-BC55-273AAF875607}"/>
     <pc:docChg chg="undo custSel addSld delSld modSld">
-      <pc:chgData name="Ehlo, Chase A" userId="a6660707-78aa-482c-b647-234fbd25e654" providerId="ADAL" clId="{3DDD3F4C-2C7B-420A-BC55-273AAF875607}" dt="2025-06-02T19:47:50.434" v="2471" actId="20577"/>
+      <pc:chgData name="Ehlo, Chase A" userId="a6660707-78aa-482c-b647-234fbd25e654" providerId="ADAL" clId="{3DDD3F4C-2C7B-420A-BC55-273AAF875607}" dt="2025-06-04T17:03:21.691" v="2529" actId="1076"/>
       <pc:docMkLst>
         <pc:docMk/>
       </pc:docMkLst>
+      <pc:sldChg chg="mod modShow">
+        <pc:chgData name="Ehlo, Chase A" userId="a6660707-78aa-482c-b647-234fbd25e654" providerId="ADAL" clId="{3DDD3F4C-2C7B-420A-BC55-273AAF875607}" dt="2025-06-04T16:29:23.997" v="2518" actId="729"/>
+        <pc:sldMkLst>
+          <pc:docMk/>
+          <pc:sldMk cId="2511201984" sldId="257"/>
+        </pc:sldMkLst>
+      </pc:sldChg>
       <pc:sldChg chg="modSp mod">
         <pc:chgData name="Ehlo, Chase A" userId="a6660707-78aa-482c-b647-234fbd25e654" providerId="ADAL" clId="{3DDD3F4C-2C7B-420A-BC55-273AAF875607}" dt="2025-06-02T18:34:16.601" v="2002" actId="20577"/>
         <pc:sldMkLst>
@@ -358,13 +364,13 @@
         </pc:sldMkLst>
       </pc:sldChg>
       <pc:sldChg chg="modSp mod">
-        <pc:chgData name="Ehlo, Chase A" userId="a6660707-78aa-482c-b647-234fbd25e654" providerId="ADAL" clId="{3DDD3F4C-2C7B-420A-BC55-273AAF875607}" dt="2025-06-02T19:43:26.032" v="2368" actId="20577"/>
+        <pc:chgData name="Ehlo, Chase A" userId="a6660707-78aa-482c-b647-234fbd25e654" providerId="ADAL" clId="{3DDD3F4C-2C7B-420A-BC55-273AAF875607}" dt="2025-06-04T16:26:02.345" v="2517" actId="20577"/>
         <pc:sldMkLst>
           <pc:docMk/>
           <pc:sldMk cId="729157342" sldId="264"/>
         </pc:sldMkLst>
         <pc:spChg chg="mod">
-          <ac:chgData name="Ehlo, Chase A" userId="a6660707-78aa-482c-b647-234fbd25e654" providerId="ADAL" clId="{3DDD3F4C-2C7B-420A-BC55-273AAF875607}" dt="2025-06-02T19:43:26.032" v="2368" actId="20577"/>
+          <ac:chgData name="Ehlo, Chase A" userId="a6660707-78aa-482c-b647-234fbd25e654" providerId="ADAL" clId="{3DDD3F4C-2C7B-420A-BC55-273AAF875607}" dt="2025-06-04T16:26:02.345" v="2517" actId="20577"/>
           <ac:spMkLst>
             <pc:docMk/>
             <pc:sldMk cId="729157342" sldId="264"/>
@@ -404,7 +410,7 @@
         </pc:graphicFrameChg>
       </pc:sldChg>
       <pc:sldChg chg="addSp modSp new mod">
-        <pc:chgData name="Ehlo, Chase A" userId="a6660707-78aa-482c-b647-234fbd25e654" providerId="ADAL" clId="{3DDD3F4C-2C7B-420A-BC55-273AAF875607}" dt="2025-06-02T19:47:50.434" v="2471" actId="20577"/>
+        <pc:chgData name="Ehlo, Chase A" userId="a6660707-78aa-482c-b647-234fbd25e654" providerId="ADAL" clId="{3DDD3F4C-2C7B-420A-BC55-273AAF875607}" dt="2025-06-04T16:21:55.467" v="2494" actId="313"/>
         <pc:sldMkLst>
           <pc:docMk/>
           <pc:sldMk cId="694619631" sldId="266"/>
@@ -426,7 +432,7 @@
           </ac:spMkLst>
         </pc:spChg>
         <pc:graphicFrameChg chg="add mod">
-          <ac:chgData name="Ehlo, Chase A" userId="a6660707-78aa-482c-b647-234fbd25e654" providerId="ADAL" clId="{3DDD3F4C-2C7B-420A-BC55-273AAF875607}" dt="2025-06-02T19:47:50.434" v="2471" actId="20577"/>
+          <ac:chgData name="Ehlo, Chase A" userId="a6660707-78aa-482c-b647-234fbd25e654" providerId="ADAL" clId="{3DDD3F4C-2C7B-420A-BC55-273AAF875607}" dt="2025-06-04T16:21:55.467" v="2494" actId="313"/>
           <ac:graphicFrameMkLst>
             <pc:docMk/>
             <pc:sldMk cId="694619631" sldId="266"/>
@@ -434,8 +440,8 @@
           </ac:graphicFrameMkLst>
         </pc:graphicFrameChg>
       </pc:sldChg>
-      <pc:sldChg chg="addSp delSp modSp new mod">
-        <pc:chgData name="Ehlo, Chase A" userId="a6660707-78aa-482c-b647-234fbd25e654" providerId="ADAL" clId="{3DDD3F4C-2C7B-420A-BC55-273AAF875607}" dt="2025-06-02T18:32:00.632" v="1949" actId="20577"/>
+      <pc:sldChg chg="addSp delSp modSp new del mod">
+        <pc:chgData name="Ehlo, Chase A" userId="a6660707-78aa-482c-b647-234fbd25e654" providerId="ADAL" clId="{3DDD3F4C-2C7B-420A-BC55-273AAF875607}" dt="2025-06-04T16:21:24.182" v="2472" actId="2696"/>
         <pc:sldMkLst>
           <pc:docMk/>
           <pc:sldMk cId="2461451127" sldId="267"/>
@@ -466,13 +472,13 @@
         </pc:picChg>
       </pc:sldChg>
       <pc:sldChg chg="addSp delSp modSp new mod">
-        <pc:chgData name="Ehlo, Chase A" userId="a6660707-78aa-482c-b647-234fbd25e654" providerId="ADAL" clId="{3DDD3F4C-2C7B-420A-BC55-273AAF875607}" dt="2025-06-02T18:33:53.018" v="1994" actId="20577"/>
+        <pc:chgData name="Ehlo, Chase A" userId="a6660707-78aa-482c-b647-234fbd25e654" providerId="ADAL" clId="{3DDD3F4C-2C7B-420A-BC55-273AAF875607}" dt="2025-06-04T16:25:14.224" v="2516" actId="14100"/>
         <pc:sldMkLst>
           <pc:docMk/>
           <pc:sldMk cId="1842736698" sldId="268"/>
         </pc:sldMkLst>
         <pc:spChg chg="add del mod">
-          <ac:chgData name="Ehlo, Chase A" userId="a6660707-78aa-482c-b647-234fbd25e654" providerId="ADAL" clId="{3DDD3F4C-2C7B-420A-BC55-273AAF875607}" dt="2025-06-02T18:33:53.018" v="1994" actId="20577"/>
+          <ac:chgData name="Ehlo, Chase A" userId="a6660707-78aa-482c-b647-234fbd25e654" providerId="ADAL" clId="{3DDD3F4C-2C7B-420A-BC55-273AAF875607}" dt="2025-06-04T16:25:14.224" v="2516" actId="14100"/>
           <ac:spMkLst>
             <pc:docMk/>
             <pc:sldMk cId="1842736698" sldId="268"/>
@@ -495,6 +501,61 @@
             <ac:graphicFrameMk id="4" creationId="{A1677A86-BFB3-C146-94B5-64FEC9F9EDD8}"/>
           </ac:graphicFrameMkLst>
         </pc:graphicFrameChg>
+      </pc:sldChg>
+      <pc:sldChg chg="addSp delSp modSp new">
+        <pc:chgData name="Ehlo, Chase A" userId="a6660707-78aa-482c-b647-234fbd25e654" providerId="ADAL" clId="{3DDD3F4C-2C7B-420A-BC55-273AAF875607}" dt="2025-06-04T17:03:21.691" v="2529" actId="1076"/>
+        <pc:sldMkLst>
+          <pc:docMk/>
+          <pc:sldMk cId="2520609120" sldId="269"/>
+        </pc:sldMkLst>
+        <pc:spChg chg="del">
+          <ac:chgData name="Ehlo, Chase A" userId="a6660707-78aa-482c-b647-234fbd25e654" providerId="ADAL" clId="{3DDD3F4C-2C7B-420A-BC55-273AAF875607}" dt="2025-06-04T17:02:17.994" v="2520"/>
+          <ac:spMkLst>
+            <pc:docMk/>
+            <pc:sldMk cId="2520609120" sldId="269"/>
+            <ac:spMk id="3" creationId="{489A1B7F-636D-F390-3538-5E8DD9B51BE0}"/>
+          </ac:spMkLst>
+        </pc:spChg>
+        <pc:spChg chg="add del mod">
+          <ac:chgData name="Ehlo, Chase A" userId="a6660707-78aa-482c-b647-234fbd25e654" providerId="ADAL" clId="{3DDD3F4C-2C7B-420A-BC55-273AAF875607}" dt="2025-06-04T17:02:48.591" v="2523"/>
+          <ac:spMkLst>
+            <pc:docMk/>
+            <pc:sldMk cId="2520609120" sldId="269"/>
+            <ac:spMk id="4" creationId="{9138E4E0-037A-5370-8861-0F415027350B}"/>
+          </ac:spMkLst>
+        </pc:spChg>
+        <pc:spChg chg="add del">
+          <ac:chgData name="Ehlo, Chase A" userId="a6660707-78aa-482c-b647-234fbd25e654" providerId="ADAL" clId="{3DDD3F4C-2C7B-420A-BC55-273AAF875607}" dt="2025-06-04T17:02:22.372" v="2522" actId="478"/>
+          <ac:spMkLst>
+            <pc:docMk/>
+            <pc:sldMk cId="2520609120" sldId="269"/>
+            <ac:spMk id="5" creationId="{4CAE890E-C908-36E5-E170-2A43B17262D4}"/>
+          </ac:spMkLst>
+        </pc:spChg>
+        <pc:spChg chg="add del mod">
+          <ac:chgData name="Ehlo, Chase A" userId="a6660707-78aa-482c-b647-234fbd25e654" providerId="ADAL" clId="{3DDD3F4C-2C7B-420A-BC55-273AAF875607}" dt="2025-06-04T17:03:17.523" v="2525"/>
+          <ac:spMkLst>
+            <pc:docMk/>
+            <pc:sldMk cId="2520609120" sldId="269"/>
+            <ac:spMk id="6" creationId="{61402796-A0A7-5CD0-D9FF-65F4C4168485}"/>
+          </ac:spMkLst>
+        </pc:spChg>
+        <pc:spChg chg="add">
+          <ac:chgData name="Ehlo, Chase A" userId="a6660707-78aa-482c-b647-234fbd25e654" providerId="ADAL" clId="{3DDD3F4C-2C7B-420A-BC55-273AAF875607}" dt="2025-06-04T17:02:51.007" v="2524"/>
+          <ac:spMkLst>
+            <pc:docMk/>
+            <pc:sldMk cId="2520609120" sldId="269"/>
+            <ac:spMk id="7" creationId="{A608475A-6572-B6F2-74FE-E186F553FCD0}"/>
+          </ac:spMkLst>
+        </pc:spChg>
+        <pc:picChg chg="add mod">
+          <ac:chgData name="Ehlo, Chase A" userId="a6660707-78aa-482c-b647-234fbd25e654" providerId="ADAL" clId="{3DDD3F4C-2C7B-420A-BC55-273AAF875607}" dt="2025-06-04T17:03:21.691" v="2529" actId="1076"/>
+          <ac:picMkLst>
+            <pc:docMk/>
+            <pc:sldMk cId="2520609120" sldId="269"/>
+            <ac:picMk id="9" creationId="{24143C17-A21F-E1A6-F01A-B4209E0B049E}"/>
+          </ac:picMkLst>
+        </pc:picChg>
       </pc:sldChg>
     </pc:docChg>
   </pc:docChgLst>
@@ -3899,7 +3960,7 @@
         <a:p>
           <a:r>
             <a:rPr lang="en-US" sz="2400" dirty="0"/>
-            <a:t>Performed k-fold cross-validation on top-5 models</a:t>
+            <a:t>Performed k-fold and ‘leave one out’ cross-validation on top-5 models</a:t>
           </a:r>
         </a:p>
       </dgm:t>
@@ -3987,10 +4048,24 @@
     <dgm:pt modelId="{297FEC18-CA13-4EB6-9BA2-F1690D83227D}" type="parTrans" cxnId="{E7014561-230F-4C66-B35C-83A9C1996778}">
       <dgm:prSet/>
       <dgm:spPr/>
+      <dgm:t>
+        <a:bodyPr/>
+        <a:lstStyle/>
+        <a:p>
+          <a:endParaRPr lang="en-US"/>
+        </a:p>
+      </dgm:t>
     </dgm:pt>
     <dgm:pt modelId="{B7346D22-594B-450D-B725-38AF6DE40BDB}" type="sibTrans" cxnId="{E7014561-230F-4C66-B35C-83A9C1996778}">
       <dgm:prSet/>
       <dgm:spPr/>
+      <dgm:t>
+        <a:bodyPr/>
+        <a:lstStyle/>
+        <a:p>
+          <a:endParaRPr lang="en-US"/>
+        </a:p>
+      </dgm:t>
     </dgm:pt>
     <dgm:pt modelId="{D48F13A9-E079-45E7-9B06-B9E74A00193D}" type="pres">
       <dgm:prSet presAssocID="{A4E3F601-A1FD-41EC-A935-BB8C6A21C0B9}" presName="Name0" presStyleCnt="0">
@@ -5377,7 +5452,7 @@
           </a:pPr>
           <a:r>
             <a:rPr lang="en-US" sz="2400" kern="1200" dirty="0"/>
-            <a:t>Performed k-fold cross-validation on top-5 models</a:t>
+            <a:t>Performed k-fold and ‘leave one out’ cross-validation on top-5 models</a:t>
           </a:r>
         </a:p>
       </dsp:txBody>
@@ -10349,7 +10424,7 @@
           <a:p>
             <a:fld id="{5F380A98-F1C7-4D83-91DB-0EF3D4E38D70}" type="datetimeFigureOut">
               <a:rPr lang="en-US" smtClean="0"/>
-              <a:t>6/2/2025</a:t>
+              <a:t>6/4/2025</a:t>
             </a:fld>
             <a:endParaRPr lang="en-US"/>
           </a:p>
@@ -10547,7 +10622,7 @@
           <a:p>
             <a:fld id="{5F380A98-F1C7-4D83-91DB-0EF3D4E38D70}" type="datetimeFigureOut">
               <a:rPr lang="en-US" smtClean="0"/>
-              <a:t>6/2/2025</a:t>
+              <a:t>6/4/2025</a:t>
             </a:fld>
             <a:endParaRPr lang="en-US"/>
           </a:p>
@@ -10755,7 +10830,7 @@
           <a:p>
             <a:fld id="{5F380A98-F1C7-4D83-91DB-0EF3D4E38D70}" type="datetimeFigureOut">
               <a:rPr lang="en-US" smtClean="0"/>
-              <a:t>6/2/2025</a:t>
+              <a:t>6/4/2025</a:t>
             </a:fld>
             <a:endParaRPr lang="en-US"/>
           </a:p>
@@ -10997,7 +11072,7 @@
           <a:p>
             <a:fld id="{5F380A98-F1C7-4D83-91DB-0EF3D4E38D70}" type="datetimeFigureOut">
               <a:rPr lang="en-US" smtClean="0"/>
-              <a:t>6/2/2025</a:t>
+              <a:t>6/4/2025</a:t>
             </a:fld>
             <a:endParaRPr lang="en-US"/>
           </a:p>
@@ -11272,7 +11347,7 @@
           <a:p>
             <a:fld id="{5F380A98-F1C7-4D83-91DB-0EF3D4E38D70}" type="datetimeFigureOut">
               <a:rPr lang="en-US" smtClean="0"/>
-              <a:t>6/2/2025</a:t>
+              <a:t>6/4/2025</a:t>
             </a:fld>
             <a:endParaRPr lang="en-US"/>
           </a:p>
@@ -11537,7 +11612,7 @@
           <a:p>
             <a:fld id="{5F380A98-F1C7-4D83-91DB-0EF3D4E38D70}" type="datetimeFigureOut">
               <a:rPr lang="en-US" smtClean="0"/>
-              <a:t>6/2/2025</a:t>
+              <a:t>6/4/2025</a:t>
             </a:fld>
             <a:endParaRPr lang="en-US"/>
           </a:p>
@@ -11949,7 +12024,7 @@
           <a:p>
             <a:fld id="{5F380A98-F1C7-4D83-91DB-0EF3D4E38D70}" type="datetimeFigureOut">
               <a:rPr lang="en-US" smtClean="0"/>
-              <a:t>6/2/2025</a:t>
+              <a:t>6/4/2025</a:t>
             </a:fld>
             <a:endParaRPr lang="en-US"/>
           </a:p>
@@ -12090,7 +12165,7 @@
           <a:p>
             <a:fld id="{5F380A98-F1C7-4D83-91DB-0EF3D4E38D70}" type="datetimeFigureOut">
               <a:rPr lang="en-US" smtClean="0"/>
-              <a:t>6/2/2025</a:t>
+              <a:t>6/4/2025</a:t>
             </a:fld>
             <a:endParaRPr lang="en-US"/>
           </a:p>
@@ -12203,7 +12278,7 @@
           <a:p>
             <a:fld id="{5F380A98-F1C7-4D83-91DB-0EF3D4E38D70}" type="datetimeFigureOut">
               <a:rPr lang="en-US" smtClean="0"/>
-              <a:t>6/2/2025</a:t>
+              <a:t>6/4/2025</a:t>
             </a:fld>
             <a:endParaRPr lang="en-US"/>
           </a:p>
@@ -12514,7 +12589,7 @@
           <a:p>
             <a:fld id="{5F380A98-F1C7-4D83-91DB-0EF3D4E38D70}" type="datetimeFigureOut">
               <a:rPr lang="en-US" smtClean="0"/>
-              <a:t>6/2/2025</a:t>
+              <a:t>6/4/2025</a:t>
             </a:fld>
             <a:endParaRPr lang="en-US"/>
           </a:p>
@@ -12802,7 +12877,7 @@
           <a:p>
             <a:fld id="{5F380A98-F1C7-4D83-91DB-0EF3D4E38D70}" type="datetimeFigureOut">
               <a:rPr lang="en-US" smtClean="0"/>
-              <a:t>6/2/2025</a:t>
+              <a:t>6/4/2025</a:t>
             </a:fld>
             <a:endParaRPr lang="en-US"/>
           </a:p>
@@ -13046,7 +13121,7 @@
           <a:p>
             <a:fld id="{5F380A98-F1C7-4D83-91DB-0EF3D4E38D70}" type="datetimeFigureOut">
               <a:rPr lang="en-US" smtClean="0"/>
-              <a:t>6/2/2025</a:t>
+              <a:t>6/4/2025</a:t>
             </a:fld>
             <a:endParaRPr lang="en-US"/>
           </a:p>
@@ -13572,323 +13647,6 @@
           <p:cNvPr id="2" name="Title 1">
             <a:extLst>
               <a:ext uri="{FF2B5EF4-FFF2-40B4-BE49-F238E27FC236}">
-                <a16:creationId xmlns:a16="http://schemas.microsoft.com/office/drawing/2014/main" id="{1BD11FC7-A1D8-11CC-971A-BEAA89586BE3}"/>
-              </a:ext>
-            </a:extLst>
-          </p:cNvPr>
-          <p:cNvSpPr>
-            <a:spLocks noGrp="1"/>
-          </p:cNvSpPr>
-          <p:nvPr>
-            <p:ph type="title"/>
-          </p:nvPr>
-        </p:nvSpPr>
-        <p:spPr/>
-        <p:txBody>
-          <a:bodyPr/>
-          <a:lstStyle/>
-          <a:p>
-            <a:r>
-              <a:rPr lang="en-US" dirty="0"/>
-              <a:t>What explains the most variation?</a:t>
-            </a:r>
-          </a:p>
-        </p:txBody>
-      </p:sp>
-      <p:graphicFrame>
-        <p:nvGraphicFramePr>
-          <p:cNvPr id="4" name="Content Placeholder 3">
-            <a:extLst>
-              <a:ext uri="{FF2B5EF4-FFF2-40B4-BE49-F238E27FC236}">
-                <a16:creationId xmlns:a16="http://schemas.microsoft.com/office/drawing/2014/main" id="{A1677A86-BFB3-C146-94B5-64FEC9F9EDD8}"/>
-              </a:ext>
-            </a:extLst>
-          </p:cNvPr>
-          <p:cNvGraphicFramePr>
-            <a:graphicFrameLocks noGrp="1"/>
-          </p:cNvGraphicFramePr>
-          <p:nvPr>
-            <p:ph idx="1"/>
-            <p:extLst>
-              <p:ext uri="{D42A27DB-BD31-4B8C-83A1-F6EECF244321}">
-                <p14:modId xmlns:p14="http://schemas.microsoft.com/office/powerpoint/2010/main" val="336309353"/>
-              </p:ext>
-            </p:extLst>
-          </p:nvPr>
-        </p:nvGraphicFramePr>
-        <p:xfrm>
-          <a:off x="1626141" y="2217906"/>
-          <a:ext cx="8480898" cy="3686784"/>
-        </p:xfrm>
-        <a:graphic>
-          <a:graphicData uri="http://schemas.openxmlformats.org/drawingml/2006/table">
-            <a:tbl>
-              <a:tblPr>
-                <a:tableStyleId>{5C22544A-7EE6-4342-B048-85BDC9FD1C3A}</a:tableStyleId>
-              </a:tblPr>
-              <a:tblGrid>
-                <a:gridCol w="4240449">
-                  <a:extLst>
-                    <a:ext uri="{9D8B030D-6E8A-4147-A177-3AD203B41FA5}">
-                      <a16:colId xmlns:a16="http://schemas.microsoft.com/office/drawing/2014/main" val="1098758578"/>
-                    </a:ext>
-                  </a:extLst>
-                </a:gridCol>
-                <a:gridCol w="4240449">
-                  <a:extLst>
-                    <a:ext uri="{9D8B030D-6E8A-4147-A177-3AD203B41FA5}">
-                      <a16:colId xmlns:a16="http://schemas.microsoft.com/office/drawing/2014/main" val="3277159197"/>
-                    </a:ext>
-                  </a:extLst>
-                </a:gridCol>
-              </a:tblGrid>
-              <a:tr h="614464">
-                <a:tc>
-                  <a:txBody>
-                    <a:bodyPr/>
-                    <a:lstStyle/>
-                    <a:p>
-                      <a:r>
-                        <a:rPr lang="en-US" sz="2000" b="1"/>
-                        <a:t>Term</a:t>
-                      </a:r>
-                    </a:p>
-                  </a:txBody>
-                  <a:tcPr anchor="ctr"/>
-                </a:tc>
-                <a:tc>
-                  <a:txBody>
-                    <a:bodyPr/>
-                    <a:lstStyle/>
-                    <a:p>
-                      <a:pPr algn="ctr"/>
-                      <a:r>
-                        <a:rPr lang="el-GR" sz="2000" b="1" dirty="0"/>
-                        <a:t>Δ </a:t>
-                      </a:r>
-                      <a:r>
-                        <a:rPr lang="en-US" sz="2000" b="1" dirty="0"/>
-                        <a:t>Deviance</a:t>
-                      </a:r>
-                    </a:p>
-                  </a:txBody>
-                  <a:tcPr anchor="ctr"/>
-                </a:tc>
-                <a:extLst>
-                  <a:ext uri="{0D108BD9-81ED-4DB2-BD59-A6C34878D82A}">
-                    <a16:rowId xmlns:a16="http://schemas.microsoft.com/office/drawing/2014/main" val="4160181553"/>
-                  </a:ext>
-                </a:extLst>
-              </a:tr>
-              <a:tr h="614464">
-                <a:tc>
-                  <a:txBody>
-                    <a:bodyPr/>
-                    <a:lstStyle/>
-                    <a:p>
-                      <a:r>
-                        <a:rPr lang="en-US" dirty="0"/>
-                        <a:t>facility</a:t>
-                      </a:r>
-                    </a:p>
-                  </a:txBody>
-                  <a:tcPr anchor="ctr"/>
-                </a:tc>
-                <a:tc>
-                  <a:txBody>
-                    <a:bodyPr/>
-                    <a:lstStyle/>
-                    <a:p>
-                      <a:pPr algn="ctr"/>
-                      <a:r>
-                        <a:rPr lang="en-US" dirty="0"/>
-                        <a:t>91.2</a:t>
-                      </a:r>
-                    </a:p>
-                  </a:txBody>
-                  <a:tcPr anchor="ctr"/>
-                </a:tc>
-                <a:extLst>
-                  <a:ext uri="{0D108BD9-81ED-4DB2-BD59-A6C34878D82A}">
-                    <a16:rowId xmlns:a16="http://schemas.microsoft.com/office/drawing/2014/main" val="3428982015"/>
-                  </a:ext>
-                </a:extLst>
-              </a:tr>
-              <a:tr h="614464">
-                <a:tc>
-                  <a:txBody>
-                    <a:bodyPr/>
-                    <a:lstStyle/>
-                    <a:p>
-                      <a:r>
-                        <a:rPr lang="en-US" dirty="0"/>
-                        <a:t>sj_index_prev:sj_index_prev2</a:t>
-                      </a:r>
-                    </a:p>
-                  </a:txBody>
-                  <a:tcPr anchor="ctr"/>
-                </a:tc>
-                <a:tc>
-                  <a:txBody>
-                    <a:bodyPr/>
-                    <a:lstStyle/>
-                    <a:p>
-                      <a:pPr algn="ctr"/>
-                      <a:r>
-                        <a:rPr lang="en-US"/>
-                        <a:t>55.8</a:t>
-                      </a:r>
-                    </a:p>
-                  </a:txBody>
-                  <a:tcPr anchor="ctr"/>
-                </a:tc>
-                <a:extLst>
-                  <a:ext uri="{0D108BD9-81ED-4DB2-BD59-A6C34878D82A}">
-                    <a16:rowId xmlns:a16="http://schemas.microsoft.com/office/drawing/2014/main" val="3214675553"/>
-                  </a:ext>
-                </a:extLst>
-              </a:tr>
-              <a:tr h="614464">
-                <a:tc>
-                  <a:txBody>
-                    <a:bodyPr/>
-                    <a:lstStyle/>
-                    <a:p>
-                      <a:r>
-                        <a:rPr lang="en-US" dirty="0"/>
-                        <a:t>exports</a:t>
-                      </a:r>
-                    </a:p>
-                  </a:txBody>
-                  <a:tcPr anchor="ctr"/>
-                </a:tc>
-                <a:tc>
-                  <a:txBody>
-                    <a:bodyPr/>
-                    <a:lstStyle/>
-                    <a:p>
-                      <a:pPr algn="ctr"/>
-                      <a:r>
-                        <a:rPr lang="en-US"/>
-                        <a:t>52.2</a:t>
-                      </a:r>
-                    </a:p>
-                  </a:txBody>
-                  <a:tcPr anchor="ctr"/>
-                </a:tc>
-                <a:extLst>
-                  <a:ext uri="{0D108BD9-81ED-4DB2-BD59-A6C34878D82A}">
-                    <a16:rowId xmlns:a16="http://schemas.microsoft.com/office/drawing/2014/main" val="1731639929"/>
-                  </a:ext>
-                </a:extLst>
-              </a:tr>
-              <a:tr h="614464">
-                <a:tc>
-                  <a:txBody>
-                    <a:bodyPr/>
-                    <a:lstStyle/>
-                    <a:p>
-                      <a:r>
-                        <a:rPr lang="en-US"/>
-                        <a:t>OMR_mean</a:t>
-                      </a:r>
-                    </a:p>
-                  </a:txBody>
-                  <a:tcPr anchor="ctr"/>
-                </a:tc>
-                <a:tc>
-                  <a:txBody>
-                    <a:bodyPr/>
-                    <a:lstStyle/>
-                    <a:p>
-                      <a:pPr algn="ctr"/>
-                      <a:r>
-                        <a:rPr lang="en-US"/>
-                        <a:t>44.0</a:t>
-                      </a:r>
-                    </a:p>
-                  </a:txBody>
-                  <a:tcPr anchor="ctr"/>
-                </a:tc>
-                <a:extLst>
-                  <a:ext uri="{0D108BD9-81ED-4DB2-BD59-A6C34878D82A}">
-                    <a16:rowId xmlns:a16="http://schemas.microsoft.com/office/drawing/2014/main" val="3949177521"/>
-                  </a:ext>
-                </a:extLst>
-              </a:tr>
-              <a:tr h="614464">
-                <a:tc>
-                  <a:txBody>
-                    <a:bodyPr/>
-                    <a:lstStyle/>
-                    <a:p>
-                      <a:r>
-                        <a:rPr lang="en-US"/>
-                        <a:t>sac</a:t>
-                      </a:r>
-                    </a:p>
-                  </a:txBody>
-                  <a:tcPr anchor="ctr"/>
-                </a:tc>
-                <a:tc>
-                  <a:txBody>
-                    <a:bodyPr/>
-                    <a:lstStyle/>
-                    <a:p>
-                      <a:pPr algn="ctr"/>
-                      <a:r>
-                        <a:rPr lang="en-US" dirty="0"/>
-                        <a:t>38.6</a:t>
-                      </a:r>
-                    </a:p>
-                  </a:txBody>
-                  <a:tcPr anchor="ctr"/>
-                </a:tc>
-                <a:extLst>
-                  <a:ext uri="{0D108BD9-81ED-4DB2-BD59-A6C34878D82A}">
-                    <a16:rowId xmlns:a16="http://schemas.microsoft.com/office/drawing/2014/main" val="95420592"/>
-                  </a:ext>
-                </a:extLst>
-              </a:tr>
-            </a:tbl>
-          </a:graphicData>
-        </a:graphic>
-      </p:graphicFrame>
-    </p:spTree>
-    <p:extLst>
-      <p:ext uri="{BB962C8B-B14F-4D97-AF65-F5344CB8AC3E}">
-        <p14:creationId xmlns:p14="http://schemas.microsoft.com/office/powerpoint/2010/main" val="1842736698"/>
-      </p:ext>
-    </p:extLst>
-  </p:cSld>
-  <p:clrMapOvr>
-    <a:masterClrMapping/>
-  </p:clrMapOvr>
-</p:sld>
-</file>
-
-<file path=ppt/slides/slide11.xml><?xml version="1.0" encoding="utf-8"?>
-<p:sld xmlns:a="http://schemas.openxmlformats.org/drawingml/2006/main" xmlns:r="http://schemas.openxmlformats.org/officeDocument/2006/relationships" xmlns:p="http://schemas.openxmlformats.org/presentationml/2006/main">
-  <p:cSld>
-    <p:spTree>
-      <p:nvGrpSpPr>
-        <p:cNvPr id="1" name=""/>
-        <p:cNvGrpSpPr/>
-        <p:nvPr/>
-      </p:nvGrpSpPr>
-      <p:grpSpPr>
-        <a:xfrm>
-          <a:off x="0" y="0"/>
-          <a:ext cx="0" cy="0"/>
-          <a:chOff x="0" y="0"/>
-          <a:chExt cx="0" cy="0"/>
-        </a:xfrm>
-      </p:grpSpPr>
-      <p:sp>
-        <p:nvSpPr>
-          <p:cNvPr id="2" name="Title 1">
-            <a:extLst>
-              <a:ext uri="{FF2B5EF4-FFF2-40B4-BE49-F238E27FC236}">
                 <a16:creationId xmlns:a16="http://schemas.microsoft.com/office/drawing/2014/main" id="{286A0E61-832B-E11F-B624-815F2EFE01DA}"/>
               </a:ext>
             </a:extLst>
@@ -14000,6 +13758,154 @@
 </p:sld>
 </file>
 
+<file path=ppt/slides/slide11.xml><?xml version="1.0" encoding="utf-8"?>
+<p:sld xmlns:a="http://schemas.openxmlformats.org/drawingml/2006/main" xmlns:r="http://schemas.openxmlformats.org/officeDocument/2006/relationships" xmlns:p="http://schemas.openxmlformats.org/presentationml/2006/main">
+  <p:cSld>
+    <p:spTree>
+      <p:nvGrpSpPr>
+        <p:cNvPr id="1" name=""/>
+        <p:cNvGrpSpPr/>
+        <p:nvPr/>
+      </p:nvGrpSpPr>
+      <p:grpSpPr>
+        <a:xfrm>
+          <a:off x="0" y="0"/>
+          <a:ext cx="0" cy="0"/>
+          <a:chOff x="0" y="0"/>
+          <a:chExt cx="0" cy="0"/>
+        </a:xfrm>
+      </p:grpSpPr>
+      <p:sp>
+        <p:nvSpPr>
+          <p:cNvPr id="2" name="Title 1">
+            <a:extLst>
+              <a:ext uri="{FF2B5EF4-FFF2-40B4-BE49-F238E27FC236}">
+                <a16:creationId xmlns:a16="http://schemas.microsoft.com/office/drawing/2014/main" id="{C7464263-39C5-F858-A89F-ACFCD15B81EB}"/>
+              </a:ext>
+            </a:extLst>
+          </p:cNvPr>
+          <p:cNvSpPr>
+            <a:spLocks noGrp="1"/>
+          </p:cNvSpPr>
+          <p:nvPr>
+            <p:ph type="title"/>
+          </p:nvPr>
+        </p:nvSpPr>
+        <p:spPr/>
+        <p:txBody>
+          <a:bodyPr/>
+          <a:lstStyle/>
+          <a:p>
+            <a:endParaRPr lang="en-US"/>
+          </a:p>
+        </p:txBody>
+      </p:sp>
+      <p:pic>
+        <p:nvPicPr>
+          <p:cNvPr id="9" name="Content Placeholder 8" descr="Graphical user interface, chart&#10;&#10;AI-generated content may be incorrect.">
+            <a:extLst>
+              <a:ext uri="{FF2B5EF4-FFF2-40B4-BE49-F238E27FC236}">
+                <a16:creationId xmlns:a16="http://schemas.microsoft.com/office/drawing/2014/main" id="{24143C17-A21F-E1A6-F01A-B4209E0B049E}"/>
+              </a:ext>
+            </a:extLst>
+          </p:cNvPr>
+          <p:cNvPicPr>
+            <a:picLocks noGrp="1" noChangeAspect="1"/>
+          </p:cNvPicPr>
+          <p:nvPr>
+            <p:ph idx="1"/>
+          </p:nvPr>
+        </p:nvPicPr>
+        <p:blipFill>
+          <a:blip r:embed="rId2">
+            <a:extLst>
+              <a:ext uri="{28A0092B-C50C-407E-A947-70E740481C1C}">
+                <a14:useLocalDpi xmlns:a14="http://schemas.microsoft.com/office/drawing/2010/main" val="0"/>
+              </a:ext>
+            </a:extLst>
+          </a:blip>
+          <a:stretch>
+            <a:fillRect/>
+          </a:stretch>
+        </p:blipFill>
+        <p:spPr bwMode="auto">
+          <a:xfrm>
+            <a:off x="1872804" y="1157592"/>
+            <a:ext cx="8141591" cy="5204197"/>
+          </a:xfrm>
+          <a:prstGeom prst="rect">
+            <a:avLst/>
+          </a:prstGeom>
+          <a:noFill/>
+          <a:extLst>
+            <a:ext uri="{909E8E84-426E-40DD-AFC4-6F175D3DCCD1}">
+              <a14:hiddenFill xmlns:a14="http://schemas.microsoft.com/office/drawing/2010/main">
+                <a:solidFill>
+                  <a:srgbClr val="FFFFFF"/>
+                </a:solidFill>
+              </a14:hiddenFill>
+            </a:ext>
+          </a:extLst>
+        </p:spPr>
+      </p:pic>
+      <p:sp>
+        <p:nvSpPr>
+          <p:cNvPr id="7" name="AutoShape 8">
+            <a:extLst>
+              <a:ext uri="{FF2B5EF4-FFF2-40B4-BE49-F238E27FC236}">
+                <a16:creationId xmlns:a16="http://schemas.microsoft.com/office/drawing/2014/main" id="{A608475A-6572-B6F2-74FE-E186F553FCD0}"/>
+              </a:ext>
+            </a:extLst>
+          </p:cNvPr>
+          <p:cNvSpPr>
+            <a:spLocks noChangeAspect="1" noChangeArrowheads="1"/>
+          </p:cNvSpPr>
+          <p:nvPr/>
+        </p:nvSpPr>
+        <p:spPr bwMode="auto">
+          <a:xfrm>
+            <a:off x="5943600" y="3276600"/>
+            <a:ext cx="304800" cy="304800"/>
+          </a:xfrm>
+          <a:prstGeom prst="rect">
+            <a:avLst/>
+          </a:prstGeom>
+          <a:noFill/>
+          <a:extLst>
+            <a:ext uri="{909E8E84-426E-40DD-AFC4-6F175D3DCCD1}">
+              <a14:hiddenFill xmlns:a14="http://schemas.microsoft.com/office/drawing/2010/main">
+                <a:solidFill>
+                  <a:srgbClr val="FFFFFF"/>
+                </a:solidFill>
+              </a14:hiddenFill>
+            </a:ext>
+          </a:extLst>
+        </p:spPr>
+        <p:txBody>
+          <a:bodyPr vert="horz" wrap="square" lIns="91440" tIns="45720" rIns="91440" bIns="45720" numCol="1" anchor="t" anchorCtr="0" compatLnSpc="1">
+            <a:prstTxWarp prst="textNoShape">
+              <a:avLst/>
+            </a:prstTxWarp>
+          </a:bodyPr>
+          <a:lstStyle/>
+          <a:p>
+            <a:endParaRPr lang="en-US"/>
+          </a:p>
+        </p:txBody>
+      </p:sp>
+    </p:spTree>
+    <p:extLst>
+      <p:ext uri="{BB962C8B-B14F-4D97-AF65-F5344CB8AC3E}">
+        <p14:creationId xmlns:p14="http://schemas.microsoft.com/office/powerpoint/2010/main" val="2520609120"/>
+      </p:ext>
+    </p:extLst>
+  </p:cSld>
+  <p:clrMapOvr>
+    <a:masterClrMapping/>
+  </p:clrMapOvr>
+</p:sld>
+</file>
+
 <file path=ppt/slides/slide12.xml><?xml version="1.0" encoding="utf-8"?>
 <p:sld xmlns:a="http://schemas.openxmlformats.org/drawingml/2006/main" xmlns:r="http://schemas.openxmlformats.org/officeDocument/2006/relationships" xmlns:p="http://schemas.openxmlformats.org/presentationml/2006/main">
   <p:cSld>
@@ -14101,12 +14007,6 @@
               <a:t>Integrate into JPE development</a:t>
             </a:r>
           </a:p>
-          <a:p>
-            <a:r>
-              <a:rPr lang="en-US" dirty="0"/>
-              <a:t>Start presenting at conferences?</a:t>
-            </a:r>
-          </a:p>
         </p:txBody>
       </p:sp>
     </p:spTree>
@@ -14123,7 +14023,7 @@
 </file>
 
 <file path=ppt/slides/slide2.xml><?xml version="1.0" encoding="utf-8"?>
-<p:sld xmlns:a="http://schemas.openxmlformats.org/drawingml/2006/main" xmlns:r="http://schemas.openxmlformats.org/officeDocument/2006/relationships" xmlns:p="http://schemas.openxmlformats.org/presentationml/2006/main">
+<p:sld xmlns:a="http://schemas.openxmlformats.org/drawingml/2006/main" xmlns:r="http://schemas.openxmlformats.org/officeDocument/2006/relationships" xmlns:p="http://schemas.openxmlformats.org/presentationml/2006/main" show="0">
   <p:cSld>
     <p:spTree>
       <p:nvGrpSpPr>
@@ -15388,7 +15288,7 @@
           <p:nvPr>
             <p:extLst>
               <p:ext uri="{D42A27DB-BD31-4B8C-83A1-F6EECF244321}">
-                <p14:modId xmlns:p14="http://schemas.microsoft.com/office/powerpoint/2010/main" val="2261282802"/>
+                <p14:modId xmlns:p14="http://schemas.microsoft.com/office/powerpoint/2010/main" val="62181980"/>
               </p:ext>
             </p:extLst>
           </p:nvPr>
@@ -15438,7 +15338,7 @@
           <p:cNvPr id="2" name="Title 1">
             <a:extLst>
               <a:ext uri="{FF2B5EF4-FFF2-40B4-BE49-F238E27FC236}">
-                <a16:creationId xmlns:a16="http://schemas.microsoft.com/office/drawing/2014/main" id="{CEBB1430-DEE2-9504-D4D3-B8869BFDBB6B}"/>
+                <a16:creationId xmlns:a16="http://schemas.microsoft.com/office/drawing/2014/main" id="{1BD11FC7-A1D8-11CC-971A-BEAA89586BE3}"/>
               </a:ext>
             </a:extLst>
           </p:cNvPr>
@@ -15449,56 +15349,298 @@
             <p:ph type="title"/>
           </p:nvPr>
         </p:nvSpPr>
-        <p:spPr/>
+        <p:spPr>
+          <a:xfrm>
+            <a:off x="838200" y="1040860"/>
+            <a:ext cx="10515600" cy="649828"/>
+          </a:xfrm>
+        </p:spPr>
         <p:txBody>
-          <a:bodyPr/>
+          <a:bodyPr>
+            <a:normAutofit fontScale="90000"/>
+          </a:bodyPr>
           <a:lstStyle/>
           <a:p>
             <a:r>
               <a:rPr lang="en-US" dirty="0"/>
-              <a:t>Model Selection pt. 2b</a:t>
+              <a:t>What explains the most variation?</a:t>
+            </a:r>
+            <a:br>
+              <a:rPr lang="en-US" dirty="0"/>
+            </a:br>
+            <a:br>
+              <a:rPr lang="en-US" dirty="0"/>
+            </a:br>
+            <a:r>
+              <a:rPr lang="en-US" sz="3100" dirty="0"/>
+              <a:t>Drop 1 function</a:t>
             </a:r>
           </a:p>
         </p:txBody>
       </p:sp>
-      <p:pic>
-        <p:nvPicPr>
-          <p:cNvPr id="5" name="Content Placeholder 4" descr="Table&#10;&#10;AI-generated content may be incorrect.">
+      <p:graphicFrame>
+        <p:nvGraphicFramePr>
+          <p:cNvPr id="4" name="Content Placeholder 3">
             <a:extLst>
               <a:ext uri="{FF2B5EF4-FFF2-40B4-BE49-F238E27FC236}">
-                <a16:creationId xmlns:a16="http://schemas.microsoft.com/office/drawing/2014/main" id="{AE887086-B6FA-5DC3-D5E8-D00777677901}"/>
+                <a16:creationId xmlns:a16="http://schemas.microsoft.com/office/drawing/2014/main" id="{A1677A86-BFB3-C146-94B5-64FEC9F9EDD8}"/>
               </a:ext>
             </a:extLst>
           </p:cNvPr>
-          <p:cNvPicPr>
-            <a:picLocks noGrp="1" noChangeAspect="1"/>
-          </p:cNvPicPr>
+          <p:cNvGraphicFramePr>
+            <a:graphicFrameLocks noGrp="1"/>
+          </p:cNvGraphicFramePr>
           <p:nvPr>
             <p:ph idx="1"/>
+            <p:extLst>
+              <p:ext uri="{D42A27DB-BD31-4B8C-83A1-F6EECF244321}">
+                <p14:modId xmlns:p14="http://schemas.microsoft.com/office/powerpoint/2010/main" val="336309353"/>
+              </p:ext>
+            </p:extLst>
           </p:nvPr>
-        </p:nvPicPr>
-        <p:blipFill>
-          <a:blip r:embed="rId2">
-            <a:extLst>
-              <a:ext uri="{28A0092B-C50C-407E-A947-70E740481C1C}">
-                <a14:useLocalDpi xmlns:a14="http://schemas.microsoft.com/office/drawing/2010/main" val="0"/>
-              </a:ext>
-            </a:extLst>
-          </a:blip>
-          <a:srcRect b="31072"/>
-          <a:stretch/>
-        </p:blipFill>
-        <p:spPr>
-          <a:xfrm>
-            <a:off x="628840" y="1680940"/>
-            <a:ext cx="10954640" cy="4153710"/>
-          </a:xfrm>
-        </p:spPr>
-      </p:pic>
+        </p:nvGraphicFramePr>
+        <p:xfrm>
+          <a:off x="1626141" y="2217906"/>
+          <a:ext cx="8480898" cy="3686784"/>
+        </p:xfrm>
+        <a:graphic>
+          <a:graphicData uri="http://schemas.openxmlformats.org/drawingml/2006/table">
+            <a:tbl>
+              <a:tblPr>
+                <a:tableStyleId>{5C22544A-7EE6-4342-B048-85BDC9FD1C3A}</a:tableStyleId>
+              </a:tblPr>
+              <a:tblGrid>
+                <a:gridCol w="4240449">
+                  <a:extLst>
+                    <a:ext uri="{9D8B030D-6E8A-4147-A177-3AD203B41FA5}">
+                      <a16:colId xmlns:a16="http://schemas.microsoft.com/office/drawing/2014/main" val="1098758578"/>
+                    </a:ext>
+                  </a:extLst>
+                </a:gridCol>
+                <a:gridCol w="4240449">
+                  <a:extLst>
+                    <a:ext uri="{9D8B030D-6E8A-4147-A177-3AD203B41FA5}">
+                      <a16:colId xmlns:a16="http://schemas.microsoft.com/office/drawing/2014/main" val="3277159197"/>
+                    </a:ext>
+                  </a:extLst>
+                </a:gridCol>
+              </a:tblGrid>
+              <a:tr h="614464">
+                <a:tc>
+                  <a:txBody>
+                    <a:bodyPr/>
+                    <a:lstStyle/>
+                    <a:p>
+                      <a:r>
+                        <a:rPr lang="en-US" sz="2000" b="1" dirty="0"/>
+                        <a:t>Term</a:t>
+                      </a:r>
+                    </a:p>
+                  </a:txBody>
+                  <a:tcPr anchor="ctr"/>
+                </a:tc>
+                <a:tc>
+                  <a:txBody>
+                    <a:bodyPr/>
+                    <a:lstStyle/>
+                    <a:p>
+                      <a:pPr algn="ctr"/>
+                      <a:r>
+                        <a:rPr lang="el-GR" sz="2000" b="1" dirty="0"/>
+                        <a:t>Δ </a:t>
+                      </a:r>
+                      <a:r>
+                        <a:rPr lang="en-US" sz="2000" b="1" dirty="0"/>
+                        <a:t>Deviance</a:t>
+                      </a:r>
+                    </a:p>
+                  </a:txBody>
+                  <a:tcPr anchor="ctr"/>
+                </a:tc>
+                <a:extLst>
+                  <a:ext uri="{0D108BD9-81ED-4DB2-BD59-A6C34878D82A}">
+                    <a16:rowId xmlns:a16="http://schemas.microsoft.com/office/drawing/2014/main" val="4160181553"/>
+                  </a:ext>
+                </a:extLst>
+              </a:tr>
+              <a:tr h="614464">
+                <a:tc>
+                  <a:txBody>
+                    <a:bodyPr/>
+                    <a:lstStyle/>
+                    <a:p>
+                      <a:r>
+                        <a:rPr lang="en-US" dirty="0"/>
+                        <a:t>facility</a:t>
+                      </a:r>
+                    </a:p>
+                  </a:txBody>
+                  <a:tcPr anchor="ctr"/>
+                </a:tc>
+                <a:tc>
+                  <a:txBody>
+                    <a:bodyPr/>
+                    <a:lstStyle/>
+                    <a:p>
+                      <a:pPr algn="ctr"/>
+                      <a:r>
+                        <a:rPr lang="en-US" dirty="0"/>
+                        <a:t>91.2</a:t>
+                      </a:r>
+                    </a:p>
+                  </a:txBody>
+                  <a:tcPr anchor="ctr"/>
+                </a:tc>
+                <a:extLst>
+                  <a:ext uri="{0D108BD9-81ED-4DB2-BD59-A6C34878D82A}">
+                    <a16:rowId xmlns:a16="http://schemas.microsoft.com/office/drawing/2014/main" val="3428982015"/>
+                  </a:ext>
+                </a:extLst>
+              </a:tr>
+              <a:tr h="614464">
+                <a:tc>
+                  <a:txBody>
+                    <a:bodyPr/>
+                    <a:lstStyle/>
+                    <a:p>
+                      <a:r>
+                        <a:rPr lang="en-US" dirty="0"/>
+                        <a:t>sj_index_prev:sj_index_prev2</a:t>
+                      </a:r>
+                    </a:p>
+                  </a:txBody>
+                  <a:tcPr anchor="ctr"/>
+                </a:tc>
+                <a:tc>
+                  <a:txBody>
+                    <a:bodyPr/>
+                    <a:lstStyle/>
+                    <a:p>
+                      <a:pPr algn="ctr"/>
+                      <a:r>
+                        <a:rPr lang="en-US"/>
+                        <a:t>55.8</a:t>
+                      </a:r>
+                    </a:p>
+                  </a:txBody>
+                  <a:tcPr anchor="ctr"/>
+                </a:tc>
+                <a:extLst>
+                  <a:ext uri="{0D108BD9-81ED-4DB2-BD59-A6C34878D82A}">
+                    <a16:rowId xmlns:a16="http://schemas.microsoft.com/office/drawing/2014/main" val="3214675553"/>
+                  </a:ext>
+                </a:extLst>
+              </a:tr>
+              <a:tr h="614464">
+                <a:tc>
+                  <a:txBody>
+                    <a:bodyPr/>
+                    <a:lstStyle/>
+                    <a:p>
+                      <a:r>
+                        <a:rPr lang="en-US" dirty="0"/>
+                        <a:t>exports</a:t>
+                      </a:r>
+                    </a:p>
+                  </a:txBody>
+                  <a:tcPr anchor="ctr"/>
+                </a:tc>
+                <a:tc>
+                  <a:txBody>
+                    <a:bodyPr/>
+                    <a:lstStyle/>
+                    <a:p>
+                      <a:pPr algn="ctr"/>
+                      <a:r>
+                        <a:rPr lang="en-US"/>
+                        <a:t>52.2</a:t>
+                      </a:r>
+                    </a:p>
+                  </a:txBody>
+                  <a:tcPr anchor="ctr"/>
+                </a:tc>
+                <a:extLst>
+                  <a:ext uri="{0D108BD9-81ED-4DB2-BD59-A6C34878D82A}">
+                    <a16:rowId xmlns:a16="http://schemas.microsoft.com/office/drawing/2014/main" val="1731639929"/>
+                  </a:ext>
+                </a:extLst>
+              </a:tr>
+              <a:tr h="614464">
+                <a:tc>
+                  <a:txBody>
+                    <a:bodyPr/>
+                    <a:lstStyle/>
+                    <a:p>
+                      <a:r>
+                        <a:rPr lang="en-US"/>
+                        <a:t>OMR_mean</a:t>
+                      </a:r>
+                    </a:p>
+                  </a:txBody>
+                  <a:tcPr anchor="ctr"/>
+                </a:tc>
+                <a:tc>
+                  <a:txBody>
+                    <a:bodyPr/>
+                    <a:lstStyle/>
+                    <a:p>
+                      <a:pPr algn="ctr"/>
+                      <a:r>
+                        <a:rPr lang="en-US"/>
+                        <a:t>44.0</a:t>
+                      </a:r>
+                    </a:p>
+                  </a:txBody>
+                  <a:tcPr anchor="ctr"/>
+                </a:tc>
+                <a:extLst>
+                  <a:ext uri="{0D108BD9-81ED-4DB2-BD59-A6C34878D82A}">
+                    <a16:rowId xmlns:a16="http://schemas.microsoft.com/office/drawing/2014/main" val="3949177521"/>
+                  </a:ext>
+                </a:extLst>
+              </a:tr>
+              <a:tr h="614464">
+                <a:tc>
+                  <a:txBody>
+                    <a:bodyPr/>
+                    <a:lstStyle/>
+                    <a:p>
+                      <a:r>
+                        <a:rPr lang="en-US"/>
+                        <a:t>sac</a:t>
+                      </a:r>
+                    </a:p>
+                  </a:txBody>
+                  <a:tcPr anchor="ctr"/>
+                </a:tc>
+                <a:tc>
+                  <a:txBody>
+                    <a:bodyPr/>
+                    <a:lstStyle/>
+                    <a:p>
+                      <a:pPr algn="ctr"/>
+                      <a:r>
+                        <a:rPr lang="en-US" dirty="0"/>
+                        <a:t>38.6</a:t>
+                      </a:r>
+                    </a:p>
+                  </a:txBody>
+                  <a:tcPr anchor="ctr"/>
+                </a:tc>
+                <a:extLst>
+                  <a:ext uri="{0D108BD9-81ED-4DB2-BD59-A6C34878D82A}">
+                    <a16:rowId xmlns:a16="http://schemas.microsoft.com/office/drawing/2014/main" val="95420592"/>
+                  </a:ext>
+                </a:extLst>
+              </a:tr>
+            </a:tbl>
+          </a:graphicData>
+        </a:graphic>
+      </p:graphicFrame>
     </p:spTree>
     <p:extLst>
       <p:ext uri="{BB962C8B-B14F-4D97-AF65-F5344CB8AC3E}">
-        <p14:creationId xmlns:p14="http://schemas.microsoft.com/office/powerpoint/2010/main" val="2461451127"/>
+        <p14:creationId xmlns:p14="http://schemas.microsoft.com/office/powerpoint/2010/main" val="1842736698"/>
       </p:ext>
     </p:extLst>
   </p:cSld>

--- a/Steelhead Annual Loss Prediction.pptx
+++ b/Steelhead Annual Loss Prediction.pptx
@@ -11,12 +11,11 @@
     <p:sldId id="259" r:id="rId5"/>
     <p:sldId id="260" r:id="rId6"/>
     <p:sldId id="261" r:id="rId7"/>
-    <p:sldId id="265" r:id="rId8"/>
-    <p:sldId id="266" r:id="rId9"/>
-    <p:sldId id="268" r:id="rId10"/>
-    <p:sldId id="262" r:id="rId11"/>
-    <p:sldId id="269" r:id="rId12"/>
-    <p:sldId id="264" r:id="rId13"/>
+    <p:sldId id="266" r:id="rId8"/>
+    <p:sldId id="268" r:id="rId9"/>
+    <p:sldId id="262" r:id="rId10"/>
+    <p:sldId id="269" r:id="rId11"/>
+    <p:sldId id="264" r:id="rId12"/>
   </p:sldIdLst>
   <p:sldSz cx="12192000" cy="6858000"/>
   <p:notesSz cx="6858000" cy="9144000"/>
@@ -126,7 +125,7 @@
 <file path=ppt/revisionInfo.xml><?xml version="1.0" encoding="utf-8"?>
 <p1510:revInfo xmlns:a="http://schemas.openxmlformats.org/drawingml/2006/main" xmlns:r="http://schemas.openxmlformats.org/officeDocument/2006/relationships" xmlns:p1510="http://schemas.microsoft.com/office/powerpoint/2015/10/main">
   <p1510:revLst>
-    <p1510:client id="{3DDD3F4C-2C7B-420A-BC55-273AAF875607}" v="1339" dt="2025-06-04T17:03:21.691"/>
+    <p1510:client id="{8BD0ECFD-99A4-41C2-A5CC-2D9581CCFC50}" v="15" dt="2025-07-28T20:48:34.484"/>
   </p1510:revLst>
 </p1510:revInfo>
 </file>
@@ -184,14 +183,6 @@
           <pc:docMk/>
           <pc:sldMk cId="2379978136" sldId="262"/>
         </pc:sldMkLst>
-        <pc:spChg chg="add mod">
-          <ac:chgData name="Ehlo, Chase A" userId="a6660707-78aa-482c-b647-234fbd25e654" providerId="ADAL" clId="{87767B2D-FF2A-416D-B5F6-9E67927B1B22}" dt="2025-05-16T17:53:14.853" v="70" actId="693"/>
-          <ac:spMkLst>
-            <pc:docMk/>
-            <pc:sldMk cId="2379978136" sldId="262"/>
-            <ac:spMk id="9" creationId="{2C1302FD-D065-878B-FDC7-67B6D9CDCEC9}"/>
-          </ac:spMkLst>
-        </pc:spChg>
       </pc:sldChg>
       <pc:sldChg chg="addSp modSp mod">
         <pc:chgData name="Ehlo, Chase A" userId="a6660707-78aa-482c-b647-234fbd25e654" providerId="ADAL" clId="{87767B2D-FF2A-416D-B5F6-9E67927B1B22}" dt="2025-05-16T19:06:52.321" v="79" actId="14100"/>
@@ -199,28 +190,105 @@
           <pc:docMk/>
           <pc:sldMk cId="3512818157" sldId="263"/>
         </pc:sldMkLst>
-        <pc:picChg chg="add mod">
-          <ac:chgData name="Ehlo, Chase A" userId="a6660707-78aa-482c-b647-234fbd25e654" providerId="ADAL" clId="{87767B2D-FF2A-416D-B5F6-9E67927B1B22}" dt="2025-05-16T19:06:52.321" v="79" actId="14100"/>
-          <ac:picMkLst>
-            <pc:docMk/>
-            <pc:sldMk cId="3512818157" sldId="263"/>
-            <ac:picMk id="3" creationId="{E96B0E89-C7B9-7123-A195-56A2F8F655A8}"/>
-          </ac:picMkLst>
-        </pc:picChg>
-        <pc:picChg chg="mod">
-          <ac:chgData name="Ehlo, Chase A" userId="a6660707-78aa-482c-b647-234fbd25e654" providerId="ADAL" clId="{87767B2D-FF2A-416D-B5F6-9E67927B1B22}" dt="2025-05-16T19:06:49.228" v="78" actId="14100"/>
-          <ac:picMkLst>
-            <pc:docMk/>
-            <pc:sldMk cId="3512818157" sldId="263"/>
-            <ac:picMk id="5" creationId="{49B7EC5D-3E97-5FF2-0AC5-F337512D4D00}"/>
-          </ac:picMkLst>
-        </pc:picChg>
       </pc:sldChg>
       <pc:sldChg chg="del">
         <pc:chgData name="Ehlo, Chase A" userId="a6660707-78aa-482c-b647-234fbd25e654" providerId="ADAL" clId="{87767B2D-FF2A-416D-B5F6-9E67927B1B22}" dt="2025-05-16T19:06:59.055" v="80" actId="2696"/>
         <pc:sldMkLst>
           <pc:docMk/>
           <pc:sldMk cId="3566493065" sldId="265"/>
+        </pc:sldMkLst>
+      </pc:sldChg>
+    </pc:docChg>
+  </pc:docChgLst>
+  <pc:docChgLst>
+    <pc:chgData name="Ehlo, Chase A" userId="a6660707-78aa-482c-b647-234fbd25e654" providerId="ADAL" clId="{8BD0ECFD-99A4-41C2-A5CC-2D9581CCFC50}"/>
+    <pc:docChg chg="undo custSel delSld modSld">
+      <pc:chgData name="Ehlo, Chase A" userId="a6660707-78aa-482c-b647-234fbd25e654" providerId="ADAL" clId="{8BD0ECFD-99A4-41C2-A5CC-2D9581CCFC50}" dt="2025-07-28T21:14:42.457" v="805" actId="1076"/>
+      <pc:docMkLst>
+        <pc:docMk/>
+      </pc:docMkLst>
+      <pc:sldChg chg="modSp mod">
+        <pc:chgData name="Ehlo, Chase A" userId="a6660707-78aa-482c-b647-234fbd25e654" providerId="ADAL" clId="{8BD0ECFD-99A4-41C2-A5CC-2D9581CCFC50}" dt="2025-07-28T21:14:42.457" v="805" actId="1076"/>
+        <pc:sldMkLst>
+          <pc:docMk/>
+          <pc:sldMk cId="1569022478" sldId="256"/>
+        </pc:sldMkLst>
+        <pc:spChg chg="mod">
+          <ac:chgData name="Ehlo, Chase A" userId="a6660707-78aa-482c-b647-234fbd25e654" providerId="ADAL" clId="{8BD0ECFD-99A4-41C2-A5CC-2D9581CCFC50}" dt="2025-07-28T21:14:42.457" v="805" actId="1076"/>
+          <ac:spMkLst>
+            <pc:docMk/>
+            <pc:sldMk cId="1569022478" sldId="256"/>
+            <ac:spMk id="2" creationId="{EC3B8037-D3D6-0857-3323-C9813A7A0FC0}"/>
+          </ac:spMkLst>
+        </pc:spChg>
+      </pc:sldChg>
+      <pc:sldChg chg="delSp modSp mod">
+        <pc:chgData name="Ehlo, Chase A" userId="a6660707-78aa-482c-b647-234fbd25e654" providerId="ADAL" clId="{8BD0ECFD-99A4-41C2-A5CC-2D9581CCFC50}" dt="2025-07-28T20:41:16.661" v="303" actId="20577"/>
+        <pc:sldMkLst>
+          <pc:docMk/>
+          <pc:sldMk cId="269791852" sldId="259"/>
+        </pc:sldMkLst>
+        <pc:spChg chg="mod">
+          <ac:chgData name="Ehlo, Chase A" userId="a6660707-78aa-482c-b647-234fbd25e654" providerId="ADAL" clId="{8BD0ECFD-99A4-41C2-A5CC-2D9581CCFC50}" dt="2025-07-28T20:39:34.757" v="93" actId="20577"/>
+          <ac:spMkLst>
+            <pc:docMk/>
+            <pc:sldMk cId="269791852" sldId="259"/>
+            <ac:spMk id="2" creationId="{522F57B3-516E-3333-B54C-CE5774BCD230}"/>
+          </ac:spMkLst>
+        </pc:spChg>
+        <pc:spChg chg="mod">
+          <ac:chgData name="Ehlo, Chase A" userId="a6660707-78aa-482c-b647-234fbd25e654" providerId="ADAL" clId="{8BD0ECFD-99A4-41C2-A5CC-2D9581CCFC50}" dt="2025-07-28T20:41:16.661" v="303" actId="20577"/>
+          <ac:spMkLst>
+            <pc:docMk/>
+            <pc:sldMk cId="269791852" sldId="259"/>
+            <ac:spMk id="3" creationId="{518CDB85-6EF0-0915-BB55-CC72E4291EB9}"/>
+          </ac:spMkLst>
+        </pc:spChg>
+        <pc:picChg chg="del">
+          <ac:chgData name="Ehlo, Chase A" userId="a6660707-78aa-482c-b647-234fbd25e654" providerId="ADAL" clId="{8BD0ECFD-99A4-41C2-A5CC-2D9581CCFC50}" dt="2025-07-28T20:38:55.357" v="11" actId="478"/>
+          <ac:picMkLst>
+            <pc:docMk/>
+            <pc:sldMk cId="269791852" sldId="259"/>
+            <ac:picMk id="5" creationId="{9D7DAC2D-8A7F-F712-F88F-73CA6F9A384C}"/>
+          </ac:picMkLst>
+        </pc:picChg>
+      </pc:sldChg>
+      <pc:sldChg chg="addSp delSp modSp mod">
+        <pc:chgData name="Ehlo, Chase A" userId="a6660707-78aa-482c-b647-234fbd25e654" providerId="ADAL" clId="{8BD0ECFD-99A4-41C2-A5CC-2D9581CCFC50}" dt="2025-07-28T20:50:47.991" v="803" actId="1076"/>
+        <pc:sldMkLst>
+          <pc:docMk/>
+          <pc:sldMk cId="2444872287" sldId="261"/>
+        </pc:sldMkLst>
+        <pc:spChg chg="mod">
+          <ac:chgData name="Ehlo, Chase A" userId="a6660707-78aa-482c-b647-234fbd25e654" providerId="ADAL" clId="{8BD0ECFD-99A4-41C2-A5CC-2D9581CCFC50}" dt="2025-07-28T20:43:33.177" v="400" actId="14100"/>
+          <ac:spMkLst>
+            <pc:docMk/>
+            <pc:sldMk cId="2444872287" sldId="261"/>
+            <ac:spMk id="3" creationId="{BFA5D196-8397-2CC6-66D5-E8D15992D16F}"/>
+          </ac:spMkLst>
+        </pc:spChg>
+        <pc:graphicFrameChg chg="add mod modGraphic">
+          <ac:chgData name="Ehlo, Chase A" userId="a6660707-78aa-482c-b647-234fbd25e654" providerId="ADAL" clId="{8BD0ECFD-99A4-41C2-A5CC-2D9581CCFC50}" dt="2025-07-28T20:50:47.991" v="803" actId="1076"/>
+          <ac:graphicFrameMkLst>
+            <pc:docMk/>
+            <pc:sldMk cId="2444872287" sldId="261"/>
+            <ac:graphicFrameMk id="4" creationId="{D210B6D2-1209-E380-FF72-78DDDE05E230}"/>
+          </ac:graphicFrameMkLst>
+        </pc:graphicFrameChg>
+        <pc:graphicFrameChg chg="del mod">
+          <ac:chgData name="Ehlo, Chase A" userId="a6660707-78aa-482c-b647-234fbd25e654" providerId="ADAL" clId="{8BD0ECFD-99A4-41C2-A5CC-2D9581CCFC50}" dt="2025-07-28T20:50:44.638" v="802" actId="478"/>
+          <ac:graphicFrameMkLst>
+            <pc:docMk/>
+            <pc:sldMk cId="2444872287" sldId="261"/>
+            <ac:graphicFrameMk id="6" creationId="{DDDFE80A-71B8-EA0E-019B-522EAE2AEC2D}"/>
+          </ac:graphicFrameMkLst>
+        </pc:graphicFrameChg>
+      </pc:sldChg>
+      <pc:sldChg chg="del">
+        <pc:chgData name="Ehlo, Chase A" userId="a6660707-78aa-482c-b647-234fbd25e654" providerId="ADAL" clId="{8BD0ECFD-99A4-41C2-A5CC-2D9581CCFC50}" dt="2025-07-28T20:52:25.351" v="804" actId="2696"/>
+        <pc:sldMkLst>
+          <pc:docMk/>
+          <pc:sldMk cId="2248041258" sldId="265"/>
         </pc:sldMkLst>
       </pc:sldChg>
     </pc:docChg>
@@ -276,30 +344,6 @@
             <ac:spMk id="3" creationId="{BFA5D196-8397-2CC6-66D5-E8D15992D16F}"/>
           </ac:spMkLst>
         </pc:spChg>
-        <pc:graphicFrameChg chg="add del mod modGraphic">
-          <ac:chgData name="Ehlo, Chase A" userId="a6660707-78aa-482c-b647-234fbd25e654" providerId="ADAL" clId="{3DDD3F4C-2C7B-420A-BC55-273AAF875607}" dt="2025-06-02T17:57:43.244" v="460" actId="1032"/>
-          <ac:graphicFrameMkLst>
-            <pc:docMk/>
-            <pc:sldMk cId="2444872287" sldId="261"/>
-            <ac:graphicFrameMk id="4" creationId="{81828A7D-62DC-576B-C77D-BE40EA7F0A18}"/>
-          </ac:graphicFrameMkLst>
-        </pc:graphicFrameChg>
-        <pc:graphicFrameChg chg="add mod modGraphic">
-          <ac:chgData name="Ehlo, Chase A" userId="a6660707-78aa-482c-b647-234fbd25e654" providerId="ADAL" clId="{3DDD3F4C-2C7B-420A-BC55-273AAF875607}" dt="2025-06-02T18:04:42.393" v="812" actId="12100"/>
-          <ac:graphicFrameMkLst>
-            <pc:docMk/>
-            <pc:sldMk cId="2444872287" sldId="261"/>
-            <ac:graphicFrameMk id="6" creationId="{DDDFE80A-71B8-EA0E-019B-522EAE2AEC2D}"/>
-          </ac:graphicFrameMkLst>
-        </pc:graphicFrameChg>
-        <pc:picChg chg="del">
-          <ac:chgData name="Ehlo, Chase A" userId="a6660707-78aa-482c-b647-234fbd25e654" providerId="ADAL" clId="{3DDD3F4C-2C7B-420A-BC55-273AAF875607}" dt="2025-06-02T17:57:06.639" v="439" actId="478"/>
-          <ac:picMkLst>
-            <pc:docMk/>
-            <pc:sldMk cId="2444872287" sldId="261"/>
-            <ac:picMk id="5" creationId="{67113C89-D07B-8315-58FF-50E23F3977EF}"/>
-          </ac:picMkLst>
-        </pc:picChg>
       </pc:sldChg>
       <pc:sldChg chg="addSp delSp modSp mod">
         <pc:chgData name="Ehlo, Chase A" userId="a6660707-78aa-482c-b647-234fbd25e654" providerId="ADAL" clId="{3DDD3F4C-2C7B-420A-BC55-273AAF875607}" dt="2025-06-02T18:22:28.842" v="1873" actId="1076"/>
@@ -307,44 +351,12 @@
           <pc:docMk/>
           <pc:sldMk cId="2379978136" sldId="262"/>
         </pc:sldMkLst>
-        <pc:spChg chg="add del">
-          <ac:chgData name="Ehlo, Chase A" userId="a6660707-78aa-482c-b647-234fbd25e654" providerId="ADAL" clId="{3DDD3F4C-2C7B-420A-BC55-273AAF875607}" dt="2025-06-02T18:20:31.511" v="1857" actId="478"/>
-          <ac:spMkLst>
-            <pc:docMk/>
-            <pc:sldMk cId="2379978136" sldId="262"/>
-            <ac:spMk id="3" creationId="{6AB24FAB-3032-B37E-8862-EABD3460645B}"/>
-          </ac:spMkLst>
-        </pc:spChg>
-        <pc:spChg chg="add del mod">
-          <ac:chgData name="Ehlo, Chase A" userId="a6660707-78aa-482c-b647-234fbd25e654" providerId="ADAL" clId="{3DDD3F4C-2C7B-420A-BC55-273AAF875607}" dt="2025-06-02T18:20:51.549" v="1861"/>
-          <ac:spMkLst>
-            <pc:docMk/>
-            <pc:sldMk cId="2379978136" sldId="262"/>
-            <ac:spMk id="4" creationId="{5B597C8A-CCC3-AF02-C481-92F9FDE2DEB9}"/>
-          </ac:spMkLst>
-        </pc:spChg>
-        <pc:spChg chg="del">
-          <ac:chgData name="Ehlo, Chase A" userId="a6660707-78aa-482c-b647-234fbd25e654" providerId="ADAL" clId="{3DDD3F4C-2C7B-420A-BC55-273AAF875607}" dt="2025-06-02T18:20:47.014" v="1859" actId="478"/>
-          <ac:spMkLst>
-            <pc:docMk/>
-            <pc:sldMk cId="2379978136" sldId="262"/>
-            <ac:spMk id="9" creationId="{2C1302FD-D065-878B-FDC7-67B6D9CDCEC9}"/>
-          </ac:spMkLst>
-        </pc:spChg>
         <pc:picChg chg="add mod">
           <ac:chgData name="Ehlo, Chase A" userId="a6660707-78aa-482c-b647-234fbd25e654" providerId="ADAL" clId="{3DDD3F4C-2C7B-420A-BC55-273AAF875607}" dt="2025-06-02T18:21:01.578" v="1867" actId="1076"/>
           <ac:picMkLst>
             <pc:docMk/>
             <pc:sldMk cId="2379978136" sldId="262"/>
             <ac:picMk id="6" creationId="{D899EAEA-C98A-56E8-4AA0-8919854675FF}"/>
-          </ac:picMkLst>
-        </pc:picChg>
-        <pc:picChg chg="del">
-          <ac:chgData name="Ehlo, Chase A" userId="a6660707-78aa-482c-b647-234fbd25e654" providerId="ADAL" clId="{3DDD3F4C-2C7B-420A-BC55-273AAF875607}" dt="2025-06-02T18:20:31.511" v="1857" actId="478"/>
-          <ac:picMkLst>
-            <pc:docMk/>
-            <pc:sldMk cId="2379978136" sldId="262"/>
-            <ac:picMk id="8" creationId="{7B9EDCE0-CECB-643C-FA63-40A9B6AA0570}"/>
           </ac:picMkLst>
         </pc:picChg>
         <pc:picChg chg="add mod">
@@ -384,30 +396,6 @@
           <pc:docMk/>
           <pc:sldMk cId="2248041258" sldId="265"/>
         </pc:sldMkLst>
-        <pc:spChg chg="mod">
-          <ac:chgData name="Ehlo, Chase A" userId="a6660707-78aa-482c-b647-234fbd25e654" providerId="ADAL" clId="{3DDD3F4C-2C7B-420A-BC55-273AAF875607}" dt="2025-06-02T18:10:52.300" v="1115" actId="20577"/>
-          <ac:spMkLst>
-            <pc:docMk/>
-            <pc:sldMk cId="2248041258" sldId="265"/>
-            <ac:spMk id="2" creationId="{88242E69-81E1-00C5-DF1D-9C97FBD50637}"/>
-          </ac:spMkLst>
-        </pc:spChg>
-        <pc:spChg chg="del">
-          <ac:chgData name="Ehlo, Chase A" userId="a6660707-78aa-482c-b647-234fbd25e654" providerId="ADAL" clId="{3DDD3F4C-2C7B-420A-BC55-273AAF875607}" dt="2025-06-02T18:05:35.180" v="814" actId="1032"/>
-          <ac:spMkLst>
-            <pc:docMk/>
-            <pc:sldMk cId="2248041258" sldId="265"/>
-            <ac:spMk id="3" creationId="{139D6C47-CAF4-96C7-47CB-CD9F110B89E6}"/>
-          </ac:spMkLst>
-        </pc:spChg>
-        <pc:graphicFrameChg chg="add mod modGraphic">
-          <ac:chgData name="Ehlo, Chase A" userId="a6660707-78aa-482c-b647-234fbd25e654" providerId="ADAL" clId="{3DDD3F4C-2C7B-420A-BC55-273AAF875607}" dt="2025-06-02T18:13:19.916" v="1267" actId="20577"/>
-          <ac:graphicFrameMkLst>
-            <pc:docMk/>
-            <pc:sldMk cId="2248041258" sldId="265"/>
-            <ac:graphicFrameMk id="4" creationId="{29BD1F5D-FA58-F6E1-E7D9-0EE9C0342F85}"/>
-          </ac:graphicFrameMkLst>
-        </pc:graphicFrameChg>
       </pc:sldChg>
       <pc:sldChg chg="addSp modSp new mod">
         <pc:chgData name="Ehlo, Chase A" userId="a6660707-78aa-482c-b647-234fbd25e654" providerId="ADAL" clId="{3DDD3F4C-2C7B-420A-BC55-273AAF875607}" dt="2025-06-04T16:21:55.467" v="2494" actId="313"/>
@@ -446,30 +434,6 @@
           <pc:docMk/>
           <pc:sldMk cId="2461451127" sldId="267"/>
         </pc:sldMkLst>
-        <pc:spChg chg="mod">
-          <ac:chgData name="Ehlo, Chase A" userId="a6660707-78aa-482c-b647-234fbd25e654" providerId="ADAL" clId="{3DDD3F4C-2C7B-420A-BC55-273AAF875607}" dt="2025-06-02T18:32:00.632" v="1949" actId="20577"/>
-          <ac:spMkLst>
-            <pc:docMk/>
-            <pc:sldMk cId="2461451127" sldId="267"/>
-            <ac:spMk id="2" creationId="{CEBB1430-DEE2-9504-D4D3-B8869BFDBB6B}"/>
-          </ac:spMkLst>
-        </pc:spChg>
-        <pc:spChg chg="del">
-          <ac:chgData name="Ehlo, Chase A" userId="a6660707-78aa-482c-b647-234fbd25e654" providerId="ADAL" clId="{3DDD3F4C-2C7B-420A-BC55-273AAF875607}" dt="2025-06-02T18:25:23.394" v="1875"/>
-          <ac:spMkLst>
-            <pc:docMk/>
-            <pc:sldMk cId="2461451127" sldId="267"/>
-            <ac:spMk id="3" creationId="{36DDD04A-D432-3640-E266-CAA75F083572}"/>
-          </ac:spMkLst>
-        </pc:spChg>
-        <pc:picChg chg="add mod modCrop">
-          <ac:chgData name="Ehlo, Chase A" userId="a6660707-78aa-482c-b647-234fbd25e654" providerId="ADAL" clId="{3DDD3F4C-2C7B-420A-BC55-273AAF875607}" dt="2025-06-02T18:25:40.138" v="1882" actId="1076"/>
-          <ac:picMkLst>
-            <pc:docMk/>
-            <pc:sldMk cId="2461451127" sldId="267"/>
-            <ac:picMk id="5" creationId="{AE887086-B6FA-5DC3-D5E8-D00777677901}"/>
-          </ac:picMkLst>
-        </pc:picChg>
       </pc:sldChg>
       <pc:sldChg chg="addSp delSp modSp new mod">
         <pc:chgData name="Ehlo, Chase A" userId="a6660707-78aa-482c-b647-234fbd25e654" providerId="ADAL" clId="{3DDD3F4C-2C7B-420A-BC55-273AAF875607}" dt="2025-06-04T16:25:14.224" v="2516" actId="14100"/>
@@ -483,14 +447,6 @@
             <pc:docMk/>
             <pc:sldMk cId="1842736698" sldId="268"/>
             <ac:spMk id="2" creationId="{1BD11FC7-A1D8-11CC-971A-BEAA89586BE3}"/>
-          </ac:spMkLst>
-        </pc:spChg>
-        <pc:spChg chg="del">
-          <ac:chgData name="Ehlo, Chase A" userId="a6660707-78aa-482c-b647-234fbd25e654" providerId="ADAL" clId="{3DDD3F4C-2C7B-420A-BC55-273AAF875607}" dt="2025-06-02T18:32:18.619" v="1951"/>
-          <ac:spMkLst>
-            <pc:docMk/>
-            <pc:sldMk cId="1842736698" sldId="268"/>
-            <ac:spMk id="3" creationId="{6294A9EE-119C-B80D-D3E6-34F8E3CF509C}"/>
           </ac:spMkLst>
         </pc:spChg>
         <pc:graphicFrameChg chg="add mod modGraphic">
@@ -508,38 +464,6 @@
           <pc:docMk/>
           <pc:sldMk cId="2520609120" sldId="269"/>
         </pc:sldMkLst>
-        <pc:spChg chg="del">
-          <ac:chgData name="Ehlo, Chase A" userId="a6660707-78aa-482c-b647-234fbd25e654" providerId="ADAL" clId="{3DDD3F4C-2C7B-420A-BC55-273AAF875607}" dt="2025-06-04T17:02:17.994" v="2520"/>
-          <ac:spMkLst>
-            <pc:docMk/>
-            <pc:sldMk cId="2520609120" sldId="269"/>
-            <ac:spMk id="3" creationId="{489A1B7F-636D-F390-3538-5E8DD9B51BE0}"/>
-          </ac:spMkLst>
-        </pc:spChg>
-        <pc:spChg chg="add del mod">
-          <ac:chgData name="Ehlo, Chase A" userId="a6660707-78aa-482c-b647-234fbd25e654" providerId="ADAL" clId="{3DDD3F4C-2C7B-420A-BC55-273AAF875607}" dt="2025-06-04T17:02:48.591" v="2523"/>
-          <ac:spMkLst>
-            <pc:docMk/>
-            <pc:sldMk cId="2520609120" sldId="269"/>
-            <ac:spMk id="4" creationId="{9138E4E0-037A-5370-8861-0F415027350B}"/>
-          </ac:spMkLst>
-        </pc:spChg>
-        <pc:spChg chg="add del">
-          <ac:chgData name="Ehlo, Chase A" userId="a6660707-78aa-482c-b647-234fbd25e654" providerId="ADAL" clId="{3DDD3F4C-2C7B-420A-BC55-273AAF875607}" dt="2025-06-04T17:02:22.372" v="2522" actId="478"/>
-          <ac:spMkLst>
-            <pc:docMk/>
-            <pc:sldMk cId="2520609120" sldId="269"/>
-            <ac:spMk id="5" creationId="{4CAE890E-C908-36E5-E170-2A43B17262D4}"/>
-          </ac:spMkLst>
-        </pc:spChg>
-        <pc:spChg chg="add del mod">
-          <ac:chgData name="Ehlo, Chase A" userId="a6660707-78aa-482c-b647-234fbd25e654" providerId="ADAL" clId="{3DDD3F4C-2C7B-420A-BC55-273AAF875607}" dt="2025-06-04T17:03:17.523" v="2525"/>
-          <ac:spMkLst>
-            <pc:docMk/>
-            <pc:sldMk cId="2520609120" sldId="269"/>
-            <ac:spMk id="6" creationId="{61402796-A0A7-5CD0-D9FF-65F4C4168485}"/>
-          </ac:spMkLst>
-        </pc:spChg>
         <pc:spChg chg="add">
           <ac:chgData name="Ehlo, Chase A" userId="a6660707-78aa-482c-b647-234fbd25e654" providerId="ADAL" clId="{3DDD3F4C-2C7B-420A-BC55-273AAF875607}" dt="2025-06-04T17:02:51.007" v="2524"/>
           <ac:spMkLst>
@@ -572,14 +496,6 @@
           <pc:docMk/>
           <pc:sldMk cId="2461451127" sldId="267"/>
         </pc:sldMkLst>
-        <pc:picChg chg="mod">
-          <ac:chgData name="Mahardja, Brian" userId="S::bmahardja@usbr.gov::469fb97b-7ba4-4516-ba3f-ab4caa586ab6" providerId="AD" clId="Web-{4FAD0E5E-E71C-D417-715F-46EBA2ABBC6A}" dt="2025-06-02T22:08:20.235" v="0" actId="1076"/>
-          <ac:picMkLst>
-            <pc:docMk/>
-            <pc:sldMk cId="2461451127" sldId="267"/>
-            <ac:picMk id="5" creationId="{AE887086-B6FA-5DC3-D5E8-D00777677901}"/>
-          </ac:picMkLst>
-        </pc:picChg>
       </pc:sldChg>
     </pc:docChg>
   </pc:docChgLst>
@@ -596,22 +512,6 @@
           <pc:docMk/>
           <pc:sldMk cId="3566493065" sldId="265"/>
         </pc:sldMkLst>
-        <pc:spChg chg="del">
-          <ac:chgData name="Mahardja, Brian" userId="S::bmahardja@usbr.gov::469fb97b-7ba4-4516-ba3f-ab4caa586ab6" providerId="AD" clId="Web-{6E9E26B0-34D3-994F-D9B0-26C0158A01F6}" dt="2025-05-16T17:57:32.283" v="1"/>
-          <ac:spMkLst>
-            <pc:docMk/>
-            <pc:sldMk cId="3566493065" sldId="265"/>
-            <ac:spMk id="3" creationId="{E32E06B4-7090-1EDD-83E2-71D5AB404F8F}"/>
-          </ac:spMkLst>
-        </pc:spChg>
-        <pc:picChg chg="add mod ord">
-          <ac:chgData name="Mahardja, Brian" userId="S::bmahardja@usbr.gov::469fb97b-7ba4-4516-ba3f-ab4caa586ab6" providerId="AD" clId="Web-{6E9E26B0-34D3-994F-D9B0-26C0158A01F6}" dt="2025-05-16T17:57:55.236" v="5" actId="14100"/>
-          <ac:picMkLst>
-            <pc:docMk/>
-            <pc:sldMk cId="3566493065" sldId="265"/>
-            <ac:picMk id="4" creationId="{10C68067-E9FF-9875-8AAE-6B53580BF445}"/>
-          </ac:picMkLst>
-        </pc:picChg>
       </pc:sldChg>
     </pc:docChg>
   </pc:docChgLst>
@@ -1365,2355 +1265,7 @@
 </dgm:colorsDef>
 </file>
 
-<file path=ppt/diagrams/colors2.xml><?xml version="1.0" encoding="utf-8"?>
-<dgm:colorsDef xmlns:dgm="http://schemas.openxmlformats.org/drawingml/2006/diagram" xmlns:a="http://schemas.openxmlformats.org/drawingml/2006/main" uniqueId="urn:microsoft.com/office/officeart/2005/8/colors/accent3_2">
-  <dgm:title val=""/>
-  <dgm:desc val=""/>
-  <dgm:catLst>
-    <dgm:cat type="accent3" pri="11200"/>
-  </dgm:catLst>
-  <dgm:styleLbl name="node0">
-    <dgm:fillClrLst meth="repeat">
-      <a:schemeClr val="accent3"/>
-    </dgm:fillClrLst>
-    <dgm:linClrLst meth="repeat">
-      <a:schemeClr val="lt1"/>
-    </dgm:linClrLst>
-    <dgm:effectClrLst/>
-    <dgm:txLinClrLst/>
-    <dgm:txFillClrLst/>
-    <dgm:txEffectClrLst/>
-  </dgm:styleLbl>
-  <dgm:styleLbl name="node1">
-    <dgm:fillClrLst meth="repeat">
-      <a:schemeClr val="accent3"/>
-    </dgm:fillClrLst>
-    <dgm:linClrLst meth="repeat">
-      <a:schemeClr val="lt1"/>
-    </dgm:linClrLst>
-    <dgm:effectClrLst/>
-    <dgm:txLinClrLst/>
-    <dgm:txFillClrLst/>
-    <dgm:txEffectClrLst/>
-  </dgm:styleLbl>
-  <dgm:styleLbl name="alignNode1">
-    <dgm:fillClrLst meth="repeat">
-      <a:schemeClr val="accent3"/>
-    </dgm:fillClrLst>
-    <dgm:linClrLst meth="repeat">
-      <a:schemeClr val="accent3"/>
-    </dgm:linClrLst>
-    <dgm:effectClrLst/>
-    <dgm:txLinClrLst/>
-    <dgm:txFillClrLst/>
-    <dgm:txEffectClrLst/>
-  </dgm:styleLbl>
-  <dgm:styleLbl name="lnNode1">
-    <dgm:fillClrLst meth="repeat">
-      <a:schemeClr val="accent3"/>
-    </dgm:fillClrLst>
-    <dgm:linClrLst meth="repeat">
-      <a:schemeClr val="lt1"/>
-    </dgm:linClrLst>
-    <dgm:effectClrLst/>
-    <dgm:txLinClrLst/>
-    <dgm:txFillClrLst/>
-    <dgm:txEffectClrLst/>
-  </dgm:styleLbl>
-  <dgm:styleLbl name="vennNode1">
-    <dgm:fillClrLst meth="repeat">
-      <a:schemeClr val="accent3">
-        <a:alpha val="50000"/>
-      </a:schemeClr>
-    </dgm:fillClrLst>
-    <dgm:linClrLst meth="repeat">
-      <a:schemeClr val="lt1"/>
-    </dgm:linClrLst>
-    <dgm:effectClrLst/>
-    <dgm:txLinClrLst/>
-    <dgm:txFillClrLst/>
-    <dgm:txEffectClrLst/>
-  </dgm:styleLbl>
-  <dgm:styleLbl name="node2">
-    <dgm:fillClrLst meth="repeat">
-      <a:schemeClr val="accent3"/>
-    </dgm:fillClrLst>
-    <dgm:linClrLst meth="repeat">
-      <a:schemeClr val="lt1"/>
-    </dgm:linClrLst>
-    <dgm:effectClrLst/>
-    <dgm:txLinClrLst/>
-    <dgm:txFillClrLst/>
-    <dgm:txEffectClrLst/>
-  </dgm:styleLbl>
-  <dgm:styleLbl name="node3">
-    <dgm:fillClrLst meth="repeat">
-      <a:schemeClr val="accent3"/>
-    </dgm:fillClrLst>
-    <dgm:linClrLst meth="repeat">
-      <a:schemeClr val="lt1"/>
-    </dgm:linClrLst>
-    <dgm:effectClrLst/>
-    <dgm:txLinClrLst/>
-    <dgm:txFillClrLst/>
-    <dgm:txEffectClrLst/>
-  </dgm:styleLbl>
-  <dgm:styleLbl name="node4">
-    <dgm:fillClrLst meth="repeat">
-      <a:schemeClr val="accent3"/>
-    </dgm:fillClrLst>
-    <dgm:linClrLst meth="repeat">
-      <a:schemeClr val="lt1"/>
-    </dgm:linClrLst>
-    <dgm:effectClrLst/>
-    <dgm:txLinClrLst/>
-    <dgm:txFillClrLst/>
-    <dgm:txEffectClrLst/>
-  </dgm:styleLbl>
-  <dgm:styleLbl name="fgImgPlace1">
-    <dgm:fillClrLst meth="repeat">
-      <a:schemeClr val="accent3">
-        <a:tint val="50000"/>
-      </a:schemeClr>
-    </dgm:fillClrLst>
-    <dgm:linClrLst meth="repeat">
-      <a:schemeClr val="lt1"/>
-    </dgm:linClrLst>
-    <dgm:effectClrLst/>
-    <dgm:txLinClrLst/>
-    <dgm:txFillClrLst meth="repeat">
-      <a:schemeClr val="lt1"/>
-    </dgm:txFillClrLst>
-    <dgm:txEffectClrLst/>
-  </dgm:styleLbl>
-  <dgm:styleLbl name="alignImgPlace1">
-    <dgm:fillClrLst meth="repeat">
-      <a:schemeClr val="accent3">
-        <a:tint val="50000"/>
-      </a:schemeClr>
-    </dgm:fillClrLst>
-    <dgm:linClrLst meth="repeat">
-      <a:schemeClr val="lt1"/>
-    </dgm:linClrLst>
-    <dgm:effectClrLst/>
-    <dgm:txLinClrLst/>
-    <dgm:txFillClrLst meth="repeat">
-      <a:schemeClr val="lt1"/>
-    </dgm:txFillClrLst>
-    <dgm:txEffectClrLst/>
-  </dgm:styleLbl>
-  <dgm:styleLbl name="bgImgPlace1">
-    <dgm:fillClrLst meth="repeat">
-      <a:schemeClr val="accent3">
-        <a:tint val="50000"/>
-      </a:schemeClr>
-    </dgm:fillClrLst>
-    <dgm:linClrLst meth="repeat">
-      <a:schemeClr val="lt1"/>
-    </dgm:linClrLst>
-    <dgm:effectClrLst/>
-    <dgm:txLinClrLst/>
-    <dgm:txFillClrLst meth="repeat">
-      <a:schemeClr val="lt1"/>
-    </dgm:txFillClrLst>
-    <dgm:txEffectClrLst/>
-  </dgm:styleLbl>
-  <dgm:styleLbl name="sibTrans2D1">
-    <dgm:fillClrLst meth="repeat">
-      <a:schemeClr val="accent3">
-        <a:tint val="60000"/>
-      </a:schemeClr>
-    </dgm:fillClrLst>
-    <dgm:linClrLst meth="repeat">
-      <a:schemeClr val="accent3">
-        <a:tint val="60000"/>
-      </a:schemeClr>
-    </dgm:linClrLst>
-    <dgm:effectClrLst/>
-    <dgm:txLinClrLst/>
-    <dgm:txFillClrLst/>
-    <dgm:txEffectClrLst/>
-  </dgm:styleLbl>
-  <dgm:styleLbl name="fgSibTrans2D1">
-    <dgm:fillClrLst meth="repeat">
-      <a:schemeClr val="accent3">
-        <a:tint val="60000"/>
-      </a:schemeClr>
-    </dgm:fillClrLst>
-    <dgm:linClrLst meth="repeat">
-      <a:schemeClr val="accent3">
-        <a:tint val="60000"/>
-      </a:schemeClr>
-    </dgm:linClrLst>
-    <dgm:effectClrLst/>
-    <dgm:txLinClrLst/>
-    <dgm:txFillClrLst/>
-    <dgm:txEffectClrLst/>
-  </dgm:styleLbl>
-  <dgm:styleLbl name="bgSibTrans2D1">
-    <dgm:fillClrLst meth="repeat">
-      <a:schemeClr val="accent3">
-        <a:tint val="60000"/>
-      </a:schemeClr>
-    </dgm:fillClrLst>
-    <dgm:linClrLst meth="repeat">
-      <a:schemeClr val="accent3">
-        <a:tint val="60000"/>
-      </a:schemeClr>
-    </dgm:linClrLst>
-    <dgm:effectClrLst/>
-    <dgm:txLinClrLst/>
-    <dgm:txFillClrLst/>
-    <dgm:txEffectClrLst/>
-  </dgm:styleLbl>
-  <dgm:styleLbl name="sibTrans1D1">
-    <dgm:fillClrLst meth="repeat">
-      <a:schemeClr val="accent3"/>
-    </dgm:fillClrLst>
-    <dgm:linClrLst meth="repeat">
-      <a:schemeClr val="accent3"/>
-    </dgm:linClrLst>
-    <dgm:effectClrLst/>
-    <dgm:txLinClrLst/>
-    <dgm:txFillClrLst meth="repeat">
-      <a:schemeClr val="tx1"/>
-    </dgm:txFillClrLst>
-    <dgm:txEffectClrLst/>
-  </dgm:styleLbl>
-  <dgm:styleLbl name="callout">
-    <dgm:fillClrLst meth="repeat">
-      <a:schemeClr val="accent3"/>
-    </dgm:fillClrLst>
-    <dgm:linClrLst meth="repeat">
-      <a:schemeClr val="accent3">
-        <a:tint val="50000"/>
-      </a:schemeClr>
-    </dgm:linClrLst>
-    <dgm:effectClrLst/>
-    <dgm:txLinClrLst/>
-    <dgm:txFillClrLst meth="repeat">
-      <a:schemeClr val="tx1"/>
-    </dgm:txFillClrLst>
-    <dgm:txEffectClrLst/>
-  </dgm:styleLbl>
-  <dgm:styleLbl name="asst0">
-    <dgm:fillClrLst meth="repeat">
-      <a:schemeClr val="accent3"/>
-    </dgm:fillClrLst>
-    <dgm:linClrLst meth="repeat">
-      <a:schemeClr val="lt1"/>
-    </dgm:linClrLst>
-    <dgm:effectClrLst/>
-    <dgm:txLinClrLst/>
-    <dgm:txFillClrLst/>
-    <dgm:txEffectClrLst/>
-  </dgm:styleLbl>
-  <dgm:styleLbl name="asst1">
-    <dgm:fillClrLst meth="repeat">
-      <a:schemeClr val="accent3"/>
-    </dgm:fillClrLst>
-    <dgm:linClrLst meth="repeat">
-      <a:schemeClr val="lt1"/>
-    </dgm:linClrLst>
-    <dgm:effectClrLst/>
-    <dgm:txLinClrLst/>
-    <dgm:txFillClrLst/>
-    <dgm:txEffectClrLst/>
-  </dgm:styleLbl>
-  <dgm:styleLbl name="asst2">
-    <dgm:fillClrLst meth="repeat">
-      <a:schemeClr val="accent3"/>
-    </dgm:fillClrLst>
-    <dgm:linClrLst meth="repeat">
-      <a:schemeClr val="lt1"/>
-    </dgm:linClrLst>
-    <dgm:effectClrLst/>
-    <dgm:txLinClrLst/>
-    <dgm:txFillClrLst/>
-    <dgm:txEffectClrLst/>
-  </dgm:styleLbl>
-  <dgm:styleLbl name="asst3">
-    <dgm:fillClrLst meth="repeat">
-      <a:schemeClr val="accent3"/>
-    </dgm:fillClrLst>
-    <dgm:linClrLst meth="repeat">
-      <a:schemeClr val="lt1"/>
-    </dgm:linClrLst>
-    <dgm:effectClrLst/>
-    <dgm:txLinClrLst/>
-    <dgm:txFillClrLst/>
-    <dgm:txEffectClrLst/>
-  </dgm:styleLbl>
-  <dgm:styleLbl name="asst4">
-    <dgm:fillClrLst meth="repeat">
-      <a:schemeClr val="accent3"/>
-    </dgm:fillClrLst>
-    <dgm:linClrLst meth="repeat">
-      <a:schemeClr val="lt1"/>
-    </dgm:linClrLst>
-    <dgm:effectClrLst/>
-    <dgm:txLinClrLst/>
-    <dgm:txFillClrLst/>
-    <dgm:txEffectClrLst/>
-  </dgm:styleLbl>
-  <dgm:styleLbl name="parChTrans2D1">
-    <dgm:fillClrLst meth="repeat">
-      <a:schemeClr val="accent3">
-        <a:tint val="60000"/>
-      </a:schemeClr>
-    </dgm:fillClrLst>
-    <dgm:linClrLst meth="repeat">
-      <a:schemeClr val="accent3">
-        <a:tint val="60000"/>
-      </a:schemeClr>
-    </dgm:linClrLst>
-    <dgm:effectClrLst/>
-    <dgm:txLinClrLst/>
-    <dgm:txFillClrLst meth="repeat">
-      <a:schemeClr val="lt1"/>
-    </dgm:txFillClrLst>
-    <dgm:txEffectClrLst/>
-  </dgm:styleLbl>
-  <dgm:styleLbl name="parChTrans2D2">
-    <dgm:fillClrLst meth="repeat">
-      <a:schemeClr val="accent3"/>
-    </dgm:fillClrLst>
-    <dgm:linClrLst meth="repeat">
-      <a:schemeClr val="accent3"/>
-    </dgm:linClrLst>
-    <dgm:effectClrLst/>
-    <dgm:txLinClrLst/>
-    <dgm:txFillClrLst meth="repeat">
-      <a:schemeClr val="lt1"/>
-    </dgm:txFillClrLst>
-    <dgm:txEffectClrLst/>
-  </dgm:styleLbl>
-  <dgm:styleLbl name="parChTrans2D3">
-    <dgm:fillClrLst meth="repeat">
-      <a:schemeClr val="accent3"/>
-    </dgm:fillClrLst>
-    <dgm:linClrLst meth="repeat">
-      <a:schemeClr val="accent3"/>
-    </dgm:linClrLst>
-    <dgm:effectClrLst/>
-    <dgm:txLinClrLst/>
-    <dgm:txFillClrLst meth="repeat">
-      <a:schemeClr val="lt1"/>
-    </dgm:txFillClrLst>
-    <dgm:txEffectClrLst/>
-  </dgm:styleLbl>
-  <dgm:styleLbl name="parChTrans2D4">
-    <dgm:fillClrLst meth="repeat">
-      <a:schemeClr val="accent3"/>
-    </dgm:fillClrLst>
-    <dgm:linClrLst meth="repeat">
-      <a:schemeClr val="accent3"/>
-    </dgm:linClrLst>
-    <dgm:effectClrLst/>
-    <dgm:txLinClrLst/>
-    <dgm:txFillClrLst meth="repeat">
-      <a:schemeClr val="lt1"/>
-    </dgm:txFillClrLst>
-    <dgm:txEffectClrLst/>
-  </dgm:styleLbl>
-  <dgm:styleLbl name="parChTrans1D1">
-    <dgm:fillClrLst meth="repeat">
-      <a:schemeClr val="accent3"/>
-    </dgm:fillClrLst>
-    <dgm:linClrLst meth="repeat">
-      <a:schemeClr val="accent3">
-        <a:shade val="60000"/>
-      </a:schemeClr>
-    </dgm:linClrLst>
-    <dgm:effectClrLst/>
-    <dgm:txLinClrLst/>
-    <dgm:txFillClrLst meth="repeat">
-      <a:schemeClr val="tx1"/>
-    </dgm:txFillClrLst>
-    <dgm:txEffectClrLst/>
-  </dgm:styleLbl>
-  <dgm:styleLbl name="parChTrans1D2">
-    <dgm:fillClrLst meth="repeat">
-      <a:schemeClr val="accent3"/>
-    </dgm:fillClrLst>
-    <dgm:linClrLst meth="repeat">
-      <a:schemeClr val="accent3">
-        <a:shade val="60000"/>
-      </a:schemeClr>
-    </dgm:linClrLst>
-    <dgm:effectClrLst/>
-    <dgm:txLinClrLst/>
-    <dgm:txFillClrLst meth="repeat">
-      <a:schemeClr val="tx1"/>
-    </dgm:txFillClrLst>
-    <dgm:txEffectClrLst/>
-  </dgm:styleLbl>
-  <dgm:styleLbl name="parChTrans1D3">
-    <dgm:fillClrLst meth="repeat">
-      <a:schemeClr val="accent3"/>
-    </dgm:fillClrLst>
-    <dgm:linClrLst meth="repeat">
-      <a:schemeClr val="accent3">
-        <a:shade val="80000"/>
-      </a:schemeClr>
-    </dgm:linClrLst>
-    <dgm:effectClrLst/>
-    <dgm:txLinClrLst/>
-    <dgm:txFillClrLst meth="repeat">
-      <a:schemeClr val="tx1"/>
-    </dgm:txFillClrLst>
-    <dgm:txEffectClrLst/>
-  </dgm:styleLbl>
-  <dgm:styleLbl name="parChTrans1D4">
-    <dgm:fillClrLst meth="repeat">
-      <a:schemeClr val="accent3"/>
-    </dgm:fillClrLst>
-    <dgm:linClrLst meth="repeat">
-      <a:schemeClr val="accent3">
-        <a:shade val="80000"/>
-      </a:schemeClr>
-    </dgm:linClrLst>
-    <dgm:effectClrLst/>
-    <dgm:txLinClrLst/>
-    <dgm:txFillClrLst meth="repeat">
-      <a:schemeClr val="tx1"/>
-    </dgm:txFillClrLst>
-    <dgm:txEffectClrLst/>
-  </dgm:styleLbl>
-  <dgm:styleLbl name="fgAcc1">
-    <dgm:fillClrLst meth="repeat">
-      <a:schemeClr val="lt1">
-        <a:alpha val="90000"/>
-      </a:schemeClr>
-    </dgm:fillClrLst>
-    <dgm:linClrLst meth="repeat">
-      <a:schemeClr val="accent3"/>
-    </dgm:linClrLst>
-    <dgm:effectClrLst/>
-    <dgm:txLinClrLst/>
-    <dgm:txFillClrLst meth="repeat">
-      <a:schemeClr val="dk1"/>
-    </dgm:txFillClrLst>
-    <dgm:txEffectClrLst/>
-  </dgm:styleLbl>
-  <dgm:styleLbl name="conFgAcc1">
-    <dgm:fillClrLst meth="repeat">
-      <a:schemeClr val="lt1">
-        <a:alpha val="90000"/>
-      </a:schemeClr>
-    </dgm:fillClrLst>
-    <dgm:linClrLst meth="repeat">
-      <a:schemeClr val="accent3"/>
-    </dgm:linClrLst>
-    <dgm:effectClrLst/>
-    <dgm:txLinClrLst/>
-    <dgm:txFillClrLst meth="repeat">
-      <a:schemeClr val="dk1"/>
-    </dgm:txFillClrLst>
-    <dgm:txEffectClrLst/>
-  </dgm:styleLbl>
-  <dgm:styleLbl name="alignAcc1">
-    <dgm:fillClrLst meth="repeat">
-      <a:schemeClr val="lt1">
-        <a:alpha val="90000"/>
-      </a:schemeClr>
-    </dgm:fillClrLst>
-    <dgm:linClrLst meth="repeat">
-      <a:schemeClr val="accent3"/>
-    </dgm:linClrLst>
-    <dgm:effectClrLst/>
-    <dgm:txLinClrLst/>
-    <dgm:txFillClrLst meth="repeat">
-      <a:schemeClr val="dk1"/>
-    </dgm:txFillClrLst>
-    <dgm:txEffectClrLst/>
-  </dgm:styleLbl>
-  <dgm:styleLbl name="trAlignAcc1">
-    <dgm:fillClrLst meth="repeat">
-      <a:schemeClr val="lt1">
-        <a:alpha val="40000"/>
-      </a:schemeClr>
-    </dgm:fillClrLst>
-    <dgm:linClrLst meth="repeat">
-      <a:schemeClr val="accent3"/>
-    </dgm:linClrLst>
-    <dgm:effectClrLst/>
-    <dgm:txLinClrLst/>
-    <dgm:txFillClrLst meth="repeat">
-      <a:schemeClr val="dk1"/>
-    </dgm:txFillClrLst>
-    <dgm:txEffectClrLst/>
-  </dgm:styleLbl>
-  <dgm:styleLbl name="bgAcc1">
-    <dgm:fillClrLst meth="repeat">
-      <a:schemeClr val="lt1">
-        <a:alpha val="90000"/>
-      </a:schemeClr>
-    </dgm:fillClrLst>
-    <dgm:linClrLst meth="repeat">
-      <a:schemeClr val="accent3"/>
-    </dgm:linClrLst>
-    <dgm:effectClrLst/>
-    <dgm:txLinClrLst/>
-    <dgm:txFillClrLst meth="repeat">
-      <a:schemeClr val="dk1"/>
-    </dgm:txFillClrLst>
-    <dgm:txEffectClrLst/>
-  </dgm:styleLbl>
-  <dgm:styleLbl name="solidFgAcc1">
-    <dgm:fillClrLst meth="repeat">
-      <a:schemeClr val="lt1"/>
-    </dgm:fillClrLst>
-    <dgm:linClrLst meth="repeat">
-      <a:schemeClr val="accent3"/>
-    </dgm:linClrLst>
-    <dgm:effectClrLst/>
-    <dgm:txLinClrLst/>
-    <dgm:txFillClrLst meth="repeat">
-      <a:schemeClr val="dk1"/>
-    </dgm:txFillClrLst>
-    <dgm:txEffectClrLst/>
-  </dgm:styleLbl>
-  <dgm:styleLbl name="solidAlignAcc1">
-    <dgm:fillClrLst meth="repeat">
-      <a:schemeClr val="lt1"/>
-    </dgm:fillClrLst>
-    <dgm:linClrLst meth="repeat">
-      <a:schemeClr val="accent3"/>
-    </dgm:linClrLst>
-    <dgm:effectClrLst/>
-    <dgm:txLinClrLst/>
-    <dgm:txFillClrLst meth="repeat">
-      <a:schemeClr val="dk1"/>
-    </dgm:txFillClrLst>
-    <dgm:txEffectClrLst/>
-  </dgm:styleLbl>
-  <dgm:styleLbl name="solidBgAcc1">
-    <dgm:fillClrLst meth="repeat">
-      <a:schemeClr val="lt1"/>
-    </dgm:fillClrLst>
-    <dgm:linClrLst meth="repeat">
-      <a:schemeClr val="accent3"/>
-    </dgm:linClrLst>
-    <dgm:effectClrLst/>
-    <dgm:txLinClrLst/>
-    <dgm:txFillClrLst meth="repeat">
-      <a:schemeClr val="dk1"/>
-    </dgm:txFillClrLst>
-    <dgm:txEffectClrLst/>
-  </dgm:styleLbl>
-  <dgm:styleLbl name="fgAccFollowNode1">
-    <dgm:fillClrLst meth="repeat">
-      <a:schemeClr val="accent3">
-        <a:alpha val="90000"/>
-        <a:tint val="40000"/>
-      </a:schemeClr>
-    </dgm:fillClrLst>
-    <dgm:linClrLst meth="repeat">
-      <a:schemeClr val="accent3">
-        <a:alpha val="90000"/>
-        <a:tint val="40000"/>
-      </a:schemeClr>
-    </dgm:linClrLst>
-    <dgm:effectClrLst/>
-    <dgm:txLinClrLst/>
-    <dgm:txFillClrLst meth="repeat">
-      <a:schemeClr val="dk1"/>
-    </dgm:txFillClrLst>
-    <dgm:txEffectClrLst/>
-  </dgm:styleLbl>
-  <dgm:styleLbl name="alignAccFollowNode1">
-    <dgm:fillClrLst meth="repeat">
-      <a:schemeClr val="accent3">
-        <a:alpha val="90000"/>
-        <a:tint val="40000"/>
-      </a:schemeClr>
-    </dgm:fillClrLst>
-    <dgm:linClrLst meth="repeat">
-      <a:schemeClr val="accent3">
-        <a:alpha val="90000"/>
-        <a:tint val="40000"/>
-      </a:schemeClr>
-    </dgm:linClrLst>
-    <dgm:effectClrLst/>
-    <dgm:txLinClrLst/>
-    <dgm:txFillClrLst meth="repeat">
-      <a:schemeClr val="dk1"/>
-    </dgm:txFillClrLst>
-    <dgm:txEffectClrLst/>
-  </dgm:styleLbl>
-  <dgm:styleLbl name="bgAccFollowNode1">
-    <dgm:fillClrLst meth="repeat">
-      <a:schemeClr val="accent3">
-        <a:alpha val="90000"/>
-        <a:tint val="40000"/>
-      </a:schemeClr>
-    </dgm:fillClrLst>
-    <dgm:linClrLst meth="repeat">
-      <a:schemeClr val="accent3">
-        <a:alpha val="90000"/>
-        <a:tint val="40000"/>
-      </a:schemeClr>
-    </dgm:linClrLst>
-    <dgm:effectClrLst/>
-    <dgm:txLinClrLst/>
-    <dgm:txFillClrLst meth="repeat">
-      <a:schemeClr val="dk1"/>
-    </dgm:txFillClrLst>
-    <dgm:txEffectClrLst/>
-  </dgm:styleLbl>
-  <dgm:styleLbl name="fgAcc0">
-    <dgm:fillClrLst meth="repeat">
-      <a:schemeClr val="lt1">
-        <a:alpha val="90000"/>
-      </a:schemeClr>
-    </dgm:fillClrLst>
-    <dgm:linClrLst meth="repeat">
-      <a:schemeClr val="accent3"/>
-    </dgm:linClrLst>
-    <dgm:effectClrLst/>
-    <dgm:txLinClrLst/>
-    <dgm:txFillClrLst meth="repeat">
-      <a:schemeClr val="dk1"/>
-    </dgm:txFillClrLst>
-    <dgm:txEffectClrLst/>
-  </dgm:styleLbl>
-  <dgm:styleLbl name="fgAcc2">
-    <dgm:fillClrLst meth="repeat">
-      <a:schemeClr val="lt1">
-        <a:alpha val="90000"/>
-      </a:schemeClr>
-    </dgm:fillClrLst>
-    <dgm:linClrLst meth="repeat">
-      <a:schemeClr val="accent3"/>
-    </dgm:linClrLst>
-    <dgm:effectClrLst/>
-    <dgm:txLinClrLst/>
-    <dgm:txFillClrLst meth="repeat">
-      <a:schemeClr val="dk1"/>
-    </dgm:txFillClrLst>
-    <dgm:txEffectClrLst/>
-  </dgm:styleLbl>
-  <dgm:styleLbl name="fgAcc3">
-    <dgm:fillClrLst meth="repeat">
-      <a:schemeClr val="lt1">
-        <a:alpha val="90000"/>
-      </a:schemeClr>
-    </dgm:fillClrLst>
-    <dgm:linClrLst meth="repeat">
-      <a:schemeClr val="accent3"/>
-    </dgm:linClrLst>
-    <dgm:effectClrLst/>
-    <dgm:txLinClrLst/>
-    <dgm:txFillClrLst meth="repeat">
-      <a:schemeClr val="dk1"/>
-    </dgm:txFillClrLst>
-    <dgm:txEffectClrLst/>
-  </dgm:styleLbl>
-  <dgm:styleLbl name="fgAcc4">
-    <dgm:fillClrLst meth="repeat">
-      <a:schemeClr val="lt1">
-        <a:alpha val="90000"/>
-      </a:schemeClr>
-    </dgm:fillClrLst>
-    <dgm:linClrLst meth="repeat">
-      <a:schemeClr val="accent3"/>
-    </dgm:linClrLst>
-    <dgm:effectClrLst/>
-    <dgm:txLinClrLst/>
-    <dgm:txFillClrLst meth="repeat">
-      <a:schemeClr val="dk1"/>
-    </dgm:txFillClrLst>
-    <dgm:txEffectClrLst/>
-  </dgm:styleLbl>
-  <dgm:styleLbl name="bgShp">
-    <dgm:fillClrLst meth="repeat">
-      <a:schemeClr val="accent3">
-        <a:tint val="40000"/>
-      </a:schemeClr>
-    </dgm:fillClrLst>
-    <dgm:linClrLst meth="repeat">
-      <a:schemeClr val="accent3"/>
-    </dgm:linClrLst>
-    <dgm:effectClrLst/>
-    <dgm:txLinClrLst/>
-    <dgm:txFillClrLst meth="repeat">
-      <a:schemeClr val="dk1"/>
-    </dgm:txFillClrLst>
-    <dgm:txEffectClrLst/>
-  </dgm:styleLbl>
-  <dgm:styleLbl name="dkBgShp">
-    <dgm:fillClrLst meth="repeat">
-      <a:schemeClr val="accent3">
-        <a:shade val="80000"/>
-      </a:schemeClr>
-    </dgm:fillClrLst>
-    <dgm:linClrLst meth="repeat">
-      <a:schemeClr val="accent3"/>
-    </dgm:linClrLst>
-    <dgm:effectClrLst/>
-    <dgm:txLinClrLst/>
-    <dgm:txFillClrLst meth="repeat">
-      <a:schemeClr val="lt1"/>
-    </dgm:txFillClrLst>
-    <dgm:txEffectClrLst/>
-  </dgm:styleLbl>
-  <dgm:styleLbl name="trBgShp">
-    <dgm:fillClrLst meth="repeat">
-      <a:schemeClr val="accent3">
-        <a:tint val="50000"/>
-        <a:alpha val="40000"/>
-      </a:schemeClr>
-    </dgm:fillClrLst>
-    <dgm:linClrLst meth="repeat">
-      <a:schemeClr val="accent3"/>
-    </dgm:linClrLst>
-    <dgm:effectClrLst/>
-    <dgm:txLinClrLst/>
-    <dgm:txFillClrLst meth="repeat">
-      <a:schemeClr val="lt1"/>
-    </dgm:txFillClrLst>
-    <dgm:txEffectClrLst/>
-  </dgm:styleLbl>
-  <dgm:styleLbl name="fgShp">
-    <dgm:fillClrLst meth="repeat">
-      <a:schemeClr val="accent3">
-        <a:tint val="60000"/>
-      </a:schemeClr>
-    </dgm:fillClrLst>
-    <dgm:linClrLst meth="repeat">
-      <a:schemeClr val="lt1"/>
-    </dgm:linClrLst>
-    <dgm:effectClrLst/>
-    <dgm:txLinClrLst/>
-    <dgm:txFillClrLst meth="repeat">
-      <a:schemeClr val="dk1"/>
-    </dgm:txFillClrLst>
-    <dgm:txEffectClrLst/>
-  </dgm:styleLbl>
-  <dgm:styleLbl name="revTx">
-    <dgm:fillClrLst meth="repeat">
-      <a:schemeClr val="lt1">
-        <a:alpha val="0"/>
-      </a:schemeClr>
-    </dgm:fillClrLst>
-    <dgm:linClrLst meth="repeat">
-      <a:schemeClr val="dk1">
-        <a:alpha val="0"/>
-      </a:schemeClr>
-    </dgm:linClrLst>
-    <dgm:effectClrLst/>
-    <dgm:txLinClrLst/>
-    <dgm:txFillClrLst meth="repeat">
-      <a:schemeClr val="tx1"/>
-    </dgm:txFillClrLst>
-    <dgm:txEffectClrLst/>
-  </dgm:styleLbl>
-</dgm:colorsDef>
-</file>
-
-<file path=ppt/diagrams/colors3.xml><?xml version="1.0" encoding="utf-8"?>
-<dgm:colorsDef xmlns:dgm="http://schemas.openxmlformats.org/drawingml/2006/diagram" xmlns:a="http://schemas.openxmlformats.org/drawingml/2006/main" uniqueId="urn:microsoft.com/office/officeart/2005/8/colors/accent3_2">
-  <dgm:title val=""/>
-  <dgm:desc val=""/>
-  <dgm:catLst>
-    <dgm:cat type="accent3" pri="11200"/>
-  </dgm:catLst>
-  <dgm:styleLbl name="node0">
-    <dgm:fillClrLst meth="repeat">
-      <a:schemeClr val="accent3"/>
-    </dgm:fillClrLst>
-    <dgm:linClrLst meth="repeat">
-      <a:schemeClr val="lt1"/>
-    </dgm:linClrLst>
-    <dgm:effectClrLst/>
-    <dgm:txLinClrLst/>
-    <dgm:txFillClrLst/>
-    <dgm:txEffectClrLst/>
-  </dgm:styleLbl>
-  <dgm:styleLbl name="node1">
-    <dgm:fillClrLst meth="repeat">
-      <a:schemeClr val="accent3"/>
-    </dgm:fillClrLst>
-    <dgm:linClrLst meth="repeat">
-      <a:schemeClr val="lt1"/>
-    </dgm:linClrLst>
-    <dgm:effectClrLst/>
-    <dgm:txLinClrLst/>
-    <dgm:txFillClrLst/>
-    <dgm:txEffectClrLst/>
-  </dgm:styleLbl>
-  <dgm:styleLbl name="alignNode1">
-    <dgm:fillClrLst meth="repeat">
-      <a:schemeClr val="accent3"/>
-    </dgm:fillClrLst>
-    <dgm:linClrLst meth="repeat">
-      <a:schemeClr val="accent3"/>
-    </dgm:linClrLst>
-    <dgm:effectClrLst/>
-    <dgm:txLinClrLst/>
-    <dgm:txFillClrLst/>
-    <dgm:txEffectClrLst/>
-  </dgm:styleLbl>
-  <dgm:styleLbl name="lnNode1">
-    <dgm:fillClrLst meth="repeat">
-      <a:schemeClr val="accent3"/>
-    </dgm:fillClrLst>
-    <dgm:linClrLst meth="repeat">
-      <a:schemeClr val="lt1"/>
-    </dgm:linClrLst>
-    <dgm:effectClrLst/>
-    <dgm:txLinClrLst/>
-    <dgm:txFillClrLst/>
-    <dgm:txEffectClrLst/>
-  </dgm:styleLbl>
-  <dgm:styleLbl name="vennNode1">
-    <dgm:fillClrLst meth="repeat">
-      <a:schemeClr val="accent3">
-        <a:alpha val="50000"/>
-      </a:schemeClr>
-    </dgm:fillClrLst>
-    <dgm:linClrLst meth="repeat">
-      <a:schemeClr val="lt1"/>
-    </dgm:linClrLst>
-    <dgm:effectClrLst/>
-    <dgm:txLinClrLst/>
-    <dgm:txFillClrLst/>
-    <dgm:txEffectClrLst/>
-  </dgm:styleLbl>
-  <dgm:styleLbl name="node2">
-    <dgm:fillClrLst meth="repeat">
-      <a:schemeClr val="accent3"/>
-    </dgm:fillClrLst>
-    <dgm:linClrLst meth="repeat">
-      <a:schemeClr val="lt1"/>
-    </dgm:linClrLst>
-    <dgm:effectClrLst/>
-    <dgm:txLinClrLst/>
-    <dgm:txFillClrLst/>
-    <dgm:txEffectClrLst/>
-  </dgm:styleLbl>
-  <dgm:styleLbl name="node3">
-    <dgm:fillClrLst meth="repeat">
-      <a:schemeClr val="accent3"/>
-    </dgm:fillClrLst>
-    <dgm:linClrLst meth="repeat">
-      <a:schemeClr val="lt1"/>
-    </dgm:linClrLst>
-    <dgm:effectClrLst/>
-    <dgm:txLinClrLst/>
-    <dgm:txFillClrLst/>
-    <dgm:txEffectClrLst/>
-  </dgm:styleLbl>
-  <dgm:styleLbl name="node4">
-    <dgm:fillClrLst meth="repeat">
-      <a:schemeClr val="accent3"/>
-    </dgm:fillClrLst>
-    <dgm:linClrLst meth="repeat">
-      <a:schemeClr val="lt1"/>
-    </dgm:linClrLst>
-    <dgm:effectClrLst/>
-    <dgm:txLinClrLst/>
-    <dgm:txFillClrLst/>
-    <dgm:txEffectClrLst/>
-  </dgm:styleLbl>
-  <dgm:styleLbl name="fgImgPlace1">
-    <dgm:fillClrLst meth="repeat">
-      <a:schemeClr val="accent3">
-        <a:tint val="50000"/>
-      </a:schemeClr>
-    </dgm:fillClrLst>
-    <dgm:linClrLst meth="repeat">
-      <a:schemeClr val="lt1"/>
-    </dgm:linClrLst>
-    <dgm:effectClrLst/>
-    <dgm:txLinClrLst/>
-    <dgm:txFillClrLst meth="repeat">
-      <a:schemeClr val="lt1"/>
-    </dgm:txFillClrLst>
-    <dgm:txEffectClrLst/>
-  </dgm:styleLbl>
-  <dgm:styleLbl name="alignImgPlace1">
-    <dgm:fillClrLst meth="repeat">
-      <a:schemeClr val="accent3">
-        <a:tint val="50000"/>
-      </a:schemeClr>
-    </dgm:fillClrLst>
-    <dgm:linClrLst meth="repeat">
-      <a:schemeClr val="lt1"/>
-    </dgm:linClrLst>
-    <dgm:effectClrLst/>
-    <dgm:txLinClrLst/>
-    <dgm:txFillClrLst meth="repeat">
-      <a:schemeClr val="lt1"/>
-    </dgm:txFillClrLst>
-    <dgm:txEffectClrLst/>
-  </dgm:styleLbl>
-  <dgm:styleLbl name="bgImgPlace1">
-    <dgm:fillClrLst meth="repeat">
-      <a:schemeClr val="accent3">
-        <a:tint val="50000"/>
-      </a:schemeClr>
-    </dgm:fillClrLst>
-    <dgm:linClrLst meth="repeat">
-      <a:schemeClr val="lt1"/>
-    </dgm:linClrLst>
-    <dgm:effectClrLst/>
-    <dgm:txLinClrLst/>
-    <dgm:txFillClrLst meth="repeat">
-      <a:schemeClr val="lt1"/>
-    </dgm:txFillClrLst>
-    <dgm:txEffectClrLst/>
-  </dgm:styleLbl>
-  <dgm:styleLbl name="sibTrans2D1">
-    <dgm:fillClrLst meth="repeat">
-      <a:schemeClr val="accent3">
-        <a:tint val="60000"/>
-      </a:schemeClr>
-    </dgm:fillClrLst>
-    <dgm:linClrLst meth="repeat">
-      <a:schemeClr val="accent3">
-        <a:tint val="60000"/>
-      </a:schemeClr>
-    </dgm:linClrLst>
-    <dgm:effectClrLst/>
-    <dgm:txLinClrLst/>
-    <dgm:txFillClrLst/>
-    <dgm:txEffectClrLst/>
-  </dgm:styleLbl>
-  <dgm:styleLbl name="fgSibTrans2D1">
-    <dgm:fillClrLst meth="repeat">
-      <a:schemeClr val="accent3">
-        <a:tint val="60000"/>
-      </a:schemeClr>
-    </dgm:fillClrLst>
-    <dgm:linClrLst meth="repeat">
-      <a:schemeClr val="accent3">
-        <a:tint val="60000"/>
-      </a:schemeClr>
-    </dgm:linClrLst>
-    <dgm:effectClrLst/>
-    <dgm:txLinClrLst/>
-    <dgm:txFillClrLst/>
-    <dgm:txEffectClrLst/>
-  </dgm:styleLbl>
-  <dgm:styleLbl name="bgSibTrans2D1">
-    <dgm:fillClrLst meth="repeat">
-      <a:schemeClr val="accent3">
-        <a:tint val="60000"/>
-      </a:schemeClr>
-    </dgm:fillClrLst>
-    <dgm:linClrLst meth="repeat">
-      <a:schemeClr val="accent3">
-        <a:tint val="60000"/>
-      </a:schemeClr>
-    </dgm:linClrLst>
-    <dgm:effectClrLst/>
-    <dgm:txLinClrLst/>
-    <dgm:txFillClrLst/>
-    <dgm:txEffectClrLst/>
-  </dgm:styleLbl>
-  <dgm:styleLbl name="sibTrans1D1">
-    <dgm:fillClrLst meth="repeat">
-      <a:schemeClr val="accent3"/>
-    </dgm:fillClrLst>
-    <dgm:linClrLst meth="repeat">
-      <a:schemeClr val="accent3"/>
-    </dgm:linClrLst>
-    <dgm:effectClrLst/>
-    <dgm:txLinClrLst/>
-    <dgm:txFillClrLst meth="repeat">
-      <a:schemeClr val="tx1"/>
-    </dgm:txFillClrLst>
-    <dgm:txEffectClrLst/>
-  </dgm:styleLbl>
-  <dgm:styleLbl name="callout">
-    <dgm:fillClrLst meth="repeat">
-      <a:schemeClr val="accent3"/>
-    </dgm:fillClrLst>
-    <dgm:linClrLst meth="repeat">
-      <a:schemeClr val="accent3">
-        <a:tint val="50000"/>
-      </a:schemeClr>
-    </dgm:linClrLst>
-    <dgm:effectClrLst/>
-    <dgm:txLinClrLst/>
-    <dgm:txFillClrLst meth="repeat">
-      <a:schemeClr val="tx1"/>
-    </dgm:txFillClrLst>
-    <dgm:txEffectClrLst/>
-  </dgm:styleLbl>
-  <dgm:styleLbl name="asst0">
-    <dgm:fillClrLst meth="repeat">
-      <a:schemeClr val="accent3"/>
-    </dgm:fillClrLst>
-    <dgm:linClrLst meth="repeat">
-      <a:schemeClr val="lt1"/>
-    </dgm:linClrLst>
-    <dgm:effectClrLst/>
-    <dgm:txLinClrLst/>
-    <dgm:txFillClrLst/>
-    <dgm:txEffectClrLst/>
-  </dgm:styleLbl>
-  <dgm:styleLbl name="asst1">
-    <dgm:fillClrLst meth="repeat">
-      <a:schemeClr val="accent3"/>
-    </dgm:fillClrLst>
-    <dgm:linClrLst meth="repeat">
-      <a:schemeClr val="lt1"/>
-    </dgm:linClrLst>
-    <dgm:effectClrLst/>
-    <dgm:txLinClrLst/>
-    <dgm:txFillClrLst/>
-    <dgm:txEffectClrLst/>
-  </dgm:styleLbl>
-  <dgm:styleLbl name="asst2">
-    <dgm:fillClrLst meth="repeat">
-      <a:schemeClr val="accent3"/>
-    </dgm:fillClrLst>
-    <dgm:linClrLst meth="repeat">
-      <a:schemeClr val="lt1"/>
-    </dgm:linClrLst>
-    <dgm:effectClrLst/>
-    <dgm:txLinClrLst/>
-    <dgm:txFillClrLst/>
-    <dgm:txEffectClrLst/>
-  </dgm:styleLbl>
-  <dgm:styleLbl name="asst3">
-    <dgm:fillClrLst meth="repeat">
-      <a:schemeClr val="accent3"/>
-    </dgm:fillClrLst>
-    <dgm:linClrLst meth="repeat">
-      <a:schemeClr val="lt1"/>
-    </dgm:linClrLst>
-    <dgm:effectClrLst/>
-    <dgm:txLinClrLst/>
-    <dgm:txFillClrLst/>
-    <dgm:txEffectClrLst/>
-  </dgm:styleLbl>
-  <dgm:styleLbl name="asst4">
-    <dgm:fillClrLst meth="repeat">
-      <a:schemeClr val="accent3"/>
-    </dgm:fillClrLst>
-    <dgm:linClrLst meth="repeat">
-      <a:schemeClr val="lt1"/>
-    </dgm:linClrLst>
-    <dgm:effectClrLst/>
-    <dgm:txLinClrLst/>
-    <dgm:txFillClrLst/>
-    <dgm:txEffectClrLst/>
-  </dgm:styleLbl>
-  <dgm:styleLbl name="parChTrans2D1">
-    <dgm:fillClrLst meth="repeat">
-      <a:schemeClr val="accent3">
-        <a:tint val="60000"/>
-      </a:schemeClr>
-    </dgm:fillClrLst>
-    <dgm:linClrLst meth="repeat">
-      <a:schemeClr val="accent3">
-        <a:tint val="60000"/>
-      </a:schemeClr>
-    </dgm:linClrLst>
-    <dgm:effectClrLst/>
-    <dgm:txLinClrLst/>
-    <dgm:txFillClrLst meth="repeat">
-      <a:schemeClr val="lt1"/>
-    </dgm:txFillClrLst>
-    <dgm:txEffectClrLst/>
-  </dgm:styleLbl>
-  <dgm:styleLbl name="parChTrans2D2">
-    <dgm:fillClrLst meth="repeat">
-      <a:schemeClr val="accent3"/>
-    </dgm:fillClrLst>
-    <dgm:linClrLst meth="repeat">
-      <a:schemeClr val="accent3"/>
-    </dgm:linClrLst>
-    <dgm:effectClrLst/>
-    <dgm:txLinClrLst/>
-    <dgm:txFillClrLst meth="repeat">
-      <a:schemeClr val="lt1"/>
-    </dgm:txFillClrLst>
-    <dgm:txEffectClrLst/>
-  </dgm:styleLbl>
-  <dgm:styleLbl name="parChTrans2D3">
-    <dgm:fillClrLst meth="repeat">
-      <a:schemeClr val="accent3"/>
-    </dgm:fillClrLst>
-    <dgm:linClrLst meth="repeat">
-      <a:schemeClr val="accent3"/>
-    </dgm:linClrLst>
-    <dgm:effectClrLst/>
-    <dgm:txLinClrLst/>
-    <dgm:txFillClrLst meth="repeat">
-      <a:schemeClr val="lt1"/>
-    </dgm:txFillClrLst>
-    <dgm:txEffectClrLst/>
-  </dgm:styleLbl>
-  <dgm:styleLbl name="parChTrans2D4">
-    <dgm:fillClrLst meth="repeat">
-      <a:schemeClr val="accent3"/>
-    </dgm:fillClrLst>
-    <dgm:linClrLst meth="repeat">
-      <a:schemeClr val="accent3"/>
-    </dgm:linClrLst>
-    <dgm:effectClrLst/>
-    <dgm:txLinClrLst/>
-    <dgm:txFillClrLst meth="repeat">
-      <a:schemeClr val="lt1"/>
-    </dgm:txFillClrLst>
-    <dgm:txEffectClrLst/>
-  </dgm:styleLbl>
-  <dgm:styleLbl name="parChTrans1D1">
-    <dgm:fillClrLst meth="repeat">
-      <a:schemeClr val="accent3"/>
-    </dgm:fillClrLst>
-    <dgm:linClrLst meth="repeat">
-      <a:schemeClr val="accent3">
-        <a:shade val="60000"/>
-      </a:schemeClr>
-    </dgm:linClrLst>
-    <dgm:effectClrLst/>
-    <dgm:txLinClrLst/>
-    <dgm:txFillClrLst meth="repeat">
-      <a:schemeClr val="tx1"/>
-    </dgm:txFillClrLst>
-    <dgm:txEffectClrLst/>
-  </dgm:styleLbl>
-  <dgm:styleLbl name="parChTrans1D2">
-    <dgm:fillClrLst meth="repeat">
-      <a:schemeClr val="accent3"/>
-    </dgm:fillClrLst>
-    <dgm:linClrLst meth="repeat">
-      <a:schemeClr val="accent3">
-        <a:shade val="60000"/>
-      </a:schemeClr>
-    </dgm:linClrLst>
-    <dgm:effectClrLst/>
-    <dgm:txLinClrLst/>
-    <dgm:txFillClrLst meth="repeat">
-      <a:schemeClr val="tx1"/>
-    </dgm:txFillClrLst>
-    <dgm:txEffectClrLst/>
-  </dgm:styleLbl>
-  <dgm:styleLbl name="parChTrans1D3">
-    <dgm:fillClrLst meth="repeat">
-      <a:schemeClr val="accent3"/>
-    </dgm:fillClrLst>
-    <dgm:linClrLst meth="repeat">
-      <a:schemeClr val="accent3">
-        <a:shade val="80000"/>
-      </a:schemeClr>
-    </dgm:linClrLst>
-    <dgm:effectClrLst/>
-    <dgm:txLinClrLst/>
-    <dgm:txFillClrLst meth="repeat">
-      <a:schemeClr val="tx1"/>
-    </dgm:txFillClrLst>
-    <dgm:txEffectClrLst/>
-  </dgm:styleLbl>
-  <dgm:styleLbl name="parChTrans1D4">
-    <dgm:fillClrLst meth="repeat">
-      <a:schemeClr val="accent3"/>
-    </dgm:fillClrLst>
-    <dgm:linClrLst meth="repeat">
-      <a:schemeClr val="accent3">
-        <a:shade val="80000"/>
-      </a:schemeClr>
-    </dgm:linClrLst>
-    <dgm:effectClrLst/>
-    <dgm:txLinClrLst/>
-    <dgm:txFillClrLst meth="repeat">
-      <a:schemeClr val="tx1"/>
-    </dgm:txFillClrLst>
-    <dgm:txEffectClrLst/>
-  </dgm:styleLbl>
-  <dgm:styleLbl name="fgAcc1">
-    <dgm:fillClrLst meth="repeat">
-      <a:schemeClr val="lt1">
-        <a:alpha val="90000"/>
-      </a:schemeClr>
-    </dgm:fillClrLst>
-    <dgm:linClrLst meth="repeat">
-      <a:schemeClr val="accent3"/>
-    </dgm:linClrLst>
-    <dgm:effectClrLst/>
-    <dgm:txLinClrLst/>
-    <dgm:txFillClrLst meth="repeat">
-      <a:schemeClr val="dk1"/>
-    </dgm:txFillClrLst>
-    <dgm:txEffectClrLst/>
-  </dgm:styleLbl>
-  <dgm:styleLbl name="conFgAcc1">
-    <dgm:fillClrLst meth="repeat">
-      <a:schemeClr val="lt1">
-        <a:alpha val="90000"/>
-      </a:schemeClr>
-    </dgm:fillClrLst>
-    <dgm:linClrLst meth="repeat">
-      <a:schemeClr val="accent3"/>
-    </dgm:linClrLst>
-    <dgm:effectClrLst/>
-    <dgm:txLinClrLst/>
-    <dgm:txFillClrLst meth="repeat">
-      <a:schemeClr val="dk1"/>
-    </dgm:txFillClrLst>
-    <dgm:txEffectClrLst/>
-  </dgm:styleLbl>
-  <dgm:styleLbl name="alignAcc1">
-    <dgm:fillClrLst meth="repeat">
-      <a:schemeClr val="lt1">
-        <a:alpha val="90000"/>
-      </a:schemeClr>
-    </dgm:fillClrLst>
-    <dgm:linClrLst meth="repeat">
-      <a:schemeClr val="accent3"/>
-    </dgm:linClrLst>
-    <dgm:effectClrLst/>
-    <dgm:txLinClrLst/>
-    <dgm:txFillClrLst meth="repeat">
-      <a:schemeClr val="dk1"/>
-    </dgm:txFillClrLst>
-    <dgm:txEffectClrLst/>
-  </dgm:styleLbl>
-  <dgm:styleLbl name="trAlignAcc1">
-    <dgm:fillClrLst meth="repeat">
-      <a:schemeClr val="lt1">
-        <a:alpha val="40000"/>
-      </a:schemeClr>
-    </dgm:fillClrLst>
-    <dgm:linClrLst meth="repeat">
-      <a:schemeClr val="accent3"/>
-    </dgm:linClrLst>
-    <dgm:effectClrLst/>
-    <dgm:txLinClrLst/>
-    <dgm:txFillClrLst meth="repeat">
-      <a:schemeClr val="dk1"/>
-    </dgm:txFillClrLst>
-    <dgm:txEffectClrLst/>
-  </dgm:styleLbl>
-  <dgm:styleLbl name="bgAcc1">
-    <dgm:fillClrLst meth="repeat">
-      <a:schemeClr val="lt1">
-        <a:alpha val="90000"/>
-      </a:schemeClr>
-    </dgm:fillClrLst>
-    <dgm:linClrLst meth="repeat">
-      <a:schemeClr val="accent3"/>
-    </dgm:linClrLst>
-    <dgm:effectClrLst/>
-    <dgm:txLinClrLst/>
-    <dgm:txFillClrLst meth="repeat">
-      <a:schemeClr val="dk1"/>
-    </dgm:txFillClrLst>
-    <dgm:txEffectClrLst/>
-  </dgm:styleLbl>
-  <dgm:styleLbl name="solidFgAcc1">
-    <dgm:fillClrLst meth="repeat">
-      <a:schemeClr val="lt1"/>
-    </dgm:fillClrLst>
-    <dgm:linClrLst meth="repeat">
-      <a:schemeClr val="accent3"/>
-    </dgm:linClrLst>
-    <dgm:effectClrLst/>
-    <dgm:txLinClrLst/>
-    <dgm:txFillClrLst meth="repeat">
-      <a:schemeClr val="dk1"/>
-    </dgm:txFillClrLst>
-    <dgm:txEffectClrLst/>
-  </dgm:styleLbl>
-  <dgm:styleLbl name="solidAlignAcc1">
-    <dgm:fillClrLst meth="repeat">
-      <a:schemeClr val="lt1"/>
-    </dgm:fillClrLst>
-    <dgm:linClrLst meth="repeat">
-      <a:schemeClr val="accent3"/>
-    </dgm:linClrLst>
-    <dgm:effectClrLst/>
-    <dgm:txLinClrLst/>
-    <dgm:txFillClrLst meth="repeat">
-      <a:schemeClr val="dk1"/>
-    </dgm:txFillClrLst>
-    <dgm:txEffectClrLst/>
-  </dgm:styleLbl>
-  <dgm:styleLbl name="solidBgAcc1">
-    <dgm:fillClrLst meth="repeat">
-      <a:schemeClr val="lt1"/>
-    </dgm:fillClrLst>
-    <dgm:linClrLst meth="repeat">
-      <a:schemeClr val="accent3"/>
-    </dgm:linClrLst>
-    <dgm:effectClrLst/>
-    <dgm:txLinClrLst/>
-    <dgm:txFillClrLst meth="repeat">
-      <a:schemeClr val="dk1"/>
-    </dgm:txFillClrLst>
-    <dgm:txEffectClrLst/>
-  </dgm:styleLbl>
-  <dgm:styleLbl name="fgAccFollowNode1">
-    <dgm:fillClrLst meth="repeat">
-      <a:schemeClr val="accent3">
-        <a:alpha val="90000"/>
-        <a:tint val="40000"/>
-      </a:schemeClr>
-    </dgm:fillClrLst>
-    <dgm:linClrLst meth="repeat">
-      <a:schemeClr val="accent3">
-        <a:alpha val="90000"/>
-        <a:tint val="40000"/>
-      </a:schemeClr>
-    </dgm:linClrLst>
-    <dgm:effectClrLst/>
-    <dgm:txLinClrLst/>
-    <dgm:txFillClrLst meth="repeat">
-      <a:schemeClr val="dk1"/>
-    </dgm:txFillClrLst>
-    <dgm:txEffectClrLst/>
-  </dgm:styleLbl>
-  <dgm:styleLbl name="alignAccFollowNode1">
-    <dgm:fillClrLst meth="repeat">
-      <a:schemeClr val="accent3">
-        <a:alpha val="90000"/>
-        <a:tint val="40000"/>
-      </a:schemeClr>
-    </dgm:fillClrLst>
-    <dgm:linClrLst meth="repeat">
-      <a:schemeClr val="accent3">
-        <a:alpha val="90000"/>
-        <a:tint val="40000"/>
-      </a:schemeClr>
-    </dgm:linClrLst>
-    <dgm:effectClrLst/>
-    <dgm:txLinClrLst/>
-    <dgm:txFillClrLst meth="repeat">
-      <a:schemeClr val="dk1"/>
-    </dgm:txFillClrLst>
-    <dgm:txEffectClrLst/>
-  </dgm:styleLbl>
-  <dgm:styleLbl name="bgAccFollowNode1">
-    <dgm:fillClrLst meth="repeat">
-      <a:schemeClr val="accent3">
-        <a:alpha val="90000"/>
-        <a:tint val="40000"/>
-      </a:schemeClr>
-    </dgm:fillClrLst>
-    <dgm:linClrLst meth="repeat">
-      <a:schemeClr val="accent3">
-        <a:alpha val="90000"/>
-        <a:tint val="40000"/>
-      </a:schemeClr>
-    </dgm:linClrLst>
-    <dgm:effectClrLst/>
-    <dgm:txLinClrLst/>
-    <dgm:txFillClrLst meth="repeat">
-      <a:schemeClr val="dk1"/>
-    </dgm:txFillClrLst>
-    <dgm:txEffectClrLst/>
-  </dgm:styleLbl>
-  <dgm:styleLbl name="fgAcc0">
-    <dgm:fillClrLst meth="repeat">
-      <a:schemeClr val="lt1">
-        <a:alpha val="90000"/>
-      </a:schemeClr>
-    </dgm:fillClrLst>
-    <dgm:linClrLst meth="repeat">
-      <a:schemeClr val="accent3"/>
-    </dgm:linClrLst>
-    <dgm:effectClrLst/>
-    <dgm:txLinClrLst/>
-    <dgm:txFillClrLst meth="repeat">
-      <a:schemeClr val="dk1"/>
-    </dgm:txFillClrLst>
-    <dgm:txEffectClrLst/>
-  </dgm:styleLbl>
-  <dgm:styleLbl name="fgAcc2">
-    <dgm:fillClrLst meth="repeat">
-      <a:schemeClr val="lt1">
-        <a:alpha val="90000"/>
-      </a:schemeClr>
-    </dgm:fillClrLst>
-    <dgm:linClrLst meth="repeat">
-      <a:schemeClr val="accent3"/>
-    </dgm:linClrLst>
-    <dgm:effectClrLst/>
-    <dgm:txLinClrLst/>
-    <dgm:txFillClrLst meth="repeat">
-      <a:schemeClr val="dk1"/>
-    </dgm:txFillClrLst>
-    <dgm:txEffectClrLst/>
-  </dgm:styleLbl>
-  <dgm:styleLbl name="fgAcc3">
-    <dgm:fillClrLst meth="repeat">
-      <a:schemeClr val="lt1">
-        <a:alpha val="90000"/>
-      </a:schemeClr>
-    </dgm:fillClrLst>
-    <dgm:linClrLst meth="repeat">
-      <a:schemeClr val="accent3"/>
-    </dgm:linClrLst>
-    <dgm:effectClrLst/>
-    <dgm:txLinClrLst/>
-    <dgm:txFillClrLst meth="repeat">
-      <a:schemeClr val="dk1"/>
-    </dgm:txFillClrLst>
-    <dgm:txEffectClrLst/>
-  </dgm:styleLbl>
-  <dgm:styleLbl name="fgAcc4">
-    <dgm:fillClrLst meth="repeat">
-      <a:schemeClr val="lt1">
-        <a:alpha val="90000"/>
-      </a:schemeClr>
-    </dgm:fillClrLst>
-    <dgm:linClrLst meth="repeat">
-      <a:schemeClr val="accent3"/>
-    </dgm:linClrLst>
-    <dgm:effectClrLst/>
-    <dgm:txLinClrLst/>
-    <dgm:txFillClrLst meth="repeat">
-      <a:schemeClr val="dk1"/>
-    </dgm:txFillClrLst>
-    <dgm:txEffectClrLst/>
-  </dgm:styleLbl>
-  <dgm:styleLbl name="bgShp">
-    <dgm:fillClrLst meth="repeat">
-      <a:schemeClr val="accent3">
-        <a:tint val="40000"/>
-      </a:schemeClr>
-    </dgm:fillClrLst>
-    <dgm:linClrLst meth="repeat">
-      <a:schemeClr val="accent3"/>
-    </dgm:linClrLst>
-    <dgm:effectClrLst/>
-    <dgm:txLinClrLst/>
-    <dgm:txFillClrLst meth="repeat">
-      <a:schemeClr val="dk1"/>
-    </dgm:txFillClrLst>
-    <dgm:txEffectClrLst/>
-  </dgm:styleLbl>
-  <dgm:styleLbl name="dkBgShp">
-    <dgm:fillClrLst meth="repeat">
-      <a:schemeClr val="accent3">
-        <a:shade val="80000"/>
-      </a:schemeClr>
-    </dgm:fillClrLst>
-    <dgm:linClrLst meth="repeat">
-      <a:schemeClr val="accent3"/>
-    </dgm:linClrLst>
-    <dgm:effectClrLst/>
-    <dgm:txLinClrLst/>
-    <dgm:txFillClrLst meth="repeat">
-      <a:schemeClr val="lt1"/>
-    </dgm:txFillClrLst>
-    <dgm:txEffectClrLst/>
-  </dgm:styleLbl>
-  <dgm:styleLbl name="trBgShp">
-    <dgm:fillClrLst meth="repeat">
-      <a:schemeClr val="accent3">
-        <a:tint val="50000"/>
-        <a:alpha val="40000"/>
-      </a:schemeClr>
-    </dgm:fillClrLst>
-    <dgm:linClrLst meth="repeat">
-      <a:schemeClr val="accent3"/>
-    </dgm:linClrLst>
-    <dgm:effectClrLst/>
-    <dgm:txLinClrLst/>
-    <dgm:txFillClrLst meth="repeat">
-      <a:schemeClr val="lt1"/>
-    </dgm:txFillClrLst>
-    <dgm:txEffectClrLst/>
-  </dgm:styleLbl>
-  <dgm:styleLbl name="fgShp">
-    <dgm:fillClrLst meth="repeat">
-      <a:schemeClr val="accent3">
-        <a:tint val="60000"/>
-      </a:schemeClr>
-    </dgm:fillClrLst>
-    <dgm:linClrLst meth="repeat">
-      <a:schemeClr val="lt1"/>
-    </dgm:linClrLst>
-    <dgm:effectClrLst/>
-    <dgm:txLinClrLst/>
-    <dgm:txFillClrLst meth="repeat">
-      <a:schemeClr val="dk1"/>
-    </dgm:txFillClrLst>
-    <dgm:txEffectClrLst/>
-  </dgm:styleLbl>
-  <dgm:styleLbl name="revTx">
-    <dgm:fillClrLst meth="repeat">
-      <a:schemeClr val="lt1">
-        <a:alpha val="0"/>
-      </a:schemeClr>
-    </dgm:fillClrLst>
-    <dgm:linClrLst meth="repeat">
-      <a:schemeClr val="dk1">
-        <a:alpha val="0"/>
-      </a:schemeClr>
-    </dgm:linClrLst>
-    <dgm:effectClrLst/>
-    <dgm:txLinClrLst/>
-    <dgm:txFillClrLst meth="repeat">
-      <a:schemeClr val="tx1"/>
-    </dgm:txFillClrLst>
-    <dgm:txEffectClrLst/>
-  </dgm:styleLbl>
-</dgm:colorsDef>
-</file>
-
 <file path=ppt/diagrams/data1.xml><?xml version="1.0" encoding="utf-8"?>
-<dgm:dataModel xmlns:dgm="http://schemas.openxmlformats.org/drawingml/2006/diagram" xmlns:a="http://schemas.openxmlformats.org/drawingml/2006/main">
-  <dgm:ptLst>
-    <dgm:pt modelId="{E01DB89E-B1F6-4875-9707-989FE1FB11BC}" type="doc">
-      <dgm:prSet loTypeId="urn:microsoft.com/office/officeart/2005/8/layout/hList9" loCatId="list" qsTypeId="urn:microsoft.com/office/officeart/2005/8/quickstyle/simple1" qsCatId="simple" csTypeId="urn:microsoft.com/office/officeart/2005/8/colors/accent3_2" csCatId="accent3" phldr="1"/>
-      <dgm:spPr/>
-      <dgm:t>
-        <a:bodyPr/>
-        <a:lstStyle/>
-        <a:p>
-          <a:endParaRPr lang="en-US"/>
-        </a:p>
-      </dgm:t>
-    </dgm:pt>
-    <dgm:pt modelId="{DB3A61E5-55FF-4644-A2A3-B849CAF002E0}">
-      <dgm:prSet phldrT="[Text]"/>
-      <dgm:spPr/>
-      <dgm:t>
-        <a:bodyPr/>
-        <a:lstStyle/>
-        <a:p>
-          <a:r>
-            <a:rPr lang="en-US" dirty="0"/>
-            <a:t>Previous Year’s data</a:t>
-          </a:r>
-        </a:p>
-      </dgm:t>
-    </dgm:pt>
-    <dgm:pt modelId="{458C4360-22CA-4DF6-9F8C-71D16E1AD8BE}" type="parTrans" cxnId="{8D4E7011-4365-46C5-A40C-01CCD02C7F4E}">
-      <dgm:prSet/>
-      <dgm:spPr/>
-      <dgm:t>
-        <a:bodyPr/>
-        <a:lstStyle/>
-        <a:p>
-          <a:endParaRPr lang="en-US"/>
-        </a:p>
-      </dgm:t>
-    </dgm:pt>
-    <dgm:pt modelId="{115825BE-CED0-4291-B4B3-7BDB99BDFB9A}" type="sibTrans" cxnId="{8D4E7011-4365-46C5-A40C-01CCD02C7F4E}">
-      <dgm:prSet/>
-      <dgm:spPr/>
-      <dgm:t>
-        <a:bodyPr/>
-        <a:lstStyle/>
-        <a:p>
-          <a:endParaRPr lang="en-US"/>
-        </a:p>
-      </dgm:t>
-    </dgm:pt>
-    <dgm:pt modelId="{D564A673-4952-4A2B-85A7-3BD8BF950BE1}">
-      <dgm:prSet phldrT="[Text]" custT="1"/>
-      <dgm:spPr/>
-      <dgm:t>
-        <a:bodyPr/>
-        <a:lstStyle/>
-        <a:p>
-          <a:r>
-            <a:rPr lang="en-US" sz="1400" b="1"/>
-            <a:t>sj_index_prev</a:t>
-          </a:r>
-        </a:p>
-        <a:p>
-          <a:r>
-            <a:rPr lang="en-US" sz="1400" b="1"/>
-            <a:t>sj_index_prev2</a:t>
-          </a:r>
-        </a:p>
-        <a:p>
-          <a:r>
-            <a:rPr lang="en-US" sz="1400" b="1"/>
-            <a:t>sac_index_prev</a:t>
-          </a:r>
-        </a:p>
-        <a:p>
-          <a:r>
-            <a:rPr lang="en-US" sz="1400" b="1"/>
-            <a:t>sac_index_prev2</a:t>
-          </a:r>
-          <a:endParaRPr lang="en-US" sz="1400" b="1" dirty="0"/>
-        </a:p>
-      </dgm:t>
-    </dgm:pt>
-    <dgm:pt modelId="{46092F4F-BB8A-4D28-918F-57DF5AE6A7BF}" type="parTrans" cxnId="{D1DF108A-40BC-40C6-9781-FFC90BA21729}">
-      <dgm:prSet/>
-      <dgm:spPr/>
-      <dgm:t>
-        <a:bodyPr/>
-        <a:lstStyle/>
-        <a:p>
-          <a:endParaRPr lang="en-US"/>
-        </a:p>
-      </dgm:t>
-    </dgm:pt>
-    <dgm:pt modelId="{D3116C67-A131-45EC-82EC-5249DFB19E40}" type="sibTrans" cxnId="{D1DF108A-40BC-40C6-9781-FFC90BA21729}">
-      <dgm:prSet/>
-      <dgm:spPr/>
-      <dgm:t>
-        <a:bodyPr/>
-        <a:lstStyle/>
-        <a:p>
-          <a:endParaRPr lang="en-US"/>
-        </a:p>
-      </dgm:t>
-    </dgm:pt>
-    <dgm:pt modelId="{5DD29A9A-772A-447B-A673-45435E92AD2F}">
-      <dgm:prSet phldrT="[Text]"/>
-      <dgm:spPr/>
-      <dgm:t>
-        <a:bodyPr/>
-        <a:lstStyle/>
-        <a:p>
-          <a:r>
-            <a:rPr lang="en-US" dirty="0"/>
-            <a:t>Categorical</a:t>
-          </a:r>
-        </a:p>
-      </dgm:t>
-    </dgm:pt>
-    <dgm:pt modelId="{B1CF5BB3-2C18-4446-B2F1-ABB5726FDE21}" type="parTrans" cxnId="{CEC3FBF9-8575-42CE-BC7B-C2D45EAD5FF0}">
-      <dgm:prSet/>
-      <dgm:spPr/>
-      <dgm:t>
-        <a:bodyPr/>
-        <a:lstStyle/>
-        <a:p>
-          <a:endParaRPr lang="en-US"/>
-        </a:p>
-      </dgm:t>
-    </dgm:pt>
-    <dgm:pt modelId="{F63607A4-5646-490D-8B31-DE909EA8307C}" type="sibTrans" cxnId="{CEC3FBF9-8575-42CE-BC7B-C2D45EAD5FF0}">
-      <dgm:prSet/>
-      <dgm:spPr/>
-      <dgm:t>
-        <a:bodyPr/>
-        <a:lstStyle/>
-        <a:p>
-          <a:endParaRPr lang="en-US"/>
-        </a:p>
-      </dgm:t>
-    </dgm:pt>
-    <dgm:pt modelId="{ACA8BE69-32E7-4953-8AAE-FAAF7B82457E}">
-      <dgm:prSet phldrT="[Text]" custT="1"/>
-      <dgm:spPr/>
-      <dgm:t>
-        <a:bodyPr/>
-        <a:lstStyle/>
-        <a:p>
-          <a:r>
-            <a:rPr lang="en-US" sz="1400" b="1"/>
-            <a:t>Facility (SWP or CVP)</a:t>
-          </a:r>
-          <a:endParaRPr lang="en-US" sz="1400" b="1" dirty="0"/>
-        </a:p>
-      </dgm:t>
-    </dgm:pt>
-    <dgm:pt modelId="{E0E02074-A0B8-482C-A817-C4BF5CBAAC4E}" type="parTrans" cxnId="{93D9D0FE-59B8-4F14-BFFD-1CD8BD2F8657}">
-      <dgm:prSet/>
-      <dgm:spPr/>
-      <dgm:t>
-        <a:bodyPr/>
-        <a:lstStyle/>
-        <a:p>
-          <a:endParaRPr lang="en-US"/>
-        </a:p>
-      </dgm:t>
-    </dgm:pt>
-    <dgm:pt modelId="{65460003-66FA-4200-8D75-610634608381}" type="sibTrans" cxnId="{93D9D0FE-59B8-4F14-BFFD-1CD8BD2F8657}">
-      <dgm:prSet/>
-      <dgm:spPr/>
-      <dgm:t>
-        <a:bodyPr/>
-        <a:lstStyle/>
-        <a:p>
-          <a:endParaRPr lang="en-US"/>
-        </a:p>
-      </dgm:t>
-    </dgm:pt>
-    <dgm:pt modelId="{DD5D50D6-C629-4460-A49E-3B3BDCB62BA9}">
-      <dgm:prSet phldrT="[Text]"/>
-      <dgm:spPr/>
-      <dgm:t>
-        <a:bodyPr/>
-        <a:lstStyle/>
-        <a:p>
-          <a:r>
-            <a:rPr lang="en-US" dirty="0"/>
-            <a:t>Current year real-time data</a:t>
-          </a:r>
-        </a:p>
-      </dgm:t>
-    </dgm:pt>
-    <dgm:pt modelId="{DD4E1DB5-DCF5-46E5-BEA8-10BC9BEE130C}" type="parTrans" cxnId="{276FE731-B80E-4F14-A6A5-93602621BA96}">
-      <dgm:prSet/>
-      <dgm:spPr/>
-      <dgm:t>
-        <a:bodyPr/>
-        <a:lstStyle/>
-        <a:p>
-          <a:endParaRPr lang="en-US"/>
-        </a:p>
-      </dgm:t>
-    </dgm:pt>
-    <dgm:pt modelId="{901305BC-2EA0-47F4-A598-D9463DC4B179}" type="sibTrans" cxnId="{276FE731-B80E-4F14-A6A5-93602621BA96}">
-      <dgm:prSet/>
-      <dgm:spPr/>
-      <dgm:t>
-        <a:bodyPr/>
-        <a:lstStyle/>
-        <a:p>
-          <a:endParaRPr lang="en-US"/>
-        </a:p>
-      </dgm:t>
-    </dgm:pt>
-    <dgm:pt modelId="{74111CF3-CEE7-4036-9A8A-7DEF32A0E46F}">
-      <dgm:prSet phldrT="[Text]" custT="1"/>
-      <dgm:spPr/>
-      <dgm:t>
-        <a:bodyPr/>
-        <a:lstStyle/>
-        <a:p>
-          <a:r>
-            <a:rPr lang="en-US" sz="1400" b="1" dirty="0"/>
-            <a:t>Freeport Flows</a:t>
-          </a:r>
-        </a:p>
-        <a:p>
-          <a:r>
-            <a:rPr lang="en-US" sz="1400" b="1" dirty="0" err="1"/>
-            <a:t>Vernalis</a:t>
-          </a:r>
-          <a:r>
-            <a:rPr lang="en-US" sz="1400" b="1" dirty="0"/>
-            <a:t> Flows</a:t>
-          </a:r>
-        </a:p>
-        <a:p>
-          <a:r>
-            <a:rPr lang="en-US" sz="1400" b="1" dirty="0"/>
-            <a:t>OMRI</a:t>
-          </a:r>
-        </a:p>
-        <a:p>
-          <a:r>
-            <a:rPr lang="en-US" sz="1400" b="1" dirty="0"/>
-            <a:t>Exports</a:t>
-          </a:r>
-        </a:p>
-      </dgm:t>
-    </dgm:pt>
-    <dgm:pt modelId="{EC3F8459-2B3C-44DA-BF19-AAC3FB12567C}" type="parTrans" cxnId="{E6322CE0-947C-49B1-9C16-56552E137F34}">
-      <dgm:prSet/>
-      <dgm:spPr/>
-      <dgm:t>
-        <a:bodyPr/>
-        <a:lstStyle/>
-        <a:p>
-          <a:endParaRPr lang="en-US"/>
-        </a:p>
-      </dgm:t>
-    </dgm:pt>
-    <dgm:pt modelId="{2AE83485-9349-4023-99E1-85BAF32EF566}" type="sibTrans" cxnId="{E6322CE0-947C-49B1-9C16-56552E137F34}">
-      <dgm:prSet/>
-      <dgm:spPr/>
-      <dgm:t>
-        <a:bodyPr/>
-        <a:lstStyle/>
-        <a:p>
-          <a:endParaRPr lang="en-US"/>
-        </a:p>
-      </dgm:t>
-    </dgm:pt>
-    <dgm:pt modelId="{4CC6DEF0-8D0C-4E39-B32C-5DB6E728BBF9}" type="pres">
-      <dgm:prSet presAssocID="{E01DB89E-B1F6-4875-9707-989FE1FB11BC}" presName="list" presStyleCnt="0">
-        <dgm:presLayoutVars>
-          <dgm:dir/>
-          <dgm:animLvl val="lvl"/>
-        </dgm:presLayoutVars>
-      </dgm:prSet>
-      <dgm:spPr/>
-    </dgm:pt>
-    <dgm:pt modelId="{A6A7D196-0354-46A6-8BEE-B33A39D21F5D}" type="pres">
-      <dgm:prSet presAssocID="{DB3A61E5-55FF-4644-A2A3-B849CAF002E0}" presName="posSpace" presStyleCnt="0"/>
-      <dgm:spPr/>
-    </dgm:pt>
-    <dgm:pt modelId="{A2F0CF75-E241-40B7-904D-4BDC8DBFC406}" type="pres">
-      <dgm:prSet presAssocID="{DB3A61E5-55FF-4644-A2A3-B849CAF002E0}" presName="vertFlow" presStyleCnt="0"/>
-      <dgm:spPr/>
-    </dgm:pt>
-    <dgm:pt modelId="{0A04728F-80B8-49BF-92C1-218C4F9E7BED}" type="pres">
-      <dgm:prSet presAssocID="{DB3A61E5-55FF-4644-A2A3-B849CAF002E0}" presName="topSpace" presStyleCnt="0"/>
-      <dgm:spPr/>
-    </dgm:pt>
-    <dgm:pt modelId="{9A33C380-0F46-4503-9818-CC290E7BFAE9}" type="pres">
-      <dgm:prSet presAssocID="{DB3A61E5-55FF-4644-A2A3-B849CAF002E0}" presName="firstComp" presStyleCnt="0"/>
-      <dgm:spPr/>
-    </dgm:pt>
-    <dgm:pt modelId="{169EB781-740A-4B55-9160-0649418C1E88}" type="pres">
-      <dgm:prSet presAssocID="{DB3A61E5-55FF-4644-A2A3-B849CAF002E0}" presName="firstChild" presStyleLbl="bgAccFollowNode1" presStyleIdx="0" presStyleCnt="3" custScaleX="150855" custScaleY="159988" custLinFactNeighborX="51949" custLinFactNeighborY="83802"/>
-      <dgm:spPr/>
-    </dgm:pt>
-    <dgm:pt modelId="{E4D889E4-709B-4884-8380-0767F401110C}" type="pres">
-      <dgm:prSet presAssocID="{DB3A61E5-55FF-4644-A2A3-B849CAF002E0}" presName="firstChildTx" presStyleLbl="bgAccFollowNode1" presStyleIdx="0" presStyleCnt="3">
-        <dgm:presLayoutVars>
-          <dgm:bulletEnabled val="1"/>
-        </dgm:presLayoutVars>
-      </dgm:prSet>
-      <dgm:spPr/>
-    </dgm:pt>
-    <dgm:pt modelId="{41837E4B-611A-4F23-96B9-A543054BDCA0}" type="pres">
-      <dgm:prSet presAssocID="{DB3A61E5-55FF-4644-A2A3-B849CAF002E0}" presName="negSpace" presStyleCnt="0"/>
-      <dgm:spPr/>
-    </dgm:pt>
-    <dgm:pt modelId="{95A29697-BE10-4329-9A35-02ACA4FC6A23}" type="pres">
-      <dgm:prSet presAssocID="{DB3A61E5-55FF-4644-A2A3-B849CAF002E0}" presName="circle" presStyleLbl="node1" presStyleIdx="0" presStyleCnt="3" custScaleX="327138" custLinFactNeighborX="13600" custLinFactNeighborY="10216"/>
-      <dgm:spPr/>
-    </dgm:pt>
-    <dgm:pt modelId="{F84EF61C-EBBB-4563-9B6D-415953051A7A}" type="pres">
-      <dgm:prSet presAssocID="{115825BE-CED0-4291-B4B3-7BDB99BDFB9A}" presName="transSpace" presStyleCnt="0"/>
-      <dgm:spPr/>
-    </dgm:pt>
-    <dgm:pt modelId="{294CB05A-8D49-4CC1-A1F3-B031C57C24DA}" type="pres">
-      <dgm:prSet presAssocID="{5DD29A9A-772A-447B-A673-45435E92AD2F}" presName="posSpace" presStyleCnt="0"/>
-      <dgm:spPr/>
-    </dgm:pt>
-    <dgm:pt modelId="{221F29E1-B45E-4741-825D-B94DA0D81DE9}" type="pres">
-      <dgm:prSet presAssocID="{5DD29A9A-772A-447B-A673-45435E92AD2F}" presName="vertFlow" presStyleCnt="0"/>
-      <dgm:spPr/>
-    </dgm:pt>
-    <dgm:pt modelId="{2783F621-0552-4187-A5BA-F2939566EAA6}" type="pres">
-      <dgm:prSet presAssocID="{5DD29A9A-772A-447B-A673-45435E92AD2F}" presName="topSpace" presStyleCnt="0"/>
-      <dgm:spPr/>
-    </dgm:pt>
-    <dgm:pt modelId="{5BFB68EA-E9EA-4F20-9E37-14F8C8A6C6A8}" type="pres">
-      <dgm:prSet presAssocID="{5DD29A9A-772A-447B-A673-45435E92AD2F}" presName="firstComp" presStyleCnt="0"/>
-      <dgm:spPr/>
-    </dgm:pt>
-    <dgm:pt modelId="{B8578994-B693-4C20-B333-E60715959698}" type="pres">
-      <dgm:prSet presAssocID="{5DD29A9A-772A-447B-A673-45435E92AD2F}" presName="firstChild" presStyleLbl="bgAccFollowNode1" presStyleIdx="1" presStyleCnt="3" custScaleX="150855" custScaleY="159988" custLinFactNeighborX="-10218" custLinFactNeighborY="82428"/>
-      <dgm:spPr/>
-    </dgm:pt>
-    <dgm:pt modelId="{5EEC1A56-0E4A-4609-8FBE-1CBAD756BB74}" type="pres">
-      <dgm:prSet presAssocID="{5DD29A9A-772A-447B-A673-45435E92AD2F}" presName="firstChildTx" presStyleLbl="bgAccFollowNode1" presStyleIdx="1" presStyleCnt="3">
-        <dgm:presLayoutVars>
-          <dgm:bulletEnabled val="1"/>
-        </dgm:presLayoutVars>
-      </dgm:prSet>
-      <dgm:spPr/>
-    </dgm:pt>
-    <dgm:pt modelId="{1A80EB7D-FB9F-4B19-9B2D-F07F3FF9007B}" type="pres">
-      <dgm:prSet presAssocID="{5DD29A9A-772A-447B-A673-45435E92AD2F}" presName="negSpace" presStyleCnt="0"/>
-      <dgm:spPr/>
-    </dgm:pt>
-    <dgm:pt modelId="{66190BBE-623D-4C27-B1CE-866B02FC76DB}" type="pres">
-      <dgm:prSet presAssocID="{5DD29A9A-772A-447B-A673-45435E92AD2F}" presName="circle" presStyleLbl="node1" presStyleIdx="1" presStyleCnt="3" custScaleX="327138" custLinFactNeighborX="-84914" custLinFactNeighborY="7378"/>
-      <dgm:spPr/>
-    </dgm:pt>
-    <dgm:pt modelId="{6117600D-886C-40F0-BA66-475013BC3A85}" type="pres">
-      <dgm:prSet presAssocID="{F63607A4-5646-490D-8B31-DE909EA8307C}" presName="transSpace" presStyleCnt="0"/>
-      <dgm:spPr/>
-    </dgm:pt>
-    <dgm:pt modelId="{BC65016F-861A-4A22-B6CB-2890D70F5651}" type="pres">
-      <dgm:prSet presAssocID="{DD5D50D6-C629-4460-A49E-3B3BDCB62BA9}" presName="posSpace" presStyleCnt="0"/>
-      <dgm:spPr/>
-    </dgm:pt>
-    <dgm:pt modelId="{A9D571A7-F962-4AE7-BE5C-01B45E48B125}" type="pres">
-      <dgm:prSet presAssocID="{DD5D50D6-C629-4460-A49E-3B3BDCB62BA9}" presName="vertFlow" presStyleCnt="0"/>
-      <dgm:spPr/>
-    </dgm:pt>
-    <dgm:pt modelId="{E42444EC-CEC2-4D23-841B-440770A56DE4}" type="pres">
-      <dgm:prSet presAssocID="{DD5D50D6-C629-4460-A49E-3B3BDCB62BA9}" presName="topSpace" presStyleCnt="0"/>
-      <dgm:spPr/>
-    </dgm:pt>
-    <dgm:pt modelId="{343AE13B-E5F2-45D2-A5A4-BCAEB9E7CB67}" type="pres">
-      <dgm:prSet presAssocID="{DD5D50D6-C629-4460-A49E-3B3BDCB62BA9}" presName="firstComp" presStyleCnt="0"/>
-      <dgm:spPr/>
-    </dgm:pt>
-    <dgm:pt modelId="{95D78473-F753-4E0C-AA9E-67D56897892C}" type="pres">
-      <dgm:prSet presAssocID="{DD5D50D6-C629-4460-A49E-3B3BDCB62BA9}" presName="firstChild" presStyleLbl="bgAccFollowNode1" presStyleIdx="2" presStyleCnt="3" custScaleX="150855" custScaleY="159988" custLinFactNeighborX="-68355" custLinFactNeighborY="78408"/>
-      <dgm:spPr/>
-    </dgm:pt>
-    <dgm:pt modelId="{3F6BCEF6-7296-4B8E-BCE3-7AE3C95E6F92}" type="pres">
-      <dgm:prSet presAssocID="{DD5D50D6-C629-4460-A49E-3B3BDCB62BA9}" presName="firstChildTx" presStyleLbl="bgAccFollowNode1" presStyleIdx="2" presStyleCnt="3">
-        <dgm:presLayoutVars>
-          <dgm:bulletEnabled val="1"/>
-        </dgm:presLayoutVars>
-      </dgm:prSet>
-      <dgm:spPr/>
-    </dgm:pt>
-    <dgm:pt modelId="{2D76797C-3B4D-4DD0-88C2-879F7D517A8B}" type="pres">
-      <dgm:prSet presAssocID="{DD5D50D6-C629-4460-A49E-3B3BDCB62BA9}" presName="negSpace" presStyleCnt="0"/>
-      <dgm:spPr/>
-    </dgm:pt>
-    <dgm:pt modelId="{8B5FF89C-F783-4230-8506-A1BB4C1AC2AE}" type="pres">
-      <dgm:prSet presAssocID="{DD5D50D6-C629-4460-A49E-3B3BDCB62BA9}" presName="circle" presStyleLbl="node1" presStyleIdx="2" presStyleCnt="3" custScaleX="327138" custLinFactX="-21170" custLinFactNeighborX="-100000" custLinFactNeighborY="283"/>
-      <dgm:spPr/>
-    </dgm:pt>
-  </dgm:ptLst>
-  <dgm:cxnLst>
-    <dgm:cxn modelId="{8D4E7011-4365-46C5-A40C-01CCD02C7F4E}" srcId="{E01DB89E-B1F6-4875-9707-989FE1FB11BC}" destId="{DB3A61E5-55FF-4644-A2A3-B849CAF002E0}" srcOrd="0" destOrd="0" parTransId="{458C4360-22CA-4DF6-9F8C-71D16E1AD8BE}" sibTransId="{115825BE-CED0-4291-B4B3-7BDB99BDFB9A}"/>
-    <dgm:cxn modelId="{276FE731-B80E-4F14-A6A5-93602621BA96}" srcId="{E01DB89E-B1F6-4875-9707-989FE1FB11BC}" destId="{DD5D50D6-C629-4460-A49E-3B3BDCB62BA9}" srcOrd="2" destOrd="0" parTransId="{DD4E1DB5-DCF5-46E5-BEA8-10BC9BEE130C}" sibTransId="{901305BC-2EA0-47F4-A598-D9463DC4B179}"/>
-    <dgm:cxn modelId="{42C5AD67-BF83-4215-A16A-C6CDBF35B5B6}" type="presOf" srcId="{5DD29A9A-772A-447B-A673-45435E92AD2F}" destId="{66190BBE-623D-4C27-B1CE-866B02FC76DB}" srcOrd="0" destOrd="0" presId="urn:microsoft.com/office/officeart/2005/8/layout/hList9"/>
-    <dgm:cxn modelId="{17E70E87-3133-4F87-AE53-E0D97A38DE06}" type="presOf" srcId="{DB3A61E5-55FF-4644-A2A3-B849CAF002E0}" destId="{95A29697-BE10-4329-9A35-02ACA4FC6A23}" srcOrd="0" destOrd="0" presId="urn:microsoft.com/office/officeart/2005/8/layout/hList9"/>
-    <dgm:cxn modelId="{D1DF108A-40BC-40C6-9781-FFC90BA21729}" srcId="{DB3A61E5-55FF-4644-A2A3-B849CAF002E0}" destId="{D564A673-4952-4A2B-85A7-3BD8BF950BE1}" srcOrd="0" destOrd="0" parTransId="{46092F4F-BB8A-4D28-918F-57DF5AE6A7BF}" sibTransId="{D3116C67-A131-45EC-82EC-5249DFB19E40}"/>
-    <dgm:cxn modelId="{FD424F94-0904-4A2E-A114-45D85E6EB2EF}" type="presOf" srcId="{D564A673-4952-4A2B-85A7-3BD8BF950BE1}" destId="{E4D889E4-709B-4884-8380-0767F401110C}" srcOrd="1" destOrd="0" presId="urn:microsoft.com/office/officeart/2005/8/layout/hList9"/>
-    <dgm:cxn modelId="{9329DDA1-8F72-4CDA-8231-3078164C077A}" type="presOf" srcId="{74111CF3-CEE7-4036-9A8A-7DEF32A0E46F}" destId="{3F6BCEF6-7296-4B8E-BCE3-7AE3C95E6F92}" srcOrd="1" destOrd="0" presId="urn:microsoft.com/office/officeart/2005/8/layout/hList9"/>
-    <dgm:cxn modelId="{2B1223B6-0973-4C80-9699-E5B7A6615C7D}" type="presOf" srcId="{ACA8BE69-32E7-4953-8AAE-FAAF7B82457E}" destId="{B8578994-B693-4C20-B333-E60715959698}" srcOrd="0" destOrd="0" presId="urn:microsoft.com/office/officeart/2005/8/layout/hList9"/>
-    <dgm:cxn modelId="{86F9FDBD-18FF-4301-A265-7F11BA7AA2E0}" type="presOf" srcId="{ACA8BE69-32E7-4953-8AAE-FAAF7B82457E}" destId="{5EEC1A56-0E4A-4609-8FBE-1CBAD756BB74}" srcOrd="1" destOrd="0" presId="urn:microsoft.com/office/officeart/2005/8/layout/hList9"/>
-    <dgm:cxn modelId="{63A5B2C9-E227-4597-823C-FB5780A9A462}" type="presOf" srcId="{E01DB89E-B1F6-4875-9707-989FE1FB11BC}" destId="{4CC6DEF0-8D0C-4E39-B32C-5DB6E728BBF9}" srcOrd="0" destOrd="0" presId="urn:microsoft.com/office/officeart/2005/8/layout/hList9"/>
-    <dgm:cxn modelId="{06C403E0-C570-4041-BDB6-C2ADE83A6B6F}" type="presOf" srcId="{74111CF3-CEE7-4036-9A8A-7DEF32A0E46F}" destId="{95D78473-F753-4E0C-AA9E-67D56897892C}" srcOrd="0" destOrd="0" presId="urn:microsoft.com/office/officeart/2005/8/layout/hList9"/>
-    <dgm:cxn modelId="{E6322CE0-947C-49B1-9C16-56552E137F34}" srcId="{DD5D50D6-C629-4460-A49E-3B3BDCB62BA9}" destId="{74111CF3-CEE7-4036-9A8A-7DEF32A0E46F}" srcOrd="0" destOrd="0" parTransId="{EC3F8459-2B3C-44DA-BF19-AAC3FB12567C}" sibTransId="{2AE83485-9349-4023-99E1-85BAF32EF566}"/>
-    <dgm:cxn modelId="{65AA97E7-28ED-4438-905A-DF36162E14C1}" type="presOf" srcId="{D564A673-4952-4A2B-85A7-3BD8BF950BE1}" destId="{169EB781-740A-4B55-9160-0649418C1E88}" srcOrd="0" destOrd="0" presId="urn:microsoft.com/office/officeart/2005/8/layout/hList9"/>
-    <dgm:cxn modelId="{CEC3FBF9-8575-42CE-BC7B-C2D45EAD5FF0}" srcId="{E01DB89E-B1F6-4875-9707-989FE1FB11BC}" destId="{5DD29A9A-772A-447B-A673-45435E92AD2F}" srcOrd="1" destOrd="0" parTransId="{B1CF5BB3-2C18-4446-B2F1-ABB5726FDE21}" sibTransId="{F63607A4-5646-490D-8B31-DE909EA8307C}"/>
-    <dgm:cxn modelId="{852A13FA-9D88-4781-9C9D-5A52395787DE}" type="presOf" srcId="{DD5D50D6-C629-4460-A49E-3B3BDCB62BA9}" destId="{8B5FF89C-F783-4230-8506-A1BB4C1AC2AE}" srcOrd="0" destOrd="0" presId="urn:microsoft.com/office/officeart/2005/8/layout/hList9"/>
-    <dgm:cxn modelId="{93D9D0FE-59B8-4F14-BFFD-1CD8BD2F8657}" srcId="{5DD29A9A-772A-447B-A673-45435E92AD2F}" destId="{ACA8BE69-32E7-4953-8AAE-FAAF7B82457E}" srcOrd="0" destOrd="0" parTransId="{E0E02074-A0B8-482C-A817-C4BF5CBAAC4E}" sibTransId="{65460003-66FA-4200-8D75-610634608381}"/>
-    <dgm:cxn modelId="{96766F55-F51C-4BCA-9F14-2D76D8351128}" type="presParOf" srcId="{4CC6DEF0-8D0C-4E39-B32C-5DB6E728BBF9}" destId="{A6A7D196-0354-46A6-8BEE-B33A39D21F5D}" srcOrd="0" destOrd="0" presId="urn:microsoft.com/office/officeart/2005/8/layout/hList9"/>
-    <dgm:cxn modelId="{C7299988-EA10-4FC3-B6B7-C581659D64AB}" type="presParOf" srcId="{4CC6DEF0-8D0C-4E39-B32C-5DB6E728BBF9}" destId="{A2F0CF75-E241-40B7-904D-4BDC8DBFC406}" srcOrd="1" destOrd="0" presId="urn:microsoft.com/office/officeart/2005/8/layout/hList9"/>
-    <dgm:cxn modelId="{B1DF91CA-D025-435B-9A4A-B6ABB1D6170D}" type="presParOf" srcId="{A2F0CF75-E241-40B7-904D-4BDC8DBFC406}" destId="{0A04728F-80B8-49BF-92C1-218C4F9E7BED}" srcOrd="0" destOrd="0" presId="urn:microsoft.com/office/officeart/2005/8/layout/hList9"/>
-    <dgm:cxn modelId="{CA4973E1-7C84-4474-99BD-4D8DF7D4FF1F}" type="presParOf" srcId="{A2F0CF75-E241-40B7-904D-4BDC8DBFC406}" destId="{9A33C380-0F46-4503-9818-CC290E7BFAE9}" srcOrd="1" destOrd="0" presId="urn:microsoft.com/office/officeart/2005/8/layout/hList9"/>
-    <dgm:cxn modelId="{3F29785B-A5C9-4317-8E5A-F14F2DB03FFD}" type="presParOf" srcId="{9A33C380-0F46-4503-9818-CC290E7BFAE9}" destId="{169EB781-740A-4B55-9160-0649418C1E88}" srcOrd="0" destOrd="0" presId="urn:microsoft.com/office/officeart/2005/8/layout/hList9"/>
-    <dgm:cxn modelId="{F2F54E92-1322-41CB-9351-93E12AE39A9A}" type="presParOf" srcId="{9A33C380-0F46-4503-9818-CC290E7BFAE9}" destId="{E4D889E4-709B-4884-8380-0767F401110C}" srcOrd="1" destOrd="0" presId="urn:microsoft.com/office/officeart/2005/8/layout/hList9"/>
-    <dgm:cxn modelId="{0B05AFAF-CE09-45C5-B71F-34D0186EB7DA}" type="presParOf" srcId="{4CC6DEF0-8D0C-4E39-B32C-5DB6E728BBF9}" destId="{41837E4B-611A-4F23-96B9-A543054BDCA0}" srcOrd="2" destOrd="0" presId="urn:microsoft.com/office/officeart/2005/8/layout/hList9"/>
-    <dgm:cxn modelId="{C797488E-431C-40FF-A13D-2C3D00AD5149}" type="presParOf" srcId="{4CC6DEF0-8D0C-4E39-B32C-5DB6E728BBF9}" destId="{95A29697-BE10-4329-9A35-02ACA4FC6A23}" srcOrd="3" destOrd="0" presId="urn:microsoft.com/office/officeart/2005/8/layout/hList9"/>
-    <dgm:cxn modelId="{D6D61CD2-D2CE-4FBC-A87B-BF3DABF83533}" type="presParOf" srcId="{4CC6DEF0-8D0C-4E39-B32C-5DB6E728BBF9}" destId="{F84EF61C-EBBB-4563-9B6D-415953051A7A}" srcOrd="4" destOrd="0" presId="urn:microsoft.com/office/officeart/2005/8/layout/hList9"/>
-    <dgm:cxn modelId="{5307A1E1-CF8F-43E4-9B50-66820EE47838}" type="presParOf" srcId="{4CC6DEF0-8D0C-4E39-B32C-5DB6E728BBF9}" destId="{294CB05A-8D49-4CC1-A1F3-B031C57C24DA}" srcOrd="5" destOrd="0" presId="urn:microsoft.com/office/officeart/2005/8/layout/hList9"/>
-    <dgm:cxn modelId="{89CEBF38-EF03-4EE4-B90B-F6B002660A97}" type="presParOf" srcId="{4CC6DEF0-8D0C-4E39-B32C-5DB6E728BBF9}" destId="{221F29E1-B45E-4741-825D-B94DA0D81DE9}" srcOrd="6" destOrd="0" presId="urn:microsoft.com/office/officeart/2005/8/layout/hList9"/>
-    <dgm:cxn modelId="{44F0A6D9-C197-45C4-ABB4-3AAA60076244}" type="presParOf" srcId="{221F29E1-B45E-4741-825D-B94DA0D81DE9}" destId="{2783F621-0552-4187-A5BA-F2939566EAA6}" srcOrd="0" destOrd="0" presId="urn:microsoft.com/office/officeart/2005/8/layout/hList9"/>
-    <dgm:cxn modelId="{D64164FD-99F1-4FB5-9FC2-156A38772FE7}" type="presParOf" srcId="{221F29E1-B45E-4741-825D-B94DA0D81DE9}" destId="{5BFB68EA-E9EA-4F20-9E37-14F8C8A6C6A8}" srcOrd="1" destOrd="0" presId="urn:microsoft.com/office/officeart/2005/8/layout/hList9"/>
-    <dgm:cxn modelId="{7A136B33-F274-4689-8261-C2569E611209}" type="presParOf" srcId="{5BFB68EA-E9EA-4F20-9E37-14F8C8A6C6A8}" destId="{B8578994-B693-4C20-B333-E60715959698}" srcOrd="0" destOrd="0" presId="urn:microsoft.com/office/officeart/2005/8/layout/hList9"/>
-    <dgm:cxn modelId="{74DEBCA7-9D39-40CF-AE9F-CC61792C3838}" type="presParOf" srcId="{5BFB68EA-E9EA-4F20-9E37-14F8C8A6C6A8}" destId="{5EEC1A56-0E4A-4609-8FBE-1CBAD756BB74}" srcOrd="1" destOrd="0" presId="urn:microsoft.com/office/officeart/2005/8/layout/hList9"/>
-    <dgm:cxn modelId="{3B872303-AB03-431E-A906-700187952F67}" type="presParOf" srcId="{4CC6DEF0-8D0C-4E39-B32C-5DB6E728BBF9}" destId="{1A80EB7D-FB9F-4B19-9B2D-F07F3FF9007B}" srcOrd="7" destOrd="0" presId="urn:microsoft.com/office/officeart/2005/8/layout/hList9"/>
-    <dgm:cxn modelId="{9099F421-C302-499F-8021-E1E893F99DF7}" type="presParOf" srcId="{4CC6DEF0-8D0C-4E39-B32C-5DB6E728BBF9}" destId="{66190BBE-623D-4C27-B1CE-866B02FC76DB}" srcOrd="8" destOrd="0" presId="urn:microsoft.com/office/officeart/2005/8/layout/hList9"/>
-    <dgm:cxn modelId="{BB77D961-1DDB-4A7C-878A-AED717A2CC1A}" type="presParOf" srcId="{4CC6DEF0-8D0C-4E39-B32C-5DB6E728BBF9}" destId="{6117600D-886C-40F0-BA66-475013BC3A85}" srcOrd="9" destOrd="0" presId="urn:microsoft.com/office/officeart/2005/8/layout/hList9"/>
-    <dgm:cxn modelId="{973EE8D5-DA81-45FB-B59B-69E591653225}" type="presParOf" srcId="{4CC6DEF0-8D0C-4E39-B32C-5DB6E728BBF9}" destId="{BC65016F-861A-4A22-B6CB-2890D70F5651}" srcOrd="10" destOrd="0" presId="urn:microsoft.com/office/officeart/2005/8/layout/hList9"/>
-    <dgm:cxn modelId="{EB0AAF62-80EB-482F-89BC-BB1780F3C5B1}" type="presParOf" srcId="{4CC6DEF0-8D0C-4E39-B32C-5DB6E728BBF9}" destId="{A9D571A7-F962-4AE7-BE5C-01B45E48B125}" srcOrd="11" destOrd="0" presId="urn:microsoft.com/office/officeart/2005/8/layout/hList9"/>
-    <dgm:cxn modelId="{5D6F8A9C-49A8-4829-8190-4D5CBCB30CCF}" type="presParOf" srcId="{A9D571A7-F962-4AE7-BE5C-01B45E48B125}" destId="{E42444EC-CEC2-4D23-841B-440770A56DE4}" srcOrd="0" destOrd="0" presId="urn:microsoft.com/office/officeart/2005/8/layout/hList9"/>
-    <dgm:cxn modelId="{838E0591-CF75-44F5-A115-52E7136141C1}" type="presParOf" srcId="{A9D571A7-F962-4AE7-BE5C-01B45E48B125}" destId="{343AE13B-E5F2-45D2-A5A4-BCAEB9E7CB67}" srcOrd="1" destOrd="0" presId="urn:microsoft.com/office/officeart/2005/8/layout/hList9"/>
-    <dgm:cxn modelId="{8E7FE20F-6A52-451C-B042-52AE258A5F46}" type="presParOf" srcId="{343AE13B-E5F2-45D2-A5A4-BCAEB9E7CB67}" destId="{95D78473-F753-4E0C-AA9E-67D56897892C}" srcOrd="0" destOrd="0" presId="urn:microsoft.com/office/officeart/2005/8/layout/hList9"/>
-    <dgm:cxn modelId="{991FA1EE-F9E0-4D40-96CC-8E598F643086}" type="presParOf" srcId="{343AE13B-E5F2-45D2-A5A4-BCAEB9E7CB67}" destId="{3F6BCEF6-7296-4B8E-BCE3-7AE3C95E6F92}" srcOrd="1" destOrd="0" presId="urn:microsoft.com/office/officeart/2005/8/layout/hList9"/>
-    <dgm:cxn modelId="{19354976-5421-4F93-8DFD-27567365CE08}" type="presParOf" srcId="{4CC6DEF0-8D0C-4E39-B32C-5DB6E728BBF9}" destId="{2D76797C-3B4D-4DD0-88C2-879F7D517A8B}" srcOrd="12" destOrd="0" presId="urn:microsoft.com/office/officeart/2005/8/layout/hList9"/>
-    <dgm:cxn modelId="{BD1567C2-52D7-4E2E-B474-27DE0BBDB5A5}" type="presParOf" srcId="{4CC6DEF0-8D0C-4E39-B32C-5DB6E728BBF9}" destId="{8B5FF89C-F783-4230-8506-A1BB4C1AC2AE}" srcOrd="13" destOrd="0" presId="urn:microsoft.com/office/officeart/2005/8/layout/hList9"/>
-  </dgm:cxnLst>
-  <dgm:bg/>
-  <dgm:whole/>
-  <dgm:extLst>
-    <a:ext uri="http://schemas.microsoft.com/office/drawing/2008/diagram">
-      <dsp:dataModelExt xmlns:dsp="http://schemas.microsoft.com/office/drawing/2008/diagram" relId="rId6" minVer="http://schemas.openxmlformats.org/drawingml/2006/diagram"/>
-    </a:ext>
-  </dgm:extLst>
-</dgm:dataModel>
-</file>
-
-<file path=ppt/diagrams/data2.xml><?xml version="1.0" encoding="utf-8"?>
-<dgm:dataModel xmlns:dgm="http://schemas.openxmlformats.org/drawingml/2006/diagram" xmlns:a="http://schemas.openxmlformats.org/drawingml/2006/main">
-  <dgm:ptLst>
-    <dgm:pt modelId="{A4E3F601-A1FD-41EC-A935-BB8C6A21C0B9}" type="doc">
-      <dgm:prSet loTypeId="urn:microsoft.com/office/officeart/2005/8/layout/process4" loCatId="list" qsTypeId="urn:microsoft.com/office/officeart/2005/8/quickstyle/simple1" qsCatId="simple" csTypeId="urn:microsoft.com/office/officeart/2005/8/colors/accent3_2" csCatId="accent3" phldr="1"/>
-      <dgm:spPr/>
-      <dgm:t>
-        <a:bodyPr/>
-        <a:lstStyle/>
-        <a:p>
-          <a:endParaRPr lang="en-US"/>
-        </a:p>
-      </dgm:t>
-    </dgm:pt>
-    <dgm:pt modelId="{C0F58AD5-3707-431C-87C8-179890A8C215}">
-      <dgm:prSet phldrT="[Text]" custT="1"/>
-      <dgm:spPr/>
-      <dgm:t>
-        <a:bodyPr/>
-        <a:lstStyle/>
-        <a:p>
-          <a:r>
-            <a:rPr lang="en-US" sz="2400" dirty="0"/>
-            <a:t>Removed Collinear Variables</a:t>
-          </a:r>
-        </a:p>
-      </dgm:t>
-    </dgm:pt>
-    <dgm:pt modelId="{96D7880C-EA93-43E1-8D39-E2497163DFB6}" type="parTrans" cxnId="{346484EC-F2F6-46F8-8EB6-4E75A10A76AD}">
-      <dgm:prSet/>
-      <dgm:spPr/>
-      <dgm:t>
-        <a:bodyPr/>
-        <a:lstStyle/>
-        <a:p>
-          <a:endParaRPr lang="en-US"/>
-        </a:p>
-      </dgm:t>
-    </dgm:pt>
-    <dgm:pt modelId="{B2B0BEC4-2464-4CC5-A332-5DE6315EF47F}" type="sibTrans" cxnId="{346484EC-F2F6-46F8-8EB6-4E75A10A76AD}">
-      <dgm:prSet/>
-      <dgm:spPr/>
-      <dgm:t>
-        <a:bodyPr/>
-        <a:lstStyle/>
-        <a:p>
-          <a:endParaRPr lang="en-US"/>
-        </a:p>
-      </dgm:t>
-    </dgm:pt>
-    <dgm:pt modelId="{A3638ADE-3415-448B-9FDA-978866BA1EA8}">
-      <dgm:prSet phldrT="[Text]" custT="1"/>
-      <dgm:spPr/>
-      <dgm:t>
-        <a:bodyPr/>
-        <a:lstStyle/>
-        <a:p>
-          <a:r>
-            <a:rPr lang="en-US" sz="2000" dirty="0" err="1"/>
-            <a:t>Vernalis</a:t>
-          </a:r>
-          <a:r>
-            <a:rPr lang="en-US" sz="2000" dirty="0"/>
-            <a:t>, sac_index_prev2</a:t>
-          </a:r>
-        </a:p>
-      </dgm:t>
-    </dgm:pt>
-    <dgm:pt modelId="{064E7AF2-53B7-4782-937E-F1ABF94985EB}" type="parTrans" cxnId="{807DBAD5-54AA-44F4-9D24-37D79D789639}">
-      <dgm:prSet/>
-      <dgm:spPr/>
-      <dgm:t>
-        <a:bodyPr/>
-        <a:lstStyle/>
-        <a:p>
-          <a:endParaRPr lang="en-US"/>
-        </a:p>
-      </dgm:t>
-    </dgm:pt>
-    <dgm:pt modelId="{96C7EC8C-5F45-4B38-AD33-FBEA97E9D71B}" type="sibTrans" cxnId="{807DBAD5-54AA-44F4-9D24-37D79D789639}">
-      <dgm:prSet/>
-      <dgm:spPr/>
-      <dgm:t>
-        <a:bodyPr/>
-        <a:lstStyle/>
-        <a:p>
-          <a:endParaRPr lang="en-US"/>
-        </a:p>
-      </dgm:t>
-    </dgm:pt>
-    <dgm:pt modelId="{CE5DBFEB-034C-4D33-BB39-8A7FCA343C7B}">
-      <dgm:prSet phldrT="[Text]" custT="1"/>
-      <dgm:spPr/>
-      <dgm:t>
-        <a:bodyPr/>
-        <a:lstStyle/>
-        <a:p>
-          <a:r>
-            <a:rPr lang="en-US" sz="2400" dirty="0"/>
-            <a:t>Ran full model with all remaining variables</a:t>
-          </a:r>
-        </a:p>
-      </dgm:t>
-    </dgm:pt>
-    <dgm:pt modelId="{1AE8D602-5BD1-4A22-9638-8B1A90F1018C}" type="parTrans" cxnId="{45CD4EF8-3E3A-48E5-BFF6-B9F57EE72389}">
-      <dgm:prSet/>
-      <dgm:spPr/>
-      <dgm:t>
-        <a:bodyPr/>
-        <a:lstStyle/>
-        <a:p>
-          <a:endParaRPr lang="en-US"/>
-        </a:p>
-      </dgm:t>
-    </dgm:pt>
-    <dgm:pt modelId="{FB9FC6E5-6410-45B5-876B-F88D1DCB827F}" type="sibTrans" cxnId="{45CD4EF8-3E3A-48E5-BFF6-B9F57EE72389}">
-      <dgm:prSet/>
-      <dgm:spPr/>
-      <dgm:t>
-        <a:bodyPr/>
-        <a:lstStyle/>
-        <a:p>
-          <a:endParaRPr lang="en-US"/>
-        </a:p>
-      </dgm:t>
-    </dgm:pt>
-    <dgm:pt modelId="{5F87A0E8-A08C-4733-B41B-765A9F20C864}">
-      <dgm:prSet phldrT="[Text]" custT="1"/>
-      <dgm:spPr/>
-      <dgm:t>
-        <a:bodyPr/>
-        <a:lstStyle/>
-        <a:p>
-          <a:r>
-            <a:rPr lang="en-US" sz="2000" dirty="0"/>
-            <a:t>Facility, OMRI, exports, freeport, </a:t>
-          </a:r>
-          <a:r>
-            <a:rPr lang="en-US" sz="2000" dirty="0" err="1"/>
-            <a:t>sac_index_rev</a:t>
-          </a:r>
-          <a:r>
-            <a:rPr lang="en-US" sz="2000" dirty="0"/>
-            <a:t>, </a:t>
-          </a:r>
-          <a:r>
-            <a:rPr lang="en-US" sz="2000" dirty="0" err="1"/>
-            <a:t>sj_index_prev</a:t>
-          </a:r>
-          <a:r>
-            <a:rPr lang="en-US" sz="2000" dirty="0"/>
-            <a:t>, &amp; sj_index_prev2</a:t>
-          </a:r>
-        </a:p>
-      </dgm:t>
-    </dgm:pt>
-    <dgm:pt modelId="{FD54BBDF-15A4-4A62-BCEE-936E995817E4}" type="parTrans" cxnId="{62C52D30-B3DB-4924-9C51-85D7BEF6AF02}">
-      <dgm:prSet/>
-      <dgm:spPr/>
-      <dgm:t>
-        <a:bodyPr/>
-        <a:lstStyle/>
-        <a:p>
-          <a:endParaRPr lang="en-US"/>
-        </a:p>
-      </dgm:t>
-    </dgm:pt>
-    <dgm:pt modelId="{1325A9E8-0F99-481B-A3F6-5E84E1953EAA}" type="sibTrans" cxnId="{62C52D30-B3DB-4924-9C51-85D7BEF6AF02}">
-      <dgm:prSet/>
-      <dgm:spPr/>
-      <dgm:t>
-        <a:bodyPr/>
-        <a:lstStyle/>
-        <a:p>
-          <a:endParaRPr lang="en-US"/>
-        </a:p>
-      </dgm:t>
-    </dgm:pt>
-    <dgm:pt modelId="{928E8024-16F4-4A74-A4EC-7D0E973E1CD1}">
-      <dgm:prSet phldrT="[Text]" custT="1"/>
-      <dgm:spPr/>
-      <dgm:t>
-        <a:bodyPr/>
-        <a:lstStyle/>
-        <a:p>
-          <a:r>
-            <a:rPr lang="en-US" sz="2400" dirty="0"/>
-            <a:t>Ran multiple models with combinations of all variables</a:t>
-          </a:r>
-        </a:p>
-      </dgm:t>
-    </dgm:pt>
-    <dgm:pt modelId="{523454D7-B893-4FC9-87A1-59CAF88E511E}" type="parTrans" cxnId="{E506CA29-CC28-4211-8BDE-91E22A569402}">
-      <dgm:prSet/>
-      <dgm:spPr/>
-      <dgm:t>
-        <a:bodyPr/>
-        <a:lstStyle/>
-        <a:p>
-          <a:endParaRPr lang="en-US"/>
-        </a:p>
-      </dgm:t>
-    </dgm:pt>
-    <dgm:pt modelId="{4FF9402D-27B2-460A-8079-F1B9994312E8}" type="sibTrans" cxnId="{E506CA29-CC28-4211-8BDE-91E22A569402}">
-      <dgm:prSet/>
-      <dgm:spPr/>
-      <dgm:t>
-        <a:bodyPr/>
-        <a:lstStyle/>
-        <a:p>
-          <a:endParaRPr lang="en-US"/>
-        </a:p>
-      </dgm:t>
-    </dgm:pt>
-    <dgm:pt modelId="{89905620-D575-4D95-9E6F-028EB6294085}">
-      <dgm:prSet phldrT="[Text]" custT="1"/>
-      <dgm:spPr/>
-      <dgm:t>
-        <a:bodyPr/>
-        <a:lstStyle/>
-        <a:p>
-          <a:r>
-            <a:rPr lang="en-US" sz="2000" dirty="0"/>
-            <a:t>Top model included facility, and </a:t>
-          </a:r>
-          <a:r>
-            <a:rPr lang="en-US" sz="2000" dirty="0" err="1"/>
-            <a:t>sj_index_prev</a:t>
-          </a:r>
-          <a:r>
-            <a:rPr lang="en-US" sz="2000" dirty="0"/>
-            <a:t> with an </a:t>
-          </a:r>
-          <a:r>
-            <a:rPr lang="en-US" sz="2000" dirty="0" err="1"/>
-            <a:t>AICc</a:t>
-          </a:r>
-          <a:r>
-            <a:rPr lang="en-US" sz="2000" dirty="0"/>
-            <a:t> of 449</a:t>
-          </a:r>
-        </a:p>
-      </dgm:t>
-    </dgm:pt>
-    <dgm:pt modelId="{5DFA70B9-0CDB-463D-83BA-8E779843AA21}" type="parTrans" cxnId="{131EA503-7F95-40EC-A8E4-2C25B3FC6F0A}">
-      <dgm:prSet/>
-      <dgm:spPr/>
-      <dgm:t>
-        <a:bodyPr/>
-        <a:lstStyle/>
-        <a:p>
-          <a:endParaRPr lang="en-US"/>
-        </a:p>
-      </dgm:t>
-    </dgm:pt>
-    <dgm:pt modelId="{676B5B17-B9FB-4A9A-9F2F-C218E6BF884E}" type="sibTrans" cxnId="{131EA503-7F95-40EC-A8E4-2C25B3FC6F0A}">
-      <dgm:prSet/>
-      <dgm:spPr/>
-      <dgm:t>
-        <a:bodyPr/>
-        <a:lstStyle/>
-        <a:p>
-          <a:endParaRPr lang="en-US"/>
-        </a:p>
-      </dgm:t>
-    </dgm:pt>
-    <dgm:pt modelId="{D48F13A9-E079-45E7-9B06-B9E74A00193D}" type="pres">
-      <dgm:prSet presAssocID="{A4E3F601-A1FD-41EC-A935-BB8C6A21C0B9}" presName="Name0" presStyleCnt="0">
-        <dgm:presLayoutVars>
-          <dgm:dir/>
-          <dgm:animLvl val="lvl"/>
-          <dgm:resizeHandles val="exact"/>
-        </dgm:presLayoutVars>
-      </dgm:prSet>
-      <dgm:spPr/>
-    </dgm:pt>
-    <dgm:pt modelId="{7590735B-10B2-4A89-B927-24948E744A02}" type="pres">
-      <dgm:prSet presAssocID="{928E8024-16F4-4A74-A4EC-7D0E973E1CD1}" presName="boxAndChildren" presStyleCnt="0"/>
-      <dgm:spPr/>
-    </dgm:pt>
-    <dgm:pt modelId="{E7771D91-76ED-4A2B-8A14-2AFBF75DAAE8}" type="pres">
-      <dgm:prSet presAssocID="{928E8024-16F4-4A74-A4EC-7D0E973E1CD1}" presName="parentTextBox" presStyleLbl="node1" presStyleIdx="0" presStyleCnt="3"/>
-      <dgm:spPr/>
-    </dgm:pt>
-    <dgm:pt modelId="{559789A9-A205-40E7-8358-94621FB43597}" type="pres">
-      <dgm:prSet presAssocID="{928E8024-16F4-4A74-A4EC-7D0E973E1CD1}" presName="entireBox" presStyleLbl="node1" presStyleIdx="0" presStyleCnt="3"/>
-      <dgm:spPr/>
-    </dgm:pt>
-    <dgm:pt modelId="{EFD0A90D-D248-4083-A2DB-F8F1C0C04E08}" type="pres">
-      <dgm:prSet presAssocID="{928E8024-16F4-4A74-A4EC-7D0E973E1CD1}" presName="descendantBox" presStyleCnt="0"/>
-      <dgm:spPr/>
-    </dgm:pt>
-    <dgm:pt modelId="{1D10C0E8-2D45-4479-8CF3-4773F395E33A}" type="pres">
-      <dgm:prSet presAssocID="{89905620-D575-4D95-9E6F-028EB6294085}" presName="childTextBox" presStyleLbl="fgAccFollowNode1" presStyleIdx="0" presStyleCnt="3">
-        <dgm:presLayoutVars>
-          <dgm:bulletEnabled val="1"/>
-        </dgm:presLayoutVars>
-      </dgm:prSet>
-      <dgm:spPr/>
-    </dgm:pt>
-    <dgm:pt modelId="{8E667A94-A2AD-4BEE-AA83-62FC3F31ECED}" type="pres">
-      <dgm:prSet presAssocID="{FB9FC6E5-6410-45B5-876B-F88D1DCB827F}" presName="sp" presStyleCnt="0"/>
-      <dgm:spPr/>
-    </dgm:pt>
-    <dgm:pt modelId="{8016A07A-B0D7-4E93-B88E-C277C9AA084E}" type="pres">
-      <dgm:prSet presAssocID="{CE5DBFEB-034C-4D33-BB39-8A7FCA343C7B}" presName="arrowAndChildren" presStyleCnt="0"/>
-      <dgm:spPr/>
-    </dgm:pt>
-    <dgm:pt modelId="{D0BCF829-E286-4B98-8770-109595D61206}" type="pres">
-      <dgm:prSet presAssocID="{CE5DBFEB-034C-4D33-BB39-8A7FCA343C7B}" presName="parentTextArrow" presStyleLbl="node1" presStyleIdx="0" presStyleCnt="3"/>
-      <dgm:spPr/>
-    </dgm:pt>
-    <dgm:pt modelId="{32B0ABD3-162D-41F0-B360-F8DC799B9161}" type="pres">
-      <dgm:prSet presAssocID="{CE5DBFEB-034C-4D33-BB39-8A7FCA343C7B}" presName="arrow" presStyleLbl="node1" presStyleIdx="1" presStyleCnt="3"/>
-      <dgm:spPr/>
-    </dgm:pt>
-    <dgm:pt modelId="{1A9DE096-4E74-4BF3-91EC-5BE4F121BE5D}" type="pres">
-      <dgm:prSet presAssocID="{CE5DBFEB-034C-4D33-BB39-8A7FCA343C7B}" presName="descendantArrow" presStyleCnt="0"/>
-      <dgm:spPr/>
-    </dgm:pt>
-    <dgm:pt modelId="{EDB390A4-0E83-4EC2-8E34-9C46DC846241}" type="pres">
-      <dgm:prSet presAssocID="{5F87A0E8-A08C-4733-B41B-765A9F20C864}" presName="childTextArrow" presStyleLbl="fgAccFollowNode1" presStyleIdx="1" presStyleCnt="3" custLinFactNeighborX="-7031" custLinFactNeighborY="-2452">
-        <dgm:presLayoutVars>
-          <dgm:bulletEnabled val="1"/>
-        </dgm:presLayoutVars>
-      </dgm:prSet>
-      <dgm:spPr/>
-    </dgm:pt>
-    <dgm:pt modelId="{25C6C01E-5579-46D7-BC1D-8573B06A83B0}" type="pres">
-      <dgm:prSet presAssocID="{B2B0BEC4-2464-4CC5-A332-5DE6315EF47F}" presName="sp" presStyleCnt="0"/>
-      <dgm:spPr/>
-    </dgm:pt>
-    <dgm:pt modelId="{370CFB27-267D-484F-9379-1C4EAA5E6066}" type="pres">
-      <dgm:prSet presAssocID="{C0F58AD5-3707-431C-87C8-179890A8C215}" presName="arrowAndChildren" presStyleCnt="0"/>
-      <dgm:spPr/>
-    </dgm:pt>
-    <dgm:pt modelId="{8D7F5F33-E434-4DC1-9713-97EECF0E504A}" type="pres">
-      <dgm:prSet presAssocID="{C0F58AD5-3707-431C-87C8-179890A8C215}" presName="parentTextArrow" presStyleLbl="node1" presStyleIdx="1" presStyleCnt="3"/>
-      <dgm:spPr/>
-    </dgm:pt>
-    <dgm:pt modelId="{C0201FCD-78A5-4CED-94DC-EF45B15F5753}" type="pres">
-      <dgm:prSet presAssocID="{C0F58AD5-3707-431C-87C8-179890A8C215}" presName="arrow" presStyleLbl="node1" presStyleIdx="2" presStyleCnt="3"/>
-      <dgm:spPr/>
-    </dgm:pt>
-    <dgm:pt modelId="{DF8B2448-B99D-4715-A997-816E0A3964A0}" type="pres">
-      <dgm:prSet presAssocID="{C0F58AD5-3707-431C-87C8-179890A8C215}" presName="descendantArrow" presStyleCnt="0"/>
-      <dgm:spPr/>
-    </dgm:pt>
-    <dgm:pt modelId="{25746FB0-B162-4B94-AF4D-C6EDE71AB553}" type="pres">
-      <dgm:prSet presAssocID="{A3638ADE-3415-448B-9FDA-978866BA1EA8}" presName="childTextArrow" presStyleLbl="fgAccFollowNode1" presStyleIdx="2" presStyleCnt="3">
-        <dgm:presLayoutVars>
-          <dgm:bulletEnabled val="1"/>
-        </dgm:presLayoutVars>
-      </dgm:prSet>
-      <dgm:spPr/>
-    </dgm:pt>
-  </dgm:ptLst>
-  <dgm:cxnLst>
-    <dgm:cxn modelId="{131EA503-7F95-40EC-A8E4-2C25B3FC6F0A}" srcId="{928E8024-16F4-4A74-A4EC-7D0E973E1CD1}" destId="{89905620-D575-4D95-9E6F-028EB6294085}" srcOrd="0" destOrd="0" parTransId="{5DFA70B9-0CDB-463D-83BA-8E779843AA21}" sibTransId="{676B5B17-B9FB-4A9A-9F2F-C218E6BF884E}"/>
-    <dgm:cxn modelId="{2815490D-0550-4C2C-9BD3-ABCBAADE0BC1}" type="presOf" srcId="{928E8024-16F4-4A74-A4EC-7D0E973E1CD1}" destId="{559789A9-A205-40E7-8358-94621FB43597}" srcOrd="1" destOrd="0" presId="urn:microsoft.com/office/officeart/2005/8/layout/process4"/>
-    <dgm:cxn modelId="{63386A1C-2A18-46E2-AC22-F0BEA0F3A5B8}" type="presOf" srcId="{5F87A0E8-A08C-4733-B41B-765A9F20C864}" destId="{EDB390A4-0E83-4EC2-8E34-9C46DC846241}" srcOrd="0" destOrd="0" presId="urn:microsoft.com/office/officeart/2005/8/layout/process4"/>
-    <dgm:cxn modelId="{E506CA29-CC28-4211-8BDE-91E22A569402}" srcId="{A4E3F601-A1FD-41EC-A935-BB8C6A21C0B9}" destId="{928E8024-16F4-4A74-A4EC-7D0E973E1CD1}" srcOrd="2" destOrd="0" parTransId="{523454D7-B893-4FC9-87A1-59CAF88E511E}" sibTransId="{4FF9402D-27B2-460A-8079-F1B9994312E8}"/>
-    <dgm:cxn modelId="{62C52D30-B3DB-4924-9C51-85D7BEF6AF02}" srcId="{CE5DBFEB-034C-4D33-BB39-8A7FCA343C7B}" destId="{5F87A0E8-A08C-4733-B41B-765A9F20C864}" srcOrd="0" destOrd="0" parTransId="{FD54BBDF-15A4-4A62-BCEE-936E995817E4}" sibTransId="{1325A9E8-0F99-481B-A3F6-5E84E1953EAA}"/>
-    <dgm:cxn modelId="{1E04C237-36E0-47B9-A1A0-E62D207C1FA1}" type="presOf" srcId="{89905620-D575-4D95-9E6F-028EB6294085}" destId="{1D10C0E8-2D45-4479-8CF3-4773F395E33A}" srcOrd="0" destOrd="0" presId="urn:microsoft.com/office/officeart/2005/8/layout/process4"/>
-    <dgm:cxn modelId="{03323150-2484-40C6-8476-3A2E6E61B3D2}" type="presOf" srcId="{C0F58AD5-3707-431C-87C8-179890A8C215}" destId="{C0201FCD-78A5-4CED-94DC-EF45B15F5753}" srcOrd="1" destOrd="0" presId="urn:microsoft.com/office/officeart/2005/8/layout/process4"/>
-    <dgm:cxn modelId="{033B17CF-68B1-42DE-86FD-80B6E1318B48}" type="presOf" srcId="{A3638ADE-3415-448B-9FDA-978866BA1EA8}" destId="{25746FB0-B162-4B94-AF4D-C6EDE71AB553}" srcOrd="0" destOrd="0" presId="urn:microsoft.com/office/officeart/2005/8/layout/process4"/>
-    <dgm:cxn modelId="{80F4DBCF-200A-45D7-9E2F-594BAAFD4B9C}" type="presOf" srcId="{A4E3F601-A1FD-41EC-A935-BB8C6A21C0B9}" destId="{D48F13A9-E079-45E7-9B06-B9E74A00193D}" srcOrd="0" destOrd="0" presId="urn:microsoft.com/office/officeart/2005/8/layout/process4"/>
-    <dgm:cxn modelId="{7FFD0DD3-E5E4-45AC-81F0-955F691E7F67}" type="presOf" srcId="{CE5DBFEB-034C-4D33-BB39-8A7FCA343C7B}" destId="{32B0ABD3-162D-41F0-B360-F8DC799B9161}" srcOrd="1" destOrd="0" presId="urn:microsoft.com/office/officeart/2005/8/layout/process4"/>
-    <dgm:cxn modelId="{807DBAD5-54AA-44F4-9D24-37D79D789639}" srcId="{C0F58AD5-3707-431C-87C8-179890A8C215}" destId="{A3638ADE-3415-448B-9FDA-978866BA1EA8}" srcOrd="0" destOrd="0" parTransId="{064E7AF2-53B7-4782-937E-F1ABF94985EB}" sibTransId="{96C7EC8C-5F45-4B38-AD33-FBEA97E9D71B}"/>
-    <dgm:cxn modelId="{346484EC-F2F6-46F8-8EB6-4E75A10A76AD}" srcId="{A4E3F601-A1FD-41EC-A935-BB8C6A21C0B9}" destId="{C0F58AD5-3707-431C-87C8-179890A8C215}" srcOrd="0" destOrd="0" parTransId="{96D7880C-EA93-43E1-8D39-E2497163DFB6}" sibTransId="{B2B0BEC4-2464-4CC5-A332-5DE6315EF47F}"/>
-    <dgm:cxn modelId="{C87422EF-CA84-4733-8703-303C4CBB78FB}" type="presOf" srcId="{C0F58AD5-3707-431C-87C8-179890A8C215}" destId="{8D7F5F33-E434-4DC1-9713-97EECF0E504A}" srcOrd="0" destOrd="0" presId="urn:microsoft.com/office/officeart/2005/8/layout/process4"/>
-    <dgm:cxn modelId="{A58E02F5-80ED-4E4B-9647-5368D7188793}" type="presOf" srcId="{CE5DBFEB-034C-4D33-BB39-8A7FCA343C7B}" destId="{D0BCF829-E286-4B98-8770-109595D61206}" srcOrd="0" destOrd="0" presId="urn:microsoft.com/office/officeart/2005/8/layout/process4"/>
-    <dgm:cxn modelId="{7DD16FF7-3247-4459-9079-6FB7141D8C34}" type="presOf" srcId="{928E8024-16F4-4A74-A4EC-7D0E973E1CD1}" destId="{E7771D91-76ED-4A2B-8A14-2AFBF75DAAE8}" srcOrd="0" destOrd="0" presId="urn:microsoft.com/office/officeart/2005/8/layout/process4"/>
-    <dgm:cxn modelId="{45CD4EF8-3E3A-48E5-BFF6-B9F57EE72389}" srcId="{A4E3F601-A1FD-41EC-A935-BB8C6A21C0B9}" destId="{CE5DBFEB-034C-4D33-BB39-8A7FCA343C7B}" srcOrd="1" destOrd="0" parTransId="{1AE8D602-5BD1-4A22-9638-8B1A90F1018C}" sibTransId="{FB9FC6E5-6410-45B5-876B-F88D1DCB827F}"/>
-    <dgm:cxn modelId="{7032D4B7-F2B6-4053-ADB5-64BB0E1E4142}" type="presParOf" srcId="{D48F13A9-E079-45E7-9B06-B9E74A00193D}" destId="{7590735B-10B2-4A89-B927-24948E744A02}" srcOrd="0" destOrd="0" presId="urn:microsoft.com/office/officeart/2005/8/layout/process4"/>
-    <dgm:cxn modelId="{90248F17-126C-4F8F-9925-55D8BC72B9DE}" type="presParOf" srcId="{7590735B-10B2-4A89-B927-24948E744A02}" destId="{E7771D91-76ED-4A2B-8A14-2AFBF75DAAE8}" srcOrd="0" destOrd="0" presId="urn:microsoft.com/office/officeart/2005/8/layout/process4"/>
-    <dgm:cxn modelId="{F1B93CC9-BE7D-48A9-90FA-0A286BCA2D5B}" type="presParOf" srcId="{7590735B-10B2-4A89-B927-24948E744A02}" destId="{559789A9-A205-40E7-8358-94621FB43597}" srcOrd="1" destOrd="0" presId="urn:microsoft.com/office/officeart/2005/8/layout/process4"/>
-    <dgm:cxn modelId="{D9CE83DD-688F-4668-BF72-548749027BF0}" type="presParOf" srcId="{7590735B-10B2-4A89-B927-24948E744A02}" destId="{EFD0A90D-D248-4083-A2DB-F8F1C0C04E08}" srcOrd="2" destOrd="0" presId="urn:microsoft.com/office/officeart/2005/8/layout/process4"/>
-    <dgm:cxn modelId="{C9CF286D-FCC8-43F3-9F68-2D430179FAD1}" type="presParOf" srcId="{EFD0A90D-D248-4083-A2DB-F8F1C0C04E08}" destId="{1D10C0E8-2D45-4479-8CF3-4773F395E33A}" srcOrd="0" destOrd="0" presId="urn:microsoft.com/office/officeart/2005/8/layout/process4"/>
-    <dgm:cxn modelId="{346FA06E-75EF-4488-8382-5DE16BC69E1B}" type="presParOf" srcId="{D48F13A9-E079-45E7-9B06-B9E74A00193D}" destId="{8E667A94-A2AD-4BEE-AA83-62FC3F31ECED}" srcOrd="1" destOrd="0" presId="urn:microsoft.com/office/officeart/2005/8/layout/process4"/>
-    <dgm:cxn modelId="{8726141C-67F5-4738-B9B7-55DF19855892}" type="presParOf" srcId="{D48F13A9-E079-45E7-9B06-B9E74A00193D}" destId="{8016A07A-B0D7-4E93-B88E-C277C9AA084E}" srcOrd="2" destOrd="0" presId="urn:microsoft.com/office/officeart/2005/8/layout/process4"/>
-    <dgm:cxn modelId="{9C442F58-6381-463C-A53E-E5A883F8F84D}" type="presParOf" srcId="{8016A07A-B0D7-4E93-B88E-C277C9AA084E}" destId="{D0BCF829-E286-4B98-8770-109595D61206}" srcOrd="0" destOrd="0" presId="urn:microsoft.com/office/officeart/2005/8/layout/process4"/>
-    <dgm:cxn modelId="{4E7E743F-5BD7-4D15-B5A8-8A1F74607171}" type="presParOf" srcId="{8016A07A-B0D7-4E93-B88E-C277C9AA084E}" destId="{32B0ABD3-162D-41F0-B360-F8DC799B9161}" srcOrd="1" destOrd="0" presId="urn:microsoft.com/office/officeart/2005/8/layout/process4"/>
-    <dgm:cxn modelId="{256F332B-F77F-410B-9A68-BB7C332ADD45}" type="presParOf" srcId="{8016A07A-B0D7-4E93-B88E-C277C9AA084E}" destId="{1A9DE096-4E74-4BF3-91EC-5BE4F121BE5D}" srcOrd="2" destOrd="0" presId="urn:microsoft.com/office/officeart/2005/8/layout/process4"/>
-    <dgm:cxn modelId="{0B3B3526-AAE7-47AD-8E9A-6E13FA956CA6}" type="presParOf" srcId="{1A9DE096-4E74-4BF3-91EC-5BE4F121BE5D}" destId="{EDB390A4-0E83-4EC2-8E34-9C46DC846241}" srcOrd="0" destOrd="0" presId="urn:microsoft.com/office/officeart/2005/8/layout/process4"/>
-    <dgm:cxn modelId="{64830C29-D197-475F-9E4F-BB3F20752FA1}" type="presParOf" srcId="{D48F13A9-E079-45E7-9B06-B9E74A00193D}" destId="{25C6C01E-5579-46D7-BC1D-8573B06A83B0}" srcOrd="3" destOrd="0" presId="urn:microsoft.com/office/officeart/2005/8/layout/process4"/>
-    <dgm:cxn modelId="{3D96FDD1-FBDF-4694-A930-406EC14F9397}" type="presParOf" srcId="{D48F13A9-E079-45E7-9B06-B9E74A00193D}" destId="{370CFB27-267D-484F-9379-1C4EAA5E6066}" srcOrd="4" destOrd="0" presId="urn:microsoft.com/office/officeart/2005/8/layout/process4"/>
-    <dgm:cxn modelId="{7C0CF0BC-5AD5-4BEE-AA0C-20E39B307D38}" type="presParOf" srcId="{370CFB27-267D-484F-9379-1C4EAA5E6066}" destId="{8D7F5F33-E434-4DC1-9713-97EECF0E504A}" srcOrd="0" destOrd="0" presId="urn:microsoft.com/office/officeart/2005/8/layout/process4"/>
-    <dgm:cxn modelId="{54CFC104-66FC-4645-9A9C-8DFBA57E5BBF}" type="presParOf" srcId="{370CFB27-267D-484F-9379-1C4EAA5E6066}" destId="{C0201FCD-78A5-4CED-94DC-EF45B15F5753}" srcOrd="1" destOrd="0" presId="urn:microsoft.com/office/officeart/2005/8/layout/process4"/>
-    <dgm:cxn modelId="{E1CB67D3-3104-4185-9513-3B7E58359D51}" type="presParOf" srcId="{370CFB27-267D-484F-9379-1C4EAA5E6066}" destId="{DF8B2448-B99D-4715-A997-816E0A3964A0}" srcOrd="2" destOrd="0" presId="urn:microsoft.com/office/officeart/2005/8/layout/process4"/>
-    <dgm:cxn modelId="{89BCB237-EBD4-4129-8686-8E4ABD604865}" type="presParOf" srcId="{DF8B2448-B99D-4715-A997-816E0A3964A0}" destId="{25746FB0-B162-4B94-AF4D-C6EDE71AB553}" srcOrd="0" destOrd="0" presId="urn:microsoft.com/office/officeart/2005/8/layout/process4"/>
-  </dgm:cxnLst>
-  <dgm:bg/>
-  <dgm:whole/>
-  <dgm:extLst>
-    <a:ext uri="http://schemas.microsoft.com/office/drawing/2008/diagram">
-      <dsp:dataModelExt xmlns:dsp="http://schemas.microsoft.com/office/drawing/2008/diagram" relId="rId6" minVer="http://schemas.openxmlformats.org/drawingml/2006/diagram"/>
-    </a:ext>
-  </dgm:extLst>
-</dgm:dataModel>
-</file>
-
-<file path=ppt/diagrams/data3.xml><?xml version="1.0" encoding="utf-8"?>
 <dgm:dataModel xmlns:dgm="http://schemas.openxmlformats.org/drawingml/2006/diagram" xmlns:a="http://schemas.openxmlformats.org/drawingml/2006/main">
   <dgm:ptLst>
     <dgm:pt modelId="{A4E3F601-A1FD-41EC-A935-BB8C6A21C0B9}" type="doc">
@@ -4254,1128 +1806,6 @@
 </file>
 
 <file path=ppt/diagrams/drawing1.xml><?xml version="1.0" encoding="utf-8"?>
-<dsp:drawing xmlns:dgm="http://schemas.openxmlformats.org/drawingml/2006/diagram" xmlns:dsp="http://schemas.microsoft.com/office/drawing/2008/diagram" xmlns:a="http://schemas.openxmlformats.org/drawingml/2006/main">
-  <dsp:spTree>
-    <dsp:nvGrpSpPr>
-      <dsp:cNvPr id="0" name=""/>
-      <dsp:cNvGrpSpPr/>
-    </dsp:nvGrpSpPr>
-    <dsp:grpSpPr/>
-    <dsp:sp modelId="{169EB781-740A-4B55-9160-0649418C1E88}">
-      <dsp:nvSpPr>
-        <dsp:cNvPr id="0" name=""/>
-        <dsp:cNvSpPr/>
-      </dsp:nvSpPr>
-      <dsp:spPr>
-        <a:xfrm>
-          <a:off x="174985" y="1644685"/>
-          <a:ext cx="2340040" cy="1097279"/>
-        </a:xfrm>
-        <a:prstGeom prst="rect">
-          <a:avLst/>
-        </a:prstGeom>
-        <a:solidFill>
-          <a:schemeClr val="accent3">
-            <a:alpha val="90000"/>
-            <a:tint val="40000"/>
-            <a:hueOff val="0"/>
-            <a:satOff val="0"/>
-            <a:lumOff val="0"/>
-            <a:alphaOff val="0"/>
-          </a:schemeClr>
-        </a:solidFill>
-        <a:ln w="19050" cap="flat" cmpd="sng" algn="ctr">
-          <a:solidFill>
-            <a:schemeClr val="accent3">
-              <a:alpha val="90000"/>
-              <a:tint val="40000"/>
-              <a:hueOff val="0"/>
-              <a:satOff val="0"/>
-              <a:lumOff val="0"/>
-              <a:alphaOff val="0"/>
-            </a:schemeClr>
-          </a:solidFill>
-          <a:prstDash val="solid"/>
-          <a:miter lim="800000"/>
-        </a:ln>
-        <a:effectLst/>
-      </dsp:spPr>
-      <dsp:style>
-        <a:lnRef idx="2">
-          <a:scrgbClr r="0" g="0" b="0"/>
-        </a:lnRef>
-        <a:fillRef idx="1">
-          <a:scrgbClr r="0" g="0" b="0"/>
-        </a:fillRef>
-        <a:effectRef idx="0">
-          <a:scrgbClr r="0" g="0" b="0"/>
-        </a:effectRef>
-        <a:fontRef idx="minor"/>
-      </dsp:style>
-      <dsp:txBody>
-        <a:bodyPr spcFirstLastPara="0" vert="horz" wrap="square" lIns="0" tIns="99568" rIns="99568" bIns="99568" numCol="1" spcCol="1270" anchor="ctr" anchorCtr="0">
-          <a:noAutofit/>
-        </a:bodyPr>
-        <a:lstStyle/>
-        <a:p>
-          <a:pPr marL="0" lvl="0" indent="0" algn="l" defTabSz="622300">
-            <a:lnSpc>
-              <a:spcPct val="90000"/>
-            </a:lnSpc>
-            <a:spcBef>
-              <a:spcPct val="0"/>
-            </a:spcBef>
-            <a:spcAft>
-              <a:spcPct val="35000"/>
-            </a:spcAft>
-            <a:buNone/>
-          </a:pPr>
-          <a:r>
-            <a:rPr lang="en-US" sz="1400" b="1" kern="1200"/>
-            <a:t>sj_index_prev</a:t>
-          </a:r>
-        </a:p>
-        <a:p>
-          <a:pPr marL="0" lvl="0" indent="0" algn="l" defTabSz="622300">
-            <a:lnSpc>
-              <a:spcPct val="90000"/>
-            </a:lnSpc>
-            <a:spcBef>
-              <a:spcPct val="0"/>
-            </a:spcBef>
-            <a:spcAft>
-              <a:spcPct val="35000"/>
-            </a:spcAft>
-            <a:buNone/>
-          </a:pPr>
-          <a:r>
-            <a:rPr lang="en-US" sz="1400" b="1" kern="1200"/>
-            <a:t>sj_index_prev2</a:t>
-          </a:r>
-        </a:p>
-        <a:p>
-          <a:pPr marL="0" lvl="0" indent="0" algn="l" defTabSz="622300">
-            <a:lnSpc>
-              <a:spcPct val="90000"/>
-            </a:lnSpc>
-            <a:spcBef>
-              <a:spcPct val="0"/>
-            </a:spcBef>
-            <a:spcAft>
-              <a:spcPct val="35000"/>
-            </a:spcAft>
-            <a:buNone/>
-          </a:pPr>
-          <a:r>
-            <a:rPr lang="en-US" sz="1400" b="1" kern="1200"/>
-            <a:t>sac_index_prev</a:t>
-          </a:r>
-        </a:p>
-        <a:p>
-          <a:pPr marL="0" lvl="0" indent="0" algn="l" defTabSz="622300">
-            <a:lnSpc>
-              <a:spcPct val="90000"/>
-            </a:lnSpc>
-            <a:spcBef>
-              <a:spcPct val="0"/>
-            </a:spcBef>
-            <a:spcAft>
-              <a:spcPct val="35000"/>
-            </a:spcAft>
-            <a:buNone/>
-          </a:pPr>
-          <a:r>
-            <a:rPr lang="en-US" sz="1400" b="1" kern="1200"/>
-            <a:t>sac_index_prev2</a:t>
-          </a:r>
-          <a:endParaRPr lang="en-US" sz="1400" b="1" kern="1200" dirty="0"/>
-        </a:p>
-      </dsp:txBody>
-      <dsp:txXfrm>
-        <a:off x="549391" y="1644685"/>
-        <a:ext cx="1965633" cy="1097279"/>
-      </dsp:txXfrm>
-    </dsp:sp>
-    <dsp:sp modelId="{95A29697-BE10-4329-9A35-02ACA4FC6A23}">
-      <dsp:nvSpPr>
-        <dsp:cNvPr id="0" name=""/>
-        <dsp:cNvSpPr/>
-      </dsp:nvSpPr>
-      <dsp:spPr>
-        <a:xfrm>
-          <a:off x="272375" y="865757"/>
-          <a:ext cx="2242557" cy="685508"/>
-        </a:xfrm>
-        <a:prstGeom prst="ellipse">
-          <a:avLst/>
-        </a:prstGeom>
-        <a:solidFill>
-          <a:schemeClr val="accent3">
-            <a:hueOff val="0"/>
-            <a:satOff val="0"/>
-            <a:lumOff val="0"/>
-            <a:alphaOff val="0"/>
-          </a:schemeClr>
-        </a:solidFill>
-        <a:ln w="19050" cap="flat" cmpd="sng" algn="ctr">
-          <a:solidFill>
-            <a:schemeClr val="lt1">
-              <a:hueOff val="0"/>
-              <a:satOff val="0"/>
-              <a:lumOff val="0"/>
-              <a:alphaOff val="0"/>
-            </a:schemeClr>
-          </a:solidFill>
-          <a:prstDash val="solid"/>
-          <a:miter lim="800000"/>
-        </a:ln>
-        <a:effectLst/>
-      </dsp:spPr>
-      <dsp:style>
-        <a:lnRef idx="2">
-          <a:scrgbClr r="0" g="0" b="0"/>
-        </a:lnRef>
-        <a:fillRef idx="1">
-          <a:scrgbClr r="0" g="0" b="0"/>
-        </a:fillRef>
-        <a:effectRef idx="0">
-          <a:scrgbClr r="0" g="0" b="0"/>
-        </a:effectRef>
-        <a:fontRef idx="minor">
-          <a:schemeClr val="lt1"/>
-        </a:fontRef>
-      </dsp:style>
-      <dsp:txBody>
-        <a:bodyPr spcFirstLastPara="0" vert="horz" wrap="square" lIns="0" tIns="0" rIns="0" bIns="0" numCol="1" spcCol="1270" anchor="ctr" anchorCtr="0">
-          <a:noAutofit/>
-        </a:bodyPr>
-        <a:lstStyle/>
-        <a:p>
-          <a:pPr marL="0" lvl="0" indent="0" algn="ctr" defTabSz="755650">
-            <a:lnSpc>
-              <a:spcPct val="90000"/>
-            </a:lnSpc>
-            <a:spcBef>
-              <a:spcPct val="0"/>
-            </a:spcBef>
-            <a:spcAft>
-              <a:spcPct val="35000"/>
-            </a:spcAft>
-            <a:buNone/>
-          </a:pPr>
-          <a:r>
-            <a:rPr lang="en-US" sz="1700" kern="1200" dirty="0"/>
-            <a:t>Previous Year’s data</a:t>
-          </a:r>
-        </a:p>
-      </dsp:txBody>
-      <dsp:txXfrm>
-        <a:off x="600790" y="966147"/>
-        <a:ext cx="1585727" cy="484728"/>
-      </dsp:txXfrm>
-    </dsp:sp>
-    <dsp:sp modelId="{B8578994-B693-4C20-B333-E60715959698}">
-      <dsp:nvSpPr>
-        <dsp:cNvPr id="0" name=""/>
-        <dsp:cNvSpPr/>
-      </dsp:nvSpPr>
-      <dsp:spPr>
-        <a:xfrm>
-          <a:off x="3793257" y="1635262"/>
-          <a:ext cx="2340040" cy="1097279"/>
-        </a:xfrm>
-        <a:prstGeom prst="rect">
-          <a:avLst/>
-        </a:prstGeom>
-        <a:solidFill>
-          <a:schemeClr val="accent3">
-            <a:alpha val="90000"/>
-            <a:tint val="40000"/>
-            <a:hueOff val="0"/>
-            <a:satOff val="0"/>
-            <a:lumOff val="0"/>
-            <a:alphaOff val="0"/>
-          </a:schemeClr>
-        </a:solidFill>
-        <a:ln w="19050" cap="flat" cmpd="sng" algn="ctr">
-          <a:solidFill>
-            <a:schemeClr val="accent3">
-              <a:alpha val="90000"/>
-              <a:tint val="40000"/>
-              <a:hueOff val="0"/>
-              <a:satOff val="0"/>
-              <a:lumOff val="0"/>
-              <a:alphaOff val="0"/>
-            </a:schemeClr>
-          </a:solidFill>
-          <a:prstDash val="solid"/>
-          <a:miter lim="800000"/>
-        </a:ln>
-        <a:effectLst/>
-      </dsp:spPr>
-      <dsp:style>
-        <a:lnRef idx="2">
-          <a:scrgbClr r="0" g="0" b="0"/>
-        </a:lnRef>
-        <a:fillRef idx="1">
-          <a:scrgbClr r="0" g="0" b="0"/>
-        </a:fillRef>
-        <a:effectRef idx="0">
-          <a:scrgbClr r="0" g="0" b="0"/>
-        </a:effectRef>
-        <a:fontRef idx="minor"/>
-      </dsp:style>
-      <dsp:txBody>
-        <a:bodyPr spcFirstLastPara="0" vert="horz" wrap="square" lIns="0" tIns="99568" rIns="99568" bIns="99568" numCol="1" spcCol="1270" anchor="ctr" anchorCtr="0">
-          <a:noAutofit/>
-        </a:bodyPr>
-        <a:lstStyle/>
-        <a:p>
-          <a:pPr marL="0" lvl="0" indent="0" algn="l" defTabSz="622300">
-            <a:lnSpc>
-              <a:spcPct val="90000"/>
-            </a:lnSpc>
-            <a:spcBef>
-              <a:spcPct val="0"/>
-            </a:spcBef>
-            <a:spcAft>
-              <a:spcPct val="35000"/>
-            </a:spcAft>
-            <a:buNone/>
-          </a:pPr>
-          <a:r>
-            <a:rPr lang="en-US" sz="1400" b="1" kern="1200"/>
-            <a:t>Facility (SWP or CVP)</a:t>
-          </a:r>
-          <a:endParaRPr lang="en-US" sz="1400" b="1" kern="1200" dirty="0"/>
-        </a:p>
-      </dsp:txBody>
-      <dsp:txXfrm>
-        <a:off x="4167664" y="1635262"/>
-        <a:ext cx="1965633" cy="1097279"/>
-      </dsp:txXfrm>
-    </dsp:sp>
-    <dsp:sp modelId="{66190BBE-623D-4C27-B1CE-866B02FC76DB}">
-      <dsp:nvSpPr>
-        <dsp:cNvPr id="0" name=""/>
-        <dsp:cNvSpPr/>
-      </dsp:nvSpPr>
-      <dsp:spPr>
-        <a:xfrm>
-          <a:off x="3841990" y="846302"/>
-          <a:ext cx="2242557" cy="685508"/>
-        </a:xfrm>
-        <a:prstGeom prst="ellipse">
-          <a:avLst/>
-        </a:prstGeom>
-        <a:solidFill>
-          <a:schemeClr val="accent3">
-            <a:hueOff val="0"/>
-            <a:satOff val="0"/>
-            <a:lumOff val="0"/>
-            <a:alphaOff val="0"/>
-          </a:schemeClr>
-        </a:solidFill>
-        <a:ln w="19050" cap="flat" cmpd="sng" algn="ctr">
-          <a:solidFill>
-            <a:schemeClr val="lt1">
-              <a:hueOff val="0"/>
-              <a:satOff val="0"/>
-              <a:lumOff val="0"/>
-              <a:alphaOff val="0"/>
-            </a:schemeClr>
-          </a:solidFill>
-          <a:prstDash val="solid"/>
-          <a:miter lim="800000"/>
-        </a:ln>
-        <a:effectLst/>
-      </dsp:spPr>
-      <dsp:style>
-        <a:lnRef idx="2">
-          <a:scrgbClr r="0" g="0" b="0"/>
-        </a:lnRef>
-        <a:fillRef idx="1">
-          <a:scrgbClr r="0" g="0" b="0"/>
-        </a:fillRef>
-        <a:effectRef idx="0">
-          <a:scrgbClr r="0" g="0" b="0"/>
-        </a:effectRef>
-        <a:fontRef idx="minor">
-          <a:schemeClr val="lt1"/>
-        </a:fontRef>
-      </dsp:style>
-      <dsp:txBody>
-        <a:bodyPr spcFirstLastPara="0" vert="horz" wrap="square" lIns="0" tIns="0" rIns="0" bIns="0" numCol="1" spcCol="1270" anchor="ctr" anchorCtr="0">
-          <a:noAutofit/>
-        </a:bodyPr>
-        <a:lstStyle/>
-        <a:p>
-          <a:pPr marL="0" lvl="0" indent="0" algn="ctr" defTabSz="755650">
-            <a:lnSpc>
-              <a:spcPct val="90000"/>
-            </a:lnSpc>
-            <a:spcBef>
-              <a:spcPct val="0"/>
-            </a:spcBef>
-            <a:spcAft>
-              <a:spcPct val="35000"/>
-            </a:spcAft>
-            <a:buNone/>
-          </a:pPr>
-          <a:r>
-            <a:rPr lang="en-US" sz="1700" kern="1200" dirty="0"/>
-            <a:t>Categorical</a:t>
-          </a:r>
-        </a:p>
-      </dsp:txBody>
-      <dsp:txXfrm>
-        <a:off x="4170405" y="946692"/>
-        <a:ext cx="1585727" cy="484728"/>
-      </dsp:txXfrm>
-    </dsp:sp>
-    <dsp:sp modelId="{95D78473-F753-4E0C-AA9E-67D56897892C}">
-      <dsp:nvSpPr>
-        <dsp:cNvPr id="0" name=""/>
-        <dsp:cNvSpPr/>
-      </dsp:nvSpPr>
-      <dsp:spPr>
-        <a:xfrm>
-          <a:off x="7474042" y="1607691"/>
-          <a:ext cx="2340040" cy="1097279"/>
-        </a:xfrm>
-        <a:prstGeom prst="rect">
-          <a:avLst/>
-        </a:prstGeom>
-        <a:solidFill>
-          <a:schemeClr val="accent3">
-            <a:alpha val="90000"/>
-            <a:tint val="40000"/>
-            <a:hueOff val="0"/>
-            <a:satOff val="0"/>
-            <a:lumOff val="0"/>
-            <a:alphaOff val="0"/>
-          </a:schemeClr>
-        </a:solidFill>
-        <a:ln w="19050" cap="flat" cmpd="sng" algn="ctr">
-          <a:solidFill>
-            <a:schemeClr val="accent3">
-              <a:alpha val="90000"/>
-              <a:tint val="40000"/>
-              <a:hueOff val="0"/>
-              <a:satOff val="0"/>
-              <a:lumOff val="0"/>
-              <a:alphaOff val="0"/>
-            </a:schemeClr>
-          </a:solidFill>
-          <a:prstDash val="solid"/>
-          <a:miter lim="800000"/>
-        </a:ln>
-        <a:effectLst/>
-      </dsp:spPr>
-      <dsp:style>
-        <a:lnRef idx="2">
-          <a:scrgbClr r="0" g="0" b="0"/>
-        </a:lnRef>
-        <a:fillRef idx="1">
-          <a:scrgbClr r="0" g="0" b="0"/>
-        </a:fillRef>
-        <a:effectRef idx="0">
-          <a:scrgbClr r="0" g="0" b="0"/>
-        </a:effectRef>
-        <a:fontRef idx="minor"/>
-      </dsp:style>
-      <dsp:txBody>
-        <a:bodyPr spcFirstLastPara="0" vert="horz" wrap="square" lIns="0" tIns="99568" rIns="99568" bIns="99568" numCol="1" spcCol="1270" anchor="ctr" anchorCtr="0">
-          <a:noAutofit/>
-        </a:bodyPr>
-        <a:lstStyle/>
-        <a:p>
-          <a:pPr marL="0" lvl="0" indent="0" algn="l" defTabSz="622300">
-            <a:lnSpc>
-              <a:spcPct val="90000"/>
-            </a:lnSpc>
-            <a:spcBef>
-              <a:spcPct val="0"/>
-            </a:spcBef>
-            <a:spcAft>
-              <a:spcPct val="35000"/>
-            </a:spcAft>
-            <a:buNone/>
-          </a:pPr>
-          <a:r>
-            <a:rPr lang="en-US" sz="1400" b="1" kern="1200" dirty="0"/>
-            <a:t>Freeport Flows</a:t>
-          </a:r>
-        </a:p>
-        <a:p>
-          <a:pPr marL="0" lvl="0" indent="0" algn="l" defTabSz="622300">
-            <a:lnSpc>
-              <a:spcPct val="90000"/>
-            </a:lnSpc>
-            <a:spcBef>
-              <a:spcPct val="0"/>
-            </a:spcBef>
-            <a:spcAft>
-              <a:spcPct val="35000"/>
-            </a:spcAft>
-            <a:buNone/>
-          </a:pPr>
-          <a:r>
-            <a:rPr lang="en-US" sz="1400" b="1" kern="1200" dirty="0" err="1"/>
-            <a:t>Vernalis</a:t>
-          </a:r>
-          <a:r>
-            <a:rPr lang="en-US" sz="1400" b="1" kern="1200" dirty="0"/>
-            <a:t> Flows</a:t>
-          </a:r>
-        </a:p>
-        <a:p>
-          <a:pPr marL="0" lvl="0" indent="0" algn="l" defTabSz="622300">
-            <a:lnSpc>
-              <a:spcPct val="90000"/>
-            </a:lnSpc>
-            <a:spcBef>
-              <a:spcPct val="0"/>
-            </a:spcBef>
-            <a:spcAft>
-              <a:spcPct val="35000"/>
-            </a:spcAft>
-            <a:buNone/>
-          </a:pPr>
-          <a:r>
-            <a:rPr lang="en-US" sz="1400" b="1" kern="1200" dirty="0"/>
-            <a:t>OMRI</a:t>
-          </a:r>
-        </a:p>
-        <a:p>
-          <a:pPr marL="0" lvl="0" indent="0" algn="l" defTabSz="622300">
-            <a:lnSpc>
-              <a:spcPct val="90000"/>
-            </a:lnSpc>
-            <a:spcBef>
-              <a:spcPct val="0"/>
-            </a:spcBef>
-            <a:spcAft>
-              <a:spcPct val="35000"/>
-            </a:spcAft>
-            <a:buNone/>
-          </a:pPr>
-          <a:r>
-            <a:rPr lang="en-US" sz="1400" b="1" kern="1200" dirty="0"/>
-            <a:t>Exports</a:t>
-          </a:r>
-        </a:p>
-      </dsp:txBody>
-      <dsp:txXfrm>
-        <a:off x="7848449" y="1607691"/>
-        <a:ext cx="1965633" cy="1097279"/>
-      </dsp:txXfrm>
-    </dsp:sp>
-    <dsp:sp modelId="{8B5FF89C-F783-4230-8506-A1BB4C1AC2AE}">
-      <dsp:nvSpPr>
-        <dsp:cNvPr id="0" name=""/>
-        <dsp:cNvSpPr/>
-      </dsp:nvSpPr>
-      <dsp:spPr>
-        <a:xfrm>
-          <a:off x="7575935" y="797665"/>
-          <a:ext cx="2242557" cy="685508"/>
-        </a:xfrm>
-        <a:prstGeom prst="ellipse">
-          <a:avLst/>
-        </a:prstGeom>
-        <a:solidFill>
-          <a:schemeClr val="accent3">
-            <a:hueOff val="0"/>
-            <a:satOff val="0"/>
-            <a:lumOff val="0"/>
-            <a:alphaOff val="0"/>
-          </a:schemeClr>
-        </a:solidFill>
-        <a:ln w="19050" cap="flat" cmpd="sng" algn="ctr">
-          <a:solidFill>
-            <a:schemeClr val="lt1">
-              <a:hueOff val="0"/>
-              <a:satOff val="0"/>
-              <a:lumOff val="0"/>
-              <a:alphaOff val="0"/>
-            </a:schemeClr>
-          </a:solidFill>
-          <a:prstDash val="solid"/>
-          <a:miter lim="800000"/>
-        </a:ln>
-        <a:effectLst/>
-      </dsp:spPr>
-      <dsp:style>
-        <a:lnRef idx="2">
-          <a:scrgbClr r="0" g="0" b="0"/>
-        </a:lnRef>
-        <a:fillRef idx="1">
-          <a:scrgbClr r="0" g="0" b="0"/>
-        </a:fillRef>
-        <a:effectRef idx="0">
-          <a:scrgbClr r="0" g="0" b="0"/>
-        </a:effectRef>
-        <a:fontRef idx="minor">
-          <a:schemeClr val="lt1"/>
-        </a:fontRef>
-      </dsp:style>
-      <dsp:txBody>
-        <a:bodyPr spcFirstLastPara="0" vert="horz" wrap="square" lIns="0" tIns="0" rIns="0" bIns="0" numCol="1" spcCol="1270" anchor="ctr" anchorCtr="0">
-          <a:noAutofit/>
-        </a:bodyPr>
-        <a:lstStyle/>
-        <a:p>
-          <a:pPr marL="0" lvl="0" indent="0" algn="ctr" defTabSz="755650">
-            <a:lnSpc>
-              <a:spcPct val="90000"/>
-            </a:lnSpc>
-            <a:spcBef>
-              <a:spcPct val="0"/>
-            </a:spcBef>
-            <a:spcAft>
-              <a:spcPct val="35000"/>
-            </a:spcAft>
-            <a:buNone/>
-          </a:pPr>
-          <a:r>
-            <a:rPr lang="en-US" sz="1700" kern="1200" dirty="0"/>
-            <a:t>Current year real-time data</a:t>
-          </a:r>
-        </a:p>
-      </dsp:txBody>
-      <dsp:txXfrm>
-        <a:off x="7904350" y="898055"/>
-        <a:ext cx="1585727" cy="484728"/>
-      </dsp:txXfrm>
-    </dsp:sp>
-  </dsp:spTree>
-</dsp:drawing>
-</file>
-
-<file path=ppt/diagrams/drawing2.xml><?xml version="1.0" encoding="utf-8"?>
-<dsp:drawing xmlns:dgm="http://schemas.openxmlformats.org/drawingml/2006/diagram" xmlns:dsp="http://schemas.microsoft.com/office/drawing/2008/diagram" xmlns:a="http://schemas.openxmlformats.org/drawingml/2006/main">
-  <dsp:spTree>
-    <dsp:nvGrpSpPr>
-      <dsp:cNvPr id="0" name=""/>
-      <dsp:cNvGrpSpPr/>
-    </dsp:nvGrpSpPr>
-    <dsp:grpSpPr/>
-    <dsp:sp modelId="{559789A9-A205-40E7-8358-94621FB43597}">
-      <dsp:nvSpPr>
-        <dsp:cNvPr id="0" name=""/>
-        <dsp:cNvSpPr/>
-      </dsp:nvSpPr>
-      <dsp:spPr>
-        <a:xfrm>
-          <a:off x="0" y="3275482"/>
-          <a:ext cx="10515600" cy="1075086"/>
-        </a:xfrm>
-        <a:prstGeom prst="rect">
-          <a:avLst/>
-        </a:prstGeom>
-        <a:solidFill>
-          <a:schemeClr val="accent3">
-            <a:hueOff val="0"/>
-            <a:satOff val="0"/>
-            <a:lumOff val="0"/>
-            <a:alphaOff val="0"/>
-          </a:schemeClr>
-        </a:solidFill>
-        <a:ln w="19050" cap="flat" cmpd="sng" algn="ctr">
-          <a:solidFill>
-            <a:schemeClr val="lt1">
-              <a:hueOff val="0"/>
-              <a:satOff val="0"/>
-              <a:lumOff val="0"/>
-              <a:alphaOff val="0"/>
-            </a:schemeClr>
-          </a:solidFill>
-          <a:prstDash val="solid"/>
-          <a:miter lim="800000"/>
-        </a:ln>
-        <a:effectLst/>
-      </dsp:spPr>
-      <dsp:style>
-        <a:lnRef idx="2">
-          <a:scrgbClr r="0" g="0" b="0"/>
-        </a:lnRef>
-        <a:fillRef idx="1">
-          <a:scrgbClr r="0" g="0" b="0"/>
-        </a:fillRef>
-        <a:effectRef idx="0">
-          <a:scrgbClr r="0" g="0" b="0"/>
-        </a:effectRef>
-        <a:fontRef idx="minor">
-          <a:schemeClr val="lt1"/>
-        </a:fontRef>
-      </dsp:style>
-      <dsp:txBody>
-        <a:bodyPr spcFirstLastPara="0" vert="horz" wrap="square" lIns="170688" tIns="170688" rIns="170688" bIns="170688" numCol="1" spcCol="1270" anchor="ctr" anchorCtr="0">
-          <a:noAutofit/>
-        </a:bodyPr>
-        <a:lstStyle/>
-        <a:p>
-          <a:pPr marL="0" lvl="0" indent="0" algn="ctr" defTabSz="1066800">
-            <a:lnSpc>
-              <a:spcPct val="90000"/>
-            </a:lnSpc>
-            <a:spcBef>
-              <a:spcPct val="0"/>
-            </a:spcBef>
-            <a:spcAft>
-              <a:spcPct val="35000"/>
-            </a:spcAft>
-            <a:buNone/>
-          </a:pPr>
-          <a:r>
-            <a:rPr lang="en-US" sz="2400" kern="1200" dirty="0"/>
-            <a:t>Ran multiple models with combinations of all variables</a:t>
-          </a:r>
-        </a:p>
-      </dsp:txBody>
-      <dsp:txXfrm>
-        <a:off x="0" y="3275482"/>
-        <a:ext cx="10515600" cy="580546"/>
-      </dsp:txXfrm>
-    </dsp:sp>
-    <dsp:sp modelId="{1D10C0E8-2D45-4479-8CF3-4773F395E33A}">
-      <dsp:nvSpPr>
-        <dsp:cNvPr id="0" name=""/>
-        <dsp:cNvSpPr/>
-      </dsp:nvSpPr>
-      <dsp:spPr>
-        <a:xfrm>
-          <a:off x="0" y="3834527"/>
-          <a:ext cx="10515600" cy="494539"/>
-        </a:xfrm>
-        <a:prstGeom prst="rect">
-          <a:avLst/>
-        </a:prstGeom>
-        <a:solidFill>
-          <a:schemeClr val="accent3">
-            <a:alpha val="90000"/>
-            <a:tint val="40000"/>
-            <a:hueOff val="0"/>
-            <a:satOff val="0"/>
-            <a:lumOff val="0"/>
-            <a:alphaOff val="0"/>
-          </a:schemeClr>
-        </a:solidFill>
-        <a:ln w="19050" cap="flat" cmpd="sng" algn="ctr">
-          <a:solidFill>
-            <a:schemeClr val="accent3">
-              <a:alpha val="90000"/>
-              <a:tint val="40000"/>
-              <a:hueOff val="0"/>
-              <a:satOff val="0"/>
-              <a:lumOff val="0"/>
-              <a:alphaOff val="0"/>
-            </a:schemeClr>
-          </a:solidFill>
-          <a:prstDash val="solid"/>
-          <a:miter lim="800000"/>
-        </a:ln>
-        <a:effectLst/>
-      </dsp:spPr>
-      <dsp:style>
-        <a:lnRef idx="2">
-          <a:scrgbClr r="0" g="0" b="0"/>
-        </a:lnRef>
-        <a:fillRef idx="1">
-          <a:scrgbClr r="0" g="0" b="0"/>
-        </a:fillRef>
-        <a:effectRef idx="0">
-          <a:scrgbClr r="0" g="0" b="0"/>
-        </a:effectRef>
-        <a:fontRef idx="minor"/>
-      </dsp:style>
-      <dsp:txBody>
-        <a:bodyPr spcFirstLastPara="0" vert="horz" wrap="square" lIns="142240" tIns="25400" rIns="142240" bIns="25400" numCol="1" spcCol="1270" anchor="ctr" anchorCtr="0">
-          <a:noAutofit/>
-        </a:bodyPr>
-        <a:lstStyle/>
-        <a:p>
-          <a:pPr marL="0" lvl="0" indent="0" algn="ctr" defTabSz="889000">
-            <a:lnSpc>
-              <a:spcPct val="90000"/>
-            </a:lnSpc>
-            <a:spcBef>
-              <a:spcPct val="0"/>
-            </a:spcBef>
-            <a:spcAft>
-              <a:spcPct val="35000"/>
-            </a:spcAft>
-            <a:buNone/>
-          </a:pPr>
-          <a:r>
-            <a:rPr lang="en-US" sz="2000" kern="1200" dirty="0"/>
-            <a:t>Top model included facility, and </a:t>
-          </a:r>
-          <a:r>
-            <a:rPr lang="en-US" sz="2000" kern="1200" dirty="0" err="1"/>
-            <a:t>sj_index_prev</a:t>
-          </a:r>
-          <a:r>
-            <a:rPr lang="en-US" sz="2000" kern="1200" dirty="0"/>
-            <a:t> with an </a:t>
-          </a:r>
-          <a:r>
-            <a:rPr lang="en-US" sz="2000" kern="1200" dirty="0" err="1"/>
-            <a:t>AICc</a:t>
-          </a:r>
-          <a:r>
-            <a:rPr lang="en-US" sz="2000" kern="1200" dirty="0"/>
-            <a:t> of 449</a:t>
-          </a:r>
-        </a:p>
-      </dsp:txBody>
-      <dsp:txXfrm>
-        <a:off x="0" y="3834527"/>
-        <a:ext cx="10515600" cy="494539"/>
-      </dsp:txXfrm>
-    </dsp:sp>
-    <dsp:sp modelId="{32B0ABD3-162D-41F0-B360-F8DC799B9161}">
-      <dsp:nvSpPr>
-        <dsp:cNvPr id="0" name=""/>
-        <dsp:cNvSpPr/>
-      </dsp:nvSpPr>
-      <dsp:spPr>
-        <a:xfrm rot="10800000">
-          <a:off x="0" y="1638125"/>
-          <a:ext cx="10515600" cy="1653482"/>
-        </a:xfrm>
-        <a:prstGeom prst="upArrowCallout">
-          <a:avLst/>
-        </a:prstGeom>
-        <a:solidFill>
-          <a:schemeClr val="accent3">
-            <a:hueOff val="0"/>
-            <a:satOff val="0"/>
-            <a:lumOff val="0"/>
-            <a:alphaOff val="0"/>
-          </a:schemeClr>
-        </a:solidFill>
-        <a:ln w="19050" cap="flat" cmpd="sng" algn="ctr">
-          <a:solidFill>
-            <a:schemeClr val="lt1">
-              <a:hueOff val="0"/>
-              <a:satOff val="0"/>
-              <a:lumOff val="0"/>
-              <a:alphaOff val="0"/>
-            </a:schemeClr>
-          </a:solidFill>
-          <a:prstDash val="solid"/>
-          <a:miter lim="800000"/>
-        </a:ln>
-        <a:effectLst/>
-      </dsp:spPr>
-      <dsp:style>
-        <a:lnRef idx="2">
-          <a:scrgbClr r="0" g="0" b="0"/>
-        </a:lnRef>
-        <a:fillRef idx="1">
-          <a:scrgbClr r="0" g="0" b="0"/>
-        </a:fillRef>
-        <a:effectRef idx="0">
-          <a:scrgbClr r="0" g="0" b="0"/>
-        </a:effectRef>
-        <a:fontRef idx="minor">
-          <a:schemeClr val="lt1"/>
-        </a:fontRef>
-      </dsp:style>
-      <dsp:txBody>
-        <a:bodyPr spcFirstLastPara="0" vert="horz" wrap="square" lIns="170688" tIns="170688" rIns="170688" bIns="170688" numCol="1" spcCol="1270" anchor="ctr" anchorCtr="0">
-          <a:noAutofit/>
-        </a:bodyPr>
-        <a:lstStyle/>
-        <a:p>
-          <a:pPr marL="0" lvl="0" indent="0" algn="ctr" defTabSz="1066800">
-            <a:lnSpc>
-              <a:spcPct val="90000"/>
-            </a:lnSpc>
-            <a:spcBef>
-              <a:spcPct val="0"/>
-            </a:spcBef>
-            <a:spcAft>
-              <a:spcPct val="35000"/>
-            </a:spcAft>
-            <a:buNone/>
-          </a:pPr>
-          <a:r>
-            <a:rPr lang="en-US" sz="2400" kern="1200" dirty="0"/>
-            <a:t>Ran full model with all remaining variables</a:t>
-          </a:r>
-        </a:p>
-      </dsp:txBody>
-      <dsp:txXfrm rot="-10800000">
-        <a:off x="0" y="1638125"/>
-        <a:ext cx="10515600" cy="580372"/>
-      </dsp:txXfrm>
-    </dsp:sp>
-    <dsp:sp modelId="{EDB390A4-0E83-4EC2-8E34-9C46DC846241}">
-      <dsp:nvSpPr>
-        <dsp:cNvPr id="0" name=""/>
-        <dsp:cNvSpPr/>
-      </dsp:nvSpPr>
-      <dsp:spPr>
-        <a:xfrm>
-          <a:off x="0" y="2206375"/>
-          <a:ext cx="10515600" cy="494391"/>
-        </a:xfrm>
-        <a:prstGeom prst="rect">
-          <a:avLst/>
-        </a:prstGeom>
-        <a:solidFill>
-          <a:schemeClr val="accent3">
-            <a:alpha val="90000"/>
-            <a:tint val="40000"/>
-            <a:hueOff val="0"/>
-            <a:satOff val="0"/>
-            <a:lumOff val="0"/>
-            <a:alphaOff val="0"/>
-          </a:schemeClr>
-        </a:solidFill>
-        <a:ln w="19050" cap="flat" cmpd="sng" algn="ctr">
-          <a:solidFill>
-            <a:schemeClr val="accent3">
-              <a:alpha val="90000"/>
-              <a:tint val="40000"/>
-              <a:hueOff val="0"/>
-              <a:satOff val="0"/>
-              <a:lumOff val="0"/>
-              <a:alphaOff val="0"/>
-            </a:schemeClr>
-          </a:solidFill>
-          <a:prstDash val="solid"/>
-          <a:miter lim="800000"/>
-        </a:ln>
-        <a:effectLst/>
-      </dsp:spPr>
-      <dsp:style>
-        <a:lnRef idx="2">
-          <a:scrgbClr r="0" g="0" b="0"/>
-        </a:lnRef>
-        <a:fillRef idx="1">
-          <a:scrgbClr r="0" g="0" b="0"/>
-        </a:fillRef>
-        <a:effectRef idx="0">
-          <a:scrgbClr r="0" g="0" b="0"/>
-        </a:effectRef>
-        <a:fontRef idx="minor"/>
-      </dsp:style>
-      <dsp:txBody>
-        <a:bodyPr spcFirstLastPara="0" vert="horz" wrap="square" lIns="142240" tIns="25400" rIns="142240" bIns="25400" numCol="1" spcCol="1270" anchor="ctr" anchorCtr="0">
-          <a:noAutofit/>
-        </a:bodyPr>
-        <a:lstStyle/>
-        <a:p>
-          <a:pPr marL="0" lvl="0" indent="0" algn="ctr" defTabSz="889000">
-            <a:lnSpc>
-              <a:spcPct val="90000"/>
-            </a:lnSpc>
-            <a:spcBef>
-              <a:spcPct val="0"/>
-            </a:spcBef>
-            <a:spcAft>
-              <a:spcPct val="35000"/>
-            </a:spcAft>
-            <a:buNone/>
-          </a:pPr>
-          <a:r>
-            <a:rPr lang="en-US" sz="2000" kern="1200" dirty="0"/>
-            <a:t>Facility, OMRI, exports, freeport, </a:t>
-          </a:r>
-          <a:r>
-            <a:rPr lang="en-US" sz="2000" kern="1200" dirty="0" err="1"/>
-            <a:t>sac_index_rev</a:t>
-          </a:r>
-          <a:r>
-            <a:rPr lang="en-US" sz="2000" kern="1200" dirty="0"/>
-            <a:t>, </a:t>
-          </a:r>
-          <a:r>
-            <a:rPr lang="en-US" sz="2000" kern="1200" dirty="0" err="1"/>
-            <a:t>sj_index_prev</a:t>
-          </a:r>
-          <a:r>
-            <a:rPr lang="en-US" sz="2000" kern="1200" dirty="0"/>
-            <a:t>, &amp; sj_index_prev2</a:t>
-          </a:r>
-        </a:p>
-      </dsp:txBody>
-      <dsp:txXfrm>
-        <a:off x="0" y="2206375"/>
-        <a:ext cx="10515600" cy="494391"/>
-      </dsp:txXfrm>
-    </dsp:sp>
-    <dsp:sp modelId="{C0201FCD-78A5-4CED-94DC-EF45B15F5753}">
-      <dsp:nvSpPr>
-        <dsp:cNvPr id="0" name=""/>
-        <dsp:cNvSpPr/>
-      </dsp:nvSpPr>
-      <dsp:spPr>
-        <a:xfrm rot="10800000">
-          <a:off x="0" y="769"/>
-          <a:ext cx="10515600" cy="1653482"/>
-        </a:xfrm>
-        <a:prstGeom prst="upArrowCallout">
-          <a:avLst/>
-        </a:prstGeom>
-        <a:solidFill>
-          <a:schemeClr val="accent3">
-            <a:hueOff val="0"/>
-            <a:satOff val="0"/>
-            <a:lumOff val="0"/>
-            <a:alphaOff val="0"/>
-          </a:schemeClr>
-        </a:solidFill>
-        <a:ln w="19050" cap="flat" cmpd="sng" algn="ctr">
-          <a:solidFill>
-            <a:schemeClr val="lt1">
-              <a:hueOff val="0"/>
-              <a:satOff val="0"/>
-              <a:lumOff val="0"/>
-              <a:alphaOff val="0"/>
-            </a:schemeClr>
-          </a:solidFill>
-          <a:prstDash val="solid"/>
-          <a:miter lim="800000"/>
-        </a:ln>
-        <a:effectLst/>
-      </dsp:spPr>
-      <dsp:style>
-        <a:lnRef idx="2">
-          <a:scrgbClr r="0" g="0" b="0"/>
-        </a:lnRef>
-        <a:fillRef idx="1">
-          <a:scrgbClr r="0" g="0" b="0"/>
-        </a:fillRef>
-        <a:effectRef idx="0">
-          <a:scrgbClr r="0" g="0" b="0"/>
-        </a:effectRef>
-        <a:fontRef idx="minor">
-          <a:schemeClr val="lt1"/>
-        </a:fontRef>
-      </dsp:style>
-      <dsp:txBody>
-        <a:bodyPr spcFirstLastPara="0" vert="horz" wrap="square" lIns="170688" tIns="170688" rIns="170688" bIns="170688" numCol="1" spcCol="1270" anchor="ctr" anchorCtr="0">
-          <a:noAutofit/>
-        </a:bodyPr>
-        <a:lstStyle/>
-        <a:p>
-          <a:pPr marL="0" lvl="0" indent="0" algn="ctr" defTabSz="1066800">
-            <a:lnSpc>
-              <a:spcPct val="90000"/>
-            </a:lnSpc>
-            <a:spcBef>
-              <a:spcPct val="0"/>
-            </a:spcBef>
-            <a:spcAft>
-              <a:spcPct val="35000"/>
-            </a:spcAft>
-            <a:buNone/>
-          </a:pPr>
-          <a:r>
-            <a:rPr lang="en-US" sz="2400" kern="1200" dirty="0"/>
-            <a:t>Removed Collinear Variables</a:t>
-          </a:r>
-        </a:p>
-      </dsp:txBody>
-      <dsp:txXfrm rot="-10800000">
-        <a:off x="0" y="769"/>
-        <a:ext cx="10515600" cy="580372"/>
-      </dsp:txXfrm>
-    </dsp:sp>
-    <dsp:sp modelId="{25746FB0-B162-4B94-AF4D-C6EDE71AB553}">
-      <dsp:nvSpPr>
-        <dsp:cNvPr id="0" name=""/>
-        <dsp:cNvSpPr/>
-      </dsp:nvSpPr>
-      <dsp:spPr>
-        <a:xfrm>
-          <a:off x="0" y="581141"/>
-          <a:ext cx="10515600" cy="494391"/>
-        </a:xfrm>
-        <a:prstGeom prst="rect">
-          <a:avLst/>
-        </a:prstGeom>
-        <a:solidFill>
-          <a:schemeClr val="accent3">
-            <a:alpha val="90000"/>
-            <a:tint val="40000"/>
-            <a:hueOff val="0"/>
-            <a:satOff val="0"/>
-            <a:lumOff val="0"/>
-            <a:alphaOff val="0"/>
-          </a:schemeClr>
-        </a:solidFill>
-        <a:ln w="19050" cap="flat" cmpd="sng" algn="ctr">
-          <a:solidFill>
-            <a:schemeClr val="accent3">
-              <a:alpha val="90000"/>
-              <a:tint val="40000"/>
-              <a:hueOff val="0"/>
-              <a:satOff val="0"/>
-              <a:lumOff val="0"/>
-              <a:alphaOff val="0"/>
-            </a:schemeClr>
-          </a:solidFill>
-          <a:prstDash val="solid"/>
-          <a:miter lim="800000"/>
-        </a:ln>
-        <a:effectLst/>
-      </dsp:spPr>
-      <dsp:style>
-        <a:lnRef idx="2">
-          <a:scrgbClr r="0" g="0" b="0"/>
-        </a:lnRef>
-        <a:fillRef idx="1">
-          <a:scrgbClr r="0" g="0" b="0"/>
-        </a:fillRef>
-        <a:effectRef idx="0">
-          <a:scrgbClr r="0" g="0" b="0"/>
-        </a:effectRef>
-        <a:fontRef idx="minor"/>
-      </dsp:style>
-      <dsp:txBody>
-        <a:bodyPr spcFirstLastPara="0" vert="horz" wrap="square" lIns="142240" tIns="25400" rIns="142240" bIns="25400" numCol="1" spcCol="1270" anchor="ctr" anchorCtr="0">
-          <a:noAutofit/>
-        </a:bodyPr>
-        <a:lstStyle/>
-        <a:p>
-          <a:pPr marL="0" lvl="0" indent="0" algn="ctr" defTabSz="889000">
-            <a:lnSpc>
-              <a:spcPct val="90000"/>
-            </a:lnSpc>
-            <a:spcBef>
-              <a:spcPct val="0"/>
-            </a:spcBef>
-            <a:spcAft>
-              <a:spcPct val="35000"/>
-            </a:spcAft>
-            <a:buNone/>
-          </a:pPr>
-          <a:r>
-            <a:rPr lang="en-US" sz="2000" kern="1200" dirty="0" err="1"/>
-            <a:t>Vernalis</a:t>
-          </a:r>
-          <a:r>
-            <a:rPr lang="en-US" sz="2000" kern="1200" dirty="0"/>
-            <a:t>, sac_index_prev2</a:t>
-          </a:r>
-        </a:p>
-      </dsp:txBody>
-      <dsp:txXfrm>
-        <a:off x="0" y="581141"/>
-        <a:ext cx="10515600" cy="494391"/>
-      </dsp:txXfrm>
-    </dsp:sp>
-  </dsp:spTree>
-</dsp:drawing>
-</file>
-
-<file path=ppt/diagrams/drawing3.xml><?xml version="1.0" encoding="utf-8"?>
 <dsp:drawing xmlns:dgm="http://schemas.openxmlformats.org/drawingml/2006/diagram" xmlns:dsp="http://schemas.microsoft.com/office/drawing/2008/diagram" xmlns:a="http://schemas.openxmlformats.org/drawingml/2006/main">
   <dsp:spTree>
     <dsp:nvGrpSpPr>
@@ -6116,713 +2546,6 @@
 </file>
 
 <file path=ppt/diagrams/layout1.xml><?xml version="1.0" encoding="utf-8"?>
-<dgm:layoutDef xmlns:dgm="http://schemas.openxmlformats.org/drawingml/2006/diagram" xmlns:a="http://schemas.openxmlformats.org/drawingml/2006/main" uniqueId="urn:microsoft.com/office/officeart/2005/8/layout/hList9">
-  <dgm:title val=""/>
-  <dgm:desc val=""/>
-  <dgm:catLst>
-    <dgm:cat type="list" pri="8000"/>
-  </dgm:catLst>
-  <dgm:sampData>
-    <dgm:dataModel>
-      <dgm:ptLst>
-        <dgm:pt modelId="0" type="doc"/>
-        <dgm:pt modelId="1">
-          <dgm:prSet phldr="1"/>
-        </dgm:pt>
-        <dgm:pt modelId="11">
-          <dgm:prSet phldr="1"/>
-        </dgm:pt>
-        <dgm:pt modelId="12">
-          <dgm:prSet phldr="1"/>
-        </dgm:pt>
-        <dgm:pt modelId="2">
-          <dgm:prSet phldr="1"/>
-        </dgm:pt>
-        <dgm:pt modelId="21">
-          <dgm:prSet phldr="1"/>
-        </dgm:pt>
-        <dgm:pt modelId="22">
-          <dgm:prSet phldr="1"/>
-        </dgm:pt>
-      </dgm:ptLst>
-      <dgm:cxnLst>
-        <dgm:cxn modelId="3" srcId="0" destId="1" srcOrd="0" destOrd="0"/>
-        <dgm:cxn modelId="4" srcId="0" destId="2" srcOrd="1" destOrd="0"/>
-        <dgm:cxn modelId="13" srcId="1" destId="11" srcOrd="0" destOrd="0"/>
-        <dgm:cxn modelId="14" srcId="1" destId="12" srcOrd="0" destOrd="0"/>
-        <dgm:cxn modelId="23" srcId="2" destId="21" srcOrd="0" destOrd="0"/>
-        <dgm:cxn modelId="24" srcId="2" destId="22" srcOrd="0" destOrd="0"/>
-      </dgm:cxnLst>
-      <dgm:bg/>
-      <dgm:whole/>
-    </dgm:dataModel>
-  </dgm:sampData>
-  <dgm:styleData>
-    <dgm:dataModel>
-      <dgm:ptLst>
-        <dgm:pt modelId="0" type="doc"/>
-        <dgm:pt modelId="1"/>
-        <dgm:pt modelId="2"/>
-      </dgm:ptLst>
-      <dgm:cxnLst>
-        <dgm:cxn modelId="3" srcId="0" destId="1" srcOrd="0" destOrd="0"/>
-        <dgm:cxn modelId="4" srcId="1" destId="2" srcOrd="0" destOrd="0"/>
-      </dgm:cxnLst>
-      <dgm:bg/>
-      <dgm:whole/>
-    </dgm:dataModel>
-  </dgm:styleData>
-  <dgm:clrData>
-    <dgm:dataModel>
-      <dgm:ptLst>
-        <dgm:pt modelId="0" type="doc"/>
-        <dgm:pt modelId="1"/>
-        <dgm:pt modelId="11"/>
-        <dgm:pt modelId="12"/>
-        <dgm:pt modelId="13"/>
-        <dgm:pt modelId="14"/>
-        <dgm:pt modelId="2"/>
-        <dgm:pt modelId="21"/>
-        <dgm:pt modelId="22"/>
-        <dgm:pt modelId="23"/>
-        <dgm:pt modelId="24"/>
-        <dgm:pt modelId="3"/>
-        <dgm:pt modelId="31"/>
-        <dgm:pt modelId="32"/>
-        <dgm:pt modelId="33"/>
-        <dgm:pt modelId="34"/>
-      </dgm:ptLst>
-      <dgm:cxnLst>
-        <dgm:cxn modelId="4" srcId="0" destId="1" srcOrd="0" destOrd="0"/>
-        <dgm:cxn modelId="5" srcId="0" destId="2" srcOrd="1" destOrd="0"/>
-        <dgm:cxn modelId="6" srcId="0" destId="3" srcOrd="1" destOrd="0"/>
-        <dgm:cxn modelId="15" srcId="1" destId="11" srcOrd="0" destOrd="0"/>
-        <dgm:cxn modelId="16" srcId="1" destId="12" srcOrd="0" destOrd="0"/>
-        <dgm:cxn modelId="17" srcId="1" destId="13" srcOrd="0" destOrd="0"/>
-        <dgm:cxn modelId="18" srcId="1" destId="14" srcOrd="0" destOrd="0"/>
-        <dgm:cxn modelId="25" srcId="2" destId="21" srcOrd="0" destOrd="0"/>
-        <dgm:cxn modelId="26" srcId="2" destId="22" srcOrd="0" destOrd="0"/>
-        <dgm:cxn modelId="27" srcId="2" destId="23" srcOrd="0" destOrd="0"/>
-        <dgm:cxn modelId="28" srcId="2" destId="24" srcOrd="0" destOrd="0"/>
-        <dgm:cxn modelId="35" srcId="3" destId="31" srcOrd="0" destOrd="0"/>
-        <dgm:cxn modelId="36" srcId="3" destId="32" srcOrd="0" destOrd="0"/>
-        <dgm:cxn modelId="37" srcId="3" destId="33" srcOrd="0" destOrd="0"/>
-        <dgm:cxn modelId="38" srcId="3" destId="34" srcOrd="0" destOrd="0"/>
-      </dgm:cxnLst>
-      <dgm:bg/>
-      <dgm:whole/>
-    </dgm:dataModel>
-  </dgm:clrData>
-  <dgm:layoutNode name="list">
-    <dgm:varLst>
-      <dgm:dir/>
-      <dgm:animLvl val="lvl"/>
-    </dgm:varLst>
-    <dgm:choose name="Name0">
-      <dgm:if name="Name1" func="var" arg="dir" op="equ" val="norm">
-        <dgm:alg type="lin">
-          <dgm:param type="linDir" val="fromL"/>
-          <dgm:param type="fallback" val="2D"/>
-          <dgm:param type="nodeVertAlign" val="t"/>
-        </dgm:alg>
-      </dgm:if>
-      <dgm:else name="Name2">
-        <dgm:alg type="lin">
-          <dgm:param type="linDir" val="fromR"/>
-          <dgm:param type="fallback" val="2D"/>
-          <dgm:param type="nodeVertAlign" val="t"/>
-        </dgm:alg>
-      </dgm:else>
-    </dgm:choose>
-    <dgm:shape xmlns:r="http://schemas.openxmlformats.org/officeDocument/2006/relationships" r:blip="">
-      <dgm:adjLst/>
-    </dgm:shape>
-    <dgm:presOf/>
-    <dgm:constrLst>
-      <dgm:constr type="w" for="ch" forName="circle" refType="w" fact="0.5"/>
-      <dgm:constr type="w" for="ch" forName="vertFlow" refType="w" fact="0.75"/>
-      <dgm:constr type="h" for="des" forName="firstComp" refType="w" refFor="ch" refForName="vertFlow" fact="0.667"/>
-      <dgm:constr type="h" for="des" forName="comp" refType="h" refFor="des" refForName="firstComp" op="equ"/>
-      <dgm:constr type="h" for="des" forName="topSpace" refType="w" refFor="ch" refForName="circle" op="equ" fact="0.4"/>
-      <dgm:constr type="w" for="ch" forName="posSpace" refType="w" fact="0.4"/>
-      <dgm:constr type="w" for="ch" forName="negSpace" refType="w" fact="-1.15"/>
-      <dgm:constr type="w" for="ch" forName="transSpace" refType="w" fact="0.75"/>
-      <dgm:constr type="primFontSz" for="ch" forName="circle" op="equ" val="65"/>
-      <dgm:constr type="primFontSz" for="des" forName="firstChildTx" val="65"/>
-      <dgm:constr type="primFontSz" for="des" forName="childTx" refType="primFontSz" refFor="des" refForName="firstChildTx" op="equ"/>
-    </dgm:constrLst>
-    <dgm:ruleLst/>
-    <dgm:forEach name="Name3" axis="ch" ptType="node">
-      <dgm:layoutNode name="posSpace">
-        <dgm:alg type="sp"/>
-        <dgm:shape xmlns:r="http://schemas.openxmlformats.org/officeDocument/2006/relationships" r:blip="">
-          <dgm:adjLst/>
-        </dgm:shape>
-        <dgm:presOf/>
-        <dgm:constrLst/>
-        <dgm:ruleLst/>
-      </dgm:layoutNode>
-      <dgm:layoutNode name="vertFlow">
-        <dgm:alg type="lin">
-          <dgm:param type="linDir" val="fromT"/>
-        </dgm:alg>
-        <dgm:shape xmlns:r="http://schemas.openxmlformats.org/officeDocument/2006/relationships" r:blip="">
-          <dgm:adjLst/>
-        </dgm:shape>
-        <dgm:presOf/>
-        <dgm:constrLst>
-          <dgm:constr type="w" for="ch" forName="firstComp" refType="w"/>
-          <dgm:constr type="w" for="ch" forName="comp" refType="w"/>
-        </dgm:constrLst>
-        <dgm:ruleLst/>
-        <dgm:layoutNode name="topSpace">
-          <dgm:alg type="sp"/>
-          <dgm:shape xmlns:r="http://schemas.openxmlformats.org/officeDocument/2006/relationships" r:blip="">
-            <dgm:adjLst/>
-          </dgm:shape>
-          <dgm:presOf/>
-          <dgm:constrLst/>
-          <dgm:ruleLst/>
-        </dgm:layoutNode>
-        <dgm:layoutNode name="firstComp">
-          <dgm:alg type="composite"/>
-          <dgm:shape xmlns:r="http://schemas.openxmlformats.org/officeDocument/2006/relationships" r:blip="">
-            <dgm:adjLst/>
-          </dgm:shape>
-          <dgm:presOf/>
-          <dgm:choose name="Name4">
-            <dgm:if name="Name5" func="var" arg="dir" op="equ" val="norm">
-              <dgm:constrLst>
-                <dgm:constr type="l" for="ch" forName="firstChild"/>
-                <dgm:constr type="t" for="ch" forName="firstChild"/>
-                <dgm:constr type="w" for="ch" forName="firstChild" refType="w"/>
-                <dgm:constr type="h" for="ch" forName="firstChild" refType="h"/>
-                <dgm:constr type="l" for="ch" forName="firstChildTx" refType="w" fact="0.16"/>
-                <dgm:constr type="r" for="ch" forName="firstChildTx" refType="w"/>
-                <dgm:constr type="h" for="ch" forName="firstChildTx" refFor="ch" refForName="firstChild" op="equ"/>
-              </dgm:constrLst>
-            </dgm:if>
-            <dgm:else name="Name6">
-              <dgm:constrLst>
-                <dgm:constr type="l" for="ch" forName="firstChild"/>
-                <dgm:constr type="t" for="ch" forName="firstChild"/>
-                <dgm:constr type="w" for="ch" forName="firstChild" refType="w"/>
-                <dgm:constr type="h" for="ch" forName="firstChild" refType="h"/>
-                <dgm:constr type="l" for="ch" forName="firstChildTx"/>
-                <dgm:constr type="r" for="ch" forName="firstChildTx" refType="w" fact="0.825"/>
-                <dgm:constr type="h" for="ch" forName="firstChildTx" refFor="ch" refForName="firstChild" op="equ"/>
-              </dgm:constrLst>
-            </dgm:else>
-          </dgm:choose>
-          <dgm:ruleLst/>
-          <dgm:layoutNode name="firstChild" styleLbl="bgAccFollowNode1">
-            <dgm:alg type="sp"/>
-            <dgm:shape xmlns:r="http://schemas.openxmlformats.org/officeDocument/2006/relationships" type="rect" r:blip="">
-              <dgm:adjLst/>
-            </dgm:shape>
-            <dgm:presOf axis="ch desOrSelf" ptType="node node" cnt="1 0"/>
-            <dgm:constrLst/>
-            <dgm:ruleLst/>
-          </dgm:layoutNode>
-          <dgm:layoutNode name="firstChildTx" styleLbl="bgAccFollowNode1">
-            <dgm:varLst>
-              <dgm:bulletEnabled val="1"/>
-            </dgm:varLst>
-            <dgm:alg type="tx">
-              <dgm:param type="parTxLTRAlign" val="l"/>
-            </dgm:alg>
-            <dgm:shape xmlns:r="http://schemas.openxmlformats.org/officeDocument/2006/relationships" type="rect" r:blip="" hideGeom="1">
-              <dgm:adjLst/>
-            </dgm:shape>
-            <dgm:presOf axis="ch desOrSelf" ptType="node node" cnt="1 0"/>
-            <dgm:choose name="Name7">
-              <dgm:if name="Name8" func="var" arg="dir" op="equ" val="norm">
-                <dgm:constrLst>
-                  <dgm:constr type="primFontSz" val="65"/>
-                  <dgm:constr type="lMarg"/>
-                </dgm:constrLst>
-              </dgm:if>
-              <dgm:else name="Name9">
-                <dgm:constrLst>
-                  <dgm:constr type="primFontSz" val="65"/>
-                  <dgm:constr type="rMarg"/>
-                </dgm:constrLst>
-              </dgm:else>
-            </dgm:choose>
-            <dgm:ruleLst>
-              <dgm:rule type="primFontSz" val="5" fact="NaN" max="NaN"/>
-            </dgm:ruleLst>
-          </dgm:layoutNode>
-        </dgm:layoutNode>
-        <dgm:forEach name="Name10" axis="ch" ptType="node" st="2">
-          <dgm:layoutNode name="comp">
-            <dgm:alg type="composite"/>
-            <dgm:shape xmlns:r="http://schemas.openxmlformats.org/officeDocument/2006/relationships" r:blip="">
-              <dgm:adjLst/>
-            </dgm:shape>
-            <dgm:presOf/>
-            <dgm:choose name="Name11">
-              <dgm:if name="Name12" func="var" arg="dir" op="equ" val="norm">
-                <dgm:constrLst>
-                  <dgm:constr type="l" for="ch" forName="child"/>
-                  <dgm:constr type="t" for="ch" forName="child"/>
-                  <dgm:constr type="w" for="ch" forName="child" refType="w"/>
-                  <dgm:constr type="h" for="ch" forName="child" refType="h"/>
-                  <dgm:constr type="l" for="ch" forName="childTx" refType="w" fact="0.16"/>
-                  <dgm:constr type="r" for="ch" forName="childTx" refType="w"/>
-                  <dgm:constr type="h" for="ch" forName="childTx" refFor="ch" refForName="child" op="equ"/>
-                </dgm:constrLst>
-              </dgm:if>
-              <dgm:else name="Name13">
-                <dgm:constrLst>
-                  <dgm:constr type="l" for="ch" forName="child"/>
-                  <dgm:constr type="t" for="ch" forName="child"/>
-                  <dgm:constr type="w" for="ch" forName="child" refType="w"/>
-                  <dgm:constr type="h" for="ch" forName="child" refType="h"/>
-                  <dgm:constr type="l" for="ch" forName="childTx"/>
-                  <dgm:constr type="r" for="ch" forName="childTx" refType="w" fact="0.825"/>
-                  <dgm:constr type="h" for="ch" forName="childTx" refFor="ch" refForName="child" op="equ"/>
-                </dgm:constrLst>
-              </dgm:else>
-            </dgm:choose>
-            <dgm:ruleLst/>
-            <dgm:layoutNode name="child" styleLbl="bgAccFollowNode1">
-              <dgm:alg type="sp"/>
-              <dgm:shape xmlns:r="http://schemas.openxmlformats.org/officeDocument/2006/relationships" type="rect" r:blip="">
-                <dgm:adjLst/>
-              </dgm:shape>
-              <dgm:presOf axis="desOrSelf" ptType="node"/>
-              <dgm:constrLst/>
-              <dgm:ruleLst/>
-            </dgm:layoutNode>
-            <dgm:layoutNode name="childTx" styleLbl="bgAccFollowNode1">
-              <dgm:varLst>
-                <dgm:bulletEnabled val="1"/>
-              </dgm:varLst>
-              <dgm:alg type="tx">
-                <dgm:param type="parTxLTRAlign" val="l"/>
-              </dgm:alg>
-              <dgm:shape xmlns:r="http://schemas.openxmlformats.org/officeDocument/2006/relationships" type="rect" r:blip="" hideGeom="1">
-                <dgm:adjLst/>
-              </dgm:shape>
-              <dgm:presOf axis="desOrSelf" ptType="node"/>
-              <dgm:choose name="Name14">
-                <dgm:if name="Name15" func="var" arg="dir" op="equ" val="norm">
-                  <dgm:constrLst>
-                    <dgm:constr type="primFontSz" val="65"/>
-                    <dgm:constr type="lMarg"/>
-                  </dgm:constrLst>
-                </dgm:if>
-                <dgm:else name="Name16">
-                  <dgm:constrLst>
-                    <dgm:constr type="primFontSz" val="65"/>
-                    <dgm:constr type="rMarg"/>
-                  </dgm:constrLst>
-                </dgm:else>
-              </dgm:choose>
-              <dgm:ruleLst>
-                <dgm:rule type="primFontSz" val="5" fact="NaN" max="NaN"/>
-              </dgm:ruleLst>
-            </dgm:layoutNode>
-          </dgm:layoutNode>
-        </dgm:forEach>
-      </dgm:layoutNode>
-      <dgm:layoutNode name="negSpace">
-        <dgm:alg type="sp"/>
-        <dgm:shape xmlns:r="http://schemas.openxmlformats.org/officeDocument/2006/relationships" r:blip="">
-          <dgm:adjLst/>
-        </dgm:shape>
-        <dgm:presOf/>
-        <dgm:constrLst/>
-        <dgm:ruleLst/>
-      </dgm:layoutNode>
-      <dgm:layoutNode name="circle" styleLbl="node1">
-        <dgm:alg type="tx"/>
-        <dgm:shape xmlns:r="http://schemas.openxmlformats.org/officeDocument/2006/relationships" type="ellipse" r:blip="">
-          <dgm:adjLst/>
-        </dgm:shape>
-        <dgm:presOf axis="self"/>
-        <dgm:constrLst>
-          <dgm:constr type="lMarg"/>
-          <dgm:constr type="rMarg"/>
-          <dgm:constr type="tMarg"/>
-          <dgm:constr type="bMarg"/>
-          <dgm:constr type="h" refType="w"/>
-        </dgm:constrLst>
-        <dgm:ruleLst>
-          <dgm:rule type="primFontSz" val="5" fact="NaN" max="NaN"/>
-        </dgm:ruleLst>
-      </dgm:layoutNode>
-      <dgm:forEach name="Name17" axis="followSib" ptType="sibTrans" cnt="1">
-        <dgm:layoutNode name="transSpace">
-          <dgm:alg type="sp"/>
-          <dgm:shape xmlns:r="http://schemas.openxmlformats.org/officeDocument/2006/relationships" r:blip="">
-            <dgm:adjLst/>
-          </dgm:shape>
-          <dgm:presOf/>
-          <dgm:constrLst/>
-          <dgm:ruleLst/>
-        </dgm:layoutNode>
-      </dgm:forEach>
-    </dgm:forEach>
-  </dgm:layoutNode>
-</dgm:layoutDef>
-</file>
-
-<file path=ppt/diagrams/layout2.xml><?xml version="1.0" encoding="utf-8"?>
-<dgm:layoutDef xmlns:dgm="http://schemas.openxmlformats.org/drawingml/2006/diagram" xmlns:a="http://schemas.openxmlformats.org/drawingml/2006/main" uniqueId="urn:microsoft.com/office/officeart/2005/8/layout/process4">
-  <dgm:title val=""/>
-  <dgm:desc val=""/>
-  <dgm:catLst>
-    <dgm:cat type="process" pri="16000"/>
-    <dgm:cat type="list" pri="20000"/>
-  </dgm:catLst>
-  <dgm:sampData>
-    <dgm:dataModel>
-      <dgm:ptLst>
-        <dgm:pt modelId="0" type="doc"/>
-        <dgm:pt modelId="1">
-          <dgm:prSet phldr="1"/>
-        </dgm:pt>
-        <dgm:pt modelId="11">
-          <dgm:prSet phldr="1"/>
-        </dgm:pt>
-        <dgm:pt modelId="12">
-          <dgm:prSet phldr="1"/>
-        </dgm:pt>
-        <dgm:pt modelId="2">
-          <dgm:prSet phldr="1"/>
-        </dgm:pt>
-        <dgm:pt modelId="21">
-          <dgm:prSet phldr="1"/>
-        </dgm:pt>
-        <dgm:pt modelId="22">
-          <dgm:prSet phldr="1"/>
-        </dgm:pt>
-        <dgm:pt modelId="3">
-          <dgm:prSet phldr="1"/>
-        </dgm:pt>
-        <dgm:pt modelId="31">
-          <dgm:prSet phldr="1"/>
-        </dgm:pt>
-        <dgm:pt modelId="32">
-          <dgm:prSet phldr="1"/>
-        </dgm:pt>
-      </dgm:ptLst>
-      <dgm:cxnLst>
-        <dgm:cxn modelId="4" srcId="0" destId="1" srcOrd="0" destOrd="0"/>
-        <dgm:cxn modelId="5" srcId="0" destId="2" srcOrd="1" destOrd="0"/>
-        <dgm:cxn modelId="6" srcId="0" destId="3" srcOrd="2" destOrd="0"/>
-        <dgm:cxn modelId="13" srcId="1" destId="11" srcOrd="0" destOrd="0"/>
-        <dgm:cxn modelId="14" srcId="1" destId="12" srcOrd="1" destOrd="0"/>
-        <dgm:cxn modelId="23" srcId="2" destId="21" srcOrd="0" destOrd="0"/>
-        <dgm:cxn modelId="24" srcId="2" destId="22" srcOrd="1" destOrd="0"/>
-        <dgm:cxn modelId="33" srcId="3" destId="31" srcOrd="0" destOrd="0"/>
-        <dgm:cxn modelId="34" srcId="3" destId="32" srcOrd="1" destOrd="0"/>
-      </dgm:cxnLst>
-      <dgm:bg/>
-      <dgm:whole/>
-    </dgm:dataModel>
-  </dgm:sampData>
-  <dgm:styleData>
-    <dgm:dataModel>
-      <dgm:ptLst>
-        <dgm:pt modelId="0" type="doc"/>
-        <dgm:pt modelId="1"/>
-        <dgm:pt modelId="11"/>
-        <dgm:pt modelId="2"/>
-        <dgm:pt modelId="21"/>
-      </dgm:ptLst>
-      <dgm:cxnLst>
-        <dgm:cxn modelId="4" srcId="0" destId="1" srcOrd="0" destOrd="0"/>
-        <dgm:cxn modelId="5" srcId="0" destId="2" srcOrd="1" destOrd="0"/>
-        <dgm:cxn modelId="13" srcId="1" destId="11" srcOrd="0" destOrd="0"/>
-        <dgm:cxn modelId="23" srcId="2" destId="21" srcOrd="0" destOrd="0"/>
-      </dgm:cxnLst>
-      <dgm:bg/>
-      <dgm:whole/>
-    </dgm:dataModel>
-  </dgm:styleData>
-  <dgm:clrData>
-    <dgm:dataModel>
-      <dgm:ptLst>
-        <dgm:pt modelId="0" type="doc"/>
-        <dgm:pt modelId="1"/>
-        <dgm:pt modelId="11"/>
-        <dgm:pt modelId="2"/>
-        <dgm:pt modelId="21"/>
-        <dgm:pt modelId="3"/>
-        <dgm:pt modelId="31"/>
-        <dgm:pt modelId="4"/>
-        <dgm:pt modelId="41"/>
-      </dgm:ptLst>
-      <dgm:cxnLst>
-        <dgm:cxn modelId="5" srcId="0" destId="1" srcOrd="0" destOrd="0"/>
-        <dgm:cxn modelId="6" srcId="0" destId="2" srcOrd="1" destOrd="0"/>
-        <dgm:cxn modelId="7" srcId="0" destId="3" srcOrd="2" destOrd="0"/>
-        <dgm:cxn modelId="8" srcId="0" destId="4" srcOrd="3" destOrd="0"/>
-        <dgm:cxn modelId="13" srcId="1" destId="11" srcOrd="0" destOrd="0"/>
-        <dgm:cxn modelId="23" srcId="2" destId="21" srcOrd="0" destOrd="0"/>
-        <dgm:cxn modelId="33" srcId="3" destId="31" srcOrd="0" destOrd="0"/>
-        <dgm:cxn modelId="43" srcId="4" destId="41" srcOrd="0" destOrd="0"/>
-      </dgm:cxnLst>
-      <dgm:bg/>
-      <dgm:whole/>
-    </dgm:dataModel>
-  </dgm:clrData>
-  <dgm:layoutNode name="Name0">
-    <dgm:varLst>
-      <dgm:dir/>
-      <dgm:animLvl val="lvl"/>
-      <dgm:resizeHandles val="exact"/>
-    </dgm:varLst>
-    <dgm:alg type="lin">
-      <dgm:param type="linDir" val="fromB"/>
-    </dgm:alg>
-    <dgm:shape xmlns:r="http://schemas.openxmlformats.org/officeDocument/2006/relationships" r:blip="">
-      <dgm:adjLst/>
-    </dgm:shape>
-    <dgm:presOf/>
-    <dgm:constrLst>
-      <dgm:constr type="h" for="ch" forName="boxAndChildren" refType="h"/>
-      <dgm:constr type="h" for="ch" forName="arrowAndChildren" refType="h" refFor="ch" refForName="boxAndChildren" op="equ" fact="1.538"/>
-      <dgm:constr type="w" for="ch" forName="arrowAndChildren" refType="w"/>
-      <dgm:constr type="w" for="ch" forName="boxAndChildren" refType="w"/>
-      <dgm:constr type="h" for="ch" forName="sp" refType="h" fact="-0.015"/>
-      <dgm:constr type="primFontSz" for="des" forName="parentTextBox" val="65"/>
-      <dgm:constr type="primFontSz" for="des" forName="parentTextArrow" refType="primFontSz" refFor="des" refForName="parentTextBox" op="equ"/>
-      <dgm:constr type="primFontSz" for="des" forName="childTextArrow" val="65"/>
-      <dgm:constr type="primFontSz" for="des" forName="childTextBox" refType="primFontSz" refFor="des" refForName="childTextArrow" op="equ"/>
-    </dgm:constrLst>
-    <dgm:ruleLst/>
-    <dgm:forEach name="Name1" axis="ch" ptType="node" st="-1" step="-1">
-      <dgm:choose name="Name2">
-        <dgm:if name="Name3" axis="self" ptType="node" func="revPos" op="equ" val="1">
-          <dgm:layoutNode name="boxAndChildren">
-            <dgm:alg type="composite"/>
-            <dgm:shape xmlns:r="http://schemas.openxmlformats.org/officeDocument/2006/relationships" r:blip="">
-              <dgm:adjLst/>
-            </dgm:shape>
-            <dgm:presOf/>
-            <dgm:choose name="Name4">
-              <dgm:if name="Name5" axis="ch" ptType="node" func="cnt" op="gte" val="1">
-                <dgm:constrLst>
-                  <dgm:constr type="w" for="ch" forName="parentTextBox" refType="w"/>
-                  <dgm:constr type="h" for="ch" forName="parentTextBox" refType="h" fact="0.54"/>
-                  <dgm:constr type="t" for="ch" forName="parentTextBox"/>
-                  <dgm:constr type="w" for="ch" forName="entireBox" refType="w"/>
-                  <dgm:constr type="h" for="ch" forName="entireBox" refType="h"/>
-                  <dgm:constr type="w" for="ch" forName="descendantBox" refType="w"/>
-                  <dgm:constr type="b" for="ch" forName="descendantBox" refType="h" fact="0.98"/>
-                  <dgm:constr type="h" for="ch" forName="descendantBox" refType="h" fact="0.46"/>
-                </dgm:constrLst>
-              </dgm:if>
-              <dgm:else name="Name6">
-                <dgm:constrLst>
-                  <dgm:constr type="w" for="ch" forName="parentTextBox" refType="w"/>
-                  <dgm:constr type="h" for="ch" forName="parentTextBox" refType="h"/>
-                </dgm:constrLst>
-              </dgm:else>
-            </dgm:choose>
-            <dgm:ruleLst/>
-            <dgm:layoutNode name="parentTextBox">
-              <dgm:alg type="tx"/>
-              <dgm:choose name="Name7">
-                <dgm:if name="Name8" axis="ch" ptType="node" func="cnt" op="gte" val="1">
-                  <dgm:shape xmlns:r="http://schemas.openxmlformats.org/officeDocument/2006/relationships" type="rect" r:blip="" zOrderOff="1" hideGeom="1">
-                    <dgm:adjLst/>
-                  </dgm:shape>
-                </dgm:if>
-                <dgm:else name="Name9">
-                  <dgm:shape xmlns:r="http://schemas.openxmlformats.org/officeDocument/2006/relationships" type="rect" r:blip="">
-                    <dgm:adjLst/>
-                  </dgm:shape>
-                </dgm:else>
-              </dgm:choose>
-              <dgm:presOf axis="self"/>
-              <dgm:constrLst/>
-              <dgm:ruleLst>
-                <dgm:rule type="primFontSz" val="5" fact="NaN" max="NaN"/>
-              </dgm:ruleLst>
-            </dgm:layoutNode>
-            <dgm:choose name="Name10">
-              <dgm:if name="Name11" axis="ch" ptType="node" func="cnt" op="gte" val="1">
-                <dgm:layoutNode name="entireBox">
-                  <dgm:alg type="sp"/>
-                  <dgm:shape xmlns:r="http://schemas.openxmlformats.org/officeDocument/2006/relationships" type="rect" r:blip="">
-                    <dgm:adjLst/>
-                  </dgm:shape>
-                  <dgm:presOf axis="self"/>
-                  <dgm:constrLst/>
-                  <dgm:ruleLst/>
-                </dgm:layoutNode>
-                <dgm:layoutNode name="descendantBox" styleLbl="fgAccFollowNode1">
-                  <dgm:choose name="Name12">
-                    <dgm:if name="Name13" func="var" arg="dir" op="equ" val="norm">
-                      <dgm:alg type="lin"/>
-                    </dgm:if>
-                    <dgm:else name="Name14">
-                      <dgm:alg type="lin">
-                        <dgm:param type="linDir" val="fromR"/>
-                      </dgm:alg>
-                    </dgm:else>
-                  </dgm:choose>
-                  <dgm:shape xmlns:r="http://schemas.openxmlformats.org/officeDocument/2006/relationships" r:blip="">
-                    <dgm:adjLst/>
-                  </dgm:shape>
-                  <dgm:presOf/>
-                  <dgm:constrLst>
-                    <dgm:constr type="w" for="ch" forName="childTextBox" refType="w"/>
-                    <dgm:constr type="h" for="ch" forName="childTextBox" refType="h"/>
-                  </dgm:constrLst>
-                  <dgm:ruleLst/>
-                  <dgm:forEach name="Name15" axis="ch" ptType="node">
-                    <dgm:layoutNode name="childTextBox" styleLbl="fgAccFollowNode1">
-                      <dgm:varLst>
-                        <dgm:bulletEnabled val="1"/>
-                      </dgm:varLst>
-                      <dgm:alg type="tx"/>
-                      <dgm:shape xmlns:r="http://schemas.openxmlformats.org/officeDocument/2006/relationships" type="rect" r:blip="">
-                        <dgm:adjLst/>
-                      </dgm:shape>
-                      <dgm:presOf axis="desOrSelf" ptType="node"/>
-                      <dgm:constrLst>
-                        <dgm:constr type="tMarg" refType="primFontSz" fact="0.1"/>
-                        <dgm:constr type="bMarg" refType="primFontSz" fact="0.1"/>
-                      </dgm:constrLst>
-                      <dgm:ruleLst>
-                        <dgm:rule type="primFontSz" val="5" fact="NaN" max="NaN"/>
-                      </dgm:ruleLst>
-                    </dgm:layoutNode>
-                  </dgm:forEach>
-                </dgm:layoutNode>
-              </dgm:if>
-              <dgm:else name="Name16"/>
-            </dgm:choose>
-          </dgm:layoutNode>
-        </dgm:if>
-        <dgm:else name="Name17">
-          <dgm:layoutNode name="arrowAndChildren">
-            <dgm:alg type="composite"/>
-            <dgm:shape xmlns:r="http://schemas.openxmlformats.org/officeDocument/2006/relationships" r:blip="">
-              <dgm:adjLst/>
-            </dgm:shape>
-            <dgm:presOf/>
-            <dgm:choose name="Name18">
-              <dgm:if name="Name19" axis="ch" ptType="node" func="cnt" op="gte" val="1">
-                <dgm:constrLst>
-                  <dgm:constr type="w" for="ch" forName="parentTextArrow" refType="w"/>
-                  <dgm:constr type="t" for="ch" forName="parentTextArrow"/>
-                  <dgm:constr type="h" for="ch" forName="parentTextArrow" refType="h" fact="0.351"/>
-                  <dgm:constr type="w" for="ch" forName="arrow" refType="w"/>
-                  <dgm:constr type="h" for="ch" forName="arrow" refType="h"/>
-                  <dgm:constr type="w" for="ch" forName="descendantArrow" refType="w"/>
-                  <dgm:constr type="b" for="ch" forName="descendantArrow" refType="h" fact="0.65"/>
-                  <dgm:constr type="h" for="ch" forName="descendantArrow" refType="h" fact="0.299"/>
-                </dgm:constrLst>
-              </dgm:if>
-              <dgm:else name="Name20">
-                <dgm:constrLst>
-                  <dgm:constr type="w" for="ch" forName="parentTextArrow" refType="w"/>
-                  <dgm:constr type="h" for="ch" forName="parentTextArrow" refType="h"/>
-                </dgm:constrLst>
-              </dgm:else>
-            </dgm:choose>
-            <dgm:ruleLst/>
-            <dgm:layoutNode name="parentTextArrow">
-              <dgm:alg type="tx"/>
-              <dgm:choose name="Name21">
-                <dgm:if name="Name22" axis="ch" ptType="node" func="cnt" op="gte" val="1">
-                  <dgm:shape xmlns:r="http://schemas.openxmlformats.org/officeDocument/2006/relationships" type="rect" r:blip="" zOrderOff="1" hideGeom="1">
-                    <dgm:adjLst/>
-                  </dgm:shape>
-                </dgm:if>
-                <dgm:else name="Name23">
-                  <dgm:shape xmlns:r="http://schemas.openxmlformats.org/officeDocument/2006/relationships" rot="180" type="upArrowCallout" r:blip="">
-                    <dgm:adjLst/>
-                  </dgm:shape>
-                </dgm:else>
-              </dgm:choose>
-              <dgm:presOf axis="self"/>
-              <dgm:constrLst/>
-              <dgm:ruleLst>
-                <dgm:rule type="primFontSz" val="5" fact="NaN" max="NaN"/>
-              </dgm:ruleLst>
-            </dgm:layoutNode>
-            <dgm:choose name="Name24">
-              <dgm:if name="Name25" axis="ch" ptType="node" func="cnt" op="gte" val="1">
-                <dgm:layoutNode name="arrow">
-                  <dgm:alg type="sp"/>
-                  <dgm:shape xmlns:r="http://schemas.openxmlformats.org/officeDocument/2006/relationships" rot="180" type="upArrowCallout" r:blip="">
-                    <dgm:adjLst/>
-                  </dgm:shape>
-                  <dgm:presOf axis="self"/>
-                  <dgm:constrLst/>
-                  <dgm:ruleLst/>
-                </dgm:layoutNode>
-                <dgm:layoutNode name="descendantArrow">
-                  <dgm:choose name="Name26">
-                    <dgm:if name="Name27" func="var" arg="dir" op="equ" val="norm">
-                      <dgm:alg type="lin"/>
-                    </dgm:if>
-                    <dgm:else name="Name28">
-                      <dgm:alg type="lin">
-                        <dgm:param type="linDir" val="fromR"/>
-                      </dgm:alg>
-                    </dgm:else>
-                  </dgm:choose>
-                  <dgm:shape xmlns:r="http://schemas.openxmlformats.org/officeDocument/2006/relationships" r:blip="">
-                    <dgm:adjLst/>
-                  </dgm:shape>
-                  <dgm:presOf/>
-                  <dgm:constrLst>
-                    <dgm:constr type="w" for="ch" forName="childTextArrow" refType="w"/>
-                    <dgm:constr type="h" for="ch" forName="childTextArrow" refType="h"/>
-                  </dgm:constrLst>
-                  <dgm:ruleLst/>
-                  <dgm:forEach name="Name29" axis="ch" ptType="node">
-                    <dgm:layoutNode name="childTextArrow" styleLbl="fgAccFollowNode1">
-                      <dgm:varLst>
-                        <dgm:bulletEnabled val="1"/>
-                      </dgm:varLst>
-                      <dgm:alg type="tx"/>
-                      <dgm:shape xmlns:r="http://schemas.openxmlformats.org/officeDocument/2006/relationships" type="rect" r:blip="">
-                        <dgm:adjLst/>
-                      </dgm:shape>
-                      <dgm:presOf axis="desOrSelf" ptType="node"/>
-                      <dgm:constrLst>
-                        <dgm:constr type="tMarg" refType="primFontSz" fact="0.1"/>
-                        <dgm:constr type="bMarg" refType="primFontSz" fact="0.1"/>
-                      </dgm:constrLst>
-                      <dgm:ruleLst>
-                        <dgm:rule type="primFontSz" val="5" fact="NaN" max="NaN"/>
-                      </dgm:ruleLst>
-                    </dgm:layoutNode>
-                  </dgm:forEach>
-                </dgm:layoutNode>
-              </dgm:if>
-              <dgm:else name="Name30"/>
-            </dgm:choose>
-          </dgm:layoutNode>
-        </dgm:else>
-      </dgm:choose>
-      <dgm:forEach name="Name31" axis="precedSib" ptType="sibTrans" st="-1" cnt="1">
-        <dgm:layoutNode name="sp">
-          <dgm:alg type="sp"/>
-          <dgm:shape xmlns:r="http://schemas.openxmlformats.org/officeDocument/2006/relationships" r:blip="">
-            <dgm:adjLst/>
-          </dgm:shape>
-          <dgm:presOf axis="self"/>
-          <dgm:constrLst/>
-          <dgm:ruleLst/>
-        </dgm:layoutNode>
-      </dgm:forEach>
-    </dgm:forEach>
-  </dgm:layoutNode>
-</dgm:layoutDef>
-</file>
-
-<file path=ppt/diagrams/layout3.xml><?xml version="1.0" encoding="utf-8"?>
 <dgm:layoutDef xmlns:dgm="http://schemas.openxmlformats.org/drawingml/2006/diagram" xmlns:a="http://schemas.openxmlformats.org/drawingml/2006/main" uniqueId="urn:microsoft.com/office/officeart/2005/8/layout/process4">
   <dgm:title val=""/>
   <dgm:desc val=""/>
@@ -8209,2074 +3932,6 @@
 </dgm:styleDef>
 </file>
 
-<file path=ppt/diagrams/quickStyle2.xml><?xml version="1.0" encoding="utf-8"?>
-<dgm:styleDef xmlns:dgm="http://schemas.openxmlformats.org/drawingml/2006/diagram" xmlns:a="http://schemas.openxmlformats.org/drawingml/2006/main" uniqueId="urn:microsoft.com/office/officeart/2005/8/quickstyle/simple1">
-  <dgm:title val=""/>
-  <dgm:desc val=""/>
-  <dgm:catLst>
-    <dgm:cat type="simple" pri="10100"/>
-  </dgm:catLst>
-  <dgm:scene3d>
-    <a:camera prst="orthographicFront"/>
-    <a:lightRig rig="threePt" dir="t"/>
-  </dgm:scene3d>
-  <dgm:styleLbl name="node0">
-    <dgm:scene3d>
-      <a:camera prst="orthographicFront"/>
-      <a:lightRig rig="threePt" dir="t"/>
-    </dgm:scene3d>
-    <dgm:sp3d/>
-    <dgm:txPr/>
-    <dgm:style>
-      <a:lnRef idx="2">
-        <a:scrgbClr r="0" g="0" b="0"/>
-      </a:lnRef>
-      <a:fillRef idx="1">
-        <a:scrgbClr r="0" g="0" b="0"/>
-      </a:fillRef>
-      <a:effectRef idx="0">
-        <a:scrgbClr r="0" g="0" b="0"/>
-      </a:effectRef>
-      <a:fontRef idx="minor">
-        <a:schemeClr val="lt1"/>
-      </a:fontRef>
-    </dgm:style>
-  </dgm:styleLbl>
-  <dgm:styleLbl name="lnNode1">
-    <dgm:scene3d>
-      <a:camera prst="orthographicFront"/>
-      <a:lightRig rig="threePt" dir="t"/>
-    </dgm:scene3d>
-    <dgm:sp3d/>
-    <dgm:txPr/>
-    <dgm:style>
-      <a:lnRef idx="2">
-        <a:scrgbClr r="0" g="0" b="0"/>
-      </a:lnRef>
-      <a:fillRef idx="1">
-        <a:scrgbClr r="0" g="0" b="0"/>
-      </a:fillRef>
-      <a:effectRef idx="0">
-        <a:scrgbClr r="0" g="0" b="0"/>
-      </a:effectRef>
-      <a:fontRef idx="minor">
-        <a:schemeClr val="lt1"/>
-      </a:fontRef>
-    </dgm:style>
-  </dgm:styleLbl>
-  <dgm:styleLbl name="vennNode1">
-    <dgm:scene3d>
-      <a:camera prst="orthographicFront"/>
-      <a:lightRig rig="threePt" dir="t"/>
-    </dgm:scene3d>
-    <dgm:sp3d/>
-    <dgm:txPr/>
-    <dgm:style>
-      <a:lnRef idx="2">
-        <a:scrgbClr r="0" g="0" b="0"/>
-      </a:lnRef>
-      <a:fillRef idx="1">
-        <a:scrgbClr r="0" g="0" b="0"/>
-      </a:fillRef>
-      <a:effectRef idx="0">
-        <a:scrgbClr r="0" g="0" b="0"/>
-      </a:effectRef>
-      <a:fontRef idx="minor">
-        <a:schemeClr val="tx1"/>
-      </a:fontRef>
-    </dgm:style>
-  </dgm:styleLbl>
-  <dgm:styleLbl name="alignNode1">
-    <dgm:scene3d>
-      <a:camera prst="orthographicFront"/>
-      <a:lightRig rig="threePt" dir="t"/>
-    </dgm:scene3d>
-    <dgm:sp3d/>
-    <dgm:txPr/>
-    <dgm:style>
-      <a:lnRef idx="2">
-        <a:scrgbClr r="0" g="0" b="0"/>
-      </a:lnRef>
-      <a:fillRef idx="1">
-        <a:scrgbClr r="0" g="0" b="0"/>
-      </a:fillRef>
-      <a:effectRef idx="0">
-        <a:scrgbClr r="0" g="0" b="0"/>
-      </a:effectRef>
-      <a:fontRef idx="minor">
-        <a:schemeClr val="lt1"/>
-      </a:fontRef>
-    </dgm:style>
-  </dgm:styleLbl>
-  <dgm:styleLbl name="node1">
-    <dgm:scene3d>
-      <a:camera prst="orthographicFront"/>
-      <a:lightRig rig="threePt" dir="t"/>
-    </dgm:scene3d>
-    <dgm:sp3d/>
-    <dgm:txPr/>
-    <dgm:style>
-      <a:lnRef idx="2">
-        <a:scrgbClr r="0" g="0" b="0"/>
-      </a:lnRef>
-      <a:fillRef idx="1">
-        <a:scrgbClr r="0" g="0" b="0"/>
-      </a:fillRef>
-      <a:effectRef idx="0">
-        <a:scrgbClr r="0" g="0" b="0"/>
-      </a:effectRef>
-      <a:fontRef idx="minor">
-        <a:schemeClr val="lt1"/>
-      </a:fontRef>
-    </dgm:style>
-  </dgm:styleLbl>
-  <dgm:styleLbl name="node2">
-    <dgm:scene3d>
-      <a:camera prst="orthographicFront"/>
-      <a:lightRig rig="threePt" dir="t"/>
-    </dgm:scene3d>
-    <dgm:sp3d/>
-    <dgm:txPr/>
-    <dgm:style>
-      <a:lnRef idx="2">
-        <a:scrgbClr r="0" g="0" b="0"/>
-      </a:lnRef>
-      <a:fillRef idx="1">
-        <a:scrgbClr r="0" g="0" b="0"/>
-      </a:fillRef>
-      <a:effectRef idx="0">
-        <a:scrgbClr r="0" g="0" b="0"/>
-      </a:effectRef>
-      <a:fontRef idx="minor">
-        <a:schemeClr val="lt1"/>
-      </a:fontRef>
-    </dgm:style>
-  </dgm:styleLbl>
-  <dgm:styleLbl name="node3">
-    <dgm:scene3d>
-      <a:camera prst="orthographicFront"/>
-      <a:lightRig rig="threePt" dir="t"/>
-    </dgm:scene3d>
-    <dgm:sp3d/>
-    <dgm:txPr/>
-    <dgm:style>
-      <a:lnRef idx="2">
-        <a:scrgbClr r="0" g="0" b="0"/>
-      </a:lnRef>
-      <a:fillRef idx="1">
-        <a:scrgbClr r="0" g="0" b="0"/>
-      </a:fillRef>
-      <a:effectRef idx="0">
-        <a:scrgbClr r="0" g="0" b="0"/>
-      </a:effectRef>
-      <a:fontRef idx="minor">
-        <a:schemeClr val="lt1"/>
-      </a:fontRef>
-    </dgm:style>
-  </dgm:styleLbl>
-  <dgm:styleLbl name="node4">
-    <dgm:scene3d>
-      <a:camera prst="orthographicFront"/>
-      <a:lightRig rig="threePt" dir="t"/>
-    </dgm:scene3d>
-    <dgm:sp3d/>
-    <dgm:txPr/>
-    <dgm:style>
-      <a:lnRef idx="2">
-        <a:scrgbClr r="0" g="0" b="0"/>
-      </a:lnRef>
-      <a:fillRef idx="1">
-        <a:scrgbClr r="0" g="0" b="0"/>
-      </a:fillRef>
-      <a:effectRef idx="0">
-        <a:scrgbClr r="0" g="0" b="0"/>
-      </a:effectRef>
-      <a:fontRef idx="minor">
-        <a:schemeClr val="lt1"/>
-      </a:fontRef>
-    </dgm:style>
-  </dgm:styleLbl>
-  <dgm:styleLbl name="fgImgPlace1">
-    <dgm:scene3d>
-      <a:camera prst="orthographicFront"/>
-      <a:lightRig rig="threePt" dir="t"/>
-    </dgm:scene3d>
-    <dgm:sp3d/>
-    <dgm:txPr/>
-    <dgm:style>
-      <a:lnRef idx="2">
-        <a:scrgbClr r="0" g="0" b="0"/>
-      </a:lnRef>
-      <a:fillRef idx="1">
-        <a:scrgbClr r="0" g="0" b="0"/>
-      </a:fillRef>
-      <a:effectRef idx="0">
-        <a:scrgbClr r="0" g="0" b="0"/>
-      </a:effectRef>
-      <a:fontRef idx="minor"/>
-    </dgm:style>
-  </dgm:styleLbl>
-  <dgm:styleLbl name="alignImgPlace1">
-    <dgm:scene3d>
-      <a:camera prst="orthographicFront"/>
-      <a:lightRig rig="threePt" dir="t"/>
-    </dgm:scene3d>
-    <dgm:sp3d/>
-    <dgm:txPr/>
-    <dgm:style>
-      <a:lnRef idx="2">
-        <a:scrgbClr r="0" g="0" b="0"/>
-      </a:lnRef>
-      <a:fillRef idx="1">
-        <a:scrgbClr r="0" g="0" b="0"/>
-      </a:fillRef>
-      <a:effectRef idx="0">
-        <a:scrgbClr r="0" g="0" b="0"/>
-      </a:effectRef>
-      <a:fontRef idx="minor"/>
-    </dgm:style>
-  </dgm:styleLbl>
-  <dgm:styleLbl name="bgImgPlace1">
-    <dgm:scene3d>
-      <a:camera prst="orthographicFront"/>
-      <a:lightRig rig="threePt" dir="t"/>
-    </dgm:scene3d>
-    <dgm:sp3d/>
-    <dgm:txPr/>
-    <dgm:style>
-      <a:lnRef idx="2">
-        <a:scrgbClr r="0" g="0" b="0"/>
-      </a:lnRef>
-      <a:fillRef idx="1">
-        <a:scrgbClr r="0" g="0" b="0"/>
-      </a:fillRef>
-      <a:effectRef idx="0">
-        <a:scrgbClr r="0" g="0" b="0"/>
-      </a:effectRef>
-      <a:fontRef idx="minor"/>
-    </dgm:style>
-  </dgm:styleLbl>
-  <dgm:styleLbl name="sibTrans2D1">
-    <dgm:scene3d>
-      <a:camera prst="orthographicFront"/>
-      <a:lightRig rig="threePt" dir="t"/>
-    </dgm:scene3d>
-    <dgm:sp3d/>
-    <dgm:txPr/>
-    <dgm:style>
-      <a:lnRef idx="0">
-        <a:scrgbClr r="0" g="0" b="0"/>
-      </a:lnRef>
-      <a:fillRef idx="1">
-        <a:scrgbClr r="0" g="0" b="0"/>
-      </a:fillRef>
-      <a:effectRef idx="0">
-        <a:scrgbClr r="0" g="0" b="0"/>
-      </a:effectRef>
-      <a:fontRef idx="minor">
-        <a:schemeClr val="lt1"/>
-      </a:fontRef>
-    </dgm:style>
-  </dgm:styleLbl>
-  <dgm:styleLbl name="fgSibTrans2D1">
-    <dgm:scene3d>
-      <a:camera prst="orthographicFront"/>
-      <a:lightRig rig="threePt" dir="t"/>
-    </dgm:scene3d>
-    <dgm:sp3d/>
-    <dgm:txPr/>
-    <dgm:style>
-      <a:lnRef idx="0">
-        <a:scrgbClr r="0" g="0" b="0"/>
-      </a:lnRef>
-      <a:fillRef idx="1">
-        <a:scrgbClr r="0" g="0" b="0"/>
-      </a:fillRef>
-      <a:effectRef idx="0">
-        <a:scrgbClr r="0" g="0" b="0"/>
-      </a:effectRef>
-      <a:fontRef idx="minor">
-        <a:schemeClr val="lt1"/>
-      </a:fontRef>
-    </dgm:style>
-  </dgm:styleLbl>
-  <dgm:styleLbl name="bgSibTrans2D1">
-    <dgm:scene3d>
-      <a:camera prst="orthographicFront"/>
-      <a:lightRig rig="threePt" dir="t"/>
-    </dgm:scene3d>
-    <dgm:sp3d/>
-    <dgm:txPr/>
-    <dgm:style>
-      <a:lnRef idx="0">
-        <a:scrgbClr r="0" g="0" b="0"/>
-      </a:lnRef>
-      <a:fillRef idx="1">
-        <a:scrgbClr r="0" g="0" b="0"/>
-      </a:fillRef>
-      <a:effectRef idx="0">
-        <a:scrgbClr r="0" g="0" b="0"/>
-      </a:effectRef>
-      <a:fontRef idx="minor">
-        <a:schemeClr val="lt1"/>
-      </a:fontRef>
-    </dgm:style>
-  </dgm:styleLbl>
-  <dgm:styleLbl name="sibTrans1D1">
-    <dgm:scene3d>
-      <a:camera prst="orthographicFront"/>
-      <a:lightRig rig="threePt" dir="t"/>
-    </dgm:scene3d>
-    <dgm:sp3d/>
-    <dgm:txPr/>
-    <dgm:style>
-      <a:lnRef idx="1">
-        <a:scrgbClr r="0" g="0" b="0"/>
-      </a:lnRef>
-      <a:fillRef idx="0">
-        <a:scrgbClr r="0" g="0" b="0"/>
-      </a:fillRef>
-      <a:effectRef idx="0">
-        <a:scrgbClr r="0" g="0" b="0"/>
-      </a:effectRef>
-      <a:fontRef idx="minor"/>
-    </dgm:style>
-  </dgm:styleLbl>
-  <dgm:styleLbl name="callout">
-    <dgm:scene3d>
-      <a:camera prst="orthographicFront"/>
-      <a:lightRig rig="threePt" dir="t"/>
-    </dgm:scene3d>
-    <dgm:sp3d/>
-    <dgm:txPr/>
-    <dgm:style>
-      <a:lnRef idx="2">
-        <a:scrgbClr r="0" g="0" b="0"/>
-      </a:lnRef>
-      <a:fillRef idx="1">
-        <a:scrgbClr r="0" g="0" b="0"/>
-      </a:fillRef>
-      <a:effectRef idx="0">
-        <a:scrgbClr r="0" g="0" b="0"/>
-      </a:effectRef>
-      <a:fontRef idx="minor"/>
-    </dgm:style>
-  </dgm:styleLbl>
-  <dgm:styleLbl name="asst0">
-    <dgm:scene3d>
-      <a:camera prst="orthographicFront"/>
-      <a:lightRig rig="threePt" dir="t"/>
-    </dgm:scene3d>
-    <dgm:sp3d/>
-    <dgm:txPr/>
-    <dgm:style>
-      <a:lnRef idx="2">
-        <a:scrgbClr r="0" g="0" b="0"/>
-      </a:lnRef>
-      <a:fillRef idx="1">
-        <a:scrgbClr r="0" g="0" b="0"/>
-      </a:fillRef>
-      <a:effectRef idx="0">
-        <a:scrgbClr r="0" g="0" b="0"/>
-      </a:effectRef>
-      <a:fontRef idx="minor">
-        <a:schemeClr val="lt1"/>
-      </a:fontRef>
-    </dgm:style>
-  </dgm:styleLbl>
-  <dgm:styleLbl name="asst1">
-    <dgm:scene3d>
-      <a:camera prst="orthographicFront"/>
-      <a:lightRig rig="threePt" dir="t"/>
-    </dgm:scene3d>
-    <dgm:sp3d/>
-    <dgm:txPr/>
-    <dgm:style>
-      <a:lnRef idx="2">
-        <a:scrgbClr r="0" g="0" b="0"/>
-      </a:lnRef>
-      <a:fillRef idx="1">
-        <a:scrgbClr r="0" g="0" b="0"/>
-      </a:fillRef>
-      <a:effectRef idx="0">
-        <a:scrgbClr r="0" g="0" b="0"/>
-      </a:effectRef>
-      <a:fontRef idx="minor">
-        <a:schemeClr val="lt1"/>
-      </a:fontRef>
-    </dgm:style>
-  </dgm:styleLbl>
-  <dgm:styleLbl name="asst2">
-    <dgm:scene3d>
-      <a:camera prst="orthographicFront"/>
-      <a:lightRig rig="threePt" dir="t"/>
-    </dgm:scene3d>
-    <dgm:sp3d/>
-    <dgm:txPr/>
-    <dgm:style>
-      <a:lnRef idx="2">
-        <a:scrgbClr r="0" g="0" b="0"/>
-      </a:lnRef>
-      <a:fillRef idx="1">
-        <a:scrgbClr r="0" g="0" b="0"/>
-      </a:fillRef>
-      <a:effectRef idx="0">
-        <a:scrgbClr r="0" g="0" b="0"/>
-      </a:effectRef>
-      <a:fontRef idx="minor">
-        <a:schemeClr val="lt1"/>
-      </a:fontRef>
-    </dgm:style>
-  </dgm:styleLbl>
-  <dgm:styleLbl name="asst3">
-    <dgm:scene3d>
-      <a:camera prst="orthographicFront"/>
-      <a:lightRig rig="threePt" dir="t"/>
-    </dgm:scene3d>
-    <dgm:sp3d/>
-    <dgm:txPr/>
-    <dgm:style>
-      <a:lnRef idx="2">
-        <a:scrgbClr r="0" g="0" b="0"/>
-      </a:lnRef>
-      <a:fillRef idx="1">
-        <a:scrgbClr r="0" g="0" b="0"/>
-      </a:fillRef>
-      <a:effectRef idx="0">
-        <a:scrgbClr r="0" g="0" b="0"/>
-      </a:effectRef>
-      <a:fontRef idx="minor">
-        <a:schemeClr val="lt1"/>
-      </a:fontRef>
-    </dgm:style>
-  </dgm:styleLbl>
-  <dgm:styleLbl name="asst4">
-    <dgm:scene3d>
-      <a:camera prst="orthographicFront"/>
-      <a:lightRig rig="threePt" dir="t"/>
-    </dgm:scene3d>
-    <dgm:sp3d/>
-    <dgm:txPr/>
-    <dgm:style>
-      <a:lnRef idx="2">
-        <a:scrgbClr r="0" g="0" b="0"/>
-      </a:lnRef>
-      <a:fillRef idx="1">
-        <a:scrgbClr r="0" g="0" b="0"/>
-      </a:fillRef>
-      <a:effectRef idx="0">
-        <a:scrgbClr r="0" g="0" b="0"/>
-      </a:effectRef>
-      <a:fontRef idx="minor">
-        <a:schemeClr val="lt1"/>
-      </a:fontRef>
-    </dgm:style>
-  </dgm:styleLbl>
-  <dgm:styleLbl name="parChTrans2D1">
-    <dgm:scene3d>
-      <a:camera prst="orthographicFront"/>
-      <a:lightRig rig="threePt" dir="t"/>
-    </dgm:scene3d>
-    <dgm:sp3d/>
-    <dgm:txPr/>
-    <dgm:style>
-      <a:lnRef idx="2">
-        <a:scrgbClr r="0" g="0" b="0"/>
-      </a:lnRef>
-      <a:fillRef idx="1">
-        <a:scrgbClr r="0" g="0" b="0"/>
-      </a:fillRef>
-      <a:effectRef idx="0">
-        <a:scrgbClr r="0" g="0" b="0"/>
-      </a:effectRef>
-      <a:fontRef idx="minor">
-        <a:schemeClr val="lt1"/>
-      </a:fontRef>
-    </dgm:style>
-  </dgm:styleLbl>
-  <dgm:styleLbl name="parChTrans2D2">
-    <dgm:scene3d>
-      <a:camera prst="orthographicFront"/>
-      <a:lightRig rig="threePt" dir="t"/>
-    </dgm:scene3d>
-    <dgm:sp3d/>
-    <dgm:txPr/>
-    <dgm:style>
-      <a:lnRef idx="2">
-        <a:scrgbClr r="0" g="0" b="0"/>
-      </a:lnRef>
-      <a:fillRef idx="1">
-        <a:scrgbClr r="0" g="0" b="0"/>
-      </a:fillRef>
-      <a:effectRef idx="0">
-        <a:scrgbClr r="0" g="0" b="0"/>
-      </a:effectRef>
-      <a:fontRef idx="minor">
-        <a:schemeClr val="lt1"/>
-      </a:fontRef>
-    </dgm:style>
-  </dgm:styleLbl>
-  <dgm:styleLbl name="parChTrans2D3">
-    <dgm:scene3d>
-      <a:camera prst="orthographicFront"/>
-      <a:lightRig rig="threePt" dir="t"/>
-    </dgm:scene3d>
-    <dgm:sp3d/>
-    <dgm:txPr/>
-    <dgm:style>
-      <a:lnRef idx="2">
-        <a:scrgbClr r="0" g="0" b="0"/>
-      </a:lnRef>
-      <a:fillRef idx="1">
-        <a:scrgbClr r="0" g="0" b="0"/>
-      </a:fillRef>
-      <a:effectRef idx="0">
-        <a:scrgbClr r="0" g="0" b="0"/>
-      </a:effectRef>
-      <a:fontRef idx="minor">
-        <a:schemeClr val="lt1"/>
-      </a:fontRef>
-    </dgm:style>
-  </dgm:styleLbl>
-  <dgm:styleLbl name="parChTrans2D4">
-    <dgm:scene3d>
-      <a:camera prst="orthographicFront"/>
-      <a:lightRig rig="threePt" dir="t"/>
-    </dgm:scene3d>
-    <dgm:sp3d/>
-    <dgm:txPr/>
-    <dgm:style>
-      <a:lnRef idx="2">
-        <a:scrgbClr r="0" g="0" b="0"/>
-      </a:lnRef>
-      <a:fillRef idx="1">
-        <a:scrgbClr r="0" g="0" b="0"/>
-      </a:fillRef>
-      <a:effectRef idx="0">
-        <a:scrgbClr r="0" g="0" b="0"/>
-      </a:effectRef>
-      <a:fontRef idx="minor">
-        <a:schemeClr val="lt1"/>
-      </a:fontRef>
-    </dgm:style>
-  </dgm:styleLbl>
-  <dgm:styleLbl name="parChTrans1D1">
-    <dgm:scene3d>
-      <a:camera prst="orthographicFront"/>
-      <a:lightRig rig="threePt" dir="t"/>
-    </dgm:scene3d>
-    <dgm:sp3d/>
-    <dgm:txPr/>
-    <dgm:style>
-      <a:lnRef idx="2">
-        <a:scrgbClr r="0" g="0" b="0"/>
-      </a:lnRef>
-      <a:fillRef idx="0">
-        <a:scrgbClr r="0" g="0" b="0"/>
-      </a:fillRef>
-      <a:effectRef idx="0">
-        <a:scrgbClr r="0" g="0" b="0"/>
-      </a:effectRef>
-      <a:fontRef idx="minor"/>
-    </dgm:style>
-  </dgm:styleLbl>
-  <dgm:styleLbl name="parChTrans1D2">
-    <dgm:scene3d>
-      <a:camera prst="orthographicFront"/>
-      <a:lightRig rig="threePt" dir="t"/>
-    </dgm:scene3d>
-    <dgm:sp3d/>
-    <dgm:txPr/>
-    <dgm:style>
-      <a:lnRef idx="2">
-        <a:scrgbClr r="0" g="0" b="0"/>
-      </a:lnRef>
-      <a:fillRef idx="0">
-        <a:scrgbClr r="0" g="0" b="0"/>
-      </a:fillRef>
-      <a:effectRef idx="0">
-        <a:scrgbClr r="0" g="0" b="0"/>
-      </a:effectRef>
-      <a:fontRef idx="minor"/>
-    </dgm:style>
-  </dgm:styleLbl>
-  <dgm:styleLbl name="parChTrans1D3">
-    <dgm:scene3d>
-      <a:camera prst="orthographicFront"/>
-      <a:lightRig rig="threePt" dir="t"/>
-    </dgm:scene3d>
-    <dgm:sp3d/>
-    <dgm:txPr/>
-    <dgm:style>
-      <a:lnRef idx="2">
-        <a:scrgbClr r="0" g="0" b="0"/>
-      </a:lnRef>
-      <a:fillRef idx="0">
-        <a:scrgbClr r="0" g="0" b="0"/>
-      </a:fillRef>
-      <a:effectRef idx="0">
-        <a:scrgbClr r="0" g="0" b="0"/>
-      </a:effectRef>
-      <a:fontRef idx="minor"/>
-    </dgm:style>
-  </dgm:styleLbl>
-  <dgm:styleLbl name="parChTrans1D4">
-    <dgm:scene3d>
-      <a:camera prst="orthographicFront"/>
-      <a:lightRig rig="threePt" dir="t"/>
-    </dgm:scene3d>
-    <dgm:sp3d/>
-    <dgm:txPr/>
-    <dgm:style>
-      <a:lnRef idx="2">
-        <a:scrgbClr r="0" g="0" b="0"/>
-      </a:lnRef>
-      <a:fillRef idx="0">
-        <a:scrgbClr r="0" g="0" b="0"/>
-      </a:fillRef>
-      <a:effectRef idx="0">
-        <a:scrgbClr r="0" g="0" b="0"/>
-      </a:effectRef>
-      <a:fontRef idx="minor"/>
-    </dgm:style>
-  </dgm:styleLbl>
-  <dgm:styleLbl name="fgAcc1">
-    <dgm:scene3d>
-      <a:camera prst="orthographicFront"/>
-      <a:lightRig rig="threePt" dir="t"/>
-    </dgm:scene3d>
-    <dgm:sp3d/>
-    <dgm:txPr/>
-    <dgm:style>
-      <a:lnRef idx="2">
-        <a:scrgbClr r="0" g="0" b="0"/>
-      </a:lnRef>
-      <a:fillRef idx="1">
-        <a:scrgbClr r="0" g="0" b="0"/>
-      </a:fillRef>
-      <a:effectRef idx="0">
-        <a:scrgbClr r="0" g="0" b="0"/>
-      </a:effectRef>
-      <a:fontRef idx="minor"/>
-    </dgm:style>
-  </dgm:styleLbl>
-  <dgm:styleLbl name="conFgAcc1">
-    <dgm:scene3d>
-      <a:camera prst="orthographicFront"/>
-      <a:lightRig rig="threePt" dir="t"/>
-    </dgm:scene3d>
-    <dgm:sp3d/>
-    <dgm:txPr/>
-    <dgm:style>
-      <a:lnRef idx="2">
-        <a:scrgbClr r="0" g="0" b="0"/>
-      </a:lnRef>
-      <a:fillRef idx="1">
-        <a:scrgbClr r="0" g="0" b="0"/>
-      </a:fillRef>
-      <a:effectRef idx="0">
-        <a:scrgbClr r="0" g="0" b="0"/>
-      </a:effectRef>
-      <a:fontRef idx="minor"/>
-    </dgm:style>
-  </dgm:styleLbl>
-  <dgm:styleLbl name="alignAcc1">
-    <dgm:scene3d>
-      <a:camera prst="orthographicFront"/>
-      <a:lightRig rig="threePt" dir="t"/>
-    </dgm:scene3d>
-    <dgm:sp3d/>
-    <dgm:txPr/>
-    <dgm:style>
-      <a:lnRef idx="2">
-        <a:scrgbClr r="0" g="0" b="0"/>
-      </a:lnRef>
-      <a:fillRef idx="1">
-        <a:scrgbClr r="0" g="0" b="0"/>
-      </a:fillRef>
-      <a:effectRef idx="0">
-        <a:scrgbClr r="0" g="0" b="0"/>
-      </a:effectRef>
-      <a:fontRef idx="minor"/>
-    </dgm:style>
-  </dgm:styleLbl>
-  <dgm:styleLbl name="trAlignAcc1">
-    <dgm:scene3d>
-      <a:camera prst="orthographicFront"/>
-      <a:lightRig rig="threePt" dir="t"/>
-    </dgm:scene3d>
-    <dgm:sp3d/>
-    <dgm:txPr/>
-    <dgm:style>
-      <a:lnRef idx="1">
-        <a:scrgbClr r="0" g="0" b="0"/>
-      </a:lnRef>
-      <a:fillRef idx="1">
-        <a:scrgbClr r="0" g="0" b="0"/>
-      </a:fillRef>
-      <a:effectRef idx="0">
-        <a:scrgbClr r="0" g="0" b="0"/>
-      </a:effectRef>
-      <a:fontRef idx="minor"/>
-    </dgm:style>
-  </dgm:styleLbl>
-  <dgm:styleLbl name="bgAcc1">
-    <dgm:scene3d>
-      <a:camera prst="orthographicFront"/>
-      <a:lightRig rig="threePt" dir="t"/>
-    </dgm:scene3d>
-    <dgm:sp3d/>
-    <dgm:txPr/>
-    <dgm:style>
-      <a:lnRef idx="2">
-        <a:scrgbClr r="0" g="0" b="0"/>
-      </a:lnRef>
-      <a:fillRef idx="1">
-        <a:scrgbClr r="0" g="0" b="0"/>
-      </a:fillRef>
-      <a:effectRef idx="0">
-        <a:scrgbClr r="0" g="0" b="0"/>
-      </a:effectRef>
-      <a:fontRef idx="minor"/>
-    </dgm:style>
-  </dgm:styleLbl>
-  <dgm:styleLbl name="solidFgAcc1">
-    <dgm:scene3d>
-      <a:camera prst="orthographicFront"/>
-      <a:lightRig rig="threePt" dir="t"/>
-    </dgm:scene3d>
-    <dgm:sp3d/>
-    <dgm:txPr/>
-    <dgm:style>
-      <a:lnRef idx="2">
-        <a:scrgbClr r="0" g="0" b="0"/>
-      </a:lnRef>
-      <a:fillRef idx="1">
-        <a:scrgbClr r="0" g="0" b="0"/>
-      </a:fillRef>
-      <a:effectRef idx="0">
-        <a:scrgbClr r="0" g="0" b="0"/>
-      </a:effectRef>
-      <a:fontRef idx="minor"/>
-    </dgm:style>
-  </dgm:styleLbl>
-  <dgm:styleLbl name="solidAlignAcc1">
-    <dgm:scene3d>
-      <a:camera prst="orthographicFront"/>
-      <a:lightRig rig="threePt" dir="t"/>
-    </dgm:scene3d>
-    <dgm:sp3d/>
-    <dgm:txPr/>
-    <dgm:style>
-      <a:lnRef idx="2">
-        <a:scrgbClr r="0" g="0" b="0"/>
-      </a:lnRef>
-      <a:fillRef idx="1">
-        <a:scrgbClr r="0" g="0" b="0"/>
-      </a:fillRef>
-      <a:effectRef idx="0">
-        <a:scrgbClr r="0" g="0" b="0"/>
-      </a:effectRef>
-      <a:fontRef idx="minor"/>
-    </dgm:style>
-  </dgm:styleLbl>
-  <dgm:styleLbl name="solidBgAcc1">
-    <dgm:scene3d>
-      <a:camera prst="orthographicFront"/>
-      <a:lightRig rig="threePt" dir="t"/>
-    </dgm:scene3d>
-    <dgm:sp3d/>
-    <dgm:txPr/>
-    <dgm:style>
-      <a:lnRef idx="2">
-        <a:scrgbClr r="0" g="0" b="0"/>
-      </a:lnRef>
-      <a:fillRef idx="1">
-        <a:scrgbClr r="0" g="0" b="0"/>
-      </a:fillRef>
-      <a:effectRef idx="0">
-        <a:scrgbClr r="0" g="0" b="0"/>
-      </a:effectRef>
-      <a:fontRef idx="minor"/>
-    </dgm:style>
-  </dgm:styleLbl>
-  <dgm:styleLbl name="fgAccFollowNode1">
-    <dgm:scene3d>
-      <a:camera prst="orthographicFront"/>
-      <a:lightRig rig="threePt" dir="t"/>
-    </dgm:scene3d>
-    <dgm:sp3d/>
-    <dgm:txPr/>
-    <dgm:style>
-      <a:lnRef idx="2">
-        <a:scrgbClr r="0" g="0" b="0"/>
-      </a:lnRef>
-      <a:fillRef idx="1">
-        <a:scrgbClr r="0" g="0" b="0"/>
-      </a:fillRef>
-      <a:effectRef idx="0">
-        <a:scrgbClr r="0" g="0" b="0"/>
-      </a:effectRef>
-      <a:fontRef idx="minor"/>
-    </dgm:style>
-  </dgm:styleLbl>
-  <dgm:styleLbl name="alignAccFollowNode1">
-    <dgm:scene3d>
-      <a:camera prst="orthographicFront"/>
-      <a:lightRig rig="threePt" dir="t"/>
-    </dgm:scene3d>
-    <dgm:sp3d/>
-    <dgm:txPr/>
-    <dgm:style>
-      <a:lnRef idx="2">
-        <a:scrgbClr r="0" g="0" b="0"/>
-      </a:lnRef>
-      <a:fillRef idx="1">
-        <a:scrgbClr r="0" g="0" b="0"/>
-      </a:fillRef>
-      <a:effectRef idx="0">
-        <a:scrgbClr r="0" g="0" b="0"/>
-      </a:effectRef>
-      <a:fontRef idx="minor"/>
-    </dgm:style>
-  </dgm:styleLbl>
-  <dgm:styleLbl name="bgAccFollowNode1">
-    <dgm:scene3d>
-      <a:camera prst="orthographicFront"/>
-      <a:lightRig rig="threePt" dir="t"/>
-    </dgm:scene3d>
-    <dgm:sp3d/>
-    <dgm:txPr/>
-    <dgm:style>
-      <a:lnRef idx="2">
-        <a:scrgbClr r="0" g="0" b="0"/>
-      </a:lnRef>
-      <a:fillRef idx="1">
-        <a:scrgbClr r="0" g="0" b="0"/>
-      </a:fillRef>
-      <a:effectRef idx="0">
-        <a:scrgbClr r="0" g="0" b="0"/>
-      </a:effectRef>
-      <a:fontRef idx="minor"/>
-    </dgm:style>
-  </dgm:styleLbl>
-  <dgm:styleLbl name="fgAcc0">
-    <dgm:scene3d>
-      <a:camera prst="orthographicFront"/>
-      <a:lightRig rig="threePt" dir="t"/>
-    </dgm:scene3d>
-    <dgm:sp3d/>
-    <dgm:txPr/>
-    <dgm:style>
-      <a:lnRef idx="2">
-        <a:scrgbClr r="0" g="0" b="0"/>
-      </a:lnRef>
-      <a:fillRef idx="1">
-        <a:scrgbClr r="0" g="0" b="0"/>
-      </a:fillRef>
-      <a:effectRef idx="0">
-        <a:scrgbClr r="0" g="0" b="0"/>
-      </a:effectRef>
-      <a:fontRef idx="minor"/>
-    </dgm:style>
-  </dgm:styleLbl>
-  <dgm:styleLbl name="fgAcc2">
-    <dgm:scene3d>
-      <a:camera prst="orthographicFront"/>
-      <a:lightRig rig="threePt" dir="t"/>
-    </dgm:scene3d>
-    <dgm:sp3d/>
-    <dgm:txPr/>
-    <dgm:style>
-      <a:lnRef idx="2">
-        <a:scrgbClr r="0" g="0" b="0"/>
-      </a:lnRef>
-      <a:fillRef idx="1">
-        <a:scrgbClr r="0" g="0" b="0"/>
-      </a:fillRef>
-      <a:effectRef idx="0">
-        <a:scrgbClr r="0" g="0" b="0"/>
-      </a:effectRef>
-      <a:fontRef idx="minor"/>
-    </dgm:style>
-  </dgm:styleLbl>
-  <dgm:styleLbl name="fgAcc3">
-    <dgm:scene3d>
-      <a:camera prst="orthographicFront"/>
-      <a:lightRig rig="threePt" dir="t"/>
-    </dgm:scene3d>
-    <dgm:sp3d/>
-    <dgm:txPr/>
-    <dgm:style>
-      <a:lnRef idx="2">
-        <a:scrgbClr r="0" g="0" b="0"/>
-      </a:lnRef>
-      <a:fillRef idx="1">
-        <a:scrgbClr r="0" g="0" b="0"/>
-      </a:fillRef>
-      <a:effectRef idx="0">
-        <a:scrgbClr r="0" g="0" b="0"/>
-      </a:effectRef>
-      <a:fontRef idx="minor"/>
-    </dgm:style>
-  </dgm:styleLbl>
-  <dgm:styleLbl name="fgAcc4">
-    <dgm:scene3d>
-      <a:camera prst="orthographicFront"/>
-      <a:lightRig rig="threePt" dir="t"/>
-    </dgm:scene3d>
-    <dgm:sp3d/>
-    <dgm:txPr/>
-    <dgm:style>
-      <a:lnRef idx="2">
-        <a:scrgbClr r="0" g="0" b="0"/>
-      </a:lnRef>
-      <a:fillRef idx="1">
-        <a:scrgbClr r="0" g="0" b="0"/>
-      </a:fillRef>
-      <a:effectRef idx="0">
-        <a:scrgbClr r="0" g="0" b="0"/>
-      </a:effectRef>
-      <a:fontRef idx="minor"/>
-    </dgm:style>
-  </dgm:styleLbl>
-  <dgm:styleLbl name="bgShp">
-    <dgm:scene3d>
-      <a:camera prst="orthographicFront"/>
-      <a:lightRig rig="threePt" dir="t"/>
-    </dgm:scene3d>
-    <dgm:sp3d/>
-    <dgm:txPr/>
-    <dgm:style>
-      <a:lnRef idx="0">
-        <a:scrgbClr r="0" g="0" b="0"/>
-      </a:lnRef>
-      <a:fillRef idx="1">
-        <a:scrgbClr r="0" g="0" b="0"/>
-      </a:fillRef>
-      <a:effectRef idx="0">
-        <a:scrgbClr r="0" g="0" b="0"/>
-      </a:effectRef>
-      <a:fontRef idx="minor"/>
-    </dgm:style>
-  </dgm:styleLbl>
-  <dgm:styleLbl name="dkBgShp">
-    <dgm:scene3d>
-      <a:camera prst="orthographicFront"/>
-      <a:lightRig rig="threePt" dir="t"/>
-    </dgm:scene3d>
-    <dgm:sp3d/>
-    <dgm:txPr/>
-    <dgm:style>
-      <a:lnRef idx="0">
-        <a:scrgbClr r="0" g="0" b="0"/>
-      </a:lnRef>
-      <a:fillRef idx="1">
-        <a:scrgbClr r="0" g="0" b="0"/>
-      </a:fillRef>
-      <a:effectRef idx="0">
-        <a:scrgbClr r="0" g="0" b="0"/>
-      </a:effectRef>
-      <a:fontRef idx="minor"/>
-    </dgm:style>
-  </dgm:styleLbl>
-  <dgm:styleLbl name="trBgShp">
-    <dgm:scene3d>
-      <a:camera prst="orthographicFront"/>
-      <a:lightRig rig="threePt" dir="t"/>
-    </dgm:scene3d>
-    <dgm:sp3d/>
-    <dgm:txPr/>
-    <dgm:style>
-      <a:lnRef idx="0">
-        <a:scrgbClr r="0" g="0" b="0"/>
-      </a:lnRef>
-      <a:fillRef idx="1">
-        <a:scrgbClr r="0" g="0" b="0"/>
-      </a:fillRef>
-      <a:effectRef idx="0">
-        <a:scrgbClr r="0" g="0" b="0"/>
-      </a:effectRef>
-      <a:fontRef idx="minor"/>
-    </dgm:style>
-  </dgm:styleLbl>
-  <dgm:styleLbl name="fgShp">
-    <dgm:scene3d>
-      <a:camera prst="orthographicFront"/>
-      <a:lightRig rig="threePt" dir="t"/>
-    </dgm:scene3d>
-    <dgm:sp3d/>
-    <dgm:txPr/>
-    <dgm:style>
-      <a:lnRef idx="2">
-        <a:scrgbClr r="0" g="0" b="0"/>
-      </a:lnRef>
-      <a:fillRef idx="1">
-        <a:scrgbClr r="0" g="0" b="0"/>
-      </a:fillRef>
-      <a:effectRef idx="0">
-        <a:scrgbClr r="0" g="0" b="0"/>
-      </a:effectRef>
-      <a:fontRef idx="minor"/>
-    </dgm:style>
-  </dgm:styleLbl>
-  <dgm:styleLbl name="revTx">
-    <dgm:scene3d>
-      <a:camera prst="orthographicFront"/>
-      <a:lightRig rig="threePt" dir="t"/>
-    </dgm:scene3d>
-    <dgm:sp3d/>
-    <dgm:txPr/>
-    <dgm:style>
-      <a:lnRef idx="0">
-        <a:scrgbClr r="0" g="0" b="0"/>
-      </a:lnRef>
-      <a:fillRef idx="0">
-        <a:scrgbClr r="0" g="0" b="0"/>
-      </a:fillRef>
-      <a:effectRef idx="0">
-        <a:scrgbClr r="0" g="0" b="0"/>
-      </a:effectRef>
-      <a:fontRef idx="minor"/>
-    </dgm:style>
-  </dgm:styleLbl>
-</dgm:styleDef>
-</file>
-
-<file path=ppt/diagrams/quickStyle3.xml><?xml version="1.0" encoding="utf-8"?>
-<dgm:styleDef xmlns:dgm="http://schemas.openxmlformats.org/drawingml/2006/diagram" xmlns:a="http://schemas.openxmlformats.org/drawingml/2006/main" uniqueId="urn:microsoft.com/office/officeart/2005/8/quickstyle/simple1">
-  <dgm:title val=""/>
-  <dgm:desc val=""/>
-  <dgm:catLst>
-    <dgm:cat type="simple" pri="10100"/>
-  </dgm:catLst>
-  <dgm:scene3d>
-    <a:camera prst="orthographicFront"/>
-    <a:lightRig rig="threePt" dir="t"/>
-  </dgm:scene3d>
-  <dgm:styleLbl name="node0">
-    <dgm:scene3d>
-      <a:camera prst="orthographicFront"/>
-      <a:lightRig rig="threePt" dir="t"/>
-    </dgm:scene3d>
-    <dgm:sp3d/>
-    <dgm:txPr/>
-    <dgm:style>
-      <a:lnRef idx="2">
-        <a:scrgbClr r="0" g="0" b="0"/>
-      </a:lnRef>
-      <a:fillRef idx="1">
-        <a:scrgbClr r="0" g="0" b="0"/>
-      </a:fillRef>
-      <a:effectRef idx="0">
-        <a:scrgbClr r="0" g="0" b="0"/>
-      </a:effectRef>
-      <a:fontRef idx="minor">
-        <a:schemeClr val="lt1"/>
-      </a:fontRef>
-    </dgm:style>
-  </dgm:styleLbl>
-  <dgm:styleLbl name="lnNode1">
-    <dgm:scene3d>
-      <a:camera prst="orthographicFront"/>
-      <a:lightRig rig="threePt" dir="t"/>
-    </dgm:scene3d>
-    <dgm:sp3d/>
-    <dgm:txPr/>
-    <dgm:style>
-      <a:lnRef idx="2">
-        <a:scrgbClr r="0" g="0" b="0"/>
-      </a:lnRef>
-      <a:fillRef idx="1">
-        <a:scrgbClr r="0" g="0" b="0"/>
-      </a:fillRef>
-      <a:effectRef idx="0">
-        <a:scrgbClr r="0" g="0" b="0"/>
-      </a:effectRef>
-      <a:fontRef idx="minor">
-        <a:schemeClr val="lt1"/>
-      </a:fontRef>
-    </dgm:style>
-  </dgm:styleLbl>
-  <dgm:styleLbl name="vennNode1">
-    <dgm:scene3d>
-      <a:camera prst="orthographicFront"/>
-      <a:lightRig rig="threePt" dir="t"/>
-    </dgm:scene3d>
-    <dgm:sp3d/>
-    <dgm:txPr/>
-    <dgm:style>
-      <a:lnRef idx="2">
-        <a:scrgbClr r="0" g="0" b="0"/>
-      </a:lnRef>
-      <a:fillRef idx="1">
-        <a:scrgbClr r="0" g="0" b="0"/>
-      </a:fillRef>
-      <a:effectRef idx="0">
-        <a:scrgbClr r="0" g="0" b="0"/>
-      </a:effectRef>
-      <a:fontRef idx="minor">
-        <a:schemeClr val="tx1"/>
-      </a:fontRef>
-    </dgm:style>
-  </dgm:styleLbl>
-  <dgm:styleLbl name="alignNode1">
-    <dgm:scene3d>
-      <a:camera prst="orthographicFront"/>
-      <a:lightRig rig="threePt" dir="t"/>
-    </dgm:scene3d>
-    <dgm:sp3d/>
-    <dgm:txPr/>
-    <dgm:style>
-      <a:lnRef idx="2">
-        <a:scrgbClr r="0" g="0" b="0"/>
-      </a:lnRef>
-      <a:fillRef idx="1">
-        <a:scrgbClr r="0" g="0" b="0"/>
-      </a:fillRef>
-      <a:effectRef idx="0">
-        <a:scrgbClr r="0" g="0" b="0"/>
-      </a:effectRef>
-      <a:fontRef idx="minor">
-        <a:schemeClr val="lt1"/>
-      </a:fontRef>
-    </dgm:style>
-  </dgm:styleLbl>
-  <dgm:styleLbl name="node1">
-    <dgm:scene3d>
-      <a:camera prst="orthographicFront"/>
-      <a:lightRig rig="threePt" dir="t"/>
-    </dgm:scene3d>
-    <dgm:sp3d/>
-    <dgm:txPr/>
-    <dgm:style>
-      <a:lnRef idx="2">
-        <a:scrgbClr r="0" g="0" b="0"/>
-      </a:lnRef>
-      <a:fillRef idx="1">
-        <a:scrgbClr r="0" g="0" b="0"/>
-      </a:fillRef>
-      <a:effectRef idx="0">
-        <a:scrgbClr r="0" g="0" b="0"/>
-      </a:effectRef>
-      <a:fontRef idx="minor">
-        <a:schemeClr val="lt1"/>
-      </a:fontRef>
-    </dgm:style>
-  </dgm:styleLbl>
-  <dgm:styleLbl name="node2">
-    <dgm:scene3d>
-      <a:camera prst="orthographicFront"/>
-      <a:lightRig rig="threePt" dir="t"/>
-    </dgm:scene3d>
-    <dgm:sp3d/>
-    <dgm:txPr/>
-    <dgm:style>
-      <a:lnRef idx="2">
-        <a:scrgbClr r="0" g="0" b="0"/>
-      </a:lnRef>
-      <a:fillRef idx="1">
-        <a:scrgbClr r="0" g="0" b="0"/>
-      </a:fillRef>
-      <a:effectRef idx="0">
-        <a:scrgbClr r="0" g="0" b="0"/>
-      </a:effectRef>
-      <a:fontRef idx="minor">
-        <a:schemeClr val="lt1"/>
-      </a:fontRef>
-    </dgm:style>
-  </dgm:styleLbl>
-  <dgm:styleLbl name="node3">
-    <dgm:scene3d>
-      <a:camera prst="orthographicFront"/>
-      <a:lightRig rig="threePt" dir="t"/>
-    </dgm:scene3d>
-    <dgm:sp3d/>
-    <dgm:txPr/>
-    <dgm:style>
-      <a:lnRef idx="2">
-        <a:scrgbClr r="0" g="0" b="0"/>
-      </a:lnRef>
-      <a:fillRef idx="1">
-        <a:scrgbClr r="0" g="0" b="0"/>
-      </a:fillRef>
-      <a:effectRef idx="0">
-        <a:scrgbClr r="0" g="0" b="0"/>
-      </a:effectRef>
-      <a:fontRef idx="minor">
-        <a:schemeClr val="lt1"/>
-      </a:fontRef>
-    </dgm:style>
-  </dgm:styleLbl>
-  <dgm:styleLbl name="node4">
-    <dgm:scene3d>
-      <a:camera prst="orthographicFront"/>
-      <a:lightRig rig="threePt" dir="t"/>
-    </dgm:scene3d>
-    <dgm:sp3d/>
-    <dgm:txPr/>
-    <dgm:style>
-      <a:lnRef idx="2">
-        <a:scrgbClr r="0" g="0" b="0"/>
-      </a:lnRef>
-      <a:fillRef idx="1">
-        <a:scrgbClr r="0" g="0" b="0"/>
-      </a:fillRef>
-      <a:effectRef idx="0">
-        <a:scrgbClr r="0" g="0" b="0"/>
-      </a:effectRef>
-      <a:fontRef idx="minor">
-        <a:schemeClr val="lt1"/>
-      </a:fontRef>
-    </dgm:style>
-  </dgm:styleLbl>
-  <dgm:styleLbl name="fgImgPlace1">
-    <dgm:scene3d>
-      <a:camera prst="orthographicFront"/>
-      <a:lightRig rig="threePt" dir="t"/>
-    </dgm:scene3d>
-    <dgm:sp3d/>
-    <dgm:txPr/>
-    <dgm:style>
-      <a:lnRef idx="2">
-        <a:scrgbClr r="0" g="0" b="0"/>
-      </a:lnRef>
-      <a:fillRef idx="1">
-        <a:scrgbClr r="0" g="0" b="0"/>
-      </a:fillRef>
-      <a:effectRef idx="0">
-        <a:scrgbClr r="0" g="0" b="0"/>
-      </a:effectRef>
-      <a:fontRef idx="minor"/>
-    </dgm:style>
-  </dgm:styleLbl>
-  <dgm:styleLbl name="alignImgPlace1">
-    <dgm:scene3d>
-      <a:camera prst="orthographicFront"/>
-      <a:lightRig rig="threePt" dir="t"/>
-    </dgm:scene3d>
-    <dgm:sp3d/>
-    <dgm:txPr/>
-    <dgm:style>
-      <a:lnRef idx="2">
-        <a:scrgbClr r="0" g="0" b="0"/>
-      </a:lnRef>
-      <a:fillRef idx="1">
-        <a:scrgbClr r="0" g="0" b="0"/>
-      </a:fillRef>
-      <a:effectRef idx="0">
-        <a:scrgbClr r="0" g="0" b="0"/>
-      </a:effectRef>
-      <a:fontRef idx="minor"/>
-    </dgm:style>
-  </dgm:styleLbl>
-  <dgm:styleLbl name="bgImgPlace1">
-    <dgm:scene3d>
-      <a:camera prst="orthographicFront"/>
-      <a:lightRig rig="threePt" dir="t"/>
-    </dgm:scene3d>
-    <dgm:sp3d/>
-    <dgm:txPr/>
-    <dgm:style>
-      <a:lnRef idx="2">
-        <a:scrgbClr r="0" g="0" b="0"/>
-      </a:lnRef>
-      <a:fillRef idx="1">
-        <a:scrgbClr r="0" g="0" b="0"/>
-      </a:fillRef>
-      <a:effectRef idx="0">
-        <a:scrgbClr r="0" g="0" b="0"/>
-      </a:effectRef>
-      <a:fontRef idx="minor"/>
-    </dgm:style>
-  </dgm:styleLbl>
-  <dgm:styleLbl name="sibTrans2D1">
-    <dgm:scene3d>
-      <a:camera prst="orthographicFront"/>
-      <a:lightRig rig="threePt" dir="t"/>
-    </dgm:scene3d>
-    <dgm:sp3d/>
-    <dgm:txPr/>
-    <dgm:style>
-      <a:lnRef idx="0">
-        <a:scrgbClr r="0" g="0" b="0"/>
-      </a:lnRef>
-      <a:fillRef idx="1">
-        <a:scrgbClr r="0" g="0" b="0"/>
-      </a:fillRef>
-      <a:effectRef idx="0">
-        <a:scrgbClr r="0" g="0" b="0"/>
-      </a:effectRef>
-      <a:fontRef idx="minor">
-        <a:schemeClr val="lt1"/>
-      </a:fontRef>
-    </dgm:style>
-  </dgm:styleLbl>
-  <dgm:styleLbl name="fgSibTrans2D1">
-    <dgm:scene3d>
-      <a:camera prst="orthographicFront"/>
-      <a:lightRig rig="threePt" dir="t"/>
-    </dgm:scene3d>
-    <dgm:sp3d/>
-    <dgm:txPr/>
-    <dgm:style>
-      <a:lnRef idx="0">
-        <a:scrgbClr r="0" g="0" b="0"/>
-      </a:lnRef>
-      <a:fillRef idx="1">
-        <a:scrgbClr r="0" g="0" b="0"/>
-      </a:fillRef>
-      <a:effectRef idx="0">
-        <a:scrgbClr r="0" g="0" b="0"/>
-      </a:effectRef>
-      <a:fontRef idx="minor">
-        <a:schemeClr val="lt1"/>
-      </a:fontRef>
-    </dgm:style>
-  </dgm:styleLbl>
-  <dgm:styleLbl name="bgSibTrans2D1">
-    <dgm:scene3d>
-      <a:camera prst="orthographicFront"/>
-      <a:lightRig rig="threePt" dir="t"/>
-    </dgm:scene3d>
-    <dgm:sp3d/>
-    <dgm:txPr/>
-    <dgm:style>
-      <a:lnRef idx="0">
-        <a:scrgbClr r="0" g="0" b="0"/>
-      </a:lnRef>
-      <a:fillRef idx="1">
-        <a:scrgbClr r="0" g="0" b="0"/>
-      </a:fillRef>
-      <a:effectRef idx="0">
-        <a:scrgbClr r="0" g="0" b="0"/>
-      </a:effectRef>
-      <a:fontRef idx="minor">
-        <a:schemeClr val="lt1"/>
-      </a:fontRef>
-    </dgm:style>
-  </dgm:styleLbl>
-  <dgm:styleLbl name="sibTrans1D1">
-    <dgm:scene3d>
-      <a:camera prst="orthographicFront"/>
-      <a:lightRig rig="threePt" dir="t"/>
-    </dgm:scene3d>
-    <dgm:sp3d/>
-    <dgm:txPr/>
-    <dgm:style>
-      <a:lnRef idx="1">
-        <a:scrgbClr r="0" g="0" b="0"/>
-      </a:lnRef>
-      <a:fillRef idx="0">
-        <a:scrgbClr r="0" g="0" b="0"/>
-      </a:fillRef>
-      <a:effectRef idx="0">
-        <a:scrgbClr r="0" g="0" b="0"/>
-      </a:effectRef>
-      <a:fontRef idx="minor"/>
-    </dgm:style>
-  </dgm:styleLbl>
-  <dgm:styleLbl name="callout">
-    <dgm:scene3d>
-      <a:camera prst="orthographicFront"/>
-      <a:lightRig rig="threePt" dir="t"/>
-    </dgm:scene3d>
-    <dgm:sp3d/>
-    <dgm:txPr/>
-    <dgm:style>
-      <a:lnRef idx="2">
-        <a:scrgbClr r="0" g="0" b="0"/>
-      </a:lnRef>
-      <a:fillRef idx="1">
-        <a:scrgbClr r="0" g="0" b="0"/>
-      </a:fillRef>
-      <a:effectRef idx="0">
-        <a:scrgbClr r="0" g="0" b="0"/>
-      </a:effectRef>
-      <a:fontRef idx="minor"/>
-    </dgm:style>
-  </dgm:styleLbl>
-  <dgm:styleLbl name="asst0">
-    <dgm:scene3d>
-      <a:camera prst="orthographicFront"/>
-      <a:lightRig rig="threePt" dir="t"/>
-    </dgm:scene3d>
-    <dgm:sp3d/>
-    <dgm:txPr/>
-    <dgm:style>
-      <a:lnRef idx="2">
-        <a:scrgbClr r="0" g="0" b="0"/>
-      </a:lnRef>
-      <a:fillRef idx="1">
-        <a:scrgbClr r="0" g="0" b="0"/>
-      </a:fillRef>
-      <a:effectRef idx="0">
-        <a:scrgbClr r="0" g="0" b="0"/>
-      </a:effectRef>
-      <a:fontRef idx="minor">
-        <a:schemeClr val="lt1"/>
-      </a:fontRef>
-    </dgm:style>
-  </dgm:styleLbl>
-  <dgm:styleLbl name="asst1">
-    <dgm:scene3d>
-      <a:camera prst="orthographicFront"/>
-      <a:lightRig rig="threePt" dir="t"/>
-    </dgm:scene3d>
-    <dgm:sp3d/>
-    <dgm:txPr/>
-    <dgm:style>
-      <a:lnRef idx="2">
-        <a:scrgbClr r="0" g="0" b="0"/>
-      </a:lnRef>
-      <a:fillRef idx="1">
-        <a:scrgbClr r="0" g="0" b="0"/>
-      </a:fillRef>
-      <a:effectRef idx="0">
-        <a:scrgbClr r="0" g="0" b="0"/>
-      </a:effectRef>
-      <a:fontRef idx="minor">
-        <a:schemeClr val="lt1"/>
-      </a:fontRef>
-    </dgm:style>
-  </dgm:styleLbl>
-  <dgm:styleLbl name="asst2">
-    <dgm:scene3d>
-      <a:camera prst="orthographicFront"/>
-      <a:lightRig rig="threePt" dir="t"/>
-    </dgm:scene3d>
-    <dgm:sp3d/>
-    <dgm:txPr/>
-    <dgm:style>
-      <a:lnRef idx="2">
-        <a:scrgbClr r="0" g="0" b="0"/>
-      </a:lnRef>
-      <a:fillRef idx="1">
-        <a:scrgbClr r="0" g="0" b="0"/>
-      </a:fillRef>
-      <a:effectRef idx="0">
-        <a:scrgbClr r="0" g="0" b="0"/>
-      </a:effectRef>
-      <a:fontRef idx="minor">
-        <a:schemeClr val="lt1"/>
-      </a:fontRef>
-    </dgm:style>
-  </dgm:styleLbl>
-  <dgm:styleLbl name="asst3">
-    <dgm:scene3d>
-      <a:camera prst="orthographicFront"/>
-      <a:lightRig rig="threePt" dir="t"/>
-    </dgm:scene3d>
-    <dgm:sp3d/>
-    <dgm:txPr/>
-    <dgm:style>
-      <a:lnRef idx="2">
-        <a:scrgbClr r="0" g="0" b="0"/>
-      </a:lnRef>
-      <a:fillRef idx="1">
-        <a:scrgbClr r="0" g="0" b="0"/>
-      </a:fillRef>
-      <a:effectRef idx="0">
-        <a:scrgbClr r="0" g="0" b="0"/>
-      </a:effectRef>
-      <a:fontRef idx="minor">
-        <a:schemeClr val="lt1"/>
-      </a:fontRef>
-    </dgm:style>
-  </dgm:styleLbl>
-  <dgm:styleLbl name="asst4">
-    <dgm:scene3d>
-      <a:camera prst="orthographicFront"/>
-      <a:lightRig rig="threePt" dir="t"/>
-    </dgm:scene3d>
-    <dgm:sp3d/>
-    <dgm:txPr/>
-    <dgm:style>
-      <a:lnRef idx="2">
-        <a:scrgbClr r="0" g="0" b="0"/>
-      </a:lnRef>
-      <a:fillRef idx="1">
-        <a:scrgbClr r="0" g="0" b="0"/>
-      </a:fillRef>
-      <a:effectRef idx="0">
-        <a:scrgbClr r="0" g="0" b="0"/>
-      </a:effectRef>
-      <a:fontRef idx="minor">
-        <a:schemeClr val="lt1"/>
-      </a:fontRef>
-    </dgm:style>
-  </dgm:styleLbl>
-  <dgm:styleLbl name="parChTrans2D1">
-    <dgm:scene3d>
-      <a:camera prst="orthographicFront"/>
-      <a:lightRig rig="threePt" dir="t"/>
-    </dgm:scene3d>
-    <dgm:sp3d/>
-    <dgm:txPr/>
-    <dgm:style>
-      <a:lnRef idx="2">
-        <a:scrgbClr r="0" g="0" b="0"/>
-      </a:lnRef>
-      <a:fillRef idx="1">
-        <a:scrgbClr r="0" g="0" b="0"/>
-      </a:fillRef>
-      <a:effectRef idx="0">
-        <a:scrgbClr r="0" g="0" b="0"/>
-      </a:effectRef>
-      <a:fontRef idx="minor">
-        <a:schemeClr val="lt1"/>
-      </a:fontRef>
-    </dgm:style>
-  </dgm:styleLbl>
-  <dgm:styleLbl name="parChTrans2D2">
-    <dgm:scene3d>
-      <a:camera prst="orthographicFront"/>
-      <a:lightRig rig="threePt" dir="t"/>
-    </dgm:scene3d>
-    <dgm:sp3d/>
-    <dgm:txPr/>
-    <dgm:style>
-      <a:lnRef idx="2">
-        <a:scrgbClr r="0" g="0" b="0"/>
-      </a:lnRef>
-      <a:fillRef idx="1">
-        <a:scrgbClr r="0" g="0" b="0"/>
-      </a:fillRef>
-      <a:effectRef idx="0">
-        <a:scrgbClr r="0" g="0" b="0"/>
-      </a:effectRef>
-      <a:fontRef idx="minor">
-        <a:schemeClr val="lt1"/>
-      </a:fontRef>
-    </dgm:style>
-  </dgm:styleLbl>
-  <dgm:styleLbl name="parChTrans2D3">
-    <dgm:scene3d>
-      <a:camera prst="orthographicFront"/>
-      <a:lightRig rig="threePt" dir="t"/>
-    </dgm:scene3d>
-    <dgm:sp3d/>
-    <dgm:txPr/>
-    <dgm:style>
-      <a:lnRef idx="2">
-        <a:scrgbClr r="0" g="0" b="0"/>
-      </a:lnRef>
-      <a:fillRef idx="1">
-        <a:scrgbClr r="0" g="0" b="0"/>
-      </a:fillRef>
-      <a:effectRef idx="0">
-        <a:scrgbClr r="0" g="0" b="0"/>
-      </a:effectRef>
-      <a:fontRef idx="minor">
-        <a:schemeClr val="lt1"/>
-      </a:fontRef>
-    </dgm:style>
-  </dgm:styleLbl>
-  <dgm:styleLbl name="parChTrans2D4">
-    <dgm:scene3d>
-      <a:camera prst="orthographicFront"/>
-      <a:lightRig rig="threePt" dir="t"/>
-    </dgm:scene3d>
-    <dgm:sp3d/>
-    <dgm:txPr/>
-    <dgm:style>
-      <a:lnRef idx="2">
-        <a:scrgbClr r="0" g="0" b="0"/>
-      </a:lnRef>
-      <a:fillRef idx="1">
-        <a:scrgbClr r="0" g="0" b="0"/>
-      </a:fillRef>
-      <a:effectRef idx="0">
-        <a:scrgbClr r="0" g="0" b="0"/>
-      </a:effectRef>
-      <a:fontRef idx="minor">
-        <a:schemeClr val="lt1"/>
-      </a:fontRef>
-    </dgm:style>
-  </dgm:styleLbl>
-  <dgm:styleLbl name="parChTrans1D1">
-    <dgm:scene3d>
-      <a:camera prst="orthographicFront"/>
-      <a:lightRig rig="threePt" dir="t"/>
-    </dgm:scene3d>
-    <dgm:sp3d/>
-    <dgm:txPr/>
-    <dgm:style>
-      <a:lnRef idx="2">
-        <a:scrgbClr r="0" g="0" b="0"/>
-      </a:lnRef>
-      <a:fillRef idx="0">
-        <a:scrgbClr r="0" g="0" b="0"/>
-      </a:fillRef>
-      <a:effectRef idx="0">
-        <a:scrgbClr r="0" g="0" b="0"/>
-      </a:effectRef>
-      <a:fontRef idx="minor"/>
-    </dgm:style>
-  </dgm:styleLbl>
-  <dgm:styleLbl name="parChTrans1D2">
-    <dgm:scene3d>
-      <a:camera prst="orthographicFront"/>
-      <a:lightRig rig="threePt" dir="t"/>
-    </dgm:scene3d>
-    <dgm:sp3d/>
-    <dgm:txPr/>
-    <dgm:style>
-      <a:lnRef idx="2">
-        <a:scrgbClr r="0" g="0" b="0"/>
-      </a:lnRef>
-      <a:fillRef idx="0">
-        <a:scrgbClr r="0" g="0" b="0"/>
-      </a:fillRef>
-      <a:effectRef idx="0">
-        <a:scrgbClr r="0" g="0" b="0"/>
-      </a:effectRef>
-      <a:fontRef idx="minor"/>
-    </dgm:style>
-  </dgm:styleLbl>
-  <dgm:styleLbl name="parChTrans1D3">
-    <dgm:scene3d>
-      <a:camera prst="orthographicFront"/>
-      <a:lightRig rig="threePt" dir="t"/>
-    </dgm:scene3d>
-    <dgm:sp3d/>
-    <dgm:txPr/>
-    <dgm:style>
-      <a:lnRef idx="2">
-        <a:scrgbClr r="0" g="0" b="0"/>
-      </a:lnRef>
-      <a:fillRef idx="0">
-        <a:scrgbClr r="0" g="0" b="0"/>
-      </a:fillRef>
-      <a:effectRef idx="0">
-        <a:scrgbClr r="0" g="0" b="0"/>
-      </a:effectRef>
-      <a:fontRef idx="minor"/>
-    </dgm:style>
-  </dgm:styleLbl>
-  <dgm:styleLbl name="parChTrans1D4">
-    <dgm:scene3d>
-      <a:camera prst="orthographicFront"/>
-      <a:lightRig rig="threePt" dir="t"/>
-    </dgm:scene3d>
-    <dgm:sp3d/>
-    <dgm:txPr/>
-    <dgm:style>
-      <a:lnRef idx="2">
-        <a:scrgbClr r="0" g="0" b="0"/>
-      </a:lnRef>
-      <a:fillRef idx="0">
-        <a:scrgbClr r="0" g="0" b="0"/>
-      </a:fillRef>
-      <a:effectRef idx="0">
-        <a:scrgbClr r="0" g="0" b="0"/>
-      </a:effectRef>
-      <a:fontRef idx="minor"/>
-    </dgm:style>
-  </dgm:styleLbl>
-  <dgm:styleLbl name="fgAcc1">
-    <dgm:scene3d>
-      <a:camera prst="orthographicFront"/>
-      <a:lightRig rig="threePt" dir="t"/>
-    </dgm:scene3d>
-    <dgm:sp3d/>
-    <dgm:txPr/>
-    <dgm:style>
-      <a:lnRef idx="2">
-        <a:scrgbClr r="0" g="0" b="0"/>
-      </a:lnRef>
-      <a:fillRef idx="1">
-        <a:scrgbClr r="0" g="0" b="0"/>
-      </a:fillRef>
-      <a:effectRef idx="0">
-        <a:scrgbClr r="0" g="0" b="0"/>
-      </a:effectRef>
-      <a:fontRef idx="minor"/>
-    </dgm:style>
-  </dgm:styleLbl>
-  <dgm:styleLbl name="conFgAcc1">
-    <dgm:scene3d>
-      <a:camera prst="orthographicFront"/>
-      <a:lightRig rig="threePt" dir="t"/>
-    </dgm:scene3d>
-    <dgm:sp3d/>
-    <dgm:txPr/>
-    <dgm:style>
-      <a:lnRef idx="2">
-        <a:scrgbClr r="0" g="0" b="0"/>
-      </a:lnRef>
-      <a:fillRef idx="1">
-        <a:scrgbClr r="0" g="0" b="0"/>
-      </a:fillRef>
-      <a:effectRef idx="0">
-        <a:scrgbClr r="0" g="0" b="0"/>
-      </a:effectRef>
-      <a:fontRef idx="minor"/>
-    </dgm:style>
-  </dgm:styleLbl>
-  <dgm:styleLbl name="alignAcc1">
-    <dgm:scene3d>
-      <a:camera prst="orthographicFront"/>
-      <a:lightRig rig="threePt" dir="t"/>
-    </dgm:scene3d>
-    <dgm:sp3d/>
-    <dgm:txPr/>
-    <dgm:style>
-      <a:lnRef idx="2">
-        <a:scrgbClr r="0" g="0" b="0"/>
-      </a:lnRef>
-      <a:fillRef idx="1">
-        <a:scrgbClr r="0" g="0" b="0"/>
-      </a:fillRef>
-      <a:effectRef idx="0">
-        <a:scrgbClr r="0" g="0" b="0"/>
-      </a:effectRef>
-      <a:fontRef idx="minor"/>
-    </dgm:style>
-  </dgm:styleLbl>
-  <dgm:styleLbl name="trAlignAcc1">
-    <dgm:scene3d>
-      <a:camera prst="orthographicFront"/>
-      <a:lightRig rig="threePt" dir="t"/>
-    </dgm:scene3d>
-    <dgm:sp3d/>
-    <dgm:txPr/>
-    <dgm:style>
-      <a:lnRef idx="1">
-        <a:scrgbClr r="0" g="0" b="0"/>
-      </a:lnRef>
-      <a:fillRef idx="1">
-        <a:scrgbClr r="0" g="0" b="0"/>
-      </a:fillRef>
-      <a:effectRef idx="0">
-        <a:scrgbClr r="0" g="0" b="0"/>
-      </a:effectRef>
-      <a:fontRef idx="minor"/>
-    </dgm:style>
-  </dgm:styleLbl>
-  <dgm:styleLbl name="bgAcc1">
-    <dgm:scene3d>
-      <a:camera prst="orthographicFront"/>
-      <a:lightRig rig="threePt" dir="t"/>
-    </dgm:scene3d>
-    <dgm:sp3d/>
-    <dgm:txPr/>
-    <dgm:style>
-      <a:lnRef idx="2">
-        <a:scrgbClr r="0" g="0" b="0"/>
-      </a:lnRef>
-      <a:fillRef idx="1">
-        <a:scrgbClr r="0" g="0" b="0"/>
-      </a:fillRef>
-      <a:effectRef idx="0">
-        <a:scrgbClr r="0" g="0" b="0"/>
-      </a:effectRef>
-      <a:fontRef idx="minor"/>
-    </dgm:style>
-  </dgm:styleLbl>
-  <dgm:styleLbl name="solidFgAcc1">
-    <dgm:scene3d>
-      <a:camera prst="orthographicFront"/>
-      <a:lightRig rig="threePt" dir="t"/>
-    </dgm:scene3d>
-    <dgm:sp3d/>
-    <dgm:txPr/>
-    <dgm:style>
-      <a:lnRef idx="2">
-        <a:scrgbClr r="0" g="0" b="0"/>
-      </a:lnRef>
-      <a:fillRef idx="1">
-        <a:scrgbClr r="0" g="0" b="0"/>
-      </a:fillRef>
-      <a:effectRef idx="0">
-        <a:scrgbClr r="0" g="0" b="0"/>
-      </a:effectRef>
-      <a:fontRef idx="minor"/>
-    </dgm:style>
-  </dgm:styleLbl>
-  <dgm:styleLbl name="solidAlignAcc1">
-    <dgm:scene3d>
-      <a:camera prst="orthographicFront"/>
-      <a:lightRig rig="threePt" dir="t"/>
-    </dgm:scene3d>
-    <dgm:sp3d/>
-    <dgm:txPr/>
-    <dgm:style>
-      <a:lnRef idx="2">
-        <a:scrgbClr r="0" g="0" b="0"/>
-      </a:lnRef>
-      <a:fillRef idx="1">
-        <a:scrgbClr r="0" g="0" b="0"/>
-      </a:fillRef>
-      <a:effectRef idx="0">
-        <a:scrgbClr r="0" g="0" b="0"/>
-      </a:effectRef>
-      <a:fontRef idx="minor"/>
-    </dgm:style>
-  </dgm:styleLbl>
-  <dgm:styleLbl name="solidBgAcc1">
-    <dgm:scene3d>
-      <a:camera prst="orthographicFront"/>
-      <a:lightRig rig="threePt" dir="t"/>
-    </dgm:scene3d>
-    <dgm:sp3d/>
-    <dgm:txPr/>
-    <dgm:style>
-      <a:lnRef idx="2">
-        <a:scrgbClr r="0" g="0" b="0"/>
-      </a:lnRef>
-      <a:fillRef idx="1">
-        <a:scrgbClr r="0" g="0" b="0"/>
-      </a:fillRef>
-      <a:effectRef idx="0">
-        <a:scrgbClr r="0" g="0" b="0"/>
-      </a:effectRef>
-      <a:fontRef idx="minor"/>
-    </dgm:style>
-  </dgm:styleLbl>
-  <dgm:styleLbl name="fgAccFollowNode1">
-    <dgm:scene3d>
-      <a:camera prst="orthographicFront"/>
-      <a:lightRig rig="threePt" dir="t"/>
-    </dgm:scene3d>
-    <dgm:sp3d/>
-    <dgm:txPr/>
-    <dgm:style>
-      <a:lnRef idx="2">
-        <a:scrgbClr r="0" g="0" b="0"/>
-      </a:lnRef>
-      <a:fillRef idx="1">
-        <a:scrgbClr r="0" g="0" b="0"/>
-      </a:fillRef>
-      <a:effectRef idx="0">
-        <a:scrgbClr r="0" g="0" b="0"/>
-      </a:effectRef>
-      <a:fontRef idx="minor"/>
-    </dgm:style>
-  </dgm:styleLbl>
-  <dgm:styleLbl name="alignAccFollowNode1">
-    <dgm:scene3d>
-      <a:camera prst="orthographicFront"/>
-      <a:lightRig rig="threePt" dir="t"/>
-    </dgm:scene3d>
-    <dgm:sp3d/>
-    <dgm:txPr/>
-    <dgm:style>
-      <a:lnRef idx="2">
-        <a:scrgbClr r="0" g="0" b="0"/>
-      </a:lnRef>
-      <a:fillRef idx="1">
-        <a:scrgbClr r="0" g="0" b="0"/>
-      </a:fillRef>
-      <a:effectRef idx="0">
-        <a:scrgbClr r="0" g="0" b="0"/>
-      </a:effectRef>
-      <a:fontRef idx="minor"/>
-    </dgm:style>
-  </dgm:styleLbl>
-  <dgm:styleLbl name="bgAccFollowNode1">
-    <dgm:scene3d>
-      <a:camera prst="orthographicFront"/>
-      <a:lightRig rig="threePt" dir="t"/>
-    </dgm:scene3d>
-    <dgm:sp3d/>
-    <dgm:txPr/>
-    <dgm:style>
-      <a:lnRef idx="2">
-        <a:scrgbClr r="0" g="0" b="0"/>
-      </a:lnRef>
-      <a:fillRef idx="1">
-        <a:scrgbClr r="0" g="0" b="0"/>
-      </a:fillRef>
-      <a:effectRef idx="0">
-        <a:scrgbClr r="0" g="0" b="0"/>
-      </a:effectRef>
-      <a:fontRef idx="minor"/>
-    </dgm:style>
-  </dgm:styleLbl>
-  <dgm:styleLbl name="fgAcc0">
-    <dgm:scene3d>
-      <a:camera prst="orthographicFront"/>
-      <a:lightRig rig="threePt" dir="t"/>
-    </dgm:scene3d>
-    <dgm:sp3d/>
-    <dgm:txPr/>
-    <dgm:style>
-      <a:lnRef idx="2">
-        <a:scrgbClr r="0" g="0" b="0"/>
-      </a:lnRef>
-      <a:fillRef idx="1">
-        <a:scrgbClr r="0" g="0" b="0"/>
-      </a:fillRef>
-      <a:effectRef idx="0">
-        <a:scrgbClr r="0" g="0" b="0"/>
-      </a:effectRef>
-      <a:fontRef idx="minor"/>
-    </dgm:style>
-  </dgm:styleLbl>
-  <dgm:styleLbl name="fgAcc2">
-    <dgm:scene3d>
-      <a:camera prst="orthographicFront"/>
-      <a:lightRig rig="threePt" dir="t"/>
-    </dgm:scene3d>
-    <dgm:sp3d/>
-    <dgm:txPr/>
-    <dgm:style>
-      <a:lnRef idx="2">
-        <a:scrgbClr r="0" g="0" b="0"/>
-      </a:lnRef>
-      <a:fillRef idx="1">
-        <a:scrgbClr r="0" g="0" b="0"/>
-      </a:fillRef>
-      <a:effectRef idx="0">
-        <a:scrgbClr r="0" g="0" b="0"/>
-      </a:effectRef>
-      <a:fontRef idx="minor"/>
-    </dgm:style>
-  </dgm:styleLbl>
-  <dgm:styleLbl name="fgAcc3">
-    <dgm:scene3d>
-      <a:camera prst="orthographicFront"/>
-      <a:lightRig rig="threePt" dir="t"/>
-    </dgm:scene3d>
-    <dgm:sp3d/>
-    <dgm:txPr/>
-    <dgm:style>
-      <a:lnRef idx="2">
-        <a:scrgbClr r="0" g="0" b="0"/>
-      </a:lnRef>
-      <a:fillRef idx="1">
-        <a:scrgbClr r="0" g="0" b="0"/>
-      </a:fillRef>
-      <a:effectRef idx="0">
-        <a:scrgbClr r="0" g="0" b="0"/>
-      </a:effectRef>
-      <a:fontRef idx="minor"/>
-    </dgm:style>
-  </dgm:styleLbl>
-  <dgm:styleLbl name="fgAcc4">
-    <dgm:scene3d>
-      <a:camera prst="orthographicFront"/>
-      <a:lightRig rig="threePt" dir="t"/>
-    </dgm:scene3d>
-    <dgm:sp3d/>
-    <dgm:txPr/>
-    <dgm:style>
-      <a:lnRef idx="2">
-        <a:scrgbClr r="0" g="0" b="0"/>
-      </a:lnRef>
-      <a:fillRef idx="1">
-        <a:scrgbClr r="0" g="0" b="0"/>
-      </a:fillRef>
-      <a:effectRef idx="0">
-        <a:scrgbClr r="0" g="0" b="0"/>
-      </a:effectRef>
-      <a:fontRef idx="minor"/>
-    </dgm:style>
-  </dgm:styleLbl>
-  <dgm:styleLbl name="bgShp">
-    <dgm:scene3d>
-      <a:camera prst="orthographicFront"/>
-      <a:lightRig rig="threePt" dir="t"/>
-    </dgm:scene3d>
-    <dgm:sp3d/>
-    <dgm:txPr/>
-    <dgm:style>
-      <a:lnRef idx="0">
-        <a:scrgbClr r="0" g="0" b="0"/>
-      </a:lnRef>
-      <a:fillRef idx="1">
-        <a:scrgbClr r="0" g="0" b="0"/>
-      </a:fillRef>
-      <a:effectRef idx="0">
-        <a:scrgbClr r="0" g="0" b="0"/>
-      </a:effectRef>
-      <a:fontRef idx="minor"/>
-    </dgm:style>
-  </dgm:styleLbl>
-  <dgm:styleLbl name="dkBgShp">
-    <dgm:scene3d>
-      <a:camera prst="orthographicFront"/>
-      <a:lightRig rig="threePt" dir="t"/>
-    </dgm:scene3d>
-    <dgm:sp3d/>
-    <dgm:txPr/>
-    <dgm:style>
-      <a:lnRef idx="0">
-        <a:scrgbClr r="0" g="0" b="0"/>
-      </a:lnRef>
-      <a:fillRef idx="1">
-        <a:scrgbClr r="0" g="0" b="0"/>
-      </a:fillRef>
-      <a:effectRef idx="0">
-        <a:scrgbClr r="0" g="0" b="0"/>
-      </a:effectRef>
-      <a:fontRef idx="minor"/>
-    </dgm:style>
-  </dgm:styleLbl>
-  <dgm:styleLbl name="trBgShp">
-    <dgm:scene3d>
-      <a:camera prst="orthographicFront"/>
-      <a:lightRig rig="threePt" dir="t"/>
-    </dgm:scene3d>
-    <dgm:sp3d/>
-    <dgm:txPr/>
-    <dgm:style>
-      <a:lnRef idx="0">
-        <a:scrgbClr r="0" g="0" b="0"/>
-      </a:lnRef>
-      <a:fillRef idx="1">
-        <a:scrgbClr r="0" g="0" b="0"/>
-      </a:fillRef>
-      <a:effectRef idx="0">
-        <a:scrgbClr r="0" g="0" b="0"/>
-      </a:effectRef>
-      <a:fontRef idx="minor"/>
-    </dgm:style>
-  </dgm:styleLbl>
-  <dgm:styleLbl name="fgShp">
-    <dgm:scene3d>
-      <a:camera prst="orthographicFront"/>
-      <a:lightRig rig="threePt" dir="t"/>
-    </dgm:scene3d>
-    <dgm:sp3d/>
-    <dgm:txPr/>
-    <dgm:style>
-      <a:lnRef idx="2">
-        <a:scrgbClr r="0" g="0" b="0"/>
-      </a:lnRef>
-      <a:fillRef idx="1">
-        <a:scrgbClr r="0" g="0" b="0"/>
-      </a:fillRef>
-      <a:effectRef idx="0">
-        <a:scrgbClr r="0" g="0" b="0"/>
-      </a:effectRef>
-      <a:fontRef idx="minor"/>
-    </dgm:style>
-  </dgm:styleLbl>
-  <dgm:styleLbl name="revTx">
-    <dgm:scene3d>
-      <a:camera prst="orthographicFront"/>
-      <a:lightRig rig="threePt" dir="t"/>
-    </dgm:scene3d>
-    <dgm:sp3d/>
-    <dgm:txPr/>
-    <dgm:style>
-      <a:lnRef idx="0">
-        <a:scrgbClr r="0" g="0" b="0"/>
-      </a:lnRef>
-      <a:fillRef idx="0">
-        <a:scrgbClr r="0" g="0" b="0"/>
-      </a:fillRef>
-      <a:effectRef idx="0">
-        <a:scrgbClr r="0" g="0" b="0"/>
-      </a:effectRef>
-      <a:fontRef idx="minor"/>
-    </dgm:style>
-  </dgm:styleLbl>
-</dgm:styleDef>
-</file>
-
 <file path=ppt/slideLayouts/slideLayout1.xml><?xml version="1.0" encoding="utf-8"?>
 <p:sldLayout xmlns:a="http://schemas.openxmlformats.org/drawingml/2006/main" xmlns:r="http://schemas.openxmlformats.org/officeDocument/2006/relationships" xmlns:p="http://schemas.openxmlformats.org/presentationml/2006/main" type="title" preserve="1">
   <p:cSld name="Title Slide">
@@ -10424,7 +4079,7 @@
           <a:p>
             <a:fld id="{5F380A98-F1C7-4D83-91DB-0EF3D4E38D70}" type="datetimeFigureOut">
               <a:rPr lang="en-US" smtClean="0"/>
-              <a:t>6/4/2025</a:t>
+              <a:t>7/28/2025</a:t>
             </a:fld>
             <a:endParaRPr lang="en-US"/>
           </a:p>
@@ -10622,7 +4277,7 @@
           <a:p>
             <a:fld id="{5F380A98-F1C7-4D83-91DB-0EF3D4E38D70}" type="datetimeFigureOut">
               <a:rPr lang="en-US" smtClean="0"/>
-              <a:t>6/4/2025</a:t>
+              <a:t>7/28/2025</a:t>
             </a:fld>
             <a:endParaRPr lang="en-US"/>
           </a:p>
@@ -10830,7 +4485,7 @@
           <a:p>
             <a:fld id="{5F380A98-F1C7-4D83-91DB-0EF3D4E38D70}" type="datetimeFigureOut">
               <a:rPr lang="en-US" smtClean="0"/>
-              <a:t>6/4/2025</a:t>
+              <a:t>7/28/2025</a:t>
             </a:fld>
             <a:endParaRPr lang="en-US"/>
           </a:p>
@@ -11072,7 +4727,7 @@
           <a:p>
             <a:fld id="{5F380A98-F1C7-4D83-91DB-0EF3D4E38D70}" type="datetimeFigureOut">
               <a:rPr lang="en-US" smtClean="0"/>
-              <a:t>6/4/2025</a:t>
+              <a:t>7/28/2025</a:t>
             </a:fld>
             <a:endParaRPr lang="en-US"/>
           </a:p>
@@ -11347,7 +5002,7 @@
           <a:p>
             <a:fld id="{5F380A98-F1C7-4D83-91DB-0EF3D4E38D70}" type="datetimeFigureOut">
               <a:rPr lang="en-US" smtClean="0"/>
-              <a:t>6/4/2025</a:t>
+              <a:t>7/28/2025</a:t>
             </a:fld>
             <a:endParaRPr lang="en-US"/>
           </a:p>
@@ -11612,7 +5267,7 @@
           <a:p>
             <a:fld id="{5F380A98-F1C7-4D83-91DB-0EF3D4E38D70}" type="datetimeFigureOut">
               <a:rPr lang="en-US" smtClean="0"/>
-              <a:t>6/4/2025</a:t>
+              <a:t>7/28/2025</a:t>
             </a:fld>
             <a:endParaRPr lang="en-US"/>
           </a:p>
@@ -12024,7 +5679,7 @@
           <a:p>
             <a:fld id="{5F380A98-F1C7-4D83-91DB-0EF3D4E38D70}" type="datetimeFigureOut">
               <a:rPr lang="en-US" smtClean="0"/>
-              <a:t>6/4/2025</a:t>
+              <a:t>7/28/2025</a:t>
             </a:fld>
             <a:endParaRPr lang="en-US"/>
           </a:p>
@@ -12165,7 +5820,7 @@
           <a:p>
             <a:fld id="{5F380A98-F1C7-4D83-91DB-0EF3D4E38D70}" type="datetimeFigureOut">
               <a:rPr lang="en-US" smtClean="0"/>
-              <a:t>6/4/2025</a:t>
+              <a:t>7/28/2025</a:t>
             </a:fld>
             <a:endParaRPr lang="en-US"/>
           </a:p>
@@ -12278,7 +5933,7 @@
           <a:p>
             <a:fld id="{5F380A98-F1C7-4D83-91DB-0EF3D4E38D70}" type="datetimeFigureOut">
               <a:rPr lang="en-US" smtClean="0"/>
-              <a:t>6/4/2025</a:t>
+              <a:t>7/28/2025</a:t>
             </a:fld>
             <a:endParaRPr lang="en-US"/>
           </a:p>
@@ -12589,7 +6244,7 @@
           <a:p>
             <a:fld id="{5F380A98-F1C7-4D83-91DB-0EF3D4E38D70}" type="datetimeFigureOut">
               <a:rPr lang="en-US" smtClean="0"/>
-              <a:t>6/4/2025</a:t>
+              <a:t>7/28/2025</a:t>
             </a:fld>
             <a:endParaRPr lang="en-US"/>
           </a:p>
@@ -12877,7 +6532,7 @@
           <a:p>
             <a:fld id="{5F380A98-F1C7-4D83-91DB-0EF3D4E38D70}" type="datetimeFigureOut">
               <a:rPr lang="en-US" smtClean="0"/>
-              <a:t>6/4/2025</a:t>
+              <a:t>7/28/2025</a:t>
             </a:fld>
             <a:endParaRPr lang="en-US"/>
           </a:p>
@@ -13121,7 +6776,7 @@
           <a:p>
             <a:fld id="{5F380A98-F1C7-4D83-91DB-0EF3D4E38D70}" type="datetimeFigureOut">
               <a:rPr lang="en-US" smtClean="0"/>
-              <a:t>6/4/2025</a:t>
+              <a:t>7/28/2025</a:t>
             </a:fld>
             <a:endParaRPr lang="en-US"/>
           </a:p>
@@ -13556,7 +7211,7 @@
         </p:nvSpPr>
         <p:spPr>
           <a:xfrm>
-            <a:off x="1524000" y="1795351"/>
+            <a:off x="1524000" y="1481249"/>
             <a:ext cx="9144000" cy="2387600"/>
           </a:xfrm>
         </p:spPr>
@@ -13626,139 +7281,6 @@
 </file>
 
 <file path=ppt/slides/slide10.xml><?xml version="1.0" encoding="utf-8"?>
-<p:sld xmlns:a="http://schemas.openxmlformats.org/drawingml/2006/main" xmlns:r="http://schemas.openxmlformats.org/officeDocument/2006/relationships" xmlns:p="http://schemas.openxmlformats.org/presentationml/2006/main">
-  <p:cSld>
-    <p:spTree>
-      <p:nvGrpSpPr>
-        <p:cNvPr id="1" name=""/>
-        <p:cNvGrpSpPr/>
-        <p:nvPr/>
-      </p:nvGrpSpPr>
-      <p:grpSpPr>
-        <a:xfrm>
-          <a:off x="0" y="0"/>
-          <a:ext cx="0" cy="0"/>
-          <a:chOff x="0" y="0"/>
-          <a:chExt cx="0" cy="0"/>
-        </a:xfrm>
-      </p:grpSpPr>
-      <p:sp>
-        <p:nvSpPr>
-          <p:cNvPr id="2" name="Title 1">
-            <a:extLst>
-              <a:ext uri="{FF2B5EF4-FFF2-40B4-BE49-F238E27FC236}">
-                <a16:creationId xmlns:a16="http://schemas.microsoft.com/office/drawing/2014/main" id="{286A0E61-832B-E11F-B624-815F2EFE01DA}"/>
-              </a:ext>
-            </a:extLst>
-          </p:cNvPr>
-          <p:cNvSpPr>
-            <a:spLocks noGrp="1"/>
-          </p:cNvSpPr>
-          <p:nvPr>
-            <p:ph type="title"/>
-          </p:nvPr>
-        </p:nvSpPr>
-        <p:spPr/>
-        <p:txBody>
-          <a:bodyPr/>
-          <a:lstStyle/>
-          <a:p>
-            <a:r>
-              <a:rPr lang="en-US" b="1" dirty="0">
-                <a:solidFill>
-                  <a:schemeClr val="bg1"/>
-                </a:solidFill>
-              </a:rPr>
-              <a:t>How well does it predict?</a:t>
-            </a:r>
-          </a:p>
-        </p:txBody>
-      </p:sp>
-      <p:pic>
-        <p:nvPicPr>
-          <p:cNvPr id="6" name="Content Placeholder 5" descr="Chart, box and whisker chart&#10;&#10;AI-generated content may be incorrect.">
-            <a:extLst>
-              <a:ext uri="{FF2B5EF4-FFF2-40B4-BE49-F238E27FC236}">
-                <a16:creationId xmlns:a16="http://schemas.microsoft.com/office/drawing/2014/main" id="{D899EAEA-C98A-56E8-4AA0-8919854675FF}"/>
-              </a:ext>
-            </a:extLst>
-          </p:cNvPr>
-          <p:cNvPicPr>
-            <a:picLocks noGrp="1" noChangeAspect="1"/>
-          </p:cNvPicPr>
-          <p:nvPr>
-            <p:ph idx="1"/>
-          </p:nvPr>
-        </p:nvPicPr>
-        <p:blipFill>
-          <a:blip r:embed="rId2">
-            <a:extLst>
-              <a:ext uri="{28A0092B-C50C-407E-A947-70E740481C1C}">
-                <a14:useLocalDpi xmlns:a14="http://schemas.microsoft.com/office/drawing/2010/main" val="0"/>
-              </a:ext>
-            </a:extLst>
-          </a:blip>
-          <a:stretch>
-            <a:fillRect/>
-          </a:stretch>
-        </p:blipFill>
-        <p:spPr>
-          <a:xfrm>
-            <a:off x="409012" y="1760706"/>
-            <a:ext cx="5686988" cy="4265242"/>
-          </a:xfrm>
-        </p:spPr>
-      </p:pic>
-      <p:pic>
-        <p:nvPicPr>
-          <p:cNvPr id="10" name="Picture 9" descr="Chart, scatter chart&#10;&#10;AI-generated content may be incorrect.">
-            <a:extLst>
-              <a:ext uri="{FF2B5EF4-FFF2-40B4-BE49-F238E27FC236}">
-                <a16:creationId xmlns:a16="http://schemas.microsoft.com/office/drawing/2014/main" id="{9E3598DB-9C07-80D8-EFED-72C05A2F1B28}"/>
-              </a:ext>
-            </a:extLst>
-          </p:cNvPr>
-          <p:cNvPicPr>
-            <a:picLocks noChangeAspect="1"/>
-          </p:cNvPicPr>
-          <p:nvPr/>
-        </p:nvPicPr>
-        <p:blipFill>
-          <a:blip r:embed="rId3">
-            <a:extLst>
-              <a:ext uri="{28A0092B-C50C-407E-A947-70E740481C1C}">
-                <a14:useLocalDpi xmlns:a14="http://schemas.microsoft.com/office/drawing/2010/main" val="0"/>
-              </a:ext>
-            </a:extLst>
-          </a:blip>
-          <a:stretch>
-            <a:fillRect/>
-          </a:stretch>
-        </p:blipFill>
-        <p:spPr>
-          <a:xfrm>
-            <a:off x="6096000" y="1760707"/>
-            <a:ext cx="5686988" cy="4265241"/>
-          </a:xfrm>
-          <a:prstGeom prst="rect">
-            <a:avLst/>
-          </a:prstGeom>
-        </p:spPr>
-      </p:pic>
-    </p:spTree>
-    <p:extLst>
-      <p:ext uri="{BB962C8B-B14F-4D97-AF65-F5344CB8AC3E}">
-        <p14:creationId xmlns:p14="http://schemas.microsoft.com/office/powerpoint/2010/main" val="2379978136"/>
-      </p:ext>
-    </p:extLst>
-  </p:cSld>
-  <p:clrMapOvr>
-    <a:masterClrMapping/>
-  </p:clrMapOvr>
-</p:sld>
-</file>
-
-<file path=ppt/slides/slide11.xml><?xml version="1.0" encoding="utf-8"?>
 <p:sld xmlns:a="http://schemas.openxmlformats.org/drawingml/2006/main" xmlns:r="http://schemas.openxmlformats.org/officeDocument/2006/relationships" xmlns:p="http://schemas.openxmlformats.org/presentationml/2006/main">
   <p:cSld>
     <p:spTree>
@@ -13906,7 +7428,7 @@
 </p:sld>
 </file>
 
-<file path=ppt/slides/slide12.xml><?xml version="1.0" encoding="utf-8"?>
+<file path=ppt/slides/slide11.xml><?xml version="1.0" encoding="utf-8"?>
 <p:sld xmlns:a="http://schemas.openxmlformats.org/drawingml/2006/main" xmlns:r="http://schemas.openxmlformats.org/officeDocument/2006/relationships" xmlns:p="http://schemas.openxmlformats.org/presentationml/2006/main">
   <p:cSld>
     <p:spTree>
@@ -14609,12 +8131,12 @@
           <a:lstStyle/>
           <a:p>
             <a:r>
-              <a:rPr lang="en-US" b="1">
+              <a:rPr lang="en-US" b="1" dirty="0">
                 <a:solidFill>
                   <a:schemeClr val="bg1"/>
                 </a:solidFill>
               </a:rPr>
-              <a:t>Using all years of salvage (1995-2024)</a:t>
+              <a:t>Simple linear regression</a:t>
             </a:r>
           </a:p>
         </p:txBody>
@@ -14641,67 +8163,64 @@
           <a:lstStyle/>
           <a:p>
             <a:r>
-              <a:rPr lang="en-US"/>
-              <a:t>Simple linear regression to start off with.</a:t>
-            </a:r>
-          </a:p>
-          <a:p>
-            <a:r>
-              <a:rPr lang="en-US"/>
-              <a:t>Fit for all years of salvage was poor.</a:t>
+              <a:rPr lang="en-US" dirty="0"/>
+              <a:t>Loss as response and San Joaquin previous year and 2 years ago indexes as covariates</a:t>
+            </a:r>
+          </a:p>
+          <a:p>
+            <a:r>
+              <a:rPr lang="en-US" dirty="0"/>
+              <a:t>Fit for all years of salvage (1995-2024) was poor.</a:t>
             </a:r>
           </a:p>
           <a:p>
             <a:pPr lvl="1"/>
             <a:r>
-              <a:rPr lang="en-US"/>
+              <a:rPr lang="en-US" dirty="0"/>
               <a:t>No significance in the covariates or intercept</a:t>
             </a:r>
           </a:p>
           <a:p>
             <a:pPr lvl="1"/>
             <a:r>
-              <a:rPr lang="en-US"/>
-              <a:t>R-squared was low</a:t>
-            </a:r>
+              <a:rPr lang="en-US" dirty="0"/>
+              <a:t>R-squared was low (0.07)</a:t>
+            </a:r>
+          </a:p>
+          <a:p>
+            <a:r>
+              <a:rPr lang="en-US" dirty="0"/>
+              <a:t>Fit for post 2009 </a:t>
+            </a:r>
+            <a:r>
+              <a:rPr lang="en-US" dirty="0" err="1"/>
+              <a:t>BiOp</a:t>
+            </a:r>
+            <a:r>
+              <a:rPr lang="en-US" dirty="0"/>
+              <a:t> years (2009-2024) was much better</a:t>
+            </a:r>
+          </a:p>
+          <a:p>
+            <a:pPr lvl="1"/>
+            <a:r>
+              <a:rPr lang="en-US" dirty="0"/>
+              <a:t>Significance in the intercept and covariates</a:t>
+            </a:r>
+          </a:p>
+          <a:p>
+            <a:pPr lvl="1"/>
+            <a:r>
+              <a:rPr lang="en-US" dirty="0"/>
+              <a:t>Much better R squared value (0.62)</a:t>
+            </a:r>
+          </a:p>
+          <a:p>
+            <a:pPr lvl="1"/>
+            <a:endParaRPr lang="en-US" dirty="0"/>
           </a:p>
         </p:txBody>
       </p:sp>
-      <p:pic>
-        <p:nvPicPr>
-          <p:cNvPr id="5" name="Picture 4">
-            <a:extLst>
-              <a:ext uri="{FF2B5EF4-FFF2-40B4-BE49-F238E27FC236}">
-                <a16:creationId xmlns:a16="http://schemas.microsoft.com/office/drawing/2014/main" id="{9D7DAC2D-8A7F-F712-F88F-73CA6F9A384C}"/>
-              </a:ext>
-            </a:extLst>
-          </p:cNvPr>
-          <p:cNvPicPr>
-            <a:picLocks noChangeAspect="1"/>
-          </p:cNvPicPr>
-          <p:nvPr/>
-        </p:nvPicPr>
-        <p:blipFill>
-          <a:blip r:embed="rId2"/>
-          <a:stretch>
-            <a:fillRect/>
-          </a:stretch>
-        </p:blipFill>
-        <p:spPr>
-          <a:xfrm>
-            <a:off x="3014662" y="3700417"/>
-            <a:ext cx="6162675" cy="2724150"/>
-          </a:xfrm>
-          <a:prstGeom prst="rect">
-            <a:avLst/>
-          </a:prstGeom>
-          <a:ln w="19050">
-            <a:solidFill>
-              <a:schemeClr val="bg1"/>
-            </a:solidFill>
-          </a:ln>
-        </p:spPr>
-      </p:pic>
     </p:spTree>
     <p:extLst>
       <p:ext uri="{BB962C8B-B14F-4D97-AF65-F5344CB8AC3E}">
@@ -14802,7 +8321,7 @@
           <a:lstStyle/>
           <a:p>
             <a:r>
-              <a:rPr lang="en-US">
+              <a:rPr lang="en-US" dirty="0">
                 <a:solidFill>
                   <a:schemeClr val="bg1"/>
                 </a:solidFill>
@@ -14812,7 +8331,7 @@
           </a:p>
           <a:p>
             <a:r>
-              <a:rPr lang="en-US">
+              <a:rPr lang="en-US" dirty="0">
                 <a:solidFill>
                   <a:schemeClr val="bg1"/>
                 </a:solidFill>
@@ -14823,7 +8342,7 @@
           <a:p>
             <a:pPr lvl="1"/>
             <a:r>
-              <a:rPr lang="en-US">
+              <a:rPr lang="en-US" dirty="0">
                 <a:solidFill>
                   <a:schemeClr val="bg1"/>
                 </a:solidFill>
@@ -14834,7 +8353,7 @@
           <a:p>
             <a:pPr lvl="1"/>
             <a:r>
-              <a:rPr lang="en-US">
+              <a:rPr lang="en-US" dirty="0">
                 <a:solidFill>
                   <a:schemeClr val="bg1"/>
                 </a:solidFill>
@@ -14844,11 +8363,11 @@
           </a:p>
           <a:p>
             <a:pPr lvl="1"/>
-            <a:endParaRPr lang="en-US"/>
+            <a:endParaRPr lang="en-US" dirty="0"/>
           </a:p>
           <a:p>
             <a:pPr lvl="1"/>
-            <a:endParaRPr lang="en-US"/>
+            <a:endParaRPr lang="en-US" dirty="0"/>
           </a:p>
         </p:txBody>
       </p:sp>
@@ -14968,13 +8487,13 @@
         </p:nvSpPr>
         <p:spPr>
           <a:xfrm>
-            <a:off x="978164" y="1492334"/>
-            <a:ext cx="10515600" cy="2962933"/>
+            <a:off x="978164" y="1492335"/>
+            <a:ext cx="10515600" cy="1075768"/>
           </a:xfrm>
         </p:spPr>
         <p:txBody>
           <a:bodyPr>
-            <a:normAutofit lnSpcReduction="10000"/>
+            <a:normAutofit/>
           </a:bodyPr>
           <a:lstStyle/>
           <a:p>
@@ -14984,114 +8503,893 @@
                   <a:schemeClr val="bg1"/>
                 </a:solidFill>
               </a:rPr>
-              <a:t>Negative Binomial Model using Loss as the response variable</a:t>
-            </a:r>
-          </a:p>
-          <a:p>
+              <a:t>Negative Binomial Model</a:t>
+            </a:r>
+            <a:endParaRPr lang="en-US" dirty="0"/>
+          </a:p>
+          <a:p>
+            <a:pPr lvl="1"/>
             <a:r>
               <a:rPr lang="en-US" dirty="0">
                 <a:solidFill>
                   <a:schemeClr val="bg1"/>
                 </a:solidFill>
               </a:rPr>
-              <a:t>Covariates</a:t>
-            </a:r>
-          </a:p>
-          <a:p>
-            <a:pPr lvl="1"/>
-            <a:r>
-              <a:rPr lang="en-US" dirty="0"/>
-              <a:t>Previous water-year types</a:t>
-            </a:r>
-          </a:p>
-          <a:p>
-            <a:pPr lvl="2"/>
-            <a:r>
-              <a:rPr lang="en-US" dirty="0">
-                <a:solidFill>
-                  <a:schemeClr val="bg1"/>
-                </a:solidFill>
-              </a:rPr>
-              <a:t>San Joaquin and Sacramento </a:t>
-            </a:r>
-            <a:r>
-              <a:rPr lang="en-US" dirty="0" err="1">
-                <a:solidFill>
-                  <a:schemeClr val="bg1"/>
-                </a:solidFill>
-              </a:rPr>
-              <a:t>Indexs</a:t>
-            </a:r>
-            <a:r>
-              <a:rPr lang="en-US" dirty="0">
-                <a:solidFill>
-                  <a:schemeClr val="bg1"/>
-                </a:solidFill>
-              </a:rPr>
-              <a:t> from previous water year and from 2 water years ago</a:t>
-            </a:r>
-          </a:p>
-          <a:p>
-            <a:pPr lvl="1"/>
-            <a:r>
-              <a:rPr lang="en-US" dirty="0">
-                <a:solidFill>
-                  <a:schemeClr val="bg1"/>
-                </a:solidFill>
-              </a:rPr>
-              <a:t>Facility (SWP and CVP)</a:t>
-            </a:r>
-          </a:p>
-          <a:p>
-            <a:pPr lvl="1"/>
-            <a:r>
-              <a:rPr lang="en-US" dirty="0">
-                <a:solidFill>
-                  <a:schemeClr val="bg1"/>
-                </a:solidFill>
-              </a:rPr>
-              <a:t>Current year real-time data</a:t>
-            </a:r>
-          </a:p>
-          <a:p>
-            <a:pPr lvl="2"/>
-            <a:r>
-              <a:rPr lang="en-US" dirty="0"/>
-              <a:t>Averaged by year from Jan-June</a:t>
-            </a:r>
-            <a:endParaRPr lang="en-US" dirty="0">
-              <a:solidFill>
-                <a:schemeClr val="bg1"/>
-              </a:solidFill>
-            </a:endParaRPr>
+              <a:t>Great for count data that fit a Poisson distribution</a:t>
+            </a:r>
           </a:p>
         </p:txBody>
       </p:sp>
       <p:graphicFrame>
         <p:nvGraphicFramePr>
-          <p:cNvPr id="6" name="Diagram 5">
+          <p:cNvPr id="4" name="Table 3">
             <a:extLst>
               <a:ext uri="{FF2B5EF4-FFF2-40B4-BE49-F238E27FC236}">
-                <a16:creationId xmlns:a16="http://schemas.microsoft.com/office/drawing/2014/main" id="{DDDFE80A-71B8-EA0E-019B-522EAE2AEC2D}"/>
+                <a16:creationId xmlns:a16="http://schemas.microsoft.com/office/drawing/2014/main" id="{D210B6D2-1209-E380-FF72-78DDDE05E230}"/>
               </a:ext>
             </a:extLst>
           </p:cNvPr>
-          <p:cNvGraphicFramePr/>
+          <p:cNvGraphicFramePr>
+            <a:graphicFrameLocks noGrp="1"/>
+          </p:cNvGraphicFramePr>
           <p:nvPr>
             <p:extLst>
               <p:ext uri="{D42A27DB-BD31-4B8C-83A1-F6EECF244321}">
-                <p14:modId xmlns:p14="http://schemas.microsoft.com/office/powerpoint/2010/main" val="3298320338"/>
+                <p14:modId xmlns:p14="http://schemas.microsoft.com/office/powerpoint/2010/main" val="3105735804"/>
               </p:ext>
             </p:extLst>
           </p:nvPr>
         </p:nvGraphicFramePr>
         <p:xfrm>
-          <a:off x="1132726" y="3638145"/>
-          <a:ext cx="10361038" cy="2962934"/>
+          <a:off x="838200" y="2645742"/>
+          <a:ext cx="10375636" cy="3726671"/>
         </p:xfrm>
         <a:graphic>
-          <a:graphicData uri="http://schemas.openxmlformats.org/drawingml/2006/diagram">
-            <dgm:relIds xmlns:dgm="http://schemas.openxmlformats.org/drawingml/2006/diagram" xmlns:r="http://schemas.openxmlformats.org/officeDocument/2006/relationships" r:dm="rId2" r:lo="rId3" r:qs="rId4" r:cs="rId5"/>
+          <a:graphicData uri="http://schemas.openxmlformats.org/drawingml/2006/table">
+            <a:tbl>
+              <a:tblPr firstRow="1" bandRow="1">
+                <a:tableStyleId>{5C22544A-7EE6-4342-B048-85BDC9FD1C3A}</a:tableStyleId>
+              </a:tblPr>
+              <a:tblGrid>
+                <a:gridCol w="3140413">
+                  <a:extLst>
+                    <a:ext uri="{9D8B030D-6E8A-4147-A177-3AD203B41FA5}">
+                      <a16:colId xmlns:a16="http://schemas.microsoft.com/office/drawing/2014/main" val="2034766384"/>
+                    </a:ext>
+                  </a:extLst>
+                </a:gridCol>
+                <a:gridCol w="2047405">
+                  <a:extLst>
+                    <a:ext uri="{9D8B030D-6E8A-4147-A177-3AD203B41FA5}">
+                      <a16:colId xmlns:a16="http://schemas.microsoft.com/office/drawing/2014/main" val="2354882568"/>
+                    </a:ext>
+                  </a:extLst>
+                </a:gridCol>
+                <a:gridCol w="2593909">
+                  <a:extLst>
+                    <a:ext uri="{9D8B030D-6E8A-4147-A177-3AD203B41FA5}">
+                      <a16:colId xmlns:a16="http://schemas.microsoft.com/office/drawing/2014/main" val="1146945570"/>
+                    </a:ext>
+                  </a:extLst>
+                </a:gridCol>
+                <a:gridCol w="2593909">
+                  <a:extLst>
+                    <a:ext uri="{9D8B030D-6E8A-4147-A177-3AD203B41FA5}">
+                      <a16:colId xmlns:a16="http://schemas.microsoft.com/office/drawing/2014/main" val="3474876425"/>
+                    </a:ext>
+                  </a:extLst>
+                </a:gridCol>
+              </a:tblGrid>
+              <a:tr h="310313">
+                <a:tc>
+                  <a:txBody>
+                    <a:bodyPr/>
+                    <a:lstStyle/>
+                    <a:p>
+                      <a:r>
+                        <a:rPr lang="en-US" sz="1400" dirty="0"/>
+                        <a:t>Description</a:t>
+                      </a:r>
+                    </a:p>
+                  </a:txBody>
+                  <a:tcPr/>
+                </a:tc>
+                <a:tc>
+                  <a:txBody>
+                    <a:bodyPr/>
+                    <a:lstStyle/>
+                    <a:p>
+                      <a:r>
+                        <a:rPr lang="en-US" sz="1400" dirty="0"/>
+                        <a:t>Parameter</a:t>
+                      </a:r>
+                    </a:p>
+                  </a:txBody>
+                  <a:tcPr/>
+                </a:tc>
+                <a:tc>
+                  <a:txBody>
+                    <a:bodyPr/>
+                    <a:lstStyle/>
+                    <a:p>
+                      <a:r>
+                        <a:rPr lang="en-US" sz="1400" dirty="0"/>
+                        <a:t>Type</a:t>
+                      </a:r>
+                    </a:p>
+                  </a:txBody>
+                  <a:tcPr/>
+                </a:tc>
+                <a:tc>
+                  <a:txBody>
+                    <a:bodyPr/>
+                    <a:lstStyle/>
+                    <a:p>
+                      <a:r>
+                        <a:rPr lang="en-US" sz="1400" dirty="0"/>
+                        <a:t>Notes</a:t>
+                      </a:r>
+                    </a:p>
+                  </a:txBody>
+                  <a:tcPr/>
+                </a:tc>
+                <a:extLst>
+                  <a:ext uri="{0D108BD9-81ED-4DB2-BD59-A6C34878D82A}">
+                    <a16:rowId xmlns:a16="http://schemas.microsoft.com/office/drawing/2014/main" val="1223888540"/>
+                  </a:ext>
+                </a:extLst>
+              </a:tr>
+              <a:tr h="310313">
+                <a:tc>
+                  <a:txBody>
+                    <a:bodyPr/>
+                    <a:lstStyle/>
+                    <a:p>
+                      <a:r>
+                        <a:rPr lang="en-US" sz="1400" dirty="0"/>
+                        <a:t>San Joaquin Index from Previous Year</a:t>
+                      </a:r>
+                    </a:p>
+                  </a:txBody>
+                  <a:tcPr/>
+                </a:tc>
+                <a:tc>
+                  <a:txBody>
+                    <a:bodyPr/>
+                    <a:lstStyle/>
+                    <a:p>
+                      <a:r>
+                        <a:rPr lang="en-US" sz="1400" dirty="0" err="1"/>
+                        <a:t>sj_index_prev</a:t>
+                      </a:r>
+                      <a:endParaRPr lang="en-US" sz="1400" dirty="0"/>
+                    </a:p>
+                  </a:txBody>
+                  <a:tcPr/>
+                </a:tc>
+                <a:tc>
+                  <a:txBody>
+                    <a:bodyPr/>
+                    <a:lstStyle/>
+                    <a:p>
+                      <a:r>
+                        <a:rPr lang="en-US" sz="1400" dirty="0"/>
+                        <a:t>Continuous</a:t>
+                      </a:r>
+                    </a:p>
+                  </a:txBody>
+                  <a:tcPr/>
+                </a:tc>
+                <a:tc>
+                  <a:txBody>
+                    <a:bodyPr/>
+                    <a:lstStyle/>
+                    <a:p>
+                      <a:endParaRPr lang="en-US" sz="1400" dirty="0"/>
+                    </a:p>
+                  </a:txBody>
+                  <a:tcPr/>
+                </a:tc>
+                <a:extLst>
+                  <a:ext uri="{0D108BD9-81ED-4DB2-BD59-A6C34878D82A}">
+                    <a16:rowId xmlns:a16="http://schemas.microsoft.com/office/drawing/2014/main" val="221479168"/>
+                  </a:ext>
+                </a:extLst>
+              </a:tr>
+              <a:tr h="433588">
+                <a:tc>
+                  <a:txBody>
+                    <a:bodyPr/>
+                    <a:lstStyle/>
+                    <a:p>
+                      <a:r>
+                        <a:rPr lang="en-US" sz="1400" dirty="0"/>
+                        <a:t>San Joaquin Index from 2 years ago</a:t>
+                      </a:r>
+                    </a:p>
+                  </a:txBody>
+                  <a:tcPr/>
+                </a:tc>
+                <a:tc>
+                  <a:txBody>
+                    <a:bodyPr/>
+                    <a:lstStyle/>
+                    <a:p>
+                      <a:pPr marL="0" marR="0" lvl="0" indent="0" algn="l" defTabSz="914400" rtl="0" eaLnBrk="1" fontAlgn="auto" latinLnBrk="0" hangingPunct="1">
+                        <a:lnSpc>
+                          <a:spcPct val="100000"/>
+                        </a:lnSpc>
+                        <a:spcBef>
+                          <a:spcPts val="0"/>
+                        </a:spcBef>
+                        <a:spcAft>
+                          <a:spcPts val="0"/>
+                        </a:spcAft>
+                        <a:buClrTx/>
+                        <a:buSzTx/>
+                        <a:buFontTx/>
+                        <a:buNone/>
+                        <a:tabLst/>
+                        <a:defRPr/>
+                      </a:pPr>
+                      <a:r>
+                        <a:rPr lang="en-US" sz="1400" dirty="0"/>
+                        <a:t>sj_index_prev2</a:t>
+                      </a:r>
+                    </a:p>
+                    <a:p>
+                      <a:endParaRPr lang="en-US" sz="1400" dirty="0"/>
+                    </a:p>
+                  </a:txBody>
+                  <a:tcPr/>
+                </a:tc>
+                <a:tc>
+                  <a:txBody>
+                    <a:bodyPr/>
+                    <a:lstStyle/>
+                    <a:p>
+                      <a:pPr marL="0" marR="0" lvl="0" indent="0" algn="l" defTabSz="914400" rtl="0" eaLnBrk="1" fontAlgn="auto" latinLnBrk="0" hangingPunct="1">
+                        <a:lnSpc>
+                          <a:spcPct val="100000"/>
+                        </a:lnSpc>
+                        <a:spcBef>
+                          <a:spcPts val="0"/>
+                        </a:spcBef>
+                        <a:spcAft>
+                          <a:spcPts val="0"/>
+                        </a:spcAft>
+                        <a:buClrTx/>
+                        <a:buSzTx/>
+                        <a:buFontTx/>
+                        <a:buNone/>
+                        <a:tabLst/>
+                        <a:defRPr/>
+                      </a:pPr>
+                      <a:r>
+                        <a:rPr lang="en-US" sz="1400" dirty="0"/>
+                        <a:t>Continuous</a:t>
+                      </a:r>
+                    </a:p>
+                  </a:txBody>
+                  <a:tcPr/>
+                </a:tc>
+                <a:tc>
+                  <a:txBody>
+                    <a:bodyPr/>
+                    <a:lstStyle/>
+                    <a:p>
+                      <a:endParaRPr lang="en-US" sz="1400" dirty="0"/>
+                    </a:p>
+                  </a:txBody>
+                  <a:tcPr/>
+                </a:tc>
+                <a:extLst>
+                  <a:ext uri="{0D108BD9-81ED-4DB2-BD59-A6C34878D82A}">
+                    <a16:rowId xmlns:a16="http://schemas.microsoft.com/office/drawing/2014/main" val="3123080868"/>
+                  </a:ext>
+                </a:extLst>
+              </a:tr>
+              <a:tr h="433588">
+                <a:tc>
+                  <a:txBody>
+                    <a:bodyPr/>
+                    <a:lstStyle/>
+                    <a:p>
+                      <a:r>
+                        <a:rPr lang="en-US" sz="1400" dirty="0"/>
+                        <a:t>Sacramento Index from Previous Year</a:t>
+                      </a:r>
+                    </a:p>
+                  </a:txBody>
+                  <a:tcPr/>
+                </a:tc>
+                <a:tc>
+                  <a:txBody>
+                    <a:bodyPr/>
+                    <a:lstStyle/>
+                    <a:p>
+                      <a:pPr marL="0" marR="0" lvl="0" indent="0" algn="l" defTabSz="914400" rtl="0" eaLnBrk="1" fontAlgn="auto" latinLnBrk="0" hangingPunct="1">
+                        <a:lnSpc>
+                          <a:spcPct val="100000"/>
+                        </a:lnSpc>
+                        <a:spcBef>
+                          <a:spcPts val="0"/>
+                        </a:spcBef>
+                        <a:spcAft>
+                          <a:spcPts val="0"/>
+                        </a:spcAft>
+                        <a:buClrTx/>
+                        <a:buSzTx/>
+                        <a:buFontTx/>
+                        <a:buNone/>
+                        <a:tabLst/>
+                        <a:defRPr/>
+                      </a:pPr>
+                      <a:r>
+                        <a:rPr lang="en-US" sz="1400" dirty="0" err="1"/>
+                        <a:t>sac_index_prev</a:t>
+                      </a:r>
+                      <a:endParaRPr lang="en-US" sz="1400" dirty="0"/>
+                    </a:p>
+                    <a:p>
+                      <a:endParaRPr lang="en-US" sz="1400" dirty="0"/>
+                    </a:p>
+                  </a:txBody>
+                  <a:tcPr/>
+                </a:tc>
+                <a:tc>
+                  <a:txBody>
+                    <a:bodyPr/>
+                    <a:lstStyle/>
+                    <a:p>
+                      <a:pPr marL="0" marR="0" lvl="0" indent="0" algn="l" defTabSz="914400" rtl="0" eaLnBrk="1" fontAlgn="auto" latinLnBrk="0" hangingPunct="1">
+                        <a:lnSpc>
+                          <a:spcPct val="100000"/>
+                        </a:lnSpc>
+                        <a:spcBef>
+                          <a:spcPts val="0"/>
+                        </a:spcBef>
+                        <a:spcAft>
+                          <a:spcPts val="0"/>
+                        </a:spcAft>
+                        <a:buClrTx/>
+                        <a:buSzTx/>
+                        <a:buFontTx/>
+                        <a:buNone/>
+                        <a:tabLst/>
+                        <a:defRPr/>
+                      </a:pPr>
+                      <a:r>
+                        <a:rPr lang="en-US" sz="1400" dirty="0"/>
+                        <a:t>Continuous</a:t>
+                      </a:r>
+                    </a:p>
+                  </a:txBody>
+                  <a:tcPr/>
+                </a:tc>
+                <a:tc>
+                  <a:txBody>
+                    <a:bodyPr/>
+                    <a:lstStyle/>
+                    <a:p>
+                      <a:endParaRPr lang="en-US" sz="1400"/>
+                    </a:p>
+                  </a:txBody>
+                  <a:tcPr/>
+                </a:tc>
+                <a:extLst>
+                  <a:ext uri="{0D108BD9-81ED-4DB2-BD59-A6C34878D82A}">
+                    <a16:rowId xmlns:a16="http://schemas.microsoft.com/office/drawing/2014/main" val="584771688"/>
+                  </a:ext>
+                </a:extLst>
+              </a:tr>
+              <a:tr h="433588">
+                <a:tc>
+                  <a:txBody>
+                    <a:bodyPr/>
+                    <a:lstStyle/>
+                    <a:p>
+                      <a:r>
+                        <a:rPr lang="en-US" sz="1400" dirty="0"/>
+                        <a:t>Sacramento Index from 2 years ago</a:t>
+                      </a:r>
+                    </a:p>
+                  </a:txBody>
+                  <a:tcPr/>
+                </a:tc>
+                <a:tc>
+                  <a:txBody>
+                    <a:bodyPr/>
+                    <a:lstStyle/>
+                    <a:p>
+                      <a:pPr marL="0" marR="0" lvl="0" indent="0" algn="l" defTabSz="914400" rtl="0" eaLnBrk="1" fontAlgn="auto" latinLnBrk="0" hangingPunct="1">
+                        <a:lnSpc>
+                          <a:spcPct val="100000"/>
+                        </a:lnSpc>
+                        <a:spcBef>
+                          <a:spcPts val="0"/>
+                        </a:spcBef>
+                        <a:spcAft>
+                          <a:spcPts val="0"/>
+                        </a:spcAft>
+                        <a:buClrTx/>
+                        <a:buSzTx/>
+                        <a:buFontTx/>
+                        <a:buNone/>
+                        <a:tabLst/>
+                        <a:defRPr/>
+                      </a:pPr>
+                      <a:r>
+                        <a:rPr lang="en-US" sz="1400" dirty="0"/>
+                        <a:t>sac_index_prev2</a:t>
+                      </a:r>
+                    </a:p>
+                    <a:p>
+                      <a:endParaRPr lang="en-US" sz="1400" dirty="0"/>
+                    </a:p>
+                  </a:txBody>
+                  <a:tcPr/>
+                </a:tc>
+                <a:tc>
+                  <a:txBody>
+                    <a:bodyPr/>
+                    <a:lstStyle/>
+                    <a:p>
+                      <a:pPr marL="0" marR="0" lvl="0" indent="0" algn="l" defTabSz="914400" rtl="0" eaLnBrk="1" fontAlgn="auto" latinLnBrk="0" hangingPunct="1">
+                        <a:lnSpc>
+                          <a:spcPct val="100000"/>
+                        </a:lnSpc>
+                        <a:spcBef>
+                          <a:spcPts val="0"/>
+                        </a:spcBef>
+                        <a:spcAft>
+                          <a:spcPts val="0"/>
+                        </a:spcAft>
+                        <a:buClrTx/>
+                        <a:buSzTx/>
+                        <a:buFontTx/>
+                        <a:buNone/>
+                        <a:tabLst/>
+                        <a:defRPr/>
+                      </a:pPr>
+                      <a:r>
+                        <a:rPr lang="en-US" sz="1400" dirty="0"/>
+                        <a:t>Continuous</a:t>
+                      </a:r>
+                    </a:p>
+                  </a:txBody>
+                  <a:tcPr/>
+                </a:tc>
+                <a:tc>
+                  <a:txBody>
+                    <a:bodyPr/>
+                    <a:lstStyle/>
+                    <a:p>
+                      <a:endParaRPr lang="en-US" sz="1400"/>
+                    </a:p>
+                  </a:txBody>
+                  <a:tcPr/>
+                </a:tc>
+                <a:extLst>
+                  <a:ext uri="{0D108BD9-81ED-4DB2-BD59-A6C34878D82A}">
+                    <a16:rowId xmlns:a16="http://schemas.microsoft.com/office/drawing/2014/main" val="2473913359"/>
+                  </a:ext>
+                </a:extLst>
+              </a:tr>
+              <a:tr h="310313">
+                <a:tc>
+                  <a:txBody>
+                    <a:bodyPr/>
+                    <a:lstStyle/>
+                    <a:p>
+                      <a:r>
+                        <a:rPr lang="en-US" sz="1400" dirty="0"/>
+                        <a:t>Facility</a:t>
+                      </a:r>
+                    </a:p>
+                  </a:txBody>
+                  <a:tcPr/>
+                </a:tc>
+                <a:tc>
+                  <a:txBody>
+                    <a:bodyPr/>
+                    <a:lstStyle/>
+                    <a:p>
+                      <a:r>
+                        <a:rPr lang="en-US" sz="1400" dirty="0"/>
+                        <a:t>facility</a:t>
+                      </a:r>
+                    </a:p>
+                  </a:txBody>
+                  <a:tcPr/>
+                </a:tc>
+                <a:tc>
+                  <a:txBody>
+                    <a:bodyPr/>
+                    <a:lstStyle/>
+                    <a:p>
+                      <a:r>
+                        <a:rPr lang="en-US" sz="1400" dirty="0"/>
+                        <a:t>Categorical</a:t>
+                      </a:r>
+                    </a:p>
+                  </a:txBody>
+                  <a:tcPr/>
+                </a:tc>
+                <a:tc>
+                  <a:txBody>
+                    <a:bodyPr/>
+                    <a:lstStyle/>
+                    <a:p>
+                      <a:endParaRPr lang="en-US" sz="1400" dirty="0"/>
+                    </a:p>
+                  </a:txBody>
+                  <a:tcPr/>
+                </a:tc>
+                <a:extLst>
+                  <a:ext uri="{0D108BD9-81ED-4DB2-BD59-A6C34878D82A}">
+                    <a16:rowId xmlns:a16="http://schemas.microsoft.com/office/drawing/2014/main" val="3224302218"/>
+                  </a:ext>
+                </a:extLst>
+              </a:tr>
+              <a:tr h="310313">
+                <a:tc>
+                  <a:txBody>
+                    <a:bodyPr/>
+                    <a:lstStyle/>
+                    <a:p>
+                      <a:r>
+                        <a:rPr lang="en-US" sz="1400" dirty="0"/>
+                        <a:t>Sacramento Flow</a:t>
+                      </a:r>
+                    </a:p>
+                  </a:txBody>
+                  <a:tcPr/>
+                </a:tc>
+                <a:tc>
+                  <a:txBody>
+                    <a:bodyPr/>
+                    <a:lstStyle/>
+                    <a:p>
+                      <a:r>
+                        <a:rPr lang="en-US" sz="1400" dirty="0"/>
+                        <a:t>sac</a:t>
+                      </a:r>
+                    </a:p>
+                  </a:txBody>
+                  <a:tcPr/>
+                </a:tc>
+                <a:tc>
+                  <a:txBody>
+                    <a:bodyPr/>
+                    <a:lstStyle/>
+                    <a:p>
+                      <a:pPr marL="0" marR="0" lvl="0" indent="0" algn="l" defTabSz="914400" rtl="0" eaLnBrk="1" fontAlgn="auto" latinLnBrk="0" hangingPunct="1">
+                        <a:lnSpc>
+                          <a:spcPct val="100000"/>
+                        </a:lnSpc>
+                        <a:spcBef>
+                          <a:spcPts val="0"/>
+                        </a:spcBef>
+                        <a:spcAft>
+                          <a:spcPts val="0"/>
+                        </a:spcAft>
+                        <a:buClrTx/>
+                        <a:buSzTx/>
+                        <a:buFontTx/>
+                        <a:buNone/>
+                        <a:tabLst/>
+                        <a:defRPr/>
+                      </a:pPr>
+                      <a:r>
+                        <a:rPr lang="en-US" sz="1400" dirty="0"/>
+                        <a:t>Continuous</a:t>
+                      </a:r>
+                    </a:p>
+                  </a:txBody>
+                  <a:tcPr/>
+                </a:tc>
+                <a:tc>
+                  <a:txBody>
+                    <a:bodyPr/>
+                    <a:lstStyle/>
+                    <a:p>
+                      <a:r>
+                        <a:rPr lang="en-US" sz="1400" dirty="0"/>
+                        <a:t>Averaged annually for Jan-Jun</a:t>
+                      </a:r>
+                    </a:p>
+                  </a:txBody>
+                  <a:tcPr/>
+                </a:tc>
+                <a:extLst>
+                  <a:ext uri="{0D108BD9-81ED-4DB2-BD59-A6C34878D82A}">
+                    <a16:rowId xmlns:a16="http://schemas.microsoft.com/office/drawing/2014/main" val="950671945"/>
+                  </a:ext>
+                </a:extLst>
+              </a:tr>
+              <a:tr h="310313">
+                <a:tc>
+                  <a:txBody>
+                    <a:bodyPr/>
+                    <a:lstStyle/>
+                    <a:p>
+                      <a:r>
+                        <a:rPr lang="en-US" sz="1400" dirty="0"/>
+                        <a:t>Vernalis Flow</a:t>
+                      </a:r>
+                    </a:p>
+                  </a:txBody>
+                  <a:tcPr/>
+                </a:tc>
+                <a:tc>
+                  <a:txBody>
+                    <a:bodyPr/>
+                    <a:lstStyle/>
+                    <a:p>
+                      <a:r>
+                        <a:rPr lang="en-US" sz="1400" dirty="0" err="1"/>
+                        <a:t>sjr</a:t>
+                      </a:r>
+                      <a:endParaRPr lang="en-US" sz="1400" dirty="0"/>
+                    </a:p>
+                  </a:txBody>
+                  <a:tcPr/>
+                </a:tc>
+                <a:tc>
+                  <a:txBody>
+                    <a:bodyPr/>
+                    <a:lstStyle/>
+                    <a:p>
+                      <a:pPr marL="0" marR="0" lvl="0" indent="0" algn="l" defTabSz="914400" rtl="0" eaLnBrk="1" fontAlgn="auto" latinLnBrk="0" hangingPunct="1">
+                        <a:lnSpc>
+                          <a:spcPct val="100000"/>
+                        </a:lnSpc>
+                        <a:spcBef>
+                          <a:spcPts val="0"/>
+                        </a:spcBef>
+                        <a:spcAft>
+                          <a:spcPts val="0"/>
+                        </a:spcAft>
+                        <a:buClrTx/>
+                        <a:buSzTx/>
+                        <a:buFontTx/>
+                        <a:buNone/>
+                        <a:tabLst/>
+                        <a:defRPr/>
+                      </a:pPr>
+                      <a:r>
+                        <a:rPr lang="en-US" sz="1400" dirty="0"/>
+                        <a:t>Continuous</a:t>
+                      </a:r>
+                    </a:p>
+                  </a:txBody>
+                  <a:tcPr/>
+                </a:tc>
+                <a:tc>
+                  <a:txBody>
+                    <a:bodyPr/>
+                    <a:lstStyle/>
+                    <a:p>
+                      <a:pPr marL="0" marR="0" lvl="0" indent="0" algn="l" defTabSz="914400" rtl="0" eaLnBrk="1" fontAlgn="auto" latinLnBrk="0" hangingPunct="1">
+                        <a:lnSpc>
+                          <a:spcPct val="100000"/>
+                        </a:lnSpc>
+                        <a:spcBef>
+                          <a:spcPts val="0"/>
+                        </a:spcBef>
+                        <a:spcAft>
+                          <a:spcPts val="0"/>
+                        </a:spcAft>
+                        <a:buClrTx/>
+                        <a:buSzTx/>
+                        <a:buFontTx/>
+                        <a:buNone/>
+                        <a:tabLst/>
+                        <a:defRPr/>
+                      </a:pPr>
+                      <a:r>
+                        <a:rPr lang="en-US" sz="1400" dirty="0"/>
+                        <a:t>Averaged annually for Jan-Jun</a:t>
+                      </a:r>
+                    </a:p>
+                  </a:txBody>
+                  <a:tcPr/>
+                </a:tc>
+                <a:extLst>
+                  <a:ext uri="{0D108BD9-81ED-4DB2-BD59-A6C34878D82A}">
+                    <a16:rowId xmlns:a16="http://schemas.microsoft.com/office/drawing/2014/main" val="700938966"/>
+                  </a:ext>
+                </a:extLst>
+              </a:tr>
+              <a:tr h="310313">
+                <a:tc>
+                  <a:txBody>
+                    <a:bodyPr/>
+                    <a:lstStyle/>
+                    <a:p>
+                      <a:r>
+                        <a:rPr lang="en-US" sz="1400" dirty="0"/>
+                        <a:t>OMRI</a:t>
+                      </a:r>
+                    </a:p>
+                  </a:txBody>
+                  <a:tcPr/>
+                </a:tc>
+                <a:tc>
+                  <a:txBody>
+                    <a:bodyPr/>
+                    <a:lstStyle/>
+                    <a:p>
+                      <a:r>
+                        <a:rPr lang="en-US" sz="1400" dirty="0" err="1"/>
+                        <a:t>OMR_mean</a:t>
+                      </a:r>
+                      <a:endParaRPr lang="en-US" sz="1400" dirty="0"/>
+                    </a:p>
+                  </a:txBody>
+                  <a:tcPr/>
+                </a:tc>
+                <a:tc>
+                  <a:txBody>
+                    <a:bodyPr/>
+                    <a:lstStyle/>
+                    <a:p>
+                      <a:pPr marL="0" marR="0" lvl="0" indent="0" algn="l" defTabSz="914400" rtl="0" eaLnBrk="1" fontAlgn="auto" latinLnBrk="0" hangingPunct="1">
+                        <a:lnSpc>
+                          <a:spcPct val="100000"/>
+                        </a:lnSpc>
+                        <a:spcBef>
+                          <a:spcPts val="0"/>
+                        </a:spcBef>
+                        <a:spcAft>
+                          <a:spcPts val="0"/>
+                        </a:spcAft>
+                        <a:buClrTx/>
+                        <a:buSzTx/>
+                        <a:buFontTx/>
+                        <a:buNone/>
+                        <a:tabLst/>
+                        <a:defRPr/>
+                      </a:pPr>
+                      <a:r>
+                        <a:rPr lang="en-US" sz="1400" dirty="0"/>
+                        <a:t>Continuous</a:t>
+                      </a:r>
+                    </a:p>
+                  </a:txBody>
+                  <a:tcPr/>
+                </a:tc>
+                <a:tc>
+                  <a:txBody>
+                    <a:bodyPr/>
+                    <a:lstStyle/>
+                    <a:p>
+                      <a:pPr marL="0" marR="0" lvl="0" indent="0" algn="l" defTabSz="914400" rtl="0" eaLnBrk="1" fontAlgn="auto" latinLnBrk="0" hangingPunct="1">
+                        <a:lnSpc>
+                          <a:spcPct val="100000"/>
+                        </a:lnSpc>
+                        <a:spcBef>
+                          <a:spcPts val="0"/>
+                        </a:spcBef>
+                        <a:spcAft>
+                          <a:spcPts val="0"/>
+                        </a:spcAft>
+                        <a:buClrTx/>
+                        <a:buSzTx/>
+                        <a:buFontTx/>
+                        <a:buNone/>
+                        <a:tabLst/>
+                        <a:defRPr/>
+                      </a:pPr>
+                      <a:r>
+                        <a:rPr lang="en-US" sz="1400" dirty="0"/>
+                        <a:t>Averaged annually for Jan-Jun</a:t>
+                      </a:r>
+                    </a:p>
+                  </a:txBody>
+                  <a:tcPr/>
+                </a:tc>
+                <a:extLst>
+                  <a:ext uri="{0D108BD9-81ED-4DB2-BD59-A6C34878D82A}">
+                    <a16:rowId xmlns:a16="http://schemas.microsoft.com/office/drawing/2014/main" val="3136133473"/>
+                  </a:ext>
+                </a:extLst>
+              </a:tr>
+              <a:tr h="310313">
+                <a:tc>
+                  <a:txBody>
+                    <a:bodyPr/>
+                    <a:lstStyle/>
+                    <a:p>
+                      <a:r>
+                        <a:rPr lang="en-US" sz="1400" dirty="0"/>
+                        <a:t>Exports</a:t>
+                      </a:r>
+                    </a:p>
+                  </a:txBody>
+                  <a:tcPr/>
+                </a:tc>
+                <a:tc>
+                  <a:txBody>
+                    <a:bodyPr/>
+                    <a:lstStyle/>
+                    <a:p>
+                      <a:r>
+                        <a:rPr lang="en-US" sz="1400" dirty="0"/>
+                        <a:t>exports</a:t>
+                      </a:r>
+                    </a:p>
+                  </a:txBody>
+                  <a:tcPr/>
+                </a:tc>
+                <a:tc>
+                  <a:txBody>
+                    <a:bodyPr/>
+                    <a:lstStyle/>
+                    <a:p>
+                      <a:pPr marL="0" marR="0" lvl="0" indent="0" algn="l" defTabSz="914400" rtl="0" eaLnBrk="1" fontAlgn="auto" latinLnBrk="0" hangingPunct="1">
+                        <a:lnSpc>
+                          <a:spcPct val="100000"/>
+                        </a:lnSpc>
+                        <a:spcBef>
+                          <a:spcPts val="0"/>
+                        </a:spcBef>
+                        <a:spcAft>
+                          <a:spcPts val="0"/>
+                        </a:spcAft>
+                        <a:buClrTx/>
+                        <a:buSzTx/>
+                        <a:buFontTx/>
+                        <a:buNone/>
+                        <a:tabLst/>
+                        <a:defRPr/>
+                      </a:pPr>
+                      <a:r>
+                        <a:rPr lang="en-US" sz="1400" dirty="0"/>
+                        <a:t>Continuous</a:t>
+                      </a:r>
+                    </a:p>
+                  </a:txBody>
+                  <a:tcPr/>
+                </a:tc>
+                <a:tc>
+                  <a:txBody>
+                    <a:bodyPr/>
+                    <a:lstStyle/>
+                    <a:p>
+                      <a:pPr marL="0" marR="0" lvl="0" indent="0" algn="l" defTabSz="914400" rtl="0" eaLnBrk="1" fontAlgn="auto" latinLnBrk="0" hangingPunct="1">
+                        <a:lnSpc>
+                          <a:spcPct val="100000"/>
+                        </a:lnSpc>
+                        <a:spcBef>
+                          <a:spcPts val="0"/>
+                        </a:spcBef>
+                        <a:spcAft>
+                          <a:spcPts val="0"/>
+                        </a:spcAft>
+                        <a:buClrTx/>
+                        <a:buSzTx/>
+                        <a:buFontTx/>
+                        <a:buNone/>
+                        <a:tabLst/>
+                        <a:defRPr/>
+                      </a:pPr>
+                      <a:r>
+                        <a:rPr lang="en-US" sz="1400" dirty="0"/>
+                        <a:t>Averaged annually for Jan-Jun</a:t>
+                      </a:r>
+                    </a:p>
+                  </a:txBody>
+                  <a:tcPr/>
+                </a:tc>
+                <a:extLst>
+                  <a:ext uri="{0D108BD9-81ED-4DB2-BD59-A6C34878D82A}">
+                    <a16:rowId xmlns:a16="http://schemas.microsoft.com/office/drawing/2014/main" val="1238983187"/>
+                  </a:ext>
+                </a:extLst>
+              </a:tr>
+            </a:tbl>
           </a:graphicData>
         </a:graphic>
       </p:graphicFrame>
@@ -15109,95 +9407,6 @@
 </file>
 
 <file path=ppt/slides/slide7.xml><?xml version="1.0" encoding="utf-8"?>
-<p:sld xmlns:a="http://schemas.openxmlformats.org/drawingml/2006/main" xmlns:r="http://schemas.openxmlformats.org/officeDocument/2006/relationships" xmlns:p="http://schemas.openxmlformats.org/presentationml/2006/main">
-  <p:cSld>
-    <p:spTree>
-      <p:nvGrpSpPr>
-        <p:cNvPr id="1" name=""/>
-        <p:cNvGrpSpPr/>
-        <p:nvPr/>
-      </p:nvGrpSpPr>
-      <p:grpSpPr>
-        <a:xfrm>
-          <a:off x="0" y="0"/>
-          <a:ext cx="0" cy="0"/>
-          <a:chOff x="0" y="0"/>
-          <a:chExt cx="0" cy="0"/>
-        </a:xfrm>
-      </p:grpSpPr>
-      <p:sp>
-        <p:nvSpPr>
-          <p:cNvPr id="2" name="Title 1">
-            <a:extLst>
-              <a:ext uri="{FF2B5EF4-FFF2-40B4-BE49-F238E27FC236}">
-                <a16:creationId xmlns:a16="http://schemas.microsoft.com/office/drawing/2014/main" id="{88242E69-81E1-00C5-DF1D-9C97FBD50637}"/>
-              </a:ext>
-            </a:extLst>
-          </p:cNvPr>
-          <p:cNvSpPr>
-            <a:spLocks noGrp="1"/>
-          </p:cNvSpPr>
-          <p:nvPr>
-            <p:ph type="title"/>
-          </p:nvPr>
-        </p:nvSpPr>
-        <p:spPr/>
-        <p:txBody>
-          <a:bodyPr/>
-          <a:lstStyle/>
-          <a:p>
-            <a:r>
-              <a:rPr lang="en-US" dirty="0"/>
-              <a:t>Model Selection</a:t>
-            </a:r>
-          </a:p>
-        </p:txBody>
-      </p:sp>
-      <p:graphicFrame>
-        <p:nvGraphicFramePr>
-          <p:cNvPr id="4" name="Content Placeholder 3">
-            <a:extLst>
-              <a:ext uri="{FF2B5EF4-FFF2-40B4-BE49-F238E27FC236}">
-                <a16:creationId xmlns:a16="http://schemas.microsoft.com/office/drawing/2014/main" id="{29BD1F5D-FA58-F6E1-E7D9-0EE9C0342F85}"/>
-              </a:ext>
-            </a:extLst>
-          </p:cNvPr>
-          <p:cNvGraphicFramePr>
-            <a:graphicFrameLocks noGrp="1"/>
-          </p:cNvGraphicFramePr>
-          <p:nvPr>
-            <p:ph idx="1"/>
-            <p:extLst>
-              <p:ext uri="{D42A27DB-BD31-4B8C-83A1-F6EECF244321}">
-                <p14:modId xmlns:p14="http://schemas.microsoft.com/office/powerpoint/2010/main" val="4090954241"/>
-              </p:ext>
-            </p:extLst>
-          </p:nvPr>
-        </p:nvGraphicFramePr>
-        <p:xfrm>
-          <a:off x="838200" y="1825625"/>
-          <a:ext cx="10515600" cy="4351338"/>
-        </p:xfrm>
-        <a:graphic>
-          <a:graphicData uri="http://schemas.openxmlformats.org/drawingml/2006/diagram">
-            <dgm:relIds xmlns:dgm="http://schemas.openxmlformats.org/drawingml/2006/diagram" xmlns:r="http://schemas.openxmlformats.org/officeDocument/2006/relationships" r:dm="rId2" r:lo="rId3" r:qs="rId4" r:cs="rId5"/>
-          </a:graphicData>
-        </a:graphic>
-      </p:graphicFrame>
-    </p:spTree>
-    <p:extLst>
-      <p:ext uri="{BB962C8B-B14F-4D97-AF65-F5344CB8AC3E}">
-        <p14:creationId xmlns:p14="http://schemas.microsoft.com/office/powerpoint/2010/main" val="2248041258"/>
-      </p:ext>
-    </p:extLst>
-  </p:cSld>
-  <p:clrMapOvr>
-    <a:masterClrMapping/>
-  </p:clrMapOvr>
-</p:sld>
-</file>
-
-<file path=ppt/slides/slide8.xml><?xml version="1.0" encoding="utf-8"?>
 <p:sld xmlns:a="http://schemas.openxmlformats.org/drawingml/2006/main" xmlns:r="http://schemas.openxmlformats.org/officeDocument/2006/relationships" xmlns:p="http://schemas.openxmlformats.org/presentationml/2006/main">
   <p:cSld>
     <p:spTree>
@@ -15316,7 +9525,7 @@
 </p:sld>
 </file>
 
-<file path=ppt/slides/slide9.xml><?xml version="1.0" encoding="utf-8"?>
+<file path=ppt/slides/slide8.xml><?xml version="1.0" encoding="utf-8"?>
 <p:sld xmlns:a="http://schemas.openxmlformats.org/drawingml/2006/main" xmlns:r="http://schemas.openxmlformats.org/officeDocument/2006/relationships" xmlns:p="http://schemas.openxmlformats.org/presentationml/2006/main">
   <p:cSld>
     <p:spTree>
@@ -15641,6 +9850,139 @@
     <p:extLst>
       <p:ext uri="{BB962C8B-B14F-4D97-AF65-F5344CB8AC3E}">
         <p14:creationId xmlns:p14="http://schemas.microsoft.com/office/powerpoint/2010/main" val="1842736698"/>
+      </p:ext>
+    </p:extLst>
+  </p:cSld>
+  <p:clrMapOvr>
+    <a:masterClrMapping/>
+  </p:clrMapOvr>
+</p:sld>
+</file>
+
+<file path=ppt/slides/slide9.xml><?xml version="1.0" encoding="utf-8"?>
+<p:sld xmlns:a="http://schemas.openxmlformats.org/drawingml/2006/main" xmlns:r="http://schemas.openxmlformats.org/officeDocument/2006/relationships" xmlns:p="http://schemas.openxmlformats.org/presentationml/2006/main">
+  <p:cSld>
+    <p:spTree>
+      <p:nvGrpSpPr>
+        <p:cNvPr id="1" name=""/>
+        <p:cNvGrpSpPr/>
+        <p:nvPr/>
+      </p:nvGrpSpPr>
+      <p:grpSpPr>
+        <a:xfrm>
+          <a:off x="0" y="0"/>
+          <a:ext cx="0" cy="0"/>
+          <a:chOff x="0" y="0"/>
+          <a:chExt cx="0" cy="0"/>
+        </a:xfrm>
+      </p:grpSpPr>
+      <p:sp>
+        <p:nvSpPr>
+          <p:cNvPr id="2" name="Title 1">
+            <a:extLst>
+              <a:ext uri="{FF2B5EF4-FFF2-40B4-BE49-F238E27FC236}">
+                <a16:creationId xmlns:a16="http://schemas.microsoft.com/office/drawing/2014/main" id="{286A0E61-832B-E11F-B624-815F2EFE01DA}"/>
+              </a:ext>
+            </a:extLst>
+          </p:cNvPr>
+          <p:cNvSpPr>
+            <a:spLocks noGrp="1"/>
+          </p:cNvSpPr>
+          <p:nvPr>
+            <p:ph type="title"/>
+          </p:nvPr>
+        </p:nvSpPr>
+        <p:spPr/>
+        <p:txBody>
+          <a:bodyPr/>
+          <a:lstStyle/>
+          <a:p>
+            <a:r>
+              <a:rPr lang="en-US" b="1" dirty="0">
+                <a:solidFill>
+                  <a:schemeClr val="bg1"/>
+                </a:solidFill>
+              </a:rPr>
+              <a:t>How well does it predict?</a:t>
+            </a:r>
+          </a:p>
+        </p:txBody>
+      </p:sp>
+      <p:pic>
+        <p:nvPicPr>
+          <p:cNvPr id="6" name="Content Placeholder 5" descr="Chart, box and whisker chart&#10;&#10;AI-generated content may be incorrect.">
+            <a:extLst>
+              <a:ext uri="{FF2B5EF4-FFF2-40B4-BE49-F238E27FC236}">
+                <a16:creationId xmlns:a16="http://schemas.microsoft.com/office/drawing/2014/main" id="{D899EAEA-C98A-56E8-4AA0-8919854675FF}"/>
+              </a:ext>
+            </a:extLst>
+          </p:cNvPr>
+          <p:cNvPicPr>
+            <a:picLocks noGrp="1" noChangeAspect="1"/>
+          </p:cNvPicPr>
+          <p:nvPr>
+            <p:ph idx="1"/>
+          </p:nvPr>
+        </p:nvPicPr>
+        <p:blipFill>
+          <a:blip r:embed="rId2">
+            <a:extLst>
+              <a:ext uri="{28A0092B-C50C-407E-A947-70E740481C1C}">
+                <a14:useLocalDpi xmlns:a14="http://schemas.microsoft.com/office/drawing/2010/main" val="0"/>
+              </a:ext>
+            </a:extLst>
+          </a:blip>
+          <a:stretch>
+            <a:fillRect/>
+          </a:stretch>
+        </p:blipFill>
+        <p:spPr>
+          <a:xfrm>
+            <a:off x="409012" y="1760706"/>
+            <a:ext cx="5686988" cy="4265242"/>
+          </a:xfrm>
+        </p:spPr>
+      </p:pic>
+      <p:pic>
+        <p:nvPicPr>
+          <p:cNvPr id="10" name="Picture 9" descr="Chart, scatter chart&#10;&#10;AI-generated content may be incorrect.">
+            <a:extLst>
+              <a:ext uri="{FF2B5EF4-FFF2-40B4-BE49-F238E27FC236}">
+                <a16:creationId xmlns:a16="http://schemas.microsoft.com/office/drawing/2014/main" id="{9E3598DB-9C07-80D8-EFED-72C05A2F1B28}"/>
+              </a:ext>
+            </a:extLst>
+          </p:cNvPr>
+          <p:cNvPicPr>
+            <a:picLocks noChangeAspect="1"/>
+          </p:cNvPicPr>
+          <p:nvPr/>
+        </p:nvPicPr>
+        <p:blipFill>
+          <a:blip r:embed="rId3">
+            <a:extLst>
+              <a:ext uri="{28A0092B-C50C-407E-A947-70E740481C1C}">
+                <a14:useLocalDpi xmlns:a14="http://schemas.microsoft.com/office/drawing/2010/main" val="0"/>
+              </a:ext>
+            </a:extLst>
+          </a:blip>
+          <a:stretch>
+            <a:fillRect/>
+          </a:stretch>
+        </p:blipFill>
+        <p:spPr>
+          <a:xfrm>
+            <a:off x="6096000" y="1760707"/>
+            <a:ext cx="5686988" cy="4265241"/>
+          </a:xfrm>
+          <a:prstGeom prst="rect">
+            <a:avLst/>
+          </a:prstGeom>
+        </p:spPr>
+      </p:pic>
+    </p:spTree>
+    <p:extLst>
+      <p:ext uri="{BB962C8B-B14F-4D97-AF65-F5344CB8AC3E}">
+        <p14:creationId xmlns:p14="http://schemas.microsoft.com/office/powerpoint/2010/main" val="2379978136"/>
       </p:ext>
     </p:extLst>
   </p:cSld>
